--- a/代码测试/代码实现PPTv0.0.1.pptx
+++ b/代码测试/代码实现PPTv0.0.1.pptx
@@ -5,7 +5,7 @@
     <p:sldMasterId id="2147483648" r:id="rId1"/>
   </p:sldMasterIdLst>
   <p:notesMasterIdLst>
-    <p:notesMasterId r:id="rId18"/>
+    <p:notesMasterId r:id="rId19"/>
   </p:notesMasterIdLst>
   <p:sldIdLst>
     <p:sldId id="597" r:id="rId2"/>
@@ -23,7 +23,8 @@
     <p:sldId id="626" r:id="rId14"/>
     <p:sldId id="615" r:id="rId15"/>
     <p:sldId id="619" r:id="rId16"/>
-    <p:sldId id="616" r:id="rId17"/>
+    <p:sldId id="627" r:id="rId17"/>
+    <p:sldId id="616" r:id="rId18"/>
   </p:sldIdLst>
   <p:sldSz cx="12192000" cy="6858000"/>
   <p:notesSz cx="6858000" cy="9144000"/>
@@ -125,7 +126,7 @@
   <p:extLst>
     <p:ext uri="{EFAFB233-063F-42B5-8137-9DF3F51BA10A}">
       <p15:sldGuideLst xmlns:p15="http://schemas.microsoft.com/office/powerpoint/2012/main">
-        <p15:guide id="1" orient="horz" pos="2160" userDrawn="1">
+        <p15:guide id="1" orient="horz" pos="2137" userDrawn="1">
           <p15:clr>
             <a:srgbClr val="A4A3A4"/>
           </p15:clr>
@@ -146,7 +147,7 @@
   <pc:docChgLst>
     <pc:chgData name="邹 雨哲" userId="e28be67ac78edb3b" providerId="LiveId" clId="{ADB36D0B-E935-4AFA-8B9F-98FAB3C087ED}"/>
     <pc:docChg chg="undo custSel addSld delSld modSld">
-      <pc:chgData name="邹 雨哲" userId="e28be67ac78edb3b" providerId="LiveId" clId="{ADB36D0B-E935-4AFA-8B9F-98FAB3C087ED}" dt="2022-12-17T23:54:16.591" v="1123" actId="20577"/>
+      <pc:chgData name="邹 雨哲" userId="e28be67ac78edb3b" providerId="LiveId" clId="{ADB36D0B-E935-4AFA-8B9F-98FAB3C087ED}" dt="2022-12-18T00:10:07.598" v="1210" actId="1076"/>
       <pc:docMkLst>
         <pc:docMk/>
       </pc:docMkLst>
@@ -410,7 +411,7 @@
         </pc:sldMkLst>
       </pc:sldChg>
       <pc:sldChg chg="addSp delSp modSp add mod">
-        <pc:chgData name="邹 雨哲" userId="e28be67ac78edb3b" providerId="LiveId" clId="{ADB36D0B-E935-4AFA-8B9F-98FAB3C087ED}" dt="2022-12-17T23:52:13.681" v="1003" actId="20577"/>
+        <pc:chgData name="邹 雨哲" userId="e28be67ac78edb3b" providerId="LiveId" clId="{ADB36D0B-E935-4AFA-8B9F-98FAB3C087ED}" dt="2022-12-18T00:06:10.125" v="1159" actId="20577"/>
         <pc:sldMkLst>
           <pc:docMk/>
           <pc:sldMk cId="3951491582" sldId="619"/>
@@ -432,7 +433,7 @@
           </ac:spMkLst>
         </pc:spChg>
         <pc:spChg chg="add mod">
-          <ac:chgData name="邹 雨哲" userId="e28be67ac78edb3b" providerId="LiveId" clId="{ADB36D0B-E935-4AFA-8B9F-98FAB3C087ED}" dt="2022-12-17T23:52:13.681" v="1003" actId="20577"/>
+          <ac:chgData name="邹 雨哲" userId="e28be67ac78edb3b" providerId="LiveId" clId="{ADB36D0B-E935-4AFA-8B9F-98FAB3C087ED}" dt="2022-12-18T00:06:10.125" v="1159" actId="20577"/>
           <ac:spMkLst>
             <pc:docMk/>
             <pc:sldMk cId="3951491582" sldId="619"/>
@@ -507,13 +508,13 @@
         </pc:sldMkLst>
       </pc:sldChg>
       <pc:sldChg chg="modSp add mod">
-        <pc:chgData name="邹 雨哲" userId="e28be67ac78edb3b" providerId="LiveId" clId="{ADB36D0B-E935-4AFA-8B9F-98FAB3C087ED}" dt="2022-12-17T23:53:48.054" v="1087" actId="20577"/>
+        <pc:chgData name="邹 雨哲" userId="e28be67ac78edb3b" providerId="LiveId" clId="{ADB36D0B-E935-4AFA-8B9F-98FAB3C087ED}" dt="2022-12-18T00:04:43.282" v="1137" actId="20577"/>
         <pc:sldMkLst>
           <pc:docMk/>
           <pc:sldMk cId="2669766904" sldId="624"/>
         </pc:sldMkLst>
         <pc:spChg chg="mod">
-          <ac:chgData name="邹 雨哲" userId="e28be67ac78edb3b" providerId="LiveId" clId="{ADB36D0B-E935-4AFA-8B9F-98FAB3C087ED}" dt="2022-12-17T23:53:48.054" v="1087" actId="20577"/>
+          <ac:chgData name="邹 雨哲" userId="e28be67ac78edb3b" providerId="LiveId" clId="{ADB36D0B-E935-4AFA-8B9F-98FAB3C087ED}" dt="2022-12-18T00:04:43.282" v="1137" actId="20577"/>
           <ac:spMkLst>
             <pc:docMk/>
             <pc:sldMk cId="2669766904" sldId="624"/>
@@ -529,13 +530,13 @@
         </pc:sldMkLst>
       </pc:sldChg>
       <pc:sldChg chg="modSp add mod">
-        <pc:chgData name="邹 雨哲" userId="e28be67ac78edb3b" providerId="LiveId" clId="{ADB36D0B-E935-4AFA-8B9F-98FAB3C087ED}" dt="2022-12-17T23:54:00.216" v="1108" actId="20577"/>
+        <pc:chgData name="邹 雨哲" userId="e28be67ac78edb3b" providerId="LiveId" clId="{ADB36D0B-E935-4AFA-8B9F-98FAB3C087ED}" dt="2022-12-18T00:04:52.486" v="1146" actId="20577"/>
         <pc:sldMkLst>
           <pc:docMk/>
           <pc:sldMk cId="3743213867" sldId="625"/>
         </pc:sldMkLst>
         <pc:spChg chg="mod">
-          <ac:chgData name="邹 雨哲" userId="e28be67ac78edb3b" providerId="LiveId" clId="{ADB36D0B-E935-4AFA-8B9F-98FAB3C087ED}" dt="2022-12-17T23:54:00.216" v="1108" actId="20577"/>
+          <ac:chgData name="邹 雨哲" userId="e28be67ac78edb3b" providerId="LiveId" clId="{ADB36D0B-E935-4AFA-8B9F-98FAB3C087ED}" dt="2022-12-18T00:04:52.486" v="1146" actId="20577"/>
           <ac:spMkLst>
             <pc:docMk/>
             <pc:sldMk cId="3743213867" sldId="625"/>
@@ -543,20 +544,44 @@
           </ac:spMkLst>
         </pc:spChg>
       </pc:sldChg>
-      <pc:sldChg chg="modSp add mod">
-        <pc:chgData name="邹 雨哲" userId="e28be67ac78edb3b" providerId="LiveId" clId="{ADB36D0B-E935-4AFA-8B9F-98FAB3C087ED}" dt="2022-12-17T23:54:16.591" v="1123" actId="20577"/>
+      <pc:sldChg chg="addSp delSp modSp add mod">
+        <pc:chgData name="邹 雨哲" userId="e28be67ac78edb3b" providerId="LiveId" clId="{ADB36D0B-E935-4AFA-8B9F-98FAB3C087ED}" dt="2022-12-18T00:10:07.598" v="1210" actId="1076"/>
         <pc:sldMkLst>
           <pc:docMk/>
           <pc:sldMk cId="433673116" sldId="626"/>
         </pc:sldMkLst>
         <pc:spChg chg="mod">
-          <ac:chgData name="邹 雨哲" userId="e28be67ac78edb3b" providerId="LiveId" clId="{ADB36D0B-E935-4AFA-8B9F-98FAB3C087ED}" dt="2022-12-17T23:54:16.591" v="1123" actId="20577"/>
+          <ac:chgData name="邹 雨哲" userId="e28be67ac78edb3b" providerId="LiveId" clId="{ADB36D0B-E935-4AFA-8B9F-98FAB3C087ED}" dt="2022-12-18T00:05:02.844" v="1158" actId="20577"/>
           <ac:spMkLst>
             <pc:docMk/>
             <pc:sldMk cId="433673116" sldId="626"/>
             <ac:spMk id="27" creationId="{00000000-0000-0000-0000-000000000000}"/>
           </ac:spMkLst>
         </pc:spChg>
+        <pc:picChg chg="add del mod">
+          <ac:chgData name="邹 雨哲" userId="e28be67ac78edb3b" providerId="LiveId" clId="{ADB36D0B-E935-4AFA-8B9F-98FAB3C087ED}" dt="2022-12-18T00:07:33.551" v="1196" actId="478"/>
+          <ac:picMkLst>
+            <pc:docMk/>
+            <pc:sldMk cId="433673116" sldId="626"/>
+            <ac:picMk id="4" creationId="{B136F5A8-62C2-6EAC-69BE-199460DA127F}"/>
+          </ac:picMkLst>
+        </pc:picChg>
+        <pc:picChg chg="add mod modCrop">
+          <ac:chgData name="邹 雨哲" userId="e28be67ac78edb3b" providerId="LiveId" clId="{ADB36D0B-E935-4AFA-8B9F-98FAB3C087ED}" dt="2022-12-18T00:10:06.115" v="1209" actId="1076"/>
+          <ac:picMkLst>
+            <pc:docMk/>
+            <pc:sldMk cId="433673116" sldId="626"/>
+            <ac:picMk id="6" creationId="{6346779A-5D48-F6AE-2AD5-4A755020F159}"/>
+          </ac:picMkLst>
+        </pc:picChg>
+        <pc:picChg chg="add mod">
+          <ac:chgData name="邹 雨哲" userId="e28be67ac78edb3b" providerId="LiveId" clId="{ADB36D0B-E935-4AFA-8B9F-98FAB3C087ED}" dt="2022-12-18T00:10:07.598" v="1210" actId="1076"/>
+          <ac:picMkLst>
+            <pc:docMk/>
+            <pc:sldMk cId="433673116" sldId="626"/>
+            <ac:picMk id="8" creationId="{6A84CE4C-284A-B99E-6CD3-420CB63BC080}"/>
+          </ac:picMkLst>
+        </pc:picChg>
       </pc:sldChg>
       <pc:sldChg chg="add del">
         <pc:chgData name="邹 雨哲" userId="e28be67ac78edb3b" providerId="LiveId" clId="{ADB36D0B-E935-4AFA-8B9F-98FAB3C087ED}" dt="2022-12-17T23:39:58.177" v="124" actId="47"/>
@@ -564,6 +589,29 @@
           <pc:docMk/>
           <pc:sldMk cId="3207675719" sldId="626"/>
         </pc:sldMkLst>
+      </pc:sldChg>
+      <pc:sldChg chg="delSp modSp add mod">
+        <pc:chgData name="邹 雨哲" userId="e28be67ac78edb3b" providerId="LiveId" clId="{ADB36D0B-E935-4AFA-8B9F-98FAB3C087ED}" dt="2022-12-18T00:06:45.062" v="1193" actId="20577"/>
+        <pc:sldMkLst>
+          <pc:docMk/>
+          <pc:sldMk cId="365202009" sldId="627"/>
+        </pc:sldMkLst>
+        <pc:spChg chg="del">
+          <ac:chgData name="邹 雨哲" userId="e28be67ac78edb3b" providerId="LiveId" clId="{ADB36D0B-E935-4AFA-8B9F-98FAB3C087ED}" dt="2022-12-18T00:06:35.752" v="1161" actId="478"/>
+          <ac:spMkLst>
+            <pc:docMk/>
+            <pc:sldMk cId="365202009" sldId="627"/>
+            <ac:spMk id="5" creationId="{96B54299-C091-10F4-FBF4-CDF65722920F}"/>
+          </ac:spMkLst>
+        </pc:spChg>
+        <pc:spChg chg="mod">
+          <ac:chgData name="邹 雨哲" userId="e28be67ac78edb3b" providerId="LiveId" clId="{ADB36D0B-E935-4AFA-8B9F-98FAB3C087ED}" dt="2022-12-18T00:06:45.062" v="1193" actId="20577"/>
+          <ac:spMkLst>
+            <pc:docMk/>
+            <pc:sldMk cId="365202009" sldId="627"/>
+            <ac:spMk id="27" creationId="{00000000-0000-0000-0000-000000000000}"/>
+          </ac:spMkLst>
+        </pc:spChg>
       </pc:sldChg>
       <pc:sldChg chg="add del">
         <pc:chgData name="邹 雨哲" userId="e28be67ac78edb3b" providerId="LiveId" clId="{ADB36D0B-E935-4AFA-8B9F-98FAB3C087ED}" dt="2022-12-17T23:39:58.700" v="125" actId="47"/>
@@ -1358,6 +1406,90 @@
     <p:extLst>
       <p:ext uri="{BB962C8B-B14F-4D97-AF65-F5344CB8AC3E}">
         <p14:creationId xmlns:p14="http://schemas.microsoft.com/office/powerpoint/2010/main" val="926058462"/>
+      </p:ext>
+    </p:extLst>
+  </p:cSld>
+  <p:clrMapOvr>
+    <a:masterClrMapping/>
+  </p:clrMapOvr>
+</p:notes>
+</file>
+
+<file path=ppt/notesSlides/notesSlide14.xml><?xml version="1.0" encoding="utf-8"?>
+<p:notes xmlns:a="http://schemas.openxmlformats.org/drawingml/2006/main" xmlns:r="http://schemas.openxmlformats.org/officeDocument/2006/relationships" xmlns:p="http://schemas.openxmlformats.org/presentationml/2006/main">
+  <p:cSld>
+    <p:spTree>
+      <p:nvGrpSpPr>
+        <p:cNvPr id="1" name=""/>
+        <p:cNvGrpSpPr/>
+        <p:nvPr/>
+      </p:nvGrpSpPr>
+      <p:grpSpPr>
+        <a:xfrm>
+          <a:off x="0" y="0"/>
+          <a:ext cx="0" cy="0"/>
+          <a:chOff x="0" y="0"/>
+          <a:chExt cx="0" cy="0"/>
+        </a:xfrm>
+      </p:grpSpPr>
+      <p:sp>
+        <p:nvSpPr>
+          <p:cNvPr id="2" name="Slide Image Placeholder 1"/>
+          <p:cNvSpPr>
+            <a:spLocks noGrp="1" noRot="1" noChangeAspect="1"/>
+          </p:cNvSpPr>
+          <p:nvPr>
+            <p:ph type="sldImg"/>
+          </p:nvPr>
+        </p:nvSpPr>
+        <p:spPr/>
+      </p:sp>
+      <p:sp>
+        <p:nvSpPr>
+          <p:cNvPr id="3" name="Notes Placeholder 2"/>
+          <p:cNvSpPr>
+            <a:spLocks noGrp="1"/>
+          </p:cNvSpPr>
+          <p:nvPr>
+            <p:ph type="body" idx="1"/>
+          </p:nvPr>
+        </p:nvSpPr>
+        <p:spPr/>
+        <p:txBody>
+          <a:bodyPr/>
+          <a:lstStyle/>
+          <a:p>
+            <a:endParaRPr lang="en-US" dirty="0"/>
+          </a:p>
+        </p:txBody>
+      </p:sp>
+      <p:sp>
+        <p:nvSpPr>
+          <p:cNvPr id="4" name="Slide Number Placeholder 3"/>
+          <p:cNvSpPr>
+            <a:spLocks noGrp="1"/>
+          </p:cNvSpPr>
+          <p:nvPr>
+            <p:ph type="sldNum" sz="quarter" idx="10"/>
+          </p:nvPr>
+        </p:nvSpPr>
+        <p:spPr/>
+        <p:txBody>
+          <a:bodyPr/>
+          <a:lstStyle/>
+          <a:p>
+            <a:fld id="{45C73934-D492-4443-9427-018DE5D6DDA5}" type="slidenum">
+              <a:rPr lang="en-US" smtClean="0"/>
+              <a:t>16</a:t>
+            </a:fld>
+            <a:endParaRPr lang="en-US" dirty="0"/>
+          </a:p>
+        </p:txBody>
+      </p:sp>
+    </p:spTree>
+    <p:extLst>
+      <p:ext uri="{BB962C8B-B14F-4D97-AF65-F5344CB8AC3E}">
+        <p14:creationId xmlns:p14="http://schemas.microsoft.com/office/powerpoint/2010/main" val="3581100091"/>
       </p:ext>
     </p:extLst>
   </p:cSld>
@@ -7148,7 +7280,7 @@
                 <a:cs typeface="+mn-ea"/>
                 <a:sym typeface="+mn-lt"/>
               </a:rPr>
-              <a:t>软件用户测试</a:t>
+              <a:t>用户手册</a:t>
             </a:r>
             <a:endParaRPr lang="en-US" altLang="zh-CN" sz="3599" b="1" dirty="0">
               <a:solidFill>
@@ -7340,7 +7472,7 @@
                 <a:cs typeface="+mn-ea"/>
                 <a:sym typeface="+mn-lt"/>
               </a:rPr>
-              <a:t>用户手册</a:t>
+              <a:t>用户反馈</a:t>
             </a:r>
             <a:endParaRPr lang="en-US" altLang="zh-CN" sz="3599" b="1" dirty="0">
               <a:solidFill>
@@ -7532,7 +7664,7 @@
                 <a:cs typeface="+mn-ea"/>
                 <a:sym typeface="+mn-lt"/>
               </a:rPr>
-              <a:t>用户反馈</a:t>
+              <a:t>会议纪要</a:t>
             </a:r>
             <a:endParaRPr lang="en-US" altLang="zh-CN" sz="3599" b="1" dirty="0">
               <a:solidFill>
@@ -7548,6 +7680,65 @@
           </a:p>
         </p:txBody>
       </p:sp>
+      <p:pic>
+        <p:nvPicPr>
+          <p:cNvPr id="6" name="图片 5">
+            <a:extLst>
+              <a:ext uri="{FF2B5EF4-FFF2-40B4-BE49-F238E27FC236}">
+                <a16:creationId xmlns:a16="http://schemas.microsoft.com/office/drawing/2014/main" id="{6346779A-5D48-F6AE-2AD5-4A755020F159}"/>
+              </a:ext>
+            </a:extLst>
+          </p:cNvPr>
+          <p:cNvPicPr>
+            <a:picLocks noChangeAspect="1"/>
+          </p:cNvPicPr>
+          <p:nvPr/>
+        </p:nvPicPr>
+        <p:blipFill rotWithShape="1">
+          <a:blip r:embed="rId3"/>
+          <a:srcRect t="1990" b="1803"/>
+          <a:stretch/>
+        </p:blipFill>
+        <p:spPr>
+          <a:xfrm>
+            <a:off x="849694" y="1904658"/>
+            <a:ext cx="4858428" cy="2373745"/>
+          </a:xfrm>
+          <a:prstGeom prst="rect">
+            <a:avLst/>
+          </a:prstGeom>
+        </p:spPr>
+      </p:pic>
+      <p:pic>
+        <p:nvPicPr>
+          <p:cNvPr id="8" name="图片 7">
+            <a:extLst>
+              <a:ext uri="{FF2B5EF4-FFF2-40B4-BE49-F238E27FC236}">
+                <a16:creationId xmlns:a16="http://schemas.microsoft.com/office/drawing/2014/main" id="{6A84CE4C-284A-B99E-6CD3-420CB63BC080}"/>
+              </a:ext>
+            </a:extLst>
+          </p:cNvPr>
+          <p:cNvPicPr>
+            <a:picLocks noChangeAspect="1"/>
+          </p:cNvPicPr>
+          <p:nvPr/>
+        </p:nvPicPr>
+        <p:blipFill>
+          <a:blip r:embed="rId4"/>
+          <a:stretch>
+            <a:fillRect/>
+          </a:stretch>
+        </p:blipFill>
+        <p:spPr>
+          <a:xfrm>
+            <a:off x="6464825" y="990974"/>
+            <a:ext cx="4877481" cy="4201111"/>
+          </a:xfrm>
+          <a:prstGeom prst="rect">
+            <a:avLst/>
+          </a:prstGeom>
+        </p:spPr>
+      </p:pic>
     </p:spTree>
     <p:extLst>
       <p:ext uri="{BB962C8B-B14F-4D97-AF65-F5344CB8AC3E}">
@@ -8179,7 +8370,7 @@
         <p:spPr>
           <a:xfrm>
             <a:off x="671945" y="1803406"/>
-            <a:ext cx="7114310" cy="2333459"/>
+            <a:ext cx="7114310" cy="917687"/>
           </a:xfrm>
           <a:prstGeom prst="rect">
             <a:avLst/>
@@ -8228,276 +8419,6 @@
               </a:rPr>
               <a:t>[2] 软件需求（第3版）[M]北京：清华大学出版社</a:t>
             </a:r>
-          </a:p>
-          <a:p>
-            <a:pPr>
-              <a:lnSpc>
-                <a:spcPct val="115000"/>
-              </a:lnSpc>
-            </a:pPr>
-            <a:r>
-              <a:rPr lang="zh-CN" altLang="zh-CN" sz="1600" dirty="0">
-                <a:solidFill>
-                  <a:srgbClr val="445469"/>
-                </a:solidFill>
-                <a:latin typeface="Arial"/>
-                <a:ea typeface="宋体" pitchFamily="2" charset="-122"/>
-                <a:cs typeface="Times New Roman" panose="02020603050405020304" charset="0"/>
-                <a:sym typeface="+mn-ea"/>
-              </a:rPr>
-              <a:t>[3] GB/T 8567-2006.国标《计算机软件文档编制规范》</a:t>
-            </a:r>
-          </a:p>
-          <a:p>
-            <a:pPr>
-              <a:lnSpc>
-                <a:spcPct val="115000"/>
-              </a:lnSpc>
-            </a:pPr>
-            <a:r>
-              <a:rPr lang="zh-CN" altLang="zh-CN" sz="1600" dirty="0">
-                <a:solidFill>
-                  <a:srgbClr val="445469"/>
-                </a:solidFill>
-                <a:latin typeface="Arial"/>
-                <a:ea typeface="宋体" pitchFamily="2" charset="-122"/>
-                <a:cs typeface="Times New Roman" panose="02020603050405020304" charset="0"/>
-                <a:sym typeface="+mn-ea"/>
-              </a:rPr>
-              <a:t>[4]</a:t>
-            </a:r>
-            <a:r>
-              <a:rPr lang="zh-CN" altLang="en-US" sz="1600" dirty="0">
-                <a:solidFill>
-                  <a:srgbClr val="445469"/>
-                </a:solidFill>
-                <a:latin typeface="Arial"/>
-                <a:ea typeface="宋体" pitchFamily="2" charset="-122"/>
-                <a:cs typeface="Times New Roman" panose="02020603050405020304" charset="0"/>
-                <a:sym typeface="+mn-ea"/>
-              </a:rPr>
-              <a:t>软件需求规格说明</a:t>
-            </a:r>
-            <a:r>
-              <a:rPr lang="en-US" altLang="zh-CN" sz="1600" dirty="0">
-                <a:solidFill>
-                  <a:srgbClr val="445469"/>
-                </a:solidFill>
-                <a:latin typeface="Arial"/>
-                <a:ea typeface="宋体" pitchFamily="2" charset="-122"/>
-                <a:cs typeface="Times New Roman" panose="02020603050405020304" charset="0"/>
-                <a:sym typeface="+mn-ea"/>
-              </a:rPr>
-              <a:t>v0.1.1</a:t>
-            </a:r>
-          </a:p>
-          <a:p>
-            <a:pPr>
-              <a:lnSpc>
-                <a:spcPct val="115000"/>
-              </a:lnSpc>
-            </a:pPr>
-            <a:r>
-              <a:rPr lang="zh-CN" altLang="zh-CN" sz="1600" dirty="0">
-                <a:solidFill>
-                  <a:srgbClr val="445469"/>
-                </a:solidFill>
-                <a:latin typeface="Arial"/>
-                <a:ea typeface="宋体" pitchFamily="2" charset="-122"/>
-                <a:cs typeface="Times New Roman" panose="02020603050405020304" charset="0"/>
-                <a:sym typeface="+mn-ea"/>
-              </a:rPr>
-              <a:t>[</a:t>
-            </a:r>
-            <a:r>
-              <a:rPr lang="en-US" altLang="zh-CN" sz="1600" dirty="0">
-                <a:solidFill>
-                  <a:srgbClr val="445469"/>
-                </a:solidFill>
-                <a:latin typeface="Arial"/>
-                <a:ea typeface="宋体" pitchFamily="2" charset="-122"/>
-                <a:cs typeface="Times New Roman" panose="02020603050405020304" charset="0"/>
-                <a:sym typeface="+mn-ea"/>
-              </a:rPr>
-              <a:t>5</a:t>
-            </a:r>
-            <a:r>
-              <a:rPr lang="zh-CN" altLang="zh-CN" sz="1600" dirty="0">
-                <a:solidFill>
-                  <a:srgbClr val="445469"/>
-                </a:solidFill>
-                <a:latin typeface="Arial"/>
-                <a:ea typeface="宋体" pitchFamily="2" charset="-122"/>
-                <a:cs typeface="Times New Roman" panose="02020603050405020304" charset="0"/>
-                <a:sym typeface="+mn-ea"/>
-              </a:rPr>
-              <a:t>]</a:t>
-            </a:r>
-            <a:r>
-              <a:rPr lang="en-US" altLang="zh-CN" sz="1600" dirty="0">
-                <a:solidFill>
-                  <a:srgbClr val="445469"/>
-                </a:solidFill>
-                <a:latin typeface="Arial"/>
-                <a:ea typeface="宋体" pitchFamily="2" charset="-122"/>
-                <a:cs typeface="Times New Roman" panose="02020603050405020304" charset="0"/>
-                <a:sym typeface="+mn-ea"/>
-              </a:rPr>
-              <a:t> SE2022-G06-</a:t>
-            </a:r>
-            <a:r>
-              <a:rPr lang="zh-CN" altLang="en-US" sz="1600" dirty="0">
-                <a:solidFill>
-                  <a:srgbClr val="445469"/>
-                </a:solidFill>
-                <a:latin typeface="Arial"/>
-                <a:ea typeface="宋体" pitchFamily="2" charset="-122"/>
-                <a:cs typeface="Times New Roman" panose="02020603050405020304" charset="0"/>
-                <a:sym typeface="+mn-ea"/>
-              </a:rPr>
-              <a:t>设计说明</a:t>
-            </a:r>
-            <a:r>
-              <a:rPr lang="en-US" altLang="zh-CN" sz="1600" dirty="0">
-                <a:solidFill>
-                  <a:srgbClr val="445469"/>
-                </a:solidFill>
-                <a:latin typeface="Arial"/>
-                <a:ea typeface="宋体" pitchFamily="2" charset="-122"/>
-                <a:cs typeface="Times New Roman" panose="02020603050405020304" charset="0"/>
-                <a:sym typeface="+mn-ea"/>
-              </a:rPr>
-              <a:t>v0.0.1</a:t>
-            </a:r>
-            <a:endParaRPr lang="zh-CN" altLang="zh-CN" sz="1600" dirty="0">
-              <a:solidFill>
-                <a:srgbClr val="445469"/>
-              </a:solidFill>
-              <a:latin typeface="Arial"/>
-              <a:ea typeface="宋体" pitchFamily="2" charset="-122"/>
-              <a:cs typeface="Times New Roman" panose="02020603050405020304" charset="0"/>
-              <a:sym typeface="+mn-ea"/>
-            </a:endParaRPr>
-          </a:p>
-          <a:p>
-            <a:pPr>
-              <a:lnSpc>
-                <a:spcPct val="115000"/>
-              </a:lnSpc>
-            </a:pPr>
-            <a:r>
-              <a:rPr lang="zh-CN" altLang="zh-CN" sz="1600" dirty="0">
-                <a:solidFill>
-                  <a:srgbClr val="445469"/>
-                </a:solidFill>
-                <a:latin typeface="Arial"/>
-                <a:ea typeface="宋体" pitchFamily="2" charset="-122"/>
-                <a:cs typeface="Times New Roman" panose="02020603050405020304" charset="0"/>
-                <a:sym typeface="+mn-ea"/>
-              </a:rPr>
-              <a:t>[</a:t>
-            </a:r>
-            <a:r>
-              <a:rPr lang="en-US" altLang="zh-CN" sz="1600" dirty="0">
-                <a:solidFill>
-                  <a:srgbClr val="445469"/>
-                </a:solidFill>
-                <a:latin typeface="Arial"/>
-                <a:ea typeface="宋体" pitchFamily="2" charset="-122"/>
-                <a:cs typeface="Times New Roman" panose="02020603050405020304" charset="0"/>
-                <a:sym typeface="+mn-ea"/>
-              </a:rPr>
-              <a:t>6</a:t>
-            </a:r>
-            <a:r>
-              <a:rPr lang="zh-CN" altLang="zh-CN" sz="1600" dirty="0">
-                <a:solidFill>
-                  <a:srgbClr val="445469"/>
-                </a:solidFill>
-                <a:latin typeface="Arial"/>
-                <a:ea typeface="宋体" pitchFamily="2" charset="-122"/>
-                <a:cs typeface="Times New Roman" panose="02020603050405020304" charset="0"/>
-                <a:sym typeface="+mn-ea"/>
-              </a:rPr>
-              <a:t>]</a:t>
-            </a:r>
-            <a:r>
-              <a:rPr lang="zh-CN" altLang="en-US" sz="1600" dirty="0">
-                <a:solidFill>
-                  <a:srgbClr val="445469"/>
-                </a:solidFill>
-                <a:latin typeface="Arial"/>
-                <a:ea typeface="宋体" pitchFamily="2" charset="-122"/>
-                <a:cs typeface="Times New Roman" panose="02020603050405020304" charset="0"/>
-                <a:sym typeface="+mn-ea"/>
-              </a:rPr>
-              <a:t>会议纪要</a:t>
-            </a:r>
-            <a:r>
-              <a:rPr lang="en-US" altLang="zh-CN" sz="1600" dirty="0">
-                <a:solidFill>
-                  <a:srgbClr val="445469"/>
-                </a:solidFill>
-                <a:latin typeface="Arial"/>
-                <a:ea typeface="宋体" pitchFamily="2" charset="-122"/>
-                <a:cs typeface="Times New Roman" panose="02020603050405020304" charset="0"/>
-                <a:sym typeface="+mn-ea"/>
-              </a:rPr>
-              <a:t>2022-11-13</a:t>
-            </a:r>
-          </a:p>
-          <a:p>
-            <a:pPr>
-              <a:lnSpc>
-                <a:spcPct val="115000"/>
-              </a:lnSpc>
-            </a:pPr>
-            <a:r>
-              <a:rPr lang="en-US" altLang="zh-CN" sz="1600" dirty="0">
-                <a:solidFill>
-                  <a:srgbClr val="445469"/>
-                </a:solidFill>
-                <a:latin typeface="Arial"/>
-                <a:ea typeface="宋体" pitchFamily="2" charset="-122"/>
-                <a:cs typeface="Times New Roman" panose="02020603050405020304" charset="0"/>
-                <a:sym typeface="+mn-ea"/>
-              </a:rPr>
-              <a:t>[7]</a:t>
-            </a:r>
-            <a:r>
-              <a:rPr lang="zh-CN" altLang="en-US" sz="1600" dirty="0">
-                <a:solidFill>
-                  <a:srgbClr val="445469"/>
-                </a:solidFill>
-                <a:latin typeface="Arial"/>
-                <a:ea typeface="宋体" pitchFamily="2" charset="-122"/>
-                <a:cs typeface="Times New Roman" panose="02020603050405020304" charset="0"/>
-                <a:sym typeface="+mn-ea"/>
-              </a:rPr>
-              <a:t>参考网站连接</a:t>
-            </a:r>
-            <a:r>
-              <a:rPr lang="en-US" altLang="zh-CN" sz="1600" dirty="0">
-                <a:solidFill>
-                  <a:srgbClr val="445469"/>
-                </a:solidFill>
-                <a:latin typeface="Arial"/>
-                <a:ea typeface="宋体" pitchFamily="2" charset="-122"/>
-                <a:cs typeface="Times New Roman" panose="02020603050405020304" charset="0"/>
-                <a:sym typeface="+mn-ea"/>
-                <a:hlinkClick r:id="rId3"/>
-              </a:rPr>
-              <a:t>https://blog.csdn.net/daqiang012/article/details/120306128</a:t>
-            </a:r>
-            <a:endParaRPr lang="en-US" altLang="zh-CN" sz="1600" dirty="0">
-              <a:solidFill>
-                <a:srgbClr val="445469"/>
-              </a:solidFill>
-              <a:latin typeface="Arial"/>
-              <a:ea typeface="宋体" pitchFamily="2" charset="-122"/>
-              <a:cs typeface="Times New Roman" panose="02020603050405020304" charset="0"/>
-              <a:sym typeface="+mn-ea"/>
-            </a:endParaRPr>
           </a:p>
           <a:p>
             <a:pPr>
@@ -8564,6 +8485,173 @@
       </p:grpSpPr>
       <p:sp>
         <p:nvSpPr>
+          <p:cNvPr id="2" name="等腰三角形 1">
+            <a:extLst>
+              <a:ext uri="{FF2B5EF4-FFF2-40B4-BE49-F238E27FC236}">
+                <a16:creationId xmlns:a16="http://schemas.microsoft.com/office/drawing/2014/main" id="{04D61701-643F-4104-2892-F80CDBEBE2DD}"/>
+              </a:ext>
+            </a:extLst>
+          </p:cNvPr>
+          <p:cNvSpPr/>
+          <p:nvPr/>
+        </p:nvSpPr>
+        <p:spPr>
+          <a:xfrm rot="5400000">
+            <a:off x="5190237" y="-5198360"/>
+            <a:ext cx="1811529" cy="12192003"/>
+          </a:xfrm>
+          <a:prstGeom prst="triangle">
+            <a:avLst>
+              <a:gd name="adj" fmla="val 0"/>
+            </a:avLst>
+          </a:prstGeom>
+          <a:solidFill>
+            <a:srgbClr val="44546A"/>
+          </a:solidFill>
+          <a:ln>
+            <a:solidFill>
+              <a:srgbClr val="44546A"/>
+            </a:solidFill>
+          </a:ln>
+        </p:spPr>
+        <p:style>
+          <a:lnRef idx="2">
+            <a:schemeClr val="accent1">
+              <a:shade val="50000"/>
+            </a:schemeClr>
+          </a:lnRef>
+          <a:fillRef idx="1">
+            <a:schemeClr val="accent1"/>
+          </a:fillRef>
+          <a:effectRef idx="0">
+            <a:schemeClr val="accent1"/>
+          </a:effectRef>
+          <a:fontRef idx="minor">
+            <a:schemeClr val="lt1"/>
+          </a:fontRef>
+        </p:style>
+        <p:txBody>
+          <a:bodyPr rtlCol="0" anchor="ctr"/>
+          <a:lstStyle/>
+          <a:p>
+            <a:pPr algn="ctr"/>
+            <a:endParaRPr lang="zh-CN" altLang="en-US" sz="2400"/>
+          </a:p>
+        </p:txBody>
+      </p:sp>
+      <p:sp>
+        <p:nvSpPr>
+          <p:cNvPr id="27" name="文本框 26"/>
+          <p:cNvSpPr txBox="1"/>
+          <p:nvPr/>
+        </p:nvSpPr>
+        <p:spPr>
+          <a:xfrm>
+            <a:off x="353800" y="184666"/>
+            <a:ext cx="6859452" cy="646203"/>
+          </a:xfrm>
+          <a:prstGeom prst="rect">
+            <a:avLst/>
+          </a:prstGeom>
+          <a:noFill/>
+        </p:spPr>
+        <p:txBody>
+          <a:bodyPr wrap="square">
+            <a:spAutoFit/>
+          </a:bodyPr>
+          <a:lstStyle>
+            <a:defPPr>
+              <a:defRPr lang="zh-CN"/>
+            </a:defPPr>
+            <a:lvl1pPr algn="ctr">
+              <a:lnSpc>
+                <a:spcPct val="150000"/>
+              </a:lnSpc>
+              <a:defRPr sz="1400">
+                <a:gradFill>
+                  <a:gsLst>
+                    <a:gs pos="0">
+                      <a:srgbClr val="08AEEA"/>
+                    </a:gs>
+                    <a:gs pos="100000">
+                      <a:srgbClr val="2AF598"/>
+                    </a:gs>
+                  </a:gsLst>
+                  <a:lin ang="2700000" scaled="0"/>
+                </a:gradFill>
+                <a:latin typeface="微软雅黑" panose="020B0503020204020204" pitchFamily="34" charset="-122"/>
+                <a:ea typeface="微软雅黑" panose="020B0503020204020204" pitchFamily="34" charset="-122"/>
+              </a:defRPr>
+            </a:lvl1pPr>
+          </a:lstStyle>
+          <a:p>
+            <a:pPr algn="l">
+              <a:lnSpc>
+                <a:spcPct val="100000"/>
+              </a:lnSpc>
+              <a:defRPr/>
+            </a:pPr>
+            <a:r>
+              <a:rPr lang="zh-CN" altLang="en-US" sz="3599" b="1" dirty="0">
+                <a:solidFill>
+                  <a:schemeClr val="bg2">
+                    <a:lumMod val="50000"/>
+                  </a:schemeClr>
+                </a:solidFill>
+                <a:latin typeface="+mn-lt"/>
+                <a:ea typeface="+mn-ea"/>
+                <a:cs typeface="+mn-ea"/>
+                <a:sym typeface="+mn-lt"/>
+              </a:rPr>
+              <a:t>附录：代码清单（部分）</a:t>
+            </a:r>
+          </a:p>
+        </p:txBody>
+      </p:sp>
+    </p:spTree>
+    <p:extLst>
+      <p:ext uri="{BB962C8B-B14F-4D97-AF65-F5344CB8AC3E}">
+        <p14:creationId xmlns:p14="http://schemas.microsoft.com/office/powerpoint/2010/main" val="365202009"/>
+      </p:ext>
+    </p:extLst>
+  </p:cSld>
+  <p:clrMapOvr>
+    <a:masterClrMapping/>
+  </p:clrMapOvr>
+  <mc:AlternateContent xmlns:mc="http://schemas.openxmlformats.org/markup-compatibility/2006" xmlns:p14="http://schemas.microsoft.com/office/powerpoint/2010/main">
+    <mc:Choice Requires="p14">
+      <p:transition spd="slow" p14:dur="1600">
+        <p14:gallery dir="l"/>
+      </p:transition>
+    </mc:Choice>
+    <mc:Fallback xmlns="">
+      <p:transition spd="slow">
+        <p:fade/>
+      </p:transition>
+    </mc:Fallback>
+  </mc:AlternateContent>
+</p:sld>
+</file>
+
+<file path=ppt/slides/slide17.xml><?xml version="1.0" encoding="utf-8"?>
+<p:sld xmlns:a="http://schemas.openxmlformats.org/drawingml/2006/main" xmlns:r="http://schemas.openxmlformats.org/officeDocument/2006/relationships" xmlns:p="http://schemas.openxmlformats.org/presentationml/2006/main">
+  <p:cSld>
+    <p:spTree>
+      <p:nvGrpSpPr>
+        <p:cNvPr id="1" name=""/>
+        <p:cNvGrpSpPr/>
+        <p:nvPr/>
+      </p:nvGrpSpPr>
+      <p:grpSpPr>
+        <a:xfrm>
+          <a:off x="0" y="0"/>
+          <a:ext cx="0" cy="0"/>
+          <a:chOff x="0" y="0"/>
+          <a:chExt cx="0" cy="0"/>
+        </a:xfrm>
+      </p:grpSpPr>
+      <p:sp>
+        <p:nvSpPr>
           <p:cNvPr id="2" name="灯片编号占位符 1">
             <a:extLst>
               <a:ext uri="{FF2B5EF4-FFF2-40B4-BE49-F238E27FC236}">
@@ -8592,7 +8680,7 @@
                 </a:solidFill>
               </a:rPr>
               <a:pPr/>
-              <a:t>16</a:t>
+              <a:t>17</a:t>
             </a:fld>
             <a:endParaRPr lang="zh-CN" altLang="en-US">
               <a:solidFill>

--- a/代码测试/代码实现PPTv0.0.1.pptx
+++ b/代码测试/代码实现PPTv0.0.1.pptx
@@ -1,33 +1,36 @@
 
 <file path=ppt/presentation.xml><?xml version="1.0" encoding="utf-8"?>
-<p:presentation xmlns:a="http://schemas.openxmlformats.org/drawingml/2006/main" xmlns:r="http://schemas.openxmlformats.org/officeDocument/2006/relationships" xmlns:p="http://schemas.openxmlformats.org/presentationml/2006/main" saveSubsetFonts="1">
+<p:presentation xmlns:a="http://schemas.openxmlformats.org/drawingml/2006/main" xmlns:r="http://schemas.openxmlformats.org/officeDocument/2006/relationships" xmlns:p="http://schemas.openxmlformats.org/presentationml/2006/main">
   <p:sldMasterIdLst>
     <p:sldMasterId id="2147483648" r:id="rId1"/>
   </p:sldMasterIdLst>
   <p:notesMasterIdLst>
-    <p:notesMasterId r:id="rId19"/>
+    <p:notesMasterId r:id="rId6"/>
   </p:notesMasterIdLst>
   <p:sldIdLst>
-    <p:sldId id="597" r:id="rId2"/>
-    <p:sldId id="601" r:id="rId3"/>
-    <p:sldId id="598" r:id="rId4"/>
-    <p:sldId id="608" r:id="rId5"/>
-    <p:sldId id="617" r:id="rId6"/>
-    <p:sldId id="618" r:id="rId7"/>
-    <p:sldId id="620" r:id="rId8"/>
-    <p:sldId id="621" r:id="rId9"/>
-    <p:sldId id="622" r:id="rId10"/>
-    <p:sldId id="623" r:id="rId11"/>
-    <p:sldId id="624" r:id="rId12"/>
-    <p:sldId id="625" r:id="rId13"/>
-    <p:sldId id="626" r:id="rId14"/>
-    <p:sldId id="615" r:id="rId15"/>
-    <p:sldId id="619" r:id="rId16"/>
-    <p:sldId id="627" r:id="rId17"/>
-    <p:sldId id="616" r:id="rId18"/>
+    <p:sldId id="597" r:id="rId3"/>
+    <p:sldId id="601" r:id="rId4"/>
+    <p:sldId id="598" r:id="rId5"/>
+    <p:sldId id="608" r:id="rId7"/>
+    <p:sldId id="617" r:id="rId8"/>
+    <p:sldId id="618" r:id="rId9"/>
+    <p:sldId id="620" r:id="rId10"/>
+    <p:sldId id="621" r:id="rId11"/>
+    <p:sldId id="622" r:id="rId12"/>
+    <p:sldId id="623" r:id="rId13"/>
+    <p:sldId id="624" r:id="rId14"/>
+    <p:sldId id="625" r:id="rId15"/>
+    <p:sldId id="626" r:id="rId16"/>
+    <p:sldId id="615" r:id="rId17"/>
+    <p:sldId id="619" r:id="rId18"/>
+    <p:sldId id="627" r:id="rId19"/>
+    <p:sldId id="616" r:id="rId20"/>
   </p:sldIdLst>
   <p:sldSz cx="12192000" cy="6858000"/>
   <p:notesSz cx="6858000" cy="9144000"/>
+  <p:custDataLst>
+    <p:tags r:id="rId24"/>
+  </p:custDataLst>
   <p:defaultTextStyle>
     <a:defPPr>
       <a:defRPr lang="zh-CN"/>
@@ -142,510 +145,6 @@
 </p:presentation>
 </file>
 
-<file path=ppt/changesInfos/changesInfo1.xml><?xml version="1.0" encoding="utf-8"?>
-<pc:chgInfo xmlns:a="http://schemas.openxmlformats.org/drawingml/2006/main" xmlns:r="http://schemas.openxmlformats.org/officeDocument/2006/relationships" xmlns:ac="http://schemas.microsoft.com/office/drawing/2013/main/command" xmlns:pc="http://schemas.microsoft.com/office/powerpoint/2013/main/command">
-  <pc:docChgLst>
-    <pc:chgData name="邹 雨哲" userId="e28be67ac78edb3b" providerId="LiveId" clId="{ADB36D0B-E935-4AFA-8B9F-98FAB3C087ED}"/>
-    <pc:docChg chg="undo custSel addSld delSld modSld">
-      <pc:chgData name="邹 雨哲" userId="e28be67ac78edb3b" providerId="LiveId" clId="{ADB36D0B-E935-4AFA-8B9F-98FAB3C087ED}" dt="2022-12-18T00:10:07.598" v="1210" actId="1076"/>
-      <pc:docMkLst>
-        <pc:docMk/>
-      </pc:docMkLst>
-      <pc:sldChg chg="modSp add modAnim">
-        <pc:chgData name="邹 雨哲" userId="e28be67ac78edb3b" providerId="LiveId" clId="{ADB36D0B-E935-4AFA-8B9F-98FAB3C087ED}" dt="2022-12-17T23:37:52.360" v="23" actId="14100"/>
-        <pc:sldMkLst>
-          <pc:docMk/>
-          <pc:sldMk cId="3382548662" sldId="597"/>
-        </pc:sldMkLst>
-        <pc:spChg chg="mod">
-          <ac:chgData name="邹 雨哲" userId="e28be67ac78edb3b" providerId="LiveId" clId="{ADB36D0B-E935-4AFA-8B9F-98FAB3C087ED}" dt="2022-12-17T23:37:52.360" v="23" actId="14100"/>
-          <ac:spMkLst>
-            <pc:docMk/>
-            <pc:sldMk cId="3382548662" sldId="597"/>
-            <ac:spMk id="6" creationId="{00000000-0000-0000-0000-000000000000}"/>
-          </ac:spMkLst>
-        </pc:spChg>
-      </pc:sldChg>
-      <pc:sldChg chg="modSp add mod">
-        <pc:chgData name="邹 雨哲" userId="e28be67ac78edb3b" providerId="LiveId" clId="{ADB36D0B-E935-4AFA-8B9F-98FAB3C087ED}" dt="2022-12-17T23:48:39.711" v="851" actId="20577"/>
-        <pc:sldMkLst>
-          <pc:docMk/>
-          <pc:sldMk cId="1161295521" sldId="598"/>
-        </pc:sldMkLst>
-        <pc:spChg chg="mod">
-          <ac:chgData name="邹 雨哲" userId="e28be67ac78edb3b" providerId="LiveId" clId="{ADB36D0B-E935-4AFA-8B9F-98FAB3C087ED}" dt="2022-12-17T23:48:39.711" v="851" actId="20577"/>
-          <ac:spMkLst>
-            <pc:docMk/>
-            <pc:sldMk cId="1161295521" sldId="598"/>
-            <ac:spMk id="4" creationId="{2F3CF6BD-A63C-1114-3C7B-049E110C646D}"/>
-          </ac:spMkLst>
-        </pc:spChg>
-        <pc:spChg chg="mod">
-          <ac:chgData name="邹 雨哲" userId="e28be67ac78edb3b" providerId="LiveId" clId="{ADB36D0B-E935-4AFA-8B9F-98FAB3C087ED}" dt="2022-12-17T23:38:43.760" v="57" actId="20577"/>
-          <ac:spMkLst>
-            <pc:docMk/>
-            <pc:sldMk cId="1161295521" sldId="598"/>
-            <ac:spMk id="27" creationId="{00000000-0000-0000-0000-000000000000}"/>
-          </ac:spMkLst>
-        </pc:spChg>
-      </pc:sldChg>
-      <pc:sldChg chg="addSp delSp modSp add mod">
-        <pc:chgData name="邹 雨哲" userId="e28be67ac78edb3b" providerId="LiveId" clId="{ADB36D0B-E935-4AFA-8B9F-98FAB3C087ED}" dt="2022-12-17T23:49:05.875" v="861" actId="14100"/>
-        <pc:sldMkLst>
-          <pc:docMk/>
-          <pc:sldMk cId="1632244696" sldId="601"/>
-        </pc:sldMkLst>
-        <pc:spChg chg="mod">
-          <ac:chgData name="邹 雨哲" userId="e28be67ac78edb3b" providerId="LiveId" clId="{ADB36D0B-E935-4AFA-8B9F-98FAB3C087ED}" dt="2022-12-17T23:38:52.545" v="74" actId="20577"/>
-          <ac:spMkLst>
-            <pc:docMk/>
-            <pc:sldMk cId="1632244696" sldId="601"/>
-            <ac:spMk id="3" creationId="{58D4D6C5-74AA-F956-670B-F084992B148D}"/>
-          </ac:spMkLst>
-        </pc:spChg>
-        <pc:spChg chg="mod">
-          <ac:chgData name="邹 雨哲" userId="e28be67ac78edb3b" providerId="LiveId" clId="{ADB36D0B-E935-4AFA-8B9F-98FAB3C087ED}" dt="2022-12-17T23:42:35.358" v="205" actId="20577"/>
-          <ac:spMkLst>
-            <pc:docMk/>
-            <pc:sldMk cId="1632244696" sldId="601"/>
-            <ac:spMk id="4" creationId="{83596D1F-A255-D14B-201A-C52E87DE40BA}"/>
-          </ac:spMkLst>
-        </pc:spChg>
-        <pc:spChg chg="del mod">
-          <ac:chgData name="邹 雨哲" userId="e28be67ac78edb3b" providerId="LiveId" clId="{ADB36D0B-E935-4AFA-8B9F-98FAB3C087ED}" dt="2022-12-17T23:41:19.458" v="173"/>
-          <ac:spMkLst>
-            <pc:docMk/>
-            <pc:sldMk cId="1632244696" sldId="601"/>
-            <ac:spMk id="5" creationId="{2BDD0E78-CFC2-0A30-0ADB-2E5B2397D3B0}"/>
-          </ac:spMkLst>
-        </pc:spChg>
-        <pc:spChg chg="add mod">
-          <ac:chgData name="邹 雨哲" userId="e28be67ac78edb3b" providerId="LiveId" clId="{ADB36D0B-E935-4AFA-8B9F-98FAB3C087ED}" dt="2022-12-17T23:42:59.368" v="212" actId="20577"/>
-          <ac:spMkLst>
-            <pc:docMk/>
-            <pc:sldMk cId="1632244696" sldId="601"/>
-            <ac:spMk id="6" creationId="{8178FB45-C23E-1E3E-9190-C1429BB7A220}"/>
-          </ac:spMkLst>
-        </pc:spChg>
-        <pc:spChg chg="mod">
-          <ac:chgData name="邹 雨哲" userId="e28be67ac78edb3b" providerId="LiveId" clId="{ADB36D0B-E935-4AFA-8B9F-98FAB3C087ED}" dt="2022-12-17T23:49:05.875" v="861" actId="14100"/>
-          <ac:spMkLst>
-            <pc:docMk/>
-            <pc:sldMk cId="1632244696" sldId="601"/>
-            <ac:spMk id="8" creationId="{816D323E-E192-2F65-7585-4FBE713F5993}"/>
-          </ac:spMkLst>
-        </pc:spChg>
-        <pc:spChg chg="mod">
-          <ac:chgData name="邹 雨哲" userId="e28be67ac78edb3b" providerId="LiveId" clId="{ADB36D0B-E935-4AFA-8B9F-98FAB3C087ED}" dt="2022-12-17T23:39:37.174" v="98" actId="1076"/>
-          <ac:spMkLst>
-            <pc:docMk/>
-            <pc:sldMk cId="1632244696" sldId="601"/>
-            <ac:spMk id="85" creationId="{00000000-0000-0000-0000-000000000000}"/>
-          </ac:spMkLst>
-        </pc:spChg>
-        <pc:spChg chg="mod">
-          <ac:chgData name="邹 雨哲" userId="e28be67ac78edb3b" providerId="LiveId" clId="{ADB36D0B-E935-4AFA-8B9F-98FAB3C087ED}" dt="2022-12-17T23:38:49.170" v="66" actId="20577"/>
-          <ac:spMkLst>
-            <pc:docMk/>
-            <pc:sldMk cId="1632244696" sldId="601"/>
-            <ac:spMk id="99" creationId="{00000000-0000-0000-0000-000000000000}"/>
-          </ac:spMkLst>
-        </pc:spChg>
-        <pc:spChg chg="mod">
-          <ac:chgData name="邹 雨哲" userId="e28be67ac78edb3b" providerId="LiveId" clId="{ADB36D0B-E935-4AFA-8B9F-98FAB3C087ED}" dt="2022-12-17T23:43:25.464" v="232" actId="20577"/>
-          <ac:spMkLst>
-            <pc:docMk/>
-            <pc:sldMk cId="1632244696" sldId="601"/>
-            <ac:spMk id="105" creationId="{00000000-0000-0000-0000-000000000000}"/>
-          </ac:spMkLst>
-        </pc:spChg>
-        <pc:spChg chg="mod">
-          <ac:chgData name="邹 雨哲" userId="e28be67ac78edb3b" providerId="LiveId" clId="{ADB36D0B-E935-4AFA-8B9F-98FAB3C087ED}" dt="2022-12-17T23:43:54.138" v="274" actId="20577"/>
-          <ac:spMkLst>
-            <pc:docMk/>
-            <pc:sldMk cId="1632244696" sldId="601"/>
-            <ac:spMk id="121" creationId="{00000000-0000-0000-0000-000000000000}"/>
-          </ac:spMkLst>
-        </pc:spChg>
-        <pc:spChg chg="mod">
-          <ac:chgData name="邹 雨哲" userId="e28be67ac78edb3b" providerId="LiveId" clId="{ADB36D0B-E935-4AFA-8B9F-98FAB3C087ED}" dt="2022-12-17T23:43:33.046" v="245" actId="20577"/>
-          <ac:spMkLst>
-            <pc:docMk/>
-            <pc:sldMk cId="1632244696" sldId="601"/>
-            <ac:spMk id="123" creationId="{00000000-0000-0000-0000-000000000000}"/>
-          </ac:spMkLst>
-        </pc:spChg>
-      </pc:sldChg>
-      <pc:sldChg chg="modSp add mod">
-        <pc:chgData name="邹 雨哲" userId="e28be67ac78edb3b" providerId="LiveId" clId="{ADB36D0B-E935-4AFA-8B9F-98FAB3C087ED}" dt="2022-12-17T23:38:31.801" v="40" actId="20577"/>
-        <pc:sldMkLst>
-          <pc:docMk/>
-          <pc:sldMk cId="1252305112" sldId="608"/>
-        </pc:sldMkLst>
-        <pc:spChg chg="mod">
-          <ac:chgData name="邹 雨哲" userId="e28be67ac78edb3b" providerId="LiveId" clId="{ADB36D0B-E935-4AFA-8B9F-98FAB3C087ED}" dt="2022-12-17T23:38:31.801" v="40" actId="20577"/>
-          <ac:spMkLst>
-            <pc:docMk/>
-            <pc:sldMk cId="1252305112" sldId="608"/>
-            <ac:spMk id="27" creationId="{00000000-0000-0000-0000-000000000000}"/>
-          </ac:spMkLst>
-        </pc:spChg>
-      </pc:sldChg>
-      <pc:sldChg chg="add del">
-        <pc:chgData name="邹 雨哲" userId="e28be67ac78edb3b" providerId="LiveId" clId="{ADB36D0B-E935-4AFA-8B9F-98FAB3C087ED}" dt="2022-12-17T23:39:56.094" v="121" actId="47"/>
-        <pc:sldMkLst>
-          <pc:docMk/>
-          <pc:sldMk cId="3942694568" sldId="609"/>
-        </pc:sldMkLst>
-      </pc:sldChg>
-      <pc:sldChg chg="add del">
-        <pc:chgData name="邹 雨哲" userId="e28be67ac78edb3b" providerId="LiveId" clId="{ADB36D0B-E935-4AFA-8B9F-98FAB3C087ED}" dt="2022-12-17T23:40:00.117" v="128" actId="47"/>
-        <pc:sldMkLst>
-          <pc:docMk/>
-          <pc:sldMk cId="1139717509" sldId="612"/>
-        </pc:sldMkLst>
-      </pc:sldChg>
-      <pc:sldChg chg="add del">
-        <pc:chgData name="邹 雨哲" userId="e28be67ac78edb3b" providerId="LiveId" clId="{ADB36D0B-E935-4AFA-8B9F-98FAB3C087ED}" dt="2022-12-17T23:40:00.786" v="129" actId="47"/>
-        <pc:sldMkLst>
-          <pc:docMk/>
-          <pc:sldMk cId="486458219" sldId="613"/>
-        </pc:sldMkLst>
-      </pc:sldChg>
-      <pc:sldChg chg="add del">
-        <pc:chgData name="邹 雨哲" userId="e28be67ac78edb3b" providerId="LiveId" clId="{ADB36D0B-E935-4AFA-8B9F-98FAB3C087ED}" dt="2022-12-17T23:40:03.675" v="133" actId="47"/>
-        <pc:sldMkLst>
-          <pc:docMk/>
-          <pc:sldMk cId="1902494840" sldId="614"/>
-        </pc:sldMkLst>
-      </pc:sldChg>
-      <pc:sldChg chg="delSp modSp add del mod">
-        <pc:chgData name="邹 雨哲" userId="e28be67ac78edb3b" providerId="LiveId" clId="{ADB36D0B-E935-4AFA-8B9F-98FAB3C087ED}" dt="2022-12-17T23:50:02.315" v="925" actId="20577"/>
-        <pc:sldMkLst>
-          <pc:docMk/>
-          <pc:sldMk cId="605336132" sldId="615"/>
-        </pc:sldMkLst>
-        <pc:spChg chg="mod">
-          <ac:chgData name="邹 雨哲" userId="e28be67ac78edb3b" providerId="LiveId" clId="{ADB36D0B-E935-4AFA-8B9F-98FAB3C087ED}" dt="2022-12-17T23:50:02.315" v="925" actId="20577"/>
-          <ac:spMkLst>
-            <pc:docMk/>
-            <pc:sldMk cId="605336132" sldId="615"/>
-            <ac:spMk id="3" creationId="{60FF20B4-7B97-7234-AC3A-027056DDF720}"/>
-          </ac:spMkLst>
-        </pc:spChg>
-        <pc:spChg chg="mod">
-          <ac:chgData name="邹 雨哲" userId="e28be67ac78edb3b" providerId="LiveId" clId="{ADB36D0B-E935-4AFA-8B9F-98FAB3C087ED}" dt="2022-12-17T23:49:21.744" v="890" actId="20577"/>
-          <ac:spMkLst>
-            <pc:docMk/>
-            <pc:sldMk cId="605336132" sldId="615"/>
-            <ac:spMk id="27" creationId="{00000000-0000-0000-0000-000000000000}"/>
-          </ac:spMkLst>
-        </pc:spChg>
-        <pc:picChg chg="del">
-          <ac:chgData name="邹 雨哲" userId="e28be67ac78edb3b" providerId="LiveId" clId="{ADB36D0B-E935-4AFA-8B9F-98FAB3C087ED}" dt="2022-12-17T23:48:49.542" v="852" actId="478"/>
-          <ac:picMkLst>
-            <pc:docMk/>
-            <pc:sldMk cId="605336132" sldId="615"/>
-            <ac:picMk id="5" creationId="{96F36265-0A11-482C-AF2C-873BCA46D327}"/>
-          </ac:picMkLst>
-        </pc:picChg>
-        <pc:picChg chg="del">
-          <ac:chgData name="邹 雨哲" userId="e28be67ac78edb3b" providerId="LiveId" clId="{ADB36D0B-E935-4AFA-8B9F-98FAB3C087ED}" dt="2022-12-17T23:48:50.190" v="853" actId="478"/>
-          <ac:picMkLst>
-            <pc:docMk/>
-            <pc:sldMk cId="605336132" sldId="615"/>
-            <ac:picMk id="6" creationId="{DAE81FC7-B11C-861F-7B75-9018507571D5}"/>
-          </ac:picMkLst>
-        </pc:picChg>
-      </pc:sldChg>
-      <pc:sldChg chg="add">
-        <pc:chgData name="邹 雨哲" userId="e28be67ac78edb3b" providerId="LiveId" clId="{ADB36D0B-E935-4AFA-8B9F-98FAB3C087ED}" dt="2022-12-17T23:37:34.290" v="0"/>
-        <pc:sldMkLst>
-          <pc:docMk/>
-          <pc:sldMk cId="4231583448" sldId="616"/>
-        </pc:sldMkLst>
-      </pc:sldChg>
-      <pc:sldChg chg="modSp add mod">
-        <pc:chgData name="邹 雨哲" userId="e28be67ac78edb3b" providerId="LiveId" clId="{ADB36D0B-E935-4AFA-8B9F-98FAB3C087ED}" dt="2022-12-17T23:38:25.928" v="32" actId="20577"/>
-        <pc:sldMkLst>
-          <pc:docMk/>
-          <pc:sldMk cId="160184752" sldId="617"/>
-        </pc:sldMkLst>
-        <pc:spChg chg="mod">
-          <ac:chgData name="邹 雨哲" userId="e28be67ac78edb3b" providerId="LiveId" clId="{ADB36D0B-E935-4AFA-8B9F-98FAB3C087ED}" dt="2022-12-17T23:38:25.928" v="32" actId="20577"/>
-          <ac:spMkLst>
-            <pc:docMk/>
-            <pc:sldMk cId="160184752" sldId="617"/>
-            <ac:spMk id="27" creationId="{00000000-0000-0000-0000-000000000000}"/>
-          </ac:spMkLst>
-        </pc:spChg>
-      </pc:sldChg>
-      <pc:sldChg chg="delSp modSp add mod">
-        <pc:chgData name="邹 雨哲" userId="e28be67ac78edb3b" providerId="LiveId" clId="{ADB36D0B-E935-4AFA-8B9F-98FAB3C087ED}" dt="2022-12-17T23:39:53.164" v="120" actId="20577"/>
-        <pc:sldMkLst>
-          <pc:docMk/>
-          <pc:sldMk cId="4036591385" sldId="618"/>
-        </pc:sldMkLst>
-        <pc:spChg chg="mod">
-          <ac:chgData name="邹 雨哲" userId="e28be67ac78edb3b" providerId="LiveId" clId="{ADB36D0B-E935-4AFA-8B9F-98FAB3C087ED}" dt="2022-12-17T23:39:53.164" v="120" actId="20577"/>
-          <ac:spMkLst>
-            <pc:docMk/>
-            <pc:sldMk cId="4036591385" sldId="618"/>
-            <ac:spMk id="27" creationId="{00000000-0000-0000-0000-000000000000}"/>
-          </ac:spMkLst>
-        </pc:spChg>
-        <pc:picChg chg="del">
-          <ac:chgData name="邹 雨哲" userId="e28be67ac78edb3b" providerId="LiveId" clId="{ADB36D0B-E935-4AFA-8B9F-98FAB3C087ED}" dt="2022-12-17T23:39:44.973" v="99" actId="478"/>
-          <ac:picMkLst>
-            <pc:docMk/>
-            <pc:sldMk cId="4036591385" sldId="618"/>
-            <ac:picMk id="8" creationId="{CA1C12BA-7379-4EB7-A351-DA6271FEC024}"/>
-          </ac:picMkLst>
-        </pc:picChg>
-      </pc:sldChg>
-      <pc:sldChg chg="add del">
-        <pc:chgData name="邹 雨哲" userId="e28be67ac78edb3b" providerId="LiveId" clId="{ADB36D0B-E935-4AFA-8B9F-98FAB3C087ED}" dt="2022-12-17T23:39:56.819" v="122" actId="47"/>
-        <pc:sldMkLst>
-          <pc:docMk/>
-          <pc:sldMk cId="3500002636" sldId="619"/>
-        </pc:sldMkLst>
-      </pc:sldChg>
-      <pc:sldChg chg="addSp delSp modSp add mod">
-        <pc:chgData name="邹 雨哲" userId="e28be67ac78edb3b" providerId="LiveId" clId="{ADB36D0B-E935-4AFA-8B9F-98FAB3C087ED}" dt="2022-12-18T00:06:10.125" v="1159" actId="20577"/>
-        <pc:sldMkLst>
-          <pc:docMk/>
-          <pc:sldMk cId="3951491582" sldId="619"/>
-        </pc:sldMkLst>
-        <pc:spChg chg="add del mod">
-          <ac:chgData name="邹 雨哲" userId="e28be67ac78edb3b" providerId="LiveId" clId="{ADB36D0B-E935-4AFA-8B9F-98FAB3C087ED}" dt="2022-12-17T23:51:49.564" v="983" actId="478"/>
-          <ac:spMkLst>
-            <pc:docMk/>
-            <pc:sldMk cId="3951491582" sldId="619"/>
-            <ac:spMk id="3" creationId="{60FF20B4-7B97-7234-AC3A-027056DDF720}"/>
-          </ac:spMkLst>
-        </pc:spChg>
-        <pc:spChg chg="add del mod">
-          <ac:chgData name="邹 雨哲" userId="e28be67ac78edb3b" providerId="LiveId" clId="{ADB36D0B-E935-4AFA-8B9F-98FAB3C087ED}" dt="2022-12-17T23:51:53.711" v="989"/>
-          <ac:spMkLst>
-            <pc:docMk/>
-            <pc:sldMk cId="3951491582" sldId="619"/>
-            <ac:spMk id="4" creationId="{487B1F52-03E3-8263-F4BB-A13F70B33F8C}"/>
-          </ac:spMkLst>
-        </pc:spChg>
-        <pc:spChg chg="add mod">
-          <ac:chgData name="邹 雨哲" userId="e28be67ac78edb3b" providerId="LiveId" clId="{ADB36D0B-E935-4AFA-8B9F-98FAB3C087ED}" dt="2022-12-18T00:06:10.125" v="1159" actId="20577"/>
-          <ac:spMkLst>
-            <pc:docMk/>
-            <pc:sldMk cId="3951491582" sldId="619"/>
-            <ac:spMk id="5" creationId="{96B54299-C091-10F4-FBF4-CDF65722920F}"/>
-          </ac:spMkLst>
-        </pc:spChg>
-        <pc:spChg chg="mod">
-          <ac:chgData name="邹 雨哲" userId="e28be67ac78edb3b" providerId="LiveId" clId="{ADB36D0B-E935-4AFA-8B9F-98FAB3C087ED}" dt="2022-12-17T23:51:16.173" v="951" actId="1076"/>
-          <ac:spMkLst>
-            <pc:docMk/>
-            <pc:sldMk cId="3951491582" sldId="619"/>
-            <ac:spMk id="27" creationId="{00000000-0000-0000-0000-000000000000}"/>
-          </ac:spMkLst>
-        </pc:spChg>
-      </pc:sldChg>
-      <pc:sldChg chg="modSp add mod">
-        <pc:chgData name="邹 雨哲" userId="e28be67ac78edb3b" providerId="LiveId" clId="{ADB36D0B-E935-4AFA-8B9F-98FAB3C087ED}" dt="2022-12-17T23:52:45.049" v="1028" actId="20577"/>
-        <pc:sldMkLst>
-          <pc:docMk/>
-          <pc:sldMk cId="691191849" sldId="620"/>
-        </pc:sldMkLst>
-        <pc:spChg chg="mod">
-          <ac:chgData name="邹 雨哲" userId="e28be67ac78edb3b" providerId="LiveId" clId="{ADB36D0B-E935-4AFA-8B9F-98FAB3C087ED}" dt="2022-12-17T23:52:45.049" v="1028" actId="20577"/>
-          <ac:spMkLst>
-            <pc:docMk/>
-            <pc:sldMk cId="691191849" sldId="620"/>
-            <ac:spMk id="27" creationId="{00000000-0000-0000-0000-000000000000}"/>
-          </ac:spMkLst>
-        </pc:spChg>
-      </pc:sldChg>
-      <pc:sldChg chg="add del">
-        <pc:chgData name="邹 雨哲" userId="e28be67ac78edb3b" providerId="LiveId" clId="{ADB36D0B-E935-4AFA-8B9F-98FAB3C087ED}" dt="2022-12-17T23:39:57.586" v="123" actId="47"/>
-        <pc:sldMkLst>
-          <pc:docMk/>
-          <pc:sldMk cId="3766475686" sldId="620"/>
-        </pc:sldMkLst>
-      </pc:sldChg>
-      <pc:sldChg chg="add">
-        <pc:chgData name="邹 雨哲" userId="e28be67ac78edb3b" providerId="LiveId" clId="{ADB36D0B-E935-4AFA-8B9F-98FAB3C087ED}" dt="2022-12-17T23:52:47.842" v="1029"/>
-        <pc:sldMkLst>
-          <pc:docMk/>
-          <pc:sldMk cId="1528258925" sldId="621"/>
-        </pc:sldMkLst>
-      </pc:sldChg>
-      <pc:sldChg chg="add">
-        <pc:chgData name="邹 雨哲" userId="e28be67ac78edb3b" providerId="LiveId" clId="{ADB36D0B-E935-4AFA-8B9F-98FAB3C087ED}" dt="2022-12-17T23:52:48.783" v="1030"/>
-        <pc:sldMkLst>
-          <pc:docMk/>
-          <pc:sldMk cId="838177554" sldId="622"/>
-        </pc:sldMkLst>
-      </pc:sldChg>
-      <pc:sldChg chg="modSp add mod">
-        <pc:chgData name="邹 雨哲" userId="e28be67ac78edb3b" providerId="LiveId" clId="{ADB36D0B-E935-4AFA-8B9F-98FAB3C087ED}" dt="2022-12-17T23:53:12.541" v="1048" actId="20577"/>
-        <pc:sldMkLst>
-          <pc:docMk/>
-          <pc:sldMk cId="3205047737" sldId="623"/>
-        </pc:sldMkLst>
-        <pc:spChg chg="mod">
-          <ac:chgData name="邹 雨哲" userId="e28be67ac78edb3b" providerId="LiveId" clId="{ADB36D0B-E935-4AFA-8B9F-98FAB3C087ED}" dt="2022-12-17T23:53:12.541" v="1048" actId="20577"/>
-          <ac:spMkLst>
-            <pc:docMk/>
-            <pc:sldMk cId="3205047737" sldId="623"/>
-            <ac:spMk id="27" creationId="{00000000-0000-0000-0000-000000000000}"/>
-          </ac:spMkLst>
-        </pc:spChg>
-      </pc:sldChg>
-      <pc:sldChg chg="add del">
-        <pc:chgData name="邹 雨哲" userId="e28be67ac78edb3b" providerId="LiveId" clId="{ADB36D0B-E935-4AFA-8B9F-98FAB3C087ED}" dt="2022-12-17T23:40:01.507" v="130" actId="47"/>
-        <pc:sldMkLst>
-          <pc:docMk/>
-          <pc:sldMk cId="4239225287" sldId="623"/>
-        </pc:sldMkLst>
-      </pc:sldChg>
-      <pc:sldChg chg="modSp add mod">
-        <pc:chgData name="邹 雨哲" userId="e28be67ac78edb3b" providerId="LiveId" clId="{ADB36D0B-E935-4AFA-8B9F-98FAB3C087ED}" dt="2022-12-18T00:04:43.282" v="1137" actId="20577"/>
-        <pc:sldMkLst>
-          <pc:docMk/>
-          <pc:sldMk cId="2669766904" sldId="624"/>
-        </pc:sldMkLst>
-        <pc:spChg chg="mod">
-          <ac:chgData name="邹 雨哲" userId="e28be67ac78edb3b" providerId="LiveId" clId="{ADB36D0B-E935-4AFA-8B9F-98FAB3C087ED}" dt="2022-12-18T00:04:43.282" v="1137" actId="20577"/>
-          <ac:spMkLst>
-            <pc:docMk/>
-            <pc:sldMk cId="2669766904" sldId="624"/>
-            <ac:spMk id="27" creationId="{00000000-0000-0000-0000-000000000000}"/>
-          </ac:spMkLst>
-        </pc:spChg>
-      </pc:sldChg>
-      <pc:sldChg chg="add del">
-        <pc:chgData name="邹 雨哲" userId="e28be67ac78edb3b" providerId="LiveId" clId="{ADB36D0B-E935-4AFA-8B9F-98FAB3C087ED}" dt="2022-12-17T23:39:59.098" v="126" actId="47"/>
-        <pc:sldMkLst>
-          <pc:docMk/>
-          <pc:sldMk cId="4006490586" sldId="624"/>
-        </pc:sldMkLst>
-      </pc:sldChg>
-      <pc:sldChg chg="modSp add mod">
-        <pc:chgData name="邹 雨哲" userId="e28be67ac78edb3b" providerId="LiveId" clId="{ADB36D0B-E935-4AFA-8B9F-98FAB3C087ED}" dt="2022-12-18T00:04:52.486" v="1146" actId="20577"/>
-        <pc:sldMkLst>
-          <pc:docMk/>
-          <pc:sldMk cId="3743213867" sldId="625"/>
-        </pc:sldMkLst>
-        <pc:spChg chg="mod">
-          <ac:chgData name="邹 雨哲" userId="e28be67ac78edb3b" providerId="LiveId" clId="{ADB36D0B-E935-4AFA-8B9F-98FAB3C087ED}" dt="2022-12-18T00:04:52.486" v="1146" actId="20577"/>
-          <ac:spMkLst>
-            <pc:docMk/>
-            <pc:sldMk cId="3743213867" sldId="625"/>
-            <ac:spMk id="27" creationId="{00000000-0000-0000-0000-000000000000}"/>
-          </ac:spMkLst>
-        </pc:spChg>
-      </pc:sldChg>
-      <pc:sldChg chg="addSp delSp modSp add mod">
-        <pc:chgData name="邹 雨哲" userId="e28be67ac78edb3b" providerId="LiveId" clId="{ADB36D0B-E935-4AFA-8B9F-98FAB3C087ED}" dt="2022-12-18T00:10:07.598" v="1210" actId="1076"/>
-        <pc:sldMkLst>
-          <pc:docMk/>
-          <pc:sldMk cId="433673116" sldId="626"/>
-        </pc:sldMkLst>
-        <pc:spChg chg="mod">
-          <ac:chgData name="邹 雨哲" userId="e28be67ac78edb3b" providerId="LiveId" clId="{ADB36D0B-E935-4AFA-8B9F-98FAB3C087ED}" dt="2022-12-18T00:05:02.844" v="1158" actId="20577"/>
-          <ac:spMkLst>
-            <pc:docMk/>
-            <pc:sldMk cId="433673116" sldId="626"/>
-            <ac:spMk id="27" creationId="{00000000-0000-0000-0000-000000000000}"/>
-          </ac:spMkLst>
-        </pc:spChg>
-        <pc:picChg chg="add del mod">
-          <ac:chgData name="邹 雨哲" userId="e28be67ac78edb3b" providerId="LiveId" clId="{ADB36D0B-E935-4AFA-8B9F-98FAB3C087ED}" dt="2022-12-18T00:07:33.551" v="1196" actId="478"/>
-          <ac:picMkLst>
-            <pc:docMk/>
-            <pc:sldMk cId="433673116" sldId="626"/>
-            <ac:picMk id="4" creationId="{B136F5A8-62C2-6EAC-69BE-199460DA127F}"/>
-          </ac:picMkLst>
-        </pc:picChg>
-        <pc:picChg chg="add mod modCrop">
-          <ac:chgData name="邹 雨哲" userId="e28be67ac78edb3b" providerId="LiveId" clId="{ADB36D0B-E935-4AFA-8B9F-98FAB3C087ED}" dt="2022-12-18T00:10:06.115" v="1209" actId="1076"/>
-          <ac:picMkLst>
-            <pc:docMk/>
-            <pc:sldMk cId="433673116" sldId="626"/>
-            <ac:picMk id="6" creationId="{6346779A-5D48-F6AE-2AD5-4A755020F159}"/>
-          </ac:picMkLst>
-        </pc:picChg>
-        <pc:picChg chg="add mod">
-          <ac:chgData name="邹 雨哲" userId="e28be67ac78edb3b" providerId="LiveId" clId="{ADB36D0B-E935-4AFA-8B9F-98FAB3C087ED}" dt="2022-12-18T00:10:07.598" v="1210" actId="1076"/>
-          <ac:picMkLst>
-            <pc:docMk/>
-            <pc:sldMk cId="433673116" sldId="626"/>
-            <ac:picMk id="8" creationId="{6A84CE4C-284A-B99E-6CD3-420CB63BC080}"/>
-          </ac:picMkLst>
-        </pc:picChg>
-      </pc:sldChg>
-      <pc:sldChg chg="add del">
-        <pc:chgData name="邹 雨哲" userId="e28be67ac78edb3b" providerId="LiveId" clId="{ADB36D0B-E935-4AFA-8B9F-98FAB3C087ED}" dt="2022-12-17T23:39:58.177" v="124" actId="47"/>
-        <pc:sldMkLst>
-          <pc:docMk/>
-          <pc:sldMk cId="3207675719" sldId="626"/>
-        </pc:sldMkLst>
-      </pc:sldChg>
-      <pc:sldChg chg="delSp modSp add mod">
-        <pc:chgData name="邹 雨哲" userId="e28be67ac78edb3b" providerId="LiveId" clId="{ADB36D0B-E935-4AFA-8B9F-98FAB3C087ED}" dt="2022-12-18T00:06:45.062" v="1193" actId="20577"/>
-        <pc:sldMkLst>
-          <pc:docMk/>
-          <pc:sldMk cId="365202009" sldId="627"/>
-        </pc:sldMkLst>
-        <pc:spChg chg="del">
-          <ac:chgData name="邹 雨哲" userId="e28be67ac78edb3b" providerId="LiveId" clId="{ADB36D0B-E935-4AFA-8B9F-98FAB3C087ED}" dt="2022-12-18T00:06:35.752" v="1161" actId="478"/>
-          <ac:spMkLst>
-            <pc:docMk/>
-            <pc:sldMk cId="365202009" sldId="627"/>
-            <ac:spMk id="5" creationId="{96B54299-C091-10F4-FBF4-CDF65722920F}"/>
-          </ac:spMkLst>
-        </pc:spChg>
-        <pc:spChg chg="mod">
-          <ac:chgData name="邹 雨哲" userId="e28be67ac78edb3b" providerId="LiveId" clId="{ADB36D0B-E935-4AFA-8B9F-98FAB3C087ED}" dt="2022-12-18T00:06:45.062" v="1193" actId="20577"/>
-          <ac:spMkLst>
-            <pc:docMk/>
-            <pc:sldMk cId="365202009" sldId="627"/>
-            <ac:spMk id="27" creationId="{00000000-0000-0000-0000-000000000000}"/>
-          </ac:spMkLst>
-        </pc:spChg>
-      </pc:sldChg>
-      <pc:sldChg chg="add del">
-        <pc:chgData name="邹 雨哲" userId="e28be67ac78edb3b" providerId="LiveId" clId="{ADB36D0B-E935-4AFA-8B9F-98FAB3C087ED}" dt="2022-12-17T23:39:58.700" v="125" actId="47"/>
-        <pc:sldMkLst>
-          <pc:docMk/>
-          <pc:sldMk cId="2034937378" sldId="627"/>
-        </pc:sldMkLst>
-      </pc:sldChg>
-      <pc:sldChg chg="add del">
-        <pc:chgData name="邹 雨哲" userId="e28be67ac78edb3b" providerId="LiveId" clId="{ADB36D0B-E935-4AFA-8B9F-98FAB3C087ED}" dt="2022-12-17T23:39:59.614" v="127" actId="47"/>
-        <pc:sldMkLst>
-          <pc:docMk/>
-          <pc:sldMk cId="3633370728" sldId="628"/>
-        </pc:sldMkLst>
-      </pc:sldChg>
-      <pc:sldChg chg="add del">
-        <pc:chgData name="邹 雨哲" userId="e28be67ac78edb3b" providerId="LiveId" clId="{ADB36D0B-E935-4AFA-8B9F-98FAB3C087ED}" dt="2022-12-17T23:40:02.458" v="131" actId="47"/>
-        <pc:sldMkLst>
-          <pc:docMk/>
-          <pc:sldMk cId="153946233" sldId="629"/>
-        </pc:sldMkLst>
-      </pc:sldChg>
-      <pc:sldChg chg="add del">
-        <pc:chgData name="邹 雨哲" userId="e28be67ac78edb3b" providerId="LiveId" clId="{ADB36D0B-E935-4AFA-8B9F-98FAB3C087ED}" dt="2022-12-17T23:40:03.081" v="132" actId="47"/>
-        <pc:sldMkLst>
-          <pc:docMk/>
-          <pc:sldMk cId="3534596662" sldId="630"/>
-        </pc:sldMkLst>
-      </pc:sldChg>
-    </pc:docChg>
-  </pc:docChgLst>
-</pc:chgInfo>
-</file>
-
 <file path=ppt/notesMasters/notesMaster1.xml><?xml version="1.0" encoding="utf-8"?>
 <p:notesMaster xmlns:a="http://schemas.openxmlformats.org/drawingml/2006/main" xmlns:r="http://schemas.openxmlformats.org/officeDocument/2006/relationships" xmlns:p="http://schemas.openxmlformats.org/presentationml/2006/main">
   <p:cSld>
@@ -728,7 +227,6 @@
           <a:p>
             <a:fld id="{1F33FFA2-8F43-4FB8-A97B-98BB1EEB6AF3}" type="datetimeFigureOut">
               <a:rPr lang="zh-CN" altLang="en-US" smtClean="0"/>
-              <a:t>2022/12/18</a:t>
             </a:fld>
             <a:endParaRPr lang="zh-CN" altLang="en-US"/>
           </a:p>
@@ -795,6 +293,7 @@
               <a:rPr lang="zh-CN" altLang="en-US"/>
               <a:t>单击此处编辑母版文本样式</a:t>
             </a:r>
+            <a:endParaRPr lang="zh-CN" altLang="en-US"/>
           </a:p>
           <a:p>
             <a:pPr lvl="1"/>
@@ -802,6 +301,7 @@
               <a:rPr lang="zh-CN" altLang="en-US"/>
               <a:t>二级</a:t>
             </a:r>
+            <a:endParaRPr lang="zh-CN" altLang="en-US"/>
           </a:p>
           <a:p>
             <a:pPr lvl="2"/>
@@ -809,6 +309,7 @@
               <a:rPr lang="zh-CN" altLang="en-US"/>
               <a:t>三级</a:t>
             </a:r>
+            <a:endParaRPr lang="zh-CN" altLang="en-US"/>
           </a:p>
           <a:p>
             <a:pPr lvl="3"/>
@@ -816,6 +317,7 @@
               <a:rPr lang="zh-CN" altLang="en-US"/>
               <a:t>四级</a:t>
             </a:r>
+            <a:endParaRPr lang="zh-CN" altLang="en-US"/>
           </a:p>
           <a:p>
             <a:pPr lvl="4"/>
@@ -823,6 +325,7 @@
               <a:rPr lang="zh-CN" altLang="en-US"/>
               <a:t>五级</a:t>
             </a:r>
+            <a:endParaRPr lang="zh-CN" altLang="en-US"/>
           </a:p>
         </p:txBody>
       </p:sp>
@@ -886,18 +389,12 @@
           <a:p>
             <a:fld id="{95ECAA27-6DB5-42C1-8BA8-FBE1524FC988}" type="slidenum">
               <a:rPr lang="zh-CN" altLang="en-US" smtClean="0"/>
-              <a:t>‹#›</a:t>
             </a:fld>
             <a:endParaRPr lang="zh-CN" altLang="en-US"/>
           </a:p>
         </p:txBody>
       </p:sp>
     </p:spTree>
-    <p:extLst>
-      <p:ext uri="{BB962C8B-B14F-4D97-AF65-F5344CB8AC3E}">
-        <p14:creationId xmlns:p14="http://schemas.microsoft.com/office/powerpoint/2010/main" val="3552661229"/>
-      </p:ext>
-    </p:extLst>
   </p:cSld>
   <p:clrMap bg1="lt1" tx1="dk1" bg2="lt2" tx2="dk2" accent1="accent1" accent2="accent2" accent3="accent3" accent4="accent4" accent5="accent5" accent6="accent6" hlink="hlink" folHlink="folHlink"/>
   <p:notesStyle>
@@ -1060,18 +557,12 @@
           <a:p>
             <a:fld id="{45C73934-D492-4443-9427-018DE5D6DDA5}" type="slidenum">
               <a:rPr lang="en-US" smtClean="0"/>
-              <a:t>3</a:t>
             </a:fld>
             <a:endParaRPr lang="en-US" dirty="0"/>
           </a:p>
         </p:txBody>
       </p:sp>
     </p:spTree>
-    <p:extLst>
-      <p:ext uri="{BB962C8B-B14F-4D97-AF65-F5344CB8AC3E}">
-        <p14:creationId xmlns:p14="http://schemas.microsoft.com/office/powerpoint/2010/main" val="390967515"/>
-      </p:ext>
-    </p:extLst>
   </p:cSld>
   <p:clrMapOvr>
     <a:masterClrMapping/>
@@ -1144,18 +635,12 @@
           <a:p>
             <a:fld id="{45C73934-D492-4443-9427-018DE5D6DDA5}" type="slidenum">
               <a:rPr lang="en-US" smtClean="0"/>
-              <a:t>12</a:t>
             </a:fld>
             <a:endParaRPr lang="en-US" dirty="0"/>
           </a:p>
         </p:txBody>
       </p:sp>
     </p:spTree>
-    <p:extLst>
-      <p:ext uri="{BB962C8B-B14F-4D97-AF65-F5344CB8AC3E}">
-        <p14:creationId xmlns:p14="http://schemas.microsoft.com/office/powerpoint/2010/main" val="381862198"/>
-      </p:ext>
-    </p:extLst>
   </p:cSld>
   <p:clrMapOvr>
     <a:masterClrMapping/>
@@ -1228,18 +713,12 @@
           <a:p>
             <a:fld id="{45C73934-D492-4443-9427-018DE5D6DDA5}" type="slidenum">
               <a:rPr lang="en-US" smtClean="0"/>
-              <a:t>13</a:t>
             </a:fld>
             <a:endParaRPr lang="en-US" dirty="0"/>
           </a:p>
         </p:txBody>
       </p:sp>
     </p:spTree>
-    <p:extLst>
-      <p:ext uri="{BB962C8B-B14F-4D97-AF65-F5344CB8AC3E}">
-        <p14:creationId xmlns:p14="http://schemas.microsoft.com/office/powerpoint/2010/main" val="1701629881"/>
-      </p:ext>
-    </p:extLst>
   </p:cSld>
   <p:clrMapOvr>
     <a:masterClrMapping/>
@@ -1312,18 +791,12 @@
           <a:p>
             <a:fld id="{45C73934-D492-4443-9427-018DE5D6DDA5}" type="slidenum">
               <a:rPr lang="en-US" smtClean="0"/>
-              <a:t>14</a:t>
             </a:fld>
             <a:endParaRPr lang="en-US" dirty="0"/>
           </a:p>
         </p:txBody>
       </p:sp>
     </p:spTree>
-    <p:extLst>
-      <p:ext uri="{BB962C8B-B14F-4D97-AF65-F5344CB8AC3E}">
-        <p14:creationId xmlns:p14="http://schemas.microsoft.com/office/powerpoint/2010/main" val="4064104303"/>
-      </p:ext>
-    </p:extLst>
   </p:cSld>
   <p:clrMapOvr>
     <a:masterClrMapping/>
@@ -1396,18 +869,12 @@
           <a:p>
             <a:fld id="{45C73934-D492-4443-9427-018DE5D6DDA5}" type="slidenum">
               <a:rPr lang="en-US" smtClean="0"/>
-              <a:t>15</a:t>
             </a:fld>
             <a:endParaRPr lang="en-US" dirty="0"/>
           </a:p>
         </p:txBody>
       </p:sp>
     </p:spTree>
-    <p:extLst>
-      <p:ext uri="{BB962C8B-B14F-4D97-AF65-F5344CB8AC3E}">
-        <p14:creationId xmlns:p14="http://schemas.microsoft.com/office/powerpoint/2010/main" val="926058462"/>
-      </p:ext>
-    </p:extLst>
   </p:cSld>
   <p:clrMapOvr>
     <a:masterClrMapping/>
@@ -1480,18 +947,12 @@
           <a:p>
             <a:fld id="{45C73934-D492-4443-9427-018DE5D6DDA5}" type="slidenum">
               <a:rPr lang="en-US" smtClean="0"/>
-              <a:t>16</a:t>
             </a:fld>
             <a:endParaRPr lang="en-US" dirty="0"/>
           </a:p>
         </p:txBody>
       </p:sp>
     </p:spTree>
-    <p:extLst>
-      <p:ext uri="{BB962C8B-B14F-4D97-AF65-F5344CB8AC3E}">
-        <p14:creationId xmlns:p14="http://schemas.microsoft.com/office/powerpoint/2010/main" val="3581100091"/>
-      </p:ext>
-    </p:extLst>
   </p:cSld>
   <p:clrMapOvr>
     <a:masterClrMapping/>
@@ -1564,18 +1025,12 @@
           <a:p>
             <a:fld id="{45C73934-D492-4443-9427-018DE5D6DDA5}" type="slidenum">
               <a:rPr lang="en-US" smtClean="0"/>
-              <a:t>4</a:t>
             </a:fld>
             <a:endParaRPr lang="en-US" dirty="0"/>
           </a:p>
         </p:txBody>
       </p:sp>
     </p:spTree>
-    <p:extLst>
-      <p:ext uri="{BB962C8B-B14F-4D97-AF65-F5344CB8AC3E}">
-        <p14:creationId xmlns:p14="http://schemas.microsoft.com/office/powerpoint/2010/main" val="3622944111"/>
-      </p:ext>
-    </p:extLst>
   </p:cSld>
   <p:clrMapOvr>
     <a:masterClrMapping/>
@@ -1648,18 +1103,12 @@
           <a:p>
             <a:fld id="{45C73934-D492-4443-9427-018DE5D6DDA5}" type="slidenum">
               <a:rPr lang="en-US" smtClean="0"/>
-              <a:t>5</a:t>
             </a:fld>
             <a:endParaRPr lang="en-US" dirty="0"/>
           </a:p>
         </p:txBody>
       </p:sp>
     </p:spTree>
-    <p:extLst>
-      <p:ext uri="{BB962C8B-B14F-4D97-AF65-F5344CB8AC3E}">
-        <p14:creationId xmlns:p14="http://schemas.microsoft.com/office/powerpoint/2010/main" val="3564911611"/>
-      </p:ext>
-    </p:extLst>
   </p:cSld>
   <p:clrMapOvr>
     <a:masterClrMapping/>
@@ -1732,18 +1181,12 @@
           <a:p>
             <a:fld id="{45C73934-D492-4443-9427-018DE5D6DDA5}" type="slidenum">
               <a:rPr lang="en-US" smtClean="0"/>
-              <a:t>6</a:t>
             </a:fld>
             <a:endParaRPr lang="en-US" dirty="0"/>
           </a:p>
         </p:txBody>
       </p:sp>
     </p:spTree>
-    <p:extLst>
-      <p:ext uri="{BB962C8B-B14F-4D97-AF65-F5344CB8AC3E}">
-        <p14:creationId xmlns:p14="http://schemas.microsoft.com/office/powerpoint/2010/main" val="1224583437"/>
-      </p:ext>
-    </p:extLst>
   </p:cSld>
   <p:clrMapOvr>
     <a:masterClrMapping/>
@@ -1816,18 +1259,12 @@
           <a:p>
             <a:fld id="{45C73934-D492-4443-9427-018DE5D6DDA5}" type="slidenum">
               <a:rPr lang="en-US" smtClean="0"/>
-              <a:t>7</a:t>
             </a:fld>
             <a:endParaRPr lang="en-US" dirty="0"/>
           </a:p>
         </p:txBody>
       </p:sp>
     </p:spTree>
-    <p:extLst>
-      <p:ext uri="{BB962C8B-B14F-4D97-AF65-F5344CB8AC3E}">
-        <p14:creationId xmlns:p14="http://schemas.microsoft.com/office/powerpoint/2010/main" val="691248384"/>
-      </p:ext>
-    </p:extLst>
   </p:cSld>
   <p:clrMapOvr>
     <a:masterClrMapping/>
@@ -1900,18 +1337,12 @@
           <a:p>
             <a:fld id="{45C73934-D492-4443-9427-018DE5D6DDA5}" type="slidenum">
               <a:rPr lang="en-US" smtClean="0"/>
-              <a:t>8</a:t>
             </a:fld>
             <a:endParaRPr lang="en-US" dirty="0"/>
           </a:p>
         </p:txBody>
       </p:sp>
     </p:spTree>
-    <p:extLst>
-      <p:ext uri="{BB962C8B-B14F-4D97-AF65-F5344CB8AC3E}">
-        <p14:creationId xmlns:p14="http://schemas.microsoft.com/office/powerpoint/2010/main" val="4120126898"/>
-      </p:ext>
-    </p:extLst>
   </p:cSld>
   <p:clrMapOvr>
     <a:masterClrMapping/>
@@ -1984,18 +1415,12 @@
           <a:p>
             <a:fld id="{45C73934-D492-4443-9427-018DE5D6DDA5}" type="slidenum">
               <a:rPr lang="en-US" smtClean="0"/>
-              <a:t>9</a:t>
             </a:fld>
             <a:endParaRPr lang="en-US" dirty="0"/>
           </a:p>
         </p:txBody>
       </p:sp>
     </p:spTree>
-    <p:extLst>
-      <p:ext uri="{BB962C8B-B14F-4D97-AF65-F5344CB8AC3E}">
-        <p14:creationId xmlns:p14="http://schemas.microsoft.com/office/powerpoint/2010/main" val="442709599"/>
-      </p:ext>
-    </p:extLst>
   </p:cSld>
   <p:clrMapOvr>
     <a:masterClrMapping/>
@@ -2068,18 +1493,12 @@
           <a:p>
             <a:fld id="{45C73934-D492-4443-9427-018DE5D6DDA5}" type="slidenum">
               <a:rPr lang="en-US" smtClean="0"/>
-              <a:t>10</a:t>
             </a:fld>
             <a:endParaRPr lang="en-US" dirty="0"/>
           </a:p>
         </p:txBody>
       </p:sp>
     </p:spTree>
-    <p:extLst>
-      <p:ext uri="{BB962C8B-B14F-4D97-AF65-F5344CB8AC3E}">
-        <p14:creationId xmlns:p14="http://schemas.microsoft.com/office/powerpoint/2010/main" val="3678004382"/>
-      </p:ext>
-    </p:extLst>
   </p:cSld>
   <p:clrMapOvr>
     <a:masterClrMapping/>
@@ -2152,18 +1571,12 @@
           <a:p>
             <a:fld id="{45C73934-D492-4443-9427-018DE5D6DDA5}" type="slidenum">
               <a:rPr lang="en-US" smtClean="0"/>
-              <a:t>11</a:t>
             </a:fld>
             <a:endParaRPr lang="en-US" dirty="0"/>
           </a:p>
         </p:txBody>
       </p:sp>
     </p:spTree>
-    <p:extLst>
-      <p:ext uri="{BB962C8B-B14F-4D97-AF65-F5344CB8AC3E}">
-        <p14:creationId xmlns:p14="http://schemas.microsoft.com/office/powerpoint/2010/main" val="1435062207"/>
-      </p:ext>
-    </p:extLst>
   </p:cSld>
   <p:clrMapOvr>
     <a:masterClrMapping/>
@@ -2190,13 +1603,7 @@
       </p:grpSpPr>
       <p:sp>
         <p:nvSpPr>
-          <p:cNvPr id="2" name="标题 1">
-            <a:extLst>
-              <a:ext uri="{FF2B5EF4-FFF2-40B4-BE49-F238E27FC236}">
-                <a16:creationId xmlns:a16="http://schemas.microsoft.com/office/drawing/2014/main" id="{66F8E38E-FFD9-B6B0-2641-FF87374FC478}"/>
-              </a:ext>
-            </a:extLst>
-          </p:cNvPr>
+          <p:cNvPr id="2" name="标题 1"/>
           <p:cNvSpPr>
             <a:spLocks noGrp="1"/>
           </p:cNvSpPr>
@@ -2222,18 +1629,13 @@
               <a:rPr lang="zh-CN" altLang="en-US"/>
               <a:t>单击此处编辑母版标题样式</a:t>
             </a:r>
-          </a:p>
-        </p:txBody>
-      </p:sp>
-      <p:sp>
-        <p:nvSpPr>
-          <p:cNvPr id="3" name="副标题 2">
-            <a:extLst>
-              <a:ext uri="{FF2B5EF4-FFF2-40B4-BE49-F238E27FC236}">
-                <a16:creationId xmlns:a16="http://schemas.microsoft.com/office/drawing/2014/main" id="{16A2AEE8-FF44-4C87-DB67-1ABB413CB8B6}"/>
-              </a:ext>
-            </a:extLst>
-          </p:cNvPr>
+            <a:endParaRPr lang="zh-CN" altLang="en-US"/>
+          </a:p>
+        </p:txBody>
+      </p:sp>
+      <p:sp>
+        <p:nvSpPr>
+          <p:cNvPr id="3" name="副标题 2"/>
           <p:cNvSpPr>
             <a:spLocks noGrp="1"/>
           </p:cNvSpPr>
@@ -2292,18 +1694,13 @@
               <a:rPr lang="zh-CN" altLang="en-US"/>
               <a:t>单击此处编辑母版副标题样式</a:t>
             </a:r>
-          </a:p>
-        </p:txBody>
-      </p:sp>
-      <p:sp>
-        <p:nvSpPr>
-          <p:cNvPr id="4" name="日期占位符 3">
-            <a:extLst>
-              <a:ext uri="{FF2B5EF4-FFF2-40B4-BE49-F238E27FC236}">
-                <a16:creationId xmlns:a16="http://schemas.microsoft.com/office/drawing/2014/main" id="{86C6D61C-81E8-0194-4ADA-F3E2827EB2FC}"/>
-              </a:ext>
-            </a:extLst>
-          </p:cNvPr>
+            <a:endParaRPr lang="zh-CN" altLang="en-US"/>
+          </a:p>
+        </p:txBody>
+      </p:sp>
+      <p:sp>
+        <p:nvSpPr>
+          <p:cNvPr id="4" name="日期占位符 3"/>
           <p:cNvSpPr>
             <a:spLocks noGrp="1"/>
           </p:cNvSpPr>
@@ -2318,7 +1715,6 @@
           <a:p>
             <a:fld id="{CE3934D9-11A6-4527-9494-67793CD04FC3}" type="datetimeFigureOut">
               <a:rPr lang="zh-CN" altLang="en-US" smtClean="0"/>
-              <a:t>2022/12/18</a:t>
             </a:fld>
             <a:endParaRPr lang="zh-CN" altLang="en-US"/>
           </a:p>
@@ -2326,13 +1722,7 @@
       </p:sp>
       <p:sp>
         <p:nvSpPr>
-          <p:cNvPr id="5" name="页脚占位符 4">
-            <a:extLst>
-              <a:ext uri="{FF2B5EF4-FFF2-40B4-BE49-F238E27FC236}">
-                <a16:creationId xmlns:a16="http://schemas.microsoft.com/office/drawing/2014/main" id="{2AE4BF67-5D11-8853-54F0-ECA9ECDB5457}"/>
-              </a:ext>
-            </a:extLst>
-          </p:cNvPr>
+          <p:cNvPr id="5" name="页脚占位符 4"/>
           <p:cNvSpPr>
             <a:spLocks noGrp="1"/>
           </p:cNvSpPr>
@@ -2351,13 +1741,7 @@
       </p:sp>
       <p:sp>
         <p:nvSpPr>
-          <p:cNvPr id="6" name="灯片编号占位符 5">
-            <a:extLst>
-              <a:ext uri="{FF2B5EF4-FFF2-40B4-BE49-F238E27FC236}">
-                <a16:creationId xmlns:a16="http://schemas.microsoft.com/office/drawing/2014/main" id="{5CA7952D-F20C-A054-CFC0-B8CFE6C84E29}"/>
-              </a:ext>
-            </a:extLst>
-          </p:cNvPr>
+          <p:cNvPr id="6" name="灯片编号占位符 5"/>
           <p:cNvSpPr>
             <a:spLocks noGrp="1"/>
           </p:cNvSpPr>
@@ -2372,18 +1756,12 @@
           <a:p>
             <a:fld id="{9FFECC9C-2655-49F4-BA59-239913A4EA3E}" type="slidenum">
               <a:rPr lang="zh-CN" altLang="en-US" smtClean="0"/>
-              <a:t>‹#›</a:t>
             </a:fld>
             <a:endParaRPr lang="zh-CN" altLang="en-US"/>
           </a:p>
         </p:txBody>
       </p:sp>
     </p:spTree>
-    <p:extLst>
-      <p:ext uri="{BB962C8B-B14F-4D97-AF65-F5344CB8AC3E}">
-        <p14:creationId xmlns:p14="http://schemas.microsoft.com/office/powerpoint/2010/main" val="1525806933"/>
-      </p:ext>
-    </p:extLst>
   </p:cSld>
   <p:clrMapOvr>
     <a:masterClrMapping/>
@@ -2410,13 +1788,7 @@
       </p:grpSpPr>
       <p:sp>
         <p:nvSpPr>
-          <p:cNvPr id="2" name="标题 1">
-            <a:extLst>
-              <a:ext uri="{FF2B5EF4-FFF2-40B4-BE49-F238E27FC236}">
-                <a16:creationId xmlns:a16="http://schemas.microsoft.com/office/drawing/2014/main" id="{D3AF5ED8-AB06-F5A1-E2F2-FBFC293A6C47}"/>
-              </a:ext>
-            </a:extLst>
-          </p:cNvPr>
+          <p:cNvPr id="2" name="标题 1"/>
           <p:cNvSpPr>
             <a:spLocks noGrp="1"/>
           </p:cNvSpPr>
@@ -2433,18 +1805,13 @@
               <a:rPr lang="zh-CN" altLang="en-US"/>
               <a:t>单击此处编辑母版标题样式</a:t>
             </a:r>
-          </a:p>
-        </p:txBody>
-      </p:sp>
-      <p:sp>
-        <p:nvSpPr>
-          <p:cNvPr id="3" name="竖排文字占位符 2">
-            <a:extLst>
-              <a:ext uri="{FF2B5EF4-FFF2-40B4-BE49-F238E27FC236}">
-                <a16:creationId xmlns:a16="http://schemas.microsoft.com/office/drawing/2014/main" id="{ACD5DAB8-0F76-16AE-D6A8-3B666D72283A}"/>
-              </a:ext>
-            </a:extLst>
-          </p:cNvPr>
+            <a:endParaRPr lang="zh-CN" altLang="en-US"/>
+          </a:p>
+        </p:txBody>
+      </p:sp>
+      <p:sp>
+        <p:nvSpPr>
+          <p:cNvPr id="3" name="竖排文字占位符 2"/>
           <p:cNvSpPr>
             <a:spLocks noGrp="1"/>
           </p:cNvSpPr>
@@ -2462,6 +1829,7 @@
               <a:rPr lang="zh-CN" altLang="en-US"/>
               <a:t>单击此处编辑母版文本样式</a:t>
             </a:r>
+            <a:endParaRPr lang="zh-CN" altLang="en-US"/>
           </a:p>
           <a:p>
             <a:pPr lvl="1"/>
@@ -2469,6 +1837,7 @@
               <a:rPr lang="zh-CN" altLang="en-US"/>
               <a:t>二级</a:t>
             </a:r>
+            <a:endParaRPr lang="zh-CN" altLang="en-US"/>
           </a:p>
           <a:p>
             <a:pPr lvl="2"/>
@@ -2476,6 +1845,7 @@
               <a:rPr lang="zh-CN" altLang="en-US"/>
               <a:t>三级</a:t>
             </a:r>
+            <a:endParaRPr lang="zh-CN" altLang="en-US"/>
           </a:p>
           <a:p>
             <a:pPr lvl="3"/>
@@ -2483,6 +1853,7 @@
               <a:rPr lang="zh-CN" altLang="en-US"/>
               <a:t>四级</a:t>
             </a:r>
+            <a:endParaRPr lang="zh-CN" altLang="en-US"/>
           </a:p>
           <a:p>
             <a:pPr lvl="4"/>
@@ -2490,18 +1861,13 @@
               <a:rPr lang="zh-CN" altLang="en-US"/>
               <a:t>五级</a:t>
             </a:r>
-          </a:p>
-        </p:txBody>
-      </p:sp>
-      <p:sp>
-        <p:nvSpPr>
-          <p:cNvPr id="4" name="日期占位符 3">
-            <a:extLst>
-              <a:ext uri="{FF2B5EF4-FFF2-40B4-BE49-F238E27FC236}">
-                <a16:creationId xmlns:a16="http://schemas.microsoft.com/office/drawing/2014/main" id="{1600F878-C7CB-9C75-8977-3826AAEC46A8}"/>
-              </a:ext>
-            </a:extLst>
-          </p:cNvPr>
+            <a:endParaRPr lang="zh-CN" altLang="en-US"/>
+          </a:p>
+        </p:txBody>
+      </p:sp>
+      <p:sp>
+        <p:nvSpPr>
+          <p:cNvPr id="4" name="日期占位符 3"/>
           <p:cNvSpPr>
             <a:spLocks noGrp="1"/>
           </p:cNvSpPr>
@@ -2516,7 +1882,6 @@
           <a:p>
             <a:fld id="{CE3934D9-11A6-4527-9494-67793CD04FC3}" type="datetimeFigureOut">
               <a:rPr lang="zh-CN" altLang="en-US" smtClean="0"/>
-              <a:t>2022/12/18</a:t>
             </a:fld>
             <a:endParaRPr lang="zh-CN" altLang="en-US"/>
           </a:p>
@@ -2524,13 +1889,7 @@
       </p:sp>
       <p:sp>
         <p:nvSpPr>
-          <p:cNvPr id="5" name="页脚占位符 4">
-            <a:extLst>
-              <a:ext uri="{FF2B5EF4-FFF2-40B4-BE49-F238E27FC236}">
-                <a16:creationId xmlns:a16="http://schemas.microsoft.com/office/drawing/2014/main" id="{32F112C7-4DE2-8AD6-7091-C43989354E0C}"/>
-              </a:ext>
-            </a:extLst>
-          </p:cNvPr>
+          <p:cNvPr id="5" name="页脚占位符 4"/>
           <p:cNvSpPr>
             <a:spLocks noGrp="1"/>
           </p:cNvSpPr>
@@ -2549,13 +1908,7 @@
       </p:sp>
       <p:sp>
         <p:nvSpPr>
-          <p:cNvPr id="6" name="灯片编号占位符 5">
-            <a:extLst>
-              <a:ext uri="{FF2B5EF4-FFF2-40B4-BE49-F238E27FC236}">
-                <a16:creationId xmlns:a16="http://schemas.microsoft.com/office/drawing/2014/main" id="{27ED482B-294E-D2C2-5C28-396D295D9B83}"/>
-              </a:ext>
-            </a:extLst>
-          </p:cNvPr>
+          <p:cNvPr id="6" name="灯片编号占位符 5"/>
           <p:cNvSpPr>
             <a:spLocks noGrp="1"/>
           </p:cNvSpPr>
@@ -2570,18 +1923,12 @@
           <a:p>
             <a:fld id="{9FFECC9C-2655-49F4-BA59-239913A4EA3E}" type="slidenum">
               <a:rPr lang="zh-CN" altLang="en-US" smtClean="0"/>
-              <a:t>‹#›</a:t>
             </a:fld>
             <a:endParaRPr lang="zh-CN" altLang="en-US"/>
           </a:p>
         </p:txBody>
       </p:sp>
     </p:spTree>
-    <p:extLst>
-      <p:ext uri="{BB962C8B-B14F-4D97-AF65-F5344CB8AC3E}">
-        <p14:creationId xmlns:p14="http://schemas.microsoft.com/office/powerpoint/2010/main" val="3025012319"/>
-      </p:ext>
-    </p:extLst>
   </p:cSld>
   <p:clrMapOvr>
     <a:masterClrMapping/>
@@ -2608,13 +1955,7 @@
       </p:grpSpPr>
       <p:sp>
         <p:nvSpPr>
-          <p:cNvPr id="2" name="竖排标题 1">
-            <a:extLst>
-              <a:ext uri="{FF2B5EF4-FFF2-40B4-BE49-F238E27FC236}">
-                <a16:creationId xmlns:a16="http://schemas.microsoft.com/office/drawing/2014/main" id="{30BBC962-5D8E-75B6-6B0D-4DC05C7D93C3}"/>
-              </a:ext>
-            </a:extLst>
-          </p:cNvPr>
+          <p:cNvPr id="2" name="竖排标题 1"/>
           <p:cNvSpPr>
             <a:spLocks noGrp="1"/>
           </p:cNvSpPr>
@@ -2636,18 +1977,13 @@
               <a:rPr lang="zh-CN" altLang="en-US"/>
               <a:t>单击此处编辑母版标题样式</a:t>
             </a:r>
-          </a:p>
-        </p:txBody>
-      </p:sp>
-      <p:sp>
-        <p:nvSpPr>
-          <p:cNvPr id="3" name="竖排文字占位符 2">
-            <a:extLst>
-              <a:ext uri="{FF2B5EF4-FFF2-40B4-BE49-F238E27FC236}">
-                <a16:creationId xmlns:a16="http://schemas.microsoft.com/office/drawing/2014/main" id="{BD0A7CE0-807C-468C-7B75-ED48C088C5A6}"/>
-              </a:ext>
-            </a:extLst>
-          </p:cNvPr>
+            <a:endParaRPr lang="zh-CN" altLang="en-US"/>
+          </a:p>
+        </p:txBody>
+      </p:sp>
+      <p:sp>
+        <p:nvSpPr>
+          <p:cNvPr id="3" name="竖排文字占位符 2"/>
           <p:cNvSpPr>
             <a:spLocks noGrp="1"/>
           </p:cNvSpPr>
@@ -2670,6 +2006,7 @@
               <a:rPr lang="zh-CN" altLang="en-US"/>
               <a:t>单击此处编辑母版文本样式</a:t>
             </a:r>
+            <a:endParaRPr lang="zh-CN" altLang="en-US"/>
           </a:p>
           <a:p>
             <a:pPr lvl="1"/>
@@ -2677,6 +2014,7 @@
               <a:rPr lang="zh-CN" altLang="en-US"/>
               <a:t>二级</a:t>
             </a:r>
+            <a:endParaRPr lang="zh-CN" altLang="en-US"/>
           </a:p>
           <a:p>
             <a:pPr lvl="2"/>
@@ -2684,6 +2022,7 @@
               <a:rPr lang="zh-CN" altLang="en-US"/>
               <a:t>三级</a:t>
             </a:r>
+            <a:endParaRPr lang="zh-CN" altLang="en-US"/>
           </a:p>
           <a:p>
             <a:pPr lvl="3"/>
@@ -2691,6 +2030,7 @@
               <a:rPr lang="zh-CN" altLang="en-US"/>
               <a:t>四级</a:t>
             </a:r>
+            <a:endParaRPr lang="zh-CN" altLang="en-US"/>
           </a:p>
           <a:p>
             <a:pPr lvl="4"/>
@@ -2698,18 +2038,13 @@
               <a:rPr lang="zh-CN" altLang="en-US"/>
               <a:t>五级</a:t>
             </a:r>
-          </a:p>
-        </p:txBody>
-      </p:sp>
-      <p:sp>
-        <p:nvSpPr>
-          <p:cNvPr id="4" name="日期占位符 3">
-            <a:extLst>
-              <a:ext uri="{FF2B5EF4-FFF2-40B4-BE49-F238E27FC236}">
-                <a16:creationId xmlns:a16="http://schemas.microsoft.com/office/drawing/2014/main" id="{EF98E5D3-6EAB-23AD-690F-4ECDBE38F2FF}"/>
-              </a:ext>
-            </a:extLst>
-          </p:cNvPr>
+            <a:endParaRPr lang="zh-CN" altLang="en-US"/>
+          </a:p>
+        </p:txBody>
+      </p:sp>
+      <p:sp>
+        <p:nvSpPr>
+          <p:cNvPr id="4" name="日期占位符 3"/>
           <p:cNvSpPr>
             <a:spLocks noGrp="1"/>
           </p:cNvSpPr>
@@ -2724,7 +2059,6 @@
           <a:p>
             <a:fld id="{CE3934D9-11A6-4527-9494-67793CD04FC3}" type="datetimeFigureOut">
               <a:rPr lang="zh-CN" altLang="en-US" smtClean="0"/>
-              <a:t>2022/12/18</a:t>
             </a:fld>
             <a:endParaRPr lang="zh-CN" altLang="en-US"/>
           </a:p>
@@ -2732,13 +2066,7 @@
       </p:sp>
       <p:sp>
         <p:nvSpPr>
-          <p:cNvPr id="5" name="页脚占位符 4">
-            <a:extLst>
-              <a:ext uri="{FF2B5EF4-FFF2-40B4-BE49-F238E27FC236}">
-                <a16:creationId xmlns:a16="http://schemas.microsoft.com/office/drawing/2014/main" id="{123A4D96-22F1-CFF3-BE25-ED354D8334B2}"/>
-              </a:ext>
-            </a:extLst>
-          </p:cNvPr>
+          <p:cNvPr id="5" name="页脚占位符 4"/>
           <p:cNvSpPr>
             <a:spLocks noGrp="1"/>
           </p:cNvSpPr>
@@ -2757,13 +2085,7 @@
       </p:sp>
       <p:sp>
         <p:nvSpPr>
-          <p:cNvPr id="6" name="灯片编号占位符 5">
-            <a:extLst>
-              <a:ext uri="{FF2B5EF4-FFF2-40B4-BE49-F238E27FC236}">
-                <a16:creationId xmlns:a16="http://schemas.microsoft.com/office/drawing/2014/main" id="{7CC6F8E6-9B09-F9E3-4901-3A4D34DBF868}"/>
-              </a:ext>
-            </a:extLst>
-          </p:cNvPr>
+          <p:cNvPr id="6" name="灯片编号占位符 5"/>
           <p:cNvSpPr>
             <a:spLocks noGrp="1"/>
           </p:cNvSpPr>
@@ -2778,18 +2100,12 @@
           <a:p>
             <a:fld id="{9FFECC9C-2655-49F4-BA59-239913A4EA3E}" type="slidenum">
               <a:rPr lang="zh-CN" altLang="en-US" smtClean="0"/>
-              <a:t>‹#›</a:t>
             </a:fld>
             <a:endParaRPr lang="zh-CN" altLang="en-US"/>
           </a:p>
         </p:txBody>
       </p:sp>
     </p:spTree>
-    <p:extLst>
-      <p:ext uri="{BB962C8B-B14F-4D97-AF65-F5344CB8AC3E}">
-        <p14:creationId xmlns:p14="http://schemas.microsoft.com/office/powerpoint/2010/main" val="3825688920"/>
-      </p:ext>
-    </p:extLst>
   </p:cSld>
   <p:clrMapOvr>
     <a:masterClrMapping/>
@@ -2835,7 +2151,7 @@
           <a:lstStyle>
             <a:lvl1pPr marL="0" indent="0" algn="ctr">
               <a:buNone/>
-              <a:defRPr sz="1051" baseline="0"/>
+              <a:defRPr sz="1050" baseline="0"/>
             </a:lvl1pPr>
           </a:lstStyle>
           <a:p>
@@ -2843,15 +2159,11 @@
               <a:rPr lang="en-US" dirty="0"/>
               <a:t>Drag / Drop / Send to Back</a:t>
             </a:r>
+            <a:endParaRPr lang="en-US" dirty="0"/>
           </a:p>
         </p:txBody>
       </p:sp>
     </p:spTree>
-    <p:extLst>
-      <p:ext uri="{BB962C8B-B14F-4D97-AF65-F5344CB8AC3E}">
-        <p14:creationId xmlns:p14="http://schemas.microsoft.com/office/powerpoint/2010/main" val="1735100437"/>
-      </p:ext>
-    </p:extLst>
   </p:cSld>
   <p:clrMapOvr>
     <a:masterClrMapping/>
@@ -3273,22 +2585,17 @@
         </p:txBody>
       </p:sp>
     </p:spTree>
-    <p:extLst>
-      <p:ext uri="{BB962C8B-B14F-4D97-AF65-F5344CB8AC3E}">
-        <p14:creationId xmlns:p14="http://schemas.microsoft.com/office/powerpoint/2010/main" val="901930786"/>
-      </p:ext>
-    </p:extLst>
   </p:cSld>
   <p:clrMapOvr>
     <a:masterClrMapping/>
   </p:clrMapOvr>
-  <mc:AlternateContent xmlns:mc="http://schemas.openxmlformats.org/markup-compatibility/2006" xmlns:p14="http://schemas.microsoft.com/office/powerpoint/2010/main">
-    <mc:Choice Requires="p14">
+  <mc:AlternateContent xmlns:mc="http://schemas.openxmlformats.org/markup-compatibility/2006">
+    <mc:Choice xmlns:p14="http://schemas.microsoft.com/office/powerpoint/2010/main" Requires="p14">
       <p:transition spd="slow" p14:dur="1500">
         <p14:reveal/>
       </p:transition>
     </mc:Choice>
-    <mc:Fallback xmlns="">
+    <mc:Fallback>
       <p:transition spd="slow">
         <p:fade/>
       </p:transition>
@@ -3316,13 +2623,7 @@
       </p:grpSpPr>
       <p:sp>
         <p:nvSpPr>
-          <p:cNvPr id="2" name="标题 1">
-            <a:extLst>
-              <a:ext uri="{FF2B5EF4-FFF2-40B4-BE49-F238E27FC236}">
-                <a16:creationId xmlns:a16="http://schemas.microsoft.com/office/drawing/2014/main" id="{0E390836-A9B2-6A0A-89D9-332180334CB6}"/>
-              </a:ext>
-            </a:extLst>
-          </p:cNvPr>
+          <p:cNvPr id="2" name="标题 1"/>
           <p:cNvSpPr>
             <a:spLocks noGrp="1"/>
           </p:cNvSpPr>
@@ -3339,18 +2640,13 @@
               <a:rPr lang="zh-CN" altLang="en-US"/>
               <a:t>单击此处编辑母版标题样式</a:t>
             </a:r>
-          </a:p>
-        </p:txBody>
-      </p:sp>
-      <p:sp>
-        <p:nvSpPr>
-          <p:cNvPr id="3" name="内容占位符 2">
-            <a:extLst>
-              <a:ext uri="{FF2B5EF4-FFF2-40B4-BE49-F238E27FC236}">
-                <a16:creationId xmlns:a16="http://schemas.microsoft.com/office/drawing/2014/main" id="{FCF4434B-15C2-2903-9C9F-BAF1AE44156C}"/>
-              </a:ext>
-            </a:extLst>
-          </p:cNvPr>
+            <a:endParaRPr lang="zh-CN" altLang="en-US"/>
+          </a:p>
+        </p:txBody>
+      </p:sp>
+      <p:sp>
+        <p:nvSpPr>
+          <p:cNvPr id="3" name="内容占位符 2"/>
           <p:cNvSpPr>
             <a:spLocks noGrp="1"/>
           </p:cNvSpPr>
@@ -3368,6 +2664,7 @@
               <a:rPr lang="zh-CN" altLang="en-US"/>
               <a:t>单击此处编辑母版文本样式</a:t>
             </a:r>
+            <a:endParaRPr lang="zh-CN" altLang="en-US"/>
           </a:p>
           <a:p>
             <a:pPr lvl="1"/>
@@ -3375,6 +2672,7 @@
               <a:rPr lang="zh-CN" altLang="en-US"/>
               <a:t>二级</a:t>
             </a:r>
+            <a:endParaRPr lang="zh-CN" altLang="en-US"/>
           </a:p>
           <a:p>
             <a:pPr lvl="2"/>
@@ -3382,6 +2680,7 @@
               <a:rPr lang="zh-CN" altLang="en-US"/>
               <a:t>三级</a:t>
             </a:r>
+            <a:endParaRPr lang="zh-CN" altLang="en-US"/>
           </a:p>
           <a:p>
             <a:pPr lvl="3"/>
@@ -3389,6 +2688,7 @@
               <a:rPr lang="zh-CN" altLang="en-US"/>
               <a:t>四级</a:t>
             </a:r>
+            <a:endParaRPr lang="zh-CN" altLang="en-US"/>
           </a:p>
           <a:p>
             <a:pPr lvl="4"/>
@@ -3396,18 +2696,13 @@
               <a:rPr lang="zh-CN" altLang="en-US"/>
               <a:t>五级</a:t>
             </a:r>
-          </a:p>
-        </p:txBody>
-      </p:sp>
-      <p:sp>
-        <p:nvSpPr>
-          <p:cNvPr id="4" name="日期占位符 3">
-            <a:extLst>
-              <a:ext uri="{FF2B5EF4-FFF2-40B4-BE49-F238E27FC236}">
-                <a16:creationId xmlns:a16="http://schemas.microsoft.com/office/drawing/2014/main" id="{393B5FB5-354E-4522-34A8-E1E62DDC286E}"/>
-              </a:ext>
-            </a:extLst>
-          </p:cNvPr>
+            <a:endParaRPr lang="zh-CN" altLang="en-US"/>
+          </a:p>
+        </p:txBody>
+      </p:sp>
+      <p:sp>
+        <p:nvSpPr>
+          <p:cNvPr id="4" name="日期占位符 3"/>
           <p:cNvSpPr>
             <a:spLocks noGrp="1"/>
           </p:cNvSpPr>
@@ -3422,7 +2717,6 @@
           <a:p>
             <a:fld id="{CE3934D9-11A6-4527-9494-67793CD04FC3}" type="datetimeFigureOut">
               <a:rPr lang="zh-CN" altLang="en-US" smtClean="0"/>
-              <a:t>2022/12/18</a:t>
             </a:fld>
             <a:endParaRPr lang="zh-CN" altLang="en-US"/>
           </a:p>
@@ -3430,13 +2724,7 @@
       </p:sp>
       <p:sp>
         <p:nvSpPr>
-          <p:cNvPr id="5" name="页脚占位符 4">
-            <a:extLst>
-              <a:ext uri="{FF2B5EF4-FFF2-40B4-BE49-F238E27FC236}">
-                <a16:creationId xmlns:a16="http://schemas.microsoft.com/office/drawing/2014/main" id="{E490F15B-740F-29BF-50F1-8C6394663DC8}"/>
-              </a:ext>
-            </a:extLst>
-          </p:cNvPr>
+          <p:cNvPr id="5" name="页脚占位符 4"/>
           <p:cNvSpPr>
             <a:spLocks noGrp="1"/>
           </p:cNvSpPr>
@@ -3455,13 +2743,7 @@
       </p:sp>
       <p:sp>
         <p:nvSpPr>
-          <p:cNvPr id="6" name="灯片编号占位符 5">
-            <a:extLst>
-              <a:ext uri="{FF2B5EF4-FFF2-40B4-BE49-F238E27FC236}">
-                <a16:creationId xmlns:a16="http://schemas.microsoft.com/office/drawing/2014/main" id="{E4F8FC79-CD84-980E-3ABC-5276D0CDCBFB}"/>
-              </a:ext>
-            </a:extLst>
-          </p:cNvPr>
+          <p:cNvPr id="6" name="灯片编号占位符 5"/>
           <p:cNvSpPr>
             <a:spLocks noGrp="1"/>
           </p:cNvSpPr>
@@ -3476,18 +2758,12 @@
           <a:p>
             <a:fld id="{9FFECC9C-2655-49F4-BA59-239913A4EA3E}" type="slidenum">
               <a:rPr lang="zh-CN" altLang="en-US" smtClean="0"/>
-              <a:t>‹#›</a:t>
             </a:fld>
             <a:endParaRPr lang="zh-CN" altLang="en-US"/>
           </a:p>
         </p:txBody>
       </p:sp>
     </p:spTree>
-    <p:extLst>
-      <p:ext uri="{BB962C8B-B14F-4D97-AF65-F5344CB8AC3E}">
-        <p14:creationId xmlns:p14="http://schemas.microsoft.com/office/powerpoint/2010/main" val="789557390"/>
-      </p:ext>
-    </p:extLst>
   </p:cSld>
   <p:clrMapOvr>
     <a:masterClrMapping/>
@@ -3514,13 +2790,7 @@
       </p:grpSpPr>
       <p:sp>
         <p:nvSpPr>
-          <p:cNvPr id="2" name="标题 1">
-            <a:extLst>
-              <a:ext uri="{FF2B5EF4-FFF2-40B4-BE49-F238E27FC236}">
-                <a16:creationId xmlns:a16="http://schemas.microsoft.com/office/drawing/2014/main" id="{36C9BA00-AF78-CAE8-D5EF-9DAA5B68CE57}"/>
-              </a:ext>
-            </a:extLst>
-          </p:cNvPr>
+          <p:cNvPr id="2" name="标题 1"/>
           <p:cNvSpPr>
             <a:spLocks noGrp="1"/>
           </p:cNvSpPr>
@@ -3546,18 +2816,13 @@
               <a:rPr lang="zh-CN" altLang="en-US"/>
               <a:t>单击此处编辑母版标题样式</a:t>
             </a:r>
-          </a:p>
-        </p:txBody>
-      </p:sp>
-      <p:sp>
-        <p:nvSpPr>
-          <p:cNvPr id="3" name="文本占位符 2">
-            <a:extLst>
-              <a:ext uri="{FF2B5EF4-FFF2-40B4-BE49-F238E27FC236}">
-                <a16:creationId xmlns:a16="http://schemas.microsoft.com/office/drawing/2014/main" id="{A19F1F5A-5258-CB41-2066-40DA44E54953}"/>
-              </a:ext>
-            </a:extLst>
-          </p:cNvPr>
+            <a:endParaRPr lang="zh-CN" altLang="en-US"/>
+          </a:p>
+        </p:txBody>
+      </p:sp>
+      <p:sp>
+        <p:nvSpPr>
+          <p:cNvPr id="3" name="文本占位符 2"/>
           <p:cNvSpPr>
             <a:spLocks noGrp="1"/>
           </p:cNvSpPr>
@@ -3671,18 +2936,13 @@
               <a:rPr lang="zh-CN" altLang="en-US"/>
               <a:t>单击此处编辑母版文本样式</a:t>
             </a:r>
-          </a:p>
-        </p:txBody>
-      </p:sp>
-      <p:sp>
-        <p:nvSpPr>
-          <p:cNvPr id="4" name="日期占位符 3">
-            <a:extLst>
-              <a:ext uri="{FF2B5EF4-FFF2-40B4-BE49-F238E27FC236}">
-                <a16:creationId xmlns:a16="http://schemas.microsoft.com/office/drawing/2014/main" id="{DDF8D705-D65C-42DC-5F1B-CBC7F24060E0}"/>
-              </a:ext>
-            </a:extLst>
-          </p:cNvPr>
+            <a:endParaRPr lang="zh-CN" altLang="en-US"/>
+          </a:p>
+        </p:txBody>
+      </p:sp>
+      <p:sp>
+        <p:nvSpPr>
+          <p:cNvPr id="4" name="日期占位符 3"/>
           <p:cNvSpPr>
             <a:spLocks noGrp="1"/>
           </p:cNvSpPr>
@@ -3697,7 +2957,6 @@
           <a:p>
             <a:fld id="{CE3934D9-11A6-4527-9494-67793CD04FC3}" type="datetimeFigureOut">
               <a:rPr lang="zh-CN" altLang="en-US" smtClean="0"/>
-              <a:t>2022/12/18</a:t>
             </a:fld>
             <a:endParaRPr lang="zh-CN" altLang="en-US"/>
           </a:p>
@@ -3705,13 +2964,7 @@
       </p:sp>
       <p:sp>
         <p:nvSpPr>
-          <p:cNvPr id="5" name="页脚占位符 4">
-            <a:extLst>
-              <a:ext uri="{FF2B5EF4-FFF2-40B4-BE49-F238E27FC236}">
-                <a16:creationId xmlns:a16="http://schemas.microsoft.com/office/drawing/2014/main" id="{0A3E64A0-EB95-86BF-6F9D-9DFCC057C655}"/>
-              </a:ext>
-            </a:extLst>
-          </p:cNvPr>
+          <p:cNvPr id="5" name="页脚占位符 4"/>
           <p:cNvSpPr>
             <a:spLocks noGrp="1"/>
           </p:cNvSpPr>
@@ -3730,13 +2983,7 @@
       </p:sp>
       <p:sp>
         <p:nvSpPr>
-          <p:cNvPr id="6" name="灯片编号占位符 5">
-            <a:extLst>
-              <a:ext uri="{FF2B5EF4-FFF2-40B4-BE49-F238E27FC236}">
-                <a16:creationId xmlns:a16="http://schemas.microsoft.com/office/drawing/2014/main" id="{63CCEFED-F679-73E6-5E4E-FDF130DA1A41}"/>
-              </a:ext>
-            </a:extLst>
-          </p:cNvPr>
+          <p:cNvPr id="6" name="灯片编号占位符 5"/>
           <p:cNvSpPr>
             <a:spLocks noGrp="1"/>
           </p:cNvSpPr>
@@ -3751,18 +2998,12 @@
           <a:p>
             <a:fld id="{9FFECC9C-2655-49F4-BA59-239913A4EA3E}" type="slidenum">
               <a:rPr lang="zh-CN" altLang="en-US" smtClean="0"/>
-              <a:t>‹#›</a:t>
             </a:fld>
             <a:endParaRPr lang="zh-CN" altLang="en-US"/>
           </a:p>
         </p:txBody>
       </p:sp>
     </p:spTree>
-    <p:extLst>
-      <p:ext uri="{BB962C8B-B14F-4D97-AF65-F5344CB8AC3E}">
-        <p14:creationId xmlns:p14="http://schemas.microsoft.com/office/powerpoint/2010/main" val="3496654939"/>
-      </p:ext>
-    </p:extLst>
   </p:cSld>
   <p:clrMapOvr>
     <a:masterClrMapping/>
@@ -3789,13 +3030,7 @@
       </p:grpSpPr>
       <p:sp>
         <p:nvSpPr>
-          <p:cNvPr id="2" name="标题 1">
-            <a:extLst>
-              <a:ext uri="{FF2B5EF4-FFF2-40B4-BE49-F238E27FC236}">
-                <a16:creationId xmlns:a16="http://schemas.microsoft.com/office/drawing/2014/main" id="{66DF5B04-A95B-A5B8-6CD1-37D51B2B7FF2}"/>
-              </a:ext>
-            </a:extLst>
-          </p:cNvPr>
+          <p:cNvPr id="2" name="标题 1"/>
           <p:cNvSpPr>
             <a:spLocks noGrp="1"/>
           </p:cNvSpPr>
@@ -3812,18 +3047,13 @@
               <a:rPr lang="zh-CN" altLang="en-US"/>
               <a:t>单击此处编辑母版标题样式</a:t>
             </a:r>
-          </a:p>
-        </p:txBody>
-      </p:sp>
-      <p:sp>
-        <p:nvSpPr>
-          <p:cNvPr id="3" name="内容占位符 2">
-            <a:extLst>
-              <a:ext uri="{FF2B5EF4-FFF2-40B4-BE49-F238E27FC236}">
-                <a16:creationId xmlns:a16="http://schemas.microsoft.com/office/drawing/2014/main" id="{DD297227-7375-15DB-EB49-1324EE48DBD2}"/>
-              </a:ext>
-            </a:extLst>
-          </p:cNvPr>
+            <a:endParaRPr lang="zh-CN" altLang="en-US"/>
+          </a:p>
+        </p:txBody>
+      </p:sp>
+      <p:sp>
+        <p:nvSpPr>
+          <p:cNvPr id="3" name="内容占位符 2"/>
           <p:cNvSpPr>
             <a:spLocks noGrp="1"/>
           </p:cNvSpPr>
@@ -3846,6 +3076,7 @@
               <a:rPr lang="zh-CN" altLang="en-US"/>
               <a:t>单击此处编辑母版文本样式</a:t>
             </a:r>
+            <a:endParaRPr lang="zh-CN" altLang="en-US"/>
           </a:p>
           <a:p>
             <a:pPr lvl="1"/>
@@ -3853,6 +3084,7 @@
               <a:rPr lang="zh-CN" altLang="en-US"/>
               <a:t>二级</a:t>
             </a:r>
+            <a:endParaRPr lang="zh-CN" altLang="en-US"/>
           </a:p>
           <a:p>
             <a:pPr lvl="2"/>
@@ -3860,6 +3092,7 @@
               <a:rPr lang="zh-CN" altLang="en-US"/>
               <a:t>三级</a:t>
             </a:r>
+            <a:endParaRPr lang="zh-CN" altLang="en-US"/>
           </a:p>
           <a:p>
             <a:pPr lvl="3"/>
@@ -3867,6 +3100,7 @@
               <a:rPr lang="zh-CN" altLang="en-US"/>
               <a:t>四级</a:t>
             </a:r>
+            <a:endParaRPr lang="zh-CN" altLang="en-US"/>
           </a:p>
           <a:p>
             <a:pPr lvl="4"/>
@@ -3874,18 +3108,13 @@
               <a:rPr lang="zh-CN" altLang="en-US"/>
               <a:t>五级</a:t>
             </a:r>
-          </a:p>
-        </p:txBody>
-      </p:sp>
-      <p:sp>
-        <p:nvSpPr>
-          <p:cNvPr id="4" name="内容占位符 3">
-            <a:extLst>
-              <a:ext uri="{FF2B5EF4-FFF2-40B4-BE49-F238E27FC236}">
-                <a16:creationId xmlns:a16="http://schemas.microsoft.com/office/drawing/2014/main" id="{9ED543C9-43B5-64CE-BCA1-54C83F012FE1}"/>
-              </a:ext>
-            </a:extLst>
-          </p:cNvPr>
+            <a:endParaRPr lang="zh-CN" altLang="en-US"/>
+          </a:p>
+        </p:txBody>
+      </p:sp>
+      <p:sp>
+        <p:nvSpPr>
+          <p:cNvPr id="4" name="内容占位符 3"/>
           <p:cNvSpPr>
             <a:spLocks noGrp="1"/>
           </p:cNvSpPr>
@@ -3908,6 +3137,7 @@
               <a:rPr lang="zh-CN" altLang="en-US"/>
               <a:t>单击此处编辑母版文本样式</a:t>
             </a:r>
+            <a:endParaRPr lang="zh-CN" altLang="en-US"/>
           </a:p>
           <a:p>
             <a:pPr lvl="1"/>
@@ -3915,6 +3145,7 @@
               <a:rPr lang="zh-CN" altLang="en-US"/>
               <a:t>二级</a:t>
             </a:r>
+            <a:endParaRPr lang="zh-CN" altLang="en-US"/>
           </a:p>
           <a:p>
             <a:pPr lvl="2"/>
@@ -3922,6 +3153,7 @@
               <a:rPr lang="zh-CN" altLang="en-US"/>
               <a:t>三级</a:t>
             </a:r>
+            <a:endParaRPr lang="zh-CN" altLang="en-US"/>
           </a:p>
           <a:p>
             <a:pPr lvl="3"/>
@@ -3929,6 +3161,7 @@
               <a:rPr lang="zh-CN" altLang="en-US"/>
               <a:t>四级</a:t>
             </a:r>
+            <a:endParaRPr lang="zh-CN" altLang="en-US"/>
           </a:p>
           <a:p>
             <a:pPr lvl="4"/>
@@ -3936,18 +3169,13 @@
               <a:rPr lang="zh-CN" altLang="en-US"/>
               <a:t>五级</a:t>
             </a:r>
-          </a:p>
-        </p:txBody>
-      </p:sp>
-      <p:sp>
-        <p:nvSpPr>
-          <p:cNvPr id="5" name="日期占位符 4">
-            <a:extLst>
-              <a:ext uri="{FF2B5EF4-FFF2-40B4-BE49-F238E27FC236}">
-                <a16:creationId xmlns:a16="http://schemas.microsoft.com/office/drawing/2014/main" id="{F1D59447-11DC-31B9-8676-FD5E6A3404C6}"/>
-              </a:ext>
-            </a:extLst>
-          </p:cNvPr>
+            <a:endParaRPr lang="zh-CN" altLang="en-US"/>
+          </a:p>
+        </p:txBody>
+      </p:sp>
+      <p:sp>
+        <p:nvSpPr>
+          <p:cNvPr id="5" name="日期占位符 4"/>
           <p:cNvSpPr>
             <a:spLocks noGrp="1"/>
           </p:cNvSpPr>
@@ -3962,7 +3190,6 @@
           <a:p>
             <a:fld id="{CE3934D9-11A6-4527-9494-67793CD04FC3}" type="datetimeFigureOut">
               <a:rPr lang="zh-CN" altLang="en-US" smtClean="0"/>
-              <a:t>2022/12/18</a:t>
             </a:fld>
             <a:endParaRPr lang="zh-CN" altLang="en-US"/>
           </a:p>
@@ -3970,13 +3197,7 @@
       </p:sp>
       <p:sp>
         <p:nvSpPr>
-          <p:cNvPr id="6" name="页脚占位符 5">
-            <a:extLst>
-              <a:ext uri="{FF2B5EF4-FFF2-40B4-BE49-F238E27FC236}">
-                <a16:creationId xmlns:a16="http://schemas.microsoft.com/office/drawing/2014/main" id="{FEDB0724-E353-030B-10DF-8346B40C6F1F}"/>
-              </a:ext>
-            </a:extLst>
-          </p:cNvPr>
+          <p:cNvPr id="6" name="页脚占位符 5"/>
           <p:cNvSpPr>
             <a:spLocks noGrp="1"/>
           </p:cNvSpPr>
@@ -3995,13 +3216,7 @@
       </p:sp>
       <p:sp>
         <p:nvSpPr>
-          <p:cNvPr id="7" name="灯片编号占位符 6">
-            <a:extLst>
-              <a:ext uri="{FF2B5EF4-FFF2-40B4-BE49-F238E27FC236}">
-                <a16:creationId xmlns:a16="http://schemas.microsoft.com/office/drawing/2014/main" id="{B60B9523-AEDA-2477-BA24-9DA02150F4A2}"/>
-              </a:ext>
-            </a:extLst>
-          </p:cNvPr>
+          <p:cNvPr id="7" name="灯片编号占位符 6"/>
           <p:cNvSpPr>
             <a:spLocks noGrp="1"/>
           </p:cNvSpPr>
@@ -4016,18 +3231,12 @@
           <a:p>
             <a:fld id="{9FFECC9C-2655-49F4-BA59-239913A4EA3E}" type="slidenum">
               <a:rPr lang="zh-CN" altLang="en-US" smtClean="0"/>
-              <a:t>‹#›</a:t>
             </a:fld>
             <a:endParaRPr lang="zh-CN" altLang="en-US"/>
           </a:p>
         </p:txBody>
       </p:sp>
     </p:spTree>
-    <p:extLst>
-      <p:ext uri="{BB962C8B-B14F-4D97-AF65-F5344CB8AC3E}">
-        <p14:creationId xmlns:p14="http://schemas.microsoft.com/office/powerpoint/2010/main" val="2212795565"/>
-      </p:ext>
-    </p:extLst>
   </p:cSld>
   <p:clrMapOvr>
     <a:masterClrMapping/>
@@ -4054,13 +3263,7 @@
       </p:grpSpPr>
       <p:sp>
         <p:nvSpPr>
-          <p:cNvPr id="2" name="标题 1">
-            <a:extLst>
-              <a:ext uri="{FF2B5EF4-FFF2-40B4-BE49-F238E27FC236}">
-                <a16:creationId xmlns:a16="http://schemas.microsoft.com/office/drawing/2014/main" id="{AEE7C5B4-5840-5F40-D1B5-916AB53CA162}"/>
-              </a:ext>
-            </a:extLst>
-          </p:cNvPr>
+          <p:cNvPr id="2" name="标题 1"/>
           <p:cNvSpPr>
             <a:spLocks noGrp="1"/>
           </p:cNvSpPr>
@@ -4082,18 +3285,13 @@
               <a:rPr lang="zh-CN" altLang="en-US"/>
               <a:t>单击此处编辑母版标题样式</a:t>
             </a:r>
-          </a:p>
-        </p:txBody>
-      </p:sp>
-      <p:sp>
-        <p:nvSpPr>
-          <p:cNvPr id="3" name="文本占位符 2">
-            <a:extLst>
-              <a:ext uri="{FF2B5EF4-FFF2-40B4-BE49-F238E27FC236}">
-                <a16:creationId xmlns:a16="http://schemas.microsoft.com/office/drawing/2014/main" id="{3CD886D6-D107-719B-6CE3-99C2DAE1DFBB}"/>
-              </a:ext>
-            </a:extLst>
-          </p:cNvPr>
+            <a:endParaRPr lang="zh-CN" altLang="en-US"/>
+          </a:p>
+        </p:txBody>
+      </p:sp>
+      <p:sp>
+        <p:nvSpPr>
+          <p:cNvPr id="3" name="文本占位符 2"/>
           <p:cNvSpPr>
             <a:spLocks noGrp="1"/>
           </p:cNvSpPr>
@@ -4153,18 +3351,13 @@
               <a:rPr lang="zh-CN" altLang="en-US"/>
               <a:t>单击此处编辑母版文本样式</a:t>
             </a:r>
-          </a:p>
-        </p:txBody>
-      </p:sp>
-      <p:sp>
-        <p:nvSpPr>
-          <p:cNvPr id="4" name="内容占位符 3">
-            <a:extLst>
-              <a:ext uri="{FF2B5EF4-FFF2-40B4-BE49-F238E27FC236}">
-                <a16:creationId xmlns:a16="http://schemas.microsoft.com/office/drawing/2014/main" id="{6052875D-D376-751B-19C8-9B151A62699C}"/>
-              </a:ext>
-            </a:extLst>
-          </p:cNvPr>
+            <a:endParaRPr lang="zh-CN" altLang="en-US"/>
+          </a:p>
+        </p:txBody>
+      </p:sp>
+      <p:sp>
+        <p:nvSpPr>
+          <p:cNvPr id="4" name="内容占位符 3"/>
           <p:cNvSpPr>
             <a:spLocks noGrp="1"/>
           </p:cNvSpPr>
@@ -4187,6 +3380,7 @@
               <a:rPr lang="zh-CN" altLang="en-US"/>
               <a:t>单击此处编辑母版文本样式</a:t>
             </a:r>
+            <a:endParaRPr lang="zh-CN" altLang="en-US"/>
           </a:p>
           <a:p>
             <a:pPr lvl="1"/>
@@ -4194,6 +3388,7 @@
               <a:rPr lang="zh-CN" altLang="en-US"/>
               <a:t>二级</a:t>
             </a:r>
+            <a:endParaRPr lang="zh-CN" altLang="en-US"/>
           </a:p>
           <a:p>
             <a:pPr lvl="2"/>
@@ -4201,6 +3396,7 @@
               <a:rPr lang="zh-CN" altLang="en-US"/>
               <a:t>三级</a:t>
             </a:r>
+            <a:endParaRPr lang="zh-CN" altLang="en-US"/>
           </a:p>
           <a:p>
             <a:pPr lvl="3"/>
@@ -4208,6 +3404,7 @@
               <a:rPr lang="zh-CN" altLang="en-US"/>
               <a:t>四级</a:t>
             </a:r>
+            <a:endParaRPr lang="zh-CN" altLang="en-US"/>
           </a:p>
           <a:p>
             <a:pPr lvl="4"/>
@@ -4215,18 +3412,13 @@
               <a:rPr lang="zh-CN" altLang="en-US"/>
               <a:t>五级</a:t>
             </a:r>
-          </a:p>
-        </p:txBody>
-      </p:sp>
-      <p:sp>
-        <p:nvSpPr>
-          <p:cNvPr id="5" name="文本占位符 4">
-            <a:extLst>
-              <a:ext uri="{FF2B5EF4-FFF2-40B4-BE49-F238E27FC236}">
-                <a16:creationId xmlns:a16="http://schemas.microsoft.com/office/drawing/2014/main" id="{9583AD4A-8FCB-48B2-ECCB-DECA9110D107}"/>
-              </a:ext>
-            </a:extLst>
-          </p:cNvPr>
+            <a:endParaRPr lang="zh-CN" altLang="en-US"/>
+          </a:p>
+        </p:txBody>
+      </p:sp>
+      <p:sp>
+        <p:nvSpPr>
+          <p:cNvPr id="5" name="文本占位符 4"/>
           <p:cNvSpPr>
             <a:spLocks noGrp="1"/>
           </p:cNvSpPr>
@@ -4286,18 +3478,13 @@
               <a:rPr lang="zh-CN" altLang="en-US"/>
               <a:t>单击此处编辑母版文本样式</a:t>
             </a:r>
-          </a:p>
-        </p:txBody>
-      </p:sp>
-      <p:sp>
-        <p:nvSpPr>
-          <p:cNvPr id="6" name="内容占位符 5">
-            <a:extLst>
-              <a:ext uri="{FF2B5EF4-FFF2-40B4-BE49-F238E27FC236}">
-                <a16:creationId xmlns:a16="http://schemas.microsoft.com/office/drawing/2014/main" id="{D8A891AC-CFBF-9F1C-07E4-50625705C0D7}"/>
-              </a:ext>
-            </a:extLst>
-          </p:cNvPr>
+            <a:endParaRPr lang="zh-CN" altLang="en-US"/>
+          </a:p>
+        </p:txBody>
+      </p:sp>
+      <p:sp>
+        <p:nvSpPr>
+          <p:cNvPr id="6" name="内容占位符 5"/>
           <p:cNvSpPr>
             <a:spLocks noGrp="1"/>
           </p:cNvSpPr>
@@ -4320,6 +3507,7 @@
               <a:rPr lang="zh-CN" altLang="en-US"/>
               <a:t>单击此处编辑母版文本样式</a:t>
             </a:r>
+            <a:endParaRPr lang="zh-CN" altLang="en-US"/>
           </a:p>
           <a:p>
             <a:pPr lvl="1"/>
@@ -4327,6 +3515,7 @@
               <a:rPr lang="zh-CN" altLang="en-US"/>
               <a:t>二级</a:t>
             </a:r>
+            <a:endParaRPr lang="zh-CN" altLang="en-US"/>
           </a:p>
           <a:p>
             <a:pPr lvl="2"/>
@@ -4334,6 +3523,7 @@
               <a:rPr lang="zh-CN" altLang="en-US"/>
               <a:t>三级</a:t>
             </a:r>
+            <a:endParaRPr lang="zh-CN" altLang="en-US"/>
           </a:p>
           <a:p>
             <a:pPr lvl="3"/>
@@ -4341,6 +3531,7 @@
               <a:rPr lang="zh-CN" altLang="en-US"/>
               <a:t>四级</a:t>
             </a:r>
+            <a:endParaRPr lang="zh-CN" altLang="en-US"/>
           </a:p>
           <a:p>
             <a:pPr lvl="4"/>
@@ -4348,18 +3539,13 @@
               <a:rPr lang="zh-CN" altLang="en-US"/>
               <a:t>五级</a:t>
             </a:r>
-          </a:p>
-        </p:txBody>
-      </p:sp>
-      <p:sp>
-        <p:nvSpPr>
-          <p:cNvPr id="7" name="日期占位符 6">
-            <a:extLst>
-              <a:ext uri="{FF2B5EF4-FFF2-40B4-BE49-F238E27FC236}">
-                <a16:creationId xmlns:a16="http://schemas.microsoft.com/office/drawing/2014/main" id="{085C8352-3040-17EE-C70F-02E5636DE986}"/>
-              </a:ext>
-            </a:extLst>
-          </p:cNvPr>
+            <a:endParaRPr lang="zh-CN" altLang="en-US"/>
+          </a:p>
+        </p:txBody>
+      </p:sp>
+      <p:sp>
+        <p:nvSpPr>
+          <p:cNvPr id="7" name="日期占位符 6"/>
           <p:cNvSpPr>
             <a:spLocks noGrp="1"/>
           </p:cNvSpPr>
@@ -4374,7 +3560,6 @@
           <a:p>
             <a:fld id="{CE3934D9-11A6-4527-9494-67793CD04FC3}" type="datetimeFigureOut">
               <a:rPr lang="zh-CN" altLang="en-US" smtClean="0"/>
-              <a:t>2022/12/18</a:t>
             </a:fld>
             <a:endParaRPr lang="zh-CN" altLang="en-US"/>
           </a:p>
@@ -4382,13 +3567,7 @@
       </p:sp>
       <p:sp>
         <p:nvSpPr>
-          <p:cNvPr id="8" name="页脚占位符 7">
-            <a:extLst>
-              <a:ext uri="{FF2B5EF4-FFF2-40B4-BE49-F238E27FC236}">
-                <a16:creationId xmlns:a16="http://schemas.microsoft.com/office/drawing/2014/main" id="{7061ADFA-84A9-44BC-75F3-7192F9D2A6AD}"/>
-              </a:ext>
-            </a:extLst>
-          </p:cNvPr>
+          <p:cNvPr id="8" name="页脚占位符 7"/>
           <p:cNvSpPr>
             <a:spLocks noGrp="1"/>
           </p:cNvSpPr>
@@ -4407,13 +3586,7 @@
       </p:sp>
       <p:sp>
         <p:nvSpPr>
-          <p:cNvPr id="9" name="灯片编号占位符 8">
-            <a:extLst>
-              <a:ext uri="{FF2B5EF4-FFF2-40B4-BE49-F238E27FC236}">
-                <a16:creationId xmlns:a16="http://schemas.microsoft.com/office/drawing/2014/main" id="{638CBBFC-C192-2BB2-4963-4F2FDAA7A0EB}"/>
-              </a:ext>
-            </a:extLst>
-          </p:cNvPr>
+          <p:cNvPr id="9" name="灯片编号占位符 8"/>
           <p:cNvSpPr>
             <a:spLocks noGrp="1"/>
           </p:cNvSpPr>
@@ -4428,18 +3601,12 @@
           <a:p>
             <a:fld id="{9FFECC9C-2655-49F4-BA59-239913A4EA3E}" type="slidenum">
               <a:rPr lang="zh-CN" altLang="en-US" smtClean="0"/>
-              <a:t>‹#›</a:t>
             </a:fld>
             <a:endParaRPr lang="zh-CN" altLang="en-US"/>
           </a:p>
         </p:txBody>
       </p:sp>
     </p:spTree>
-    <p:extLst>
-      <p:ext uri="{BB962C8B-B14F-4D97-AF65-F5344CB8AC3E}">
-        <p14:creationId xmlns:p14="http://schemas.microsoft.com/office/powerpoint/2010/main" val="3422094347"/>
-      </p:ext>
-    </p:extLst>
   </p:cSld>
   <p:clrMapOvr>
     <a:masterClrMapping/>
@@ -4466,13 +3633,7 @@
       </p:grpSpPr>
       <p:sp>
         <p:nvSpPr>
-          <p:cNvPr id="2" name="标题 1">
-            <a:extLst>
-              <a:ext uri="{FF2B5EF4-FFF2-40B4-BE49-F238E27FC236}">
-                <a16:creationId xmlns:a16="http://schemas.microsoft.com/office/drawing/2014/main" id="{B0946DF5-1413-2DEA-2341-AC70937CC3DC}"/>
-              </a:ext>
-            </a:extLst>
-          </p:cNvPr>
+          <p:cNvPr id="2" name="标题 1"/>
           <p:cNvSpPr>
             <a:spLocks noGrp="1"/>
           </p:cNvSpPr>
@@ -4489,18 +3650,13 @@
               <a:rPr lang="zh-CN" altLang="en-US"/>
               <a:t>单击此处编辑母版标题样式</a:t>
             </a:r>
-          </a:p>
-        </p:txBody>
-      </p:sp>
-      <p:sp>
-        <p:nvSpPr>
-          <p:cNvPr id="3" name="日期占位符 2">
-            <a:extLst>
-              <a:ext uri="{FF2B5EF4-FFF2-40B4-BE49-F238E27FC236}">
-                <a16:creationId xmlns:a16="http://schemas.microsoft.com/office/drawing/2014/main" id="{1485E359-3301-9E74-FA60-67D3A3FEE357}"/>
-              </a:ext>
-            </a:extLst>
-          </p:cNvPr>
+            <a:endParaRPr lang="zh-CN" altLang="en-US"/>
+          </a:p>
+        </p:txBody>
+      </p:sp>
+      <p:sp>
+        <p:nvSpPr>
+          <p:cNvPr id="3" name="日期占位符 2"/>
           <p:cNvSpPr>
             <a:spLocks noGrp="1"/>
           </p:cNvSpPr>
@@ -4515,7 +3671,6 @@
           <a:p>
             <a:fld id="{CE3934D9-11A6-4527-9494-67793CD04FC3}" type="datetimeFigureOut">
               <a:rPr lang="zh-CN" altLang="en-US" smtClean="0"/>
-              <a:t>2022/12/18</a:t>
             </a:fld>
             <a:endParaRPr lang="zh-CN" altLang="en-US"/>
           </a:p>
@@ -4523,13 +3678,7 @@
       </p:sp>
       <p:sp>
         <p:nvSpPr>
-          <p:cNvPr id="4" name="页脚占位符 3">
-            <a:extLst>
-              <a:ext uri="{FF2B5EF4-FFF2-40B4-BE49-F238E27FC236}">
-                <a16:creationId xmlns:a16="http://schemas.microsoft.com/office/drawing/2014/main" id="{61BF9F26-5093-7CCC-236A-34BA109DE110}"/>
-              </a:ext>
-            </a:extLst>
-          </p:cNvPr>
+          <p:cNvPr id="4" name="页脚占位符 3"/>
           <p:cNvSpPr>
             <a:spLocks noGrp="1"/>
           </p:cNvSpPr>
@@ -4548,13 +3697,7 @@
       </p:sp>
       <p:sp>
         <p:nvSpPr>
-          <p:cNvPr id="5" name="灯片编号占位符 4">
-            <a:extLst>
-              <a:ext uri="{FF2B5EF4-FFF2-40B4-BE49-F238E27FC236}">
-                <a16:creationId xmlns:a16="http://schemas.microsoft.com/office/drawing/2014/main" id="{9EAD1B6A-C8B4-7BB3-91B0-FD24E291CA2F}"/>
-              </a:ext>
-            </a:extLst>
-          </p:cNvPr>
+          <p:cNvPr id="5" name="灯片编号占位符 4"/>
           <p:cNvSpPr>
             <a:spLocks noGrp="1"/>
           </p:cNvSpPr>
@@ -4569,18 +3712,12 @@
           <a:p>
             <a:fld id="{9FFECC9C-2655-49F4-BA59-239913A4EA3E}" type="slidenum">
               <a:rPr lang="zh-CN" altLang="en-US" smtClean="0"/>
-              <a:t>‹#›</a:t>
             </a:fld>
             <a:endParaRPr lang="zh-CN" altLang="en-US"/>
           </a:p>
         </p:txBody>
       </p:sp>
     </p:spTree>
-    <p:extLst>
-      <p:ext uri="{BB962C8B-B14F-4D97-AF65-F5344CB8AC3E}">
-        <p14:creationId xmlns:p14="http://schemas.microsoft.com/office/powerpoint/2010/main" val="801597091"/>
-      </p:ext>
-    </p:extLst>
   </p:cSld>
   <p:clrMapOvr>
     <a:masterClrMapping/>
@@ -4607,13 +3744,7 @@
       </p:grpSpPr>
       <p:sp>
         <p:nvSpPr>
-          <p:cNvPr id="2" name="日期占位符 1">
-            <a:extLst>
-              <a:ext uri="{FF2B5EF4-FFF2-40B4-BE49-F238E27FC236}">
-                <a16:creationId xmlns:a16="http://schemas.microsoft.com/office/drawing/2014/main" id="{E33698E6-9ABF-CC87-F969-C63765B1D9BC}"/>
-              </a:ext>
-            </a:extLst>
-          </p:cNvPr>
+          <p:cNvPr id="2" name="日期占位符 1"/>
           <p:cNvSpPr>
             <a:spLocks noGrp="1"/>
           </p:cNvSpPr>
@@ -4628,7 +3759,6 @@
           <a:p>
             <a:fld id="{CE3934D9-11A6-4527-9494-67793CD04FC3}" type="datetimeFigureOut">
               <a:rPr lang="zh-CN" altLang="en-US" smtClean="0"/>
-              <a:t>2022/12/18</a:t>
             </a:fld>
             <a:endParaRPr lang="zh-CN" altLang="en-US"/>
           </a:p>
@@ -4636,13 +3766,7 @@
       </p:sp>
       <p:sp>
         <p:nvSpPr>
-          <p:cNvPr id="3" name="页脚占位符 2">
-            <a:extLst>
-              <a:ext uri="{FF2B5EF4-FFF2-40B4-BE49-F238E27FC236}">
-                <a16:creationId xmlns:a16="http://schemas.microsoft.com/office/drawing/2014/main" id="{4CD3CD44-80BB-10D1-3333-8BEAF3C46424}"/>
-              </a:ext>
-            </a:extLst>
-          </p:cNvPr>
+          <p:cNvPr id="3" name="页脚占位符 2"/>
           <p:cNvSpPr>
             <a:spLocks noGrp="1"/>
           </p:cNvSpPr>
@@ -4661,13 +3785,7 @@
       </p:sp>
       <p:sp>
         <p:nvSpPr>
-          <p:cNvPr id="4" name="灯片编号占位符 3">
-            <a:extLst>
-              <a:ext uri="{FF2B5EF4-FFF2-40B4-BE49-F238E27FC236}">
-                <a16:creationId xmlns:a16="http://schemas.microsoft.com/office/drawing/2014/main" id="{A82FDCF4-7197-A7BA-7FA4-D2771318F165}"/>
-              </a:ext>
-            </a:extLst>
-          </p:cNvPr>
+          <p:cNvPr id="4" name="灯片编号占位符 3"/>
           <p:cNvSpPr>
             <a:spLocks noGrp="1"/>
           </p:cNvSpPr>
@@ -4682,18 +3800,12 @@
           <a:p>
             <a:fld id="{9FFECC9C-2655-49F4-BA59-239913A4EA3E}" type="slidenum">
               <a:rPr lang="zh-CN" altLang="en-US" smtClean="0"/>
-              <a:t>‹#›</a:t>
             </a:fld>
             <a:endParaRPr lang="zh-CN" altLang="en-US"/>
           </a:p>
         </p:txBody>
       </p:sp>
     </p:spTree>
-    <p:extLst>
-      <p:ext uri="{BB962C8B-B14F-4D97-AF65-F5344CB8AC3E}">
-        <p14:creationId xmlns:p14="http://schemas.microsoft.com/office/powerpoint/2010/main" val="1516901354"/>
-      </p:ext>
-    </p:extLst>
   </p:cSld>
   <p:clrMapOvr>
     <a:masterClrMapping/>
@@ -4720,13 +3832,7 @@
       </p:grpSpPr>
       <p:sp>
         <p:nvSpPr>
-          <p:cNvPr id="2" name="标题 1">
-            <a:extLst>
-              <a:ext uri="{FF2B5EF4-FFF2-40B4-BE49-F238E27FC236}">
-                <a16:creationId xmlns:a16="http://schemas.microsoft.com/office/drawing/2014/main" id="{297F3EDA-D9E0-B497-F9D2-432523D09A20}"/>
-              </a:ext>
-            </a:extLst>
-          </p:cNvPr>
+          <p:cNvPr id="2" name="标题 1"/>
           <p:cNvSpPr>
             <a:spLocks noGrp="1"/>
           </p:cNvSpPr>
@@ -4752,18 +3858,13 @@
               <a:rPr lang="zh-CN" altLang="en-US"/>
               <a:t>单击此处编辑母版标题样式</a:t>
             </a:r>
-          </a:p>
-        </p:txBody>
-      </p:sp>
-      <p:sp>
-        <p:nvSpPr>
-          <p:cNvPr id="3" name="内容占位符 2">
-            <a:extLst>
-              <a:ext uri="{FF2B5EF4-FFF2-40B4-BE49-F238E27FC236}">
-                <a16:creationId xmlns:a16="http://schemas.microsoft.com/office/drawing/2014/main" id="{C0AF06AC-703C-CDBB-450E-69512889A0BE}"/>
-              </a:ext>
-            </a:extLst>
-          </p:cNvPr>
+            <a:endParaRPr lang="zh-CN" altLang="en-US"/>
+          </a:p>
+        </p:txBody>
+      </p:sp>
+      <p:sp>
+        <p:nvSpPr>
+          <p:cNvPr id="3" name="内容占位符 2"/>
           <p:cNvSpPr>
             <a:spLocks noGrp="1"/>
           </p:cNvSpPr>
@@ -4814,6 +3915,7 @@
               <a:rPr lang="zh-CN" altLang="en-US"/>
               <a:t>单击此处编辑母版文本样式</a:t>
             </a:r>
+            <a:endParaRPr lang="zh-CN" altLang="en-US"/>
           </a:p>
           <a:p>
             <a:pPr lvl="1"/>
@@ -4821,6 +3923,7 @@
               <a:rPr lang="zh-CN" altLang="en-US"/>
               <a:t>二级</a:t>
             </a:r>
+            <a:endParaRPr lang="zh-CN" altLang="en-US"/>
           </a:p>
           <a:p>
             <a:pPr lvl="2"/>
@@ -4828,6 +3931,7 @@
               <a:rPr lang="zh-CN" altLang="en-US"/>
               <a:t>三级</a:t>
             </a:r>
+            <a:endParaRPr lang="zh-CN" altLang="en-US"/>
           </a:p>
           <a:p>
             <a:pPr lvl="3"/>
@@ -4835,6 +3939,7 @@
               <a:rPr lang="zh-CN" altLang="en-US"/>
               <a:t>四级</a:t>
             </a:r>
+            <a:endParaRPr lang="zh-CN" altLang="en-US"/>
           </a:p>
           <a:p>
             <a:pPr lvl="4"/>
@@ -4842,18 +3947,13 @@
               <a:rPr lang="zh-CN" altLang="en-US"/>
               <a:t>五级</a:t>
             </a:r>
-          </a:p>
-        </p:txBody>
-      </p:sp>
-      <p:sp>
-        <p:nvSpPr>
-          <p:cNvPr id="4" name="文本占位符 3">
-            <a:extLst>
-              <a:ext uri="{FF2B5EF4-FFF2-40B4-BE49-F238E27FC236}">
-                <a16:creationId xmlns:a16="http://schemas.microsoft.com/office/drawing/2014/main" id="{3E88EE22-435D-BC6E-19CB-52F183A487D3}"/>
-              </a:ext>
-            </a:extLst>
-          </p:cNvPr>
+            <a:endParaRPr lang="zh-CN" altLang="en-US"/>
+          </a:p>
+        </p:txBody>
+      </p:sp>
+      <p:sp>
+        <p:nvSpPr>
+          <p:cNvPr id="4" name="文本占位符 3"/>
           <p:cNvSpPr>
             <a:spLocks noGrp="1"/>
           </p:cNvSpPr>
@@ -4913,18 +4013,13 @@
               <a:rPr lang="zh-CN" altLang="en-US"/>
               <a:t>单击此处编辑母版文本样式</a:t>
             </a:r>
-          </a:p>
-        </p:txBody>
-      </p:sp>
-      <p:sp>
-        <p:nvSpPr>
-          <p:cNvPr id="5" name="日期占位符 4">
-            <a:extLst>
-              <a:ext uri="{FF2B5EF4-FFF2-40B4-BE49-F238E27FC236}">
-                <a16:creationId xmlns:a16="http://schemas.microsoft.com/office/drawing/2014/main" id="{E2D015E4-1F72-519C-489D-339532FD6891}"/>
-              </a:ext>
-            </a:extLst>
-          </p:cNvPr>
+            <a:endParaRPr lang="zh-CN" altLang="en-US"/>
+          </a:p>
+        </p:txBody>
+      </p:sp>
+      <p:sp>
+        <p:nvSpPr>
+          <p:cNvPr id="5" name="日期占位符 4"/>
           <p:cNvSpPr>
             <a:spLocks noGrp="1"/>
           </p:cNvSpPr>
@@ -4939,7 +4034,6 @@
           <a:p>
             <a:fld id="{CE3934D9-11A6-4527-9494-67793CD04FC3}" type="datetimeFigureOut">
               <a:rPr lang="zh-CN" altLang="en-US" smtClean="0"/>
-              <a:t>2022/12/18</a:t>
             </a:fld>
             <a:endParaRPr lang="zh-CN" altLang="en-US"/>
           </a:p>
@@ -4947,13 +4041,7 @@
       </p:sp>
       <p:sp>
         <p:nvSpPr>
-          <p:cNvPr id="6" name="页脚占位符 5">
-            <a:extLst>
-              <a:ext uri="{FF2B5EF4-FFF2-40B4-BE49-F238E27FC236}">
-                <a16:creationId xmlns:a16="http://schemas.microsoft.com/office/drawing/2014/main" id="{D294C4D1-AD6B-557F-0657-B5B165903D2E}"/>
-              </a:ext>
-            </a:extLst>
-          </p:cNvPr>
+          <p:cNvPr id="6" name="页脚占位符 5"/>
           <p:cNvSpPr>
             <a:spLocks noGrp="1"/>
           </p:cNvSpPr>
@@ -4972,13 +4060,7 @@
       </p:sp>
       <p:sp>
         <p:nvSpPr>
-          <p:cNvPr id="7" name="灯片编号占位符 6">
-            <a:extLst>
-              <a:ext uri="{FF2B5EF4-FFF2-40B4-BE49-F238E27FC236}">
-                <a16:creationId xmlns:a16="http://schemas.microsoft.com/office/drawing/2014/main" id="{508E1C5E-F66D-BD53-1161-C3F63F8F74DC}"/>
-              </a:ext>
-            </a:extLst>
-          </p:cNvPr>
+          <p:cNvPr id="7" name="灯片编号占位符 6"/>
           <p:cNvSpPr>
             <a:spLocks noGrp="1"/>
           </p:cNvSpPr>
@@ -4993,18 +4075,12 @@
           <a:p>
             <a:fld id="{9FFECC9C-2655-49F4-BA59-239913A4EA3E}" type="slidenum">
               <a:rPr lang="zh-CN" altLang="en-US" smtClean="0"/>
-              <a:t>‹#›</a:t>
             </a:fld>
             <a:endParaRPr lang="zh-CN" altLang="en-US"/>
           </a:p>
         </p:txBody>
       </p:sp>
     </p:spTree>
-    <p:extLst>
-      <p:ext uri="{BB962C8B-B14F-4D97-AF65-F5344CB8AC3E}">
-        <p14:creationId xmlns:p14="http://schemas.microsoft.com/office/powerpoint/2010/main" val="3662132128"/>
-      </p:ext>
-    </p:extLst>
   </p:cSld>
   <p:clrMapOvr>
     <a:masterClrMapping/>
@@ -5031,13 +4107,7 @@
       </p:grpSpPr>
       <p:sp>
         <p:nvSpPr>
-          <p:cNvPr id="2" name="标题 1">
-            <a:extLst>
-              <a:ext uri="{FF2B5EF4-FFF2-40B4-BE49-F238E27FC236}">
-                <a16:creationId xmlns:a16="http://schemas.microsoft.com/office/drawing/2014/main" id="{E62290BA-C275-80CD-466C-5793E1981B35}"/>
-              </a:ext>
-            </a:extLst>
-          </p:cNvPr>
+          <p:cNvPr id="2" name="标题 1"/>
           <p:cNvSpPr>
             <a:spLocks noGrp="1"/>
           </p:cNvSpPr>
@@ -5063,18 +4133,13 @@
               <a:rPr lang="zh-CN" altLang="en-US"/>
               <a:t>单击此处编辑母版标题样式</a:t>
             </a:r>
-          </a:p>
-        </p:txBody>
-      </p:sp>
-      <p:sp>
-        <p:nvSpPr>
-          <p:cNvPr id="3" name="图片占位符 2">
-            <a:extLst>
-              <a:ext uri="{FF2B5EF4-FFF2-40B4-BE49-F238E27FC236}">
-                <a16:creationId xmlns:a16="http://schemas.microsoft.com/office/drawing/2014/main" id="{915E5600-FC8E-9700-6782-75E514A901E2}"/>
-              </a:ext>
-            </a:extLst>
-          </p:cNvPr>
+            <a:endParaRPr lang="zh-CN" altLang="en-US"/>
+          </a:p>
+        </p:txBody>
+      </p:sp>
+      <p:sp>
+        <p:nvSpPr>
+          <p:cNvPr id="3" name="图片占位符 2"/>
           <p:cNvSpPr>
             <a:spLocks noGrp="1"/>
           </p:cNvSpPr>
@@ -5135,13 +4200,7 @@
       </p:sp>
       <p:sp>
         <p:nvSpPr>
-          <p:cNvPr id="4" name="文本占位符 3">
-            <a:extLst>
-              <a:ext uri="{FF2B5EF4-FFF2-40B4-BE49-F238E27FC236}">
-                <a16:creationId xmlns:a16="http://schemas.microsoft.com/office/drawing/2014/main" id="{235AA1B4-8BA9-192A-4499-B3E4D8E03A47}"/>
-              </a:ext>
-            </a:extLst>
-          </p:cNvPr>
+          <p:cNvPr id="4" name="文本占位符 3"/>
           <p:cNvSpPr>
             <a:spLocks noGrp="1"/>
           </p:cNvSpPr>
@@ -5201,18 +4260,13 @@
               <a:rPr lang="zh-CN" altLang="en-US"/>
               <a:t>单击此处编辑母版文本样式</a:t>
             </a:r>
-          </a:p>
-        </p:txBody>
-      </p:sp>
-      <p:sp>
-        <p:nvSpPr>
-          <p:cNvPr id="5" name="日期占位符 4">
-            <a:extLst>
-              <a:ext uri="{FF2B5EF4-FFF2-40B4-BE49-F238E27FC236}">
-                <a16:creationId xmlns:a16="http://schemas.microsoft.com/office/drawing/2014/main" id="{640A3873-B4FF-BAA5-3534-E77C80A13A59}"/>
-              </a:ext>
-            </a:extLst>
-          </p:cNvPr>
+            <a:endParaRPr lang="zh-CN" altLang="en-US"/>
+          </a:p>
+        </p:txBody>
+      </p:sp>
+      <p:sp>
+        <p:nvSpPr>
+          <p:cNvPr id="5" name="日期占位符 4"/>
           <p:cNvSpPr>
             <a:spLocks noGrp="1"/>
           </p:cNvSpPr>
@@ -5227,7 +4281,6 @@
           <a:p>
             <a:fld id="{CE3934D9-11A6-4527-9494-67793CD04FC3}" type="datetimeFigureOut">
               <a:rPr lang="zh-CN" altLang="en-US" smtClean="0"/>
-              <a:t>2022/12/18</a:t>
             </a:fld>
             <a:endParaRPr lang="zh-CN" altLang="en-US"/>
           </a:p>
@@ -5235,13 +4288,7 @@
       </p:sp>
       <p:sp>
         <p:nvSpPr>
-          <p:cNvPr id="6" name="页脚占位符 5">
-            <a:extLst>
-              <a:ext uri="{FF2B5EF4-FFF2-40B4-BE49-F238E27FC236}">
-                <a16:creationId xmlns:a16="http://schemas.microsoft.com/office/drawing/2014/main" id="{30170261-5102-1BF7-31AD-C0321E54EA1E}"/>
-              </a:ext>
-            </a:extLst>
-          </p:cNvPr>
+          <p:cNvPr id="6" name="页脚占位符 5"/>
           <p:cNvSpPr>
             <a:spLocks noGrp="1"/>
           </p:cNvSpPr>
@@ -5260,13 +4307,7 @@
       </p:sp>
       <p:sp>
         <p:nvSpPr>
-          <p:cNvPr id="7" name="灯片编号占位符 6">
-            <a:extLst>
-              <a:ext uri="{FF2B5EF4-FFF2-40B4-BE49-F238E27FC236}">
-                <a16:creationId xmlns:a16="http://schemas.microsoft.com/office/drawing/2014/main" id="{FF292285-33DB-F8AC-690C-35E671DCB708}"/>
-              </a:ext>
-            </a:extLst>
-          </p:cNvPr>
+          <p:cNvPr id="7" name="灯片编号占位符 6"/>
           <p:cNvSpPr>
             <a:spLocks noGrp="1"/>
           </p:cNvSpPr>
@@ -5281,18 +4322,12 @@
           <a:p>
             <a:fld id="{9FFECC9C-2655-49F4-BA59-239913A4EA3E}" type="slidenum">
               <a:rPr lang="zh-CN" altLang="en-US" smtClean="0"/>
-              <a:t>‹#›</a:t>
             </a:fld>
             <a:endParaRPr lang="zh-CN" altLang="en-US"/>
           </a:p>
         </p:txBody>
       </p:sp>
     </p:spTree>
-    <p:extLst>
-      <p:ext uri="{BB962C8B-B14F-4D97-AF65-F5344CB8AC3E}">
-        <p14:creationId xmlns:p14="http://schemas.microsoft.com/office/powerpoint/2010/main" val="1462420387"/>
-      </p:ext>
-    </p:extLst>
   </p:cSld>
   <p:clrMapOvr>
     <a:masterClrMapping/>
@@ -5324,13 +4359,7 @@
       </p:grpSpPr>
       <p:sp>
         <p:nvSpPr>
-          <p:cNvPr id="2" name="标题占位符 1">
-            <a:extLst>
-              <a:ext uri="{FF2B5EF4-FFF2-40B4-BE49-F238E27FC236}">
-                <a16:creationId xmlns:a16="http://schemas.microsoft.com/office/drawing/2014/main" id="{C34BE1AA-4DEB-1E2D-418E-B3B6F2230369}"/>
-              </a:ext>
-            </a:extLst>
-          </p:cNvPr>
+          <p:cNvPr id="2" name="标题占位符 1"/>
           <p:cNvSpPr>
             <a:spLocks noGrp="1"/>
           </p:cNvSpPr>
@@ -5357,18 +4386,13 @@
               <a:rPr lang="zh-CN" altLang="en-US"/>
               <a:t>单击此处编辑母版标题样式</a:t>
             </a:r>
-          </a:p>
-        </p:txBody>
-      </p:sp>
-      <p:sp>
-        <p:nvSpPr>
-          <p:cNvPr id="3" name="文本占位符 2">
-            <a:extLst>
-              <a:ext uri="{FF2B5EF4-FFF2-40B4-BE49-F238E27FC236}">
-                <a16:creationId xmlns:a16="http://schemas.microsoft.com/office/drawing/2014/main" id="{20194146-3CAB-7889-E71B-ABABCB137062}"/>
-              </a:ext>
-            </a:extLst>
-          </p:cNvPr>
+            <a:endParaRPr lang="zh-CN" altLang="en-US"/>
+          </a:p>
+        </p:txBody>
+      </p:sp>
+      <p:sp>
+        <p:nvSpPr>
+          <p:cNvPr id="3" name="文本占位符 2"/>
           <p:cNvSpPr>
             <a:spLocks noGrp="1"/>
           </p:cNvSpPr>
@@ -5396,6 +4420,7 @@
               <a:rPr lang="zh-CN" altLang="en-US"/>
               <a:t>单击此处编辑母版文本样式</a:t>
             </a:r>
+            <a:endParaRPr lang="zh-CN" altLang="en-US"/>
           </a:p>
           <a:p>
             <a:pPr lvl="1"/>
@@ -5403,6 +4428,7 @@
               <a:rPr lang="zh-CN" altLang="en-US"/>
               <a:t>二级</a:t>
             </a:r>
+            <a:endParaRPr lang="zh-CN" altLang="en-US"/>
           </a:p>
           <a:p>
             <a:pPr lvl="2"/>
@@ -5410,6 +4436,7 @@
               <a:rPr lang="zh-CN" altLang="en-US"/>
               <a:t>三级</a:t>
             </a:r>
+            <a:endParaRPr lang="zh-CN" altLang="en-US"/>
           </a:p>
           <a:p>
             <a:pPr lvl="3"/>
@@ -5417,6 +4444,7 @@
               <a:rPr lang="zh-CN" altLang="en-US"/>
               <a:t>四级</a:t>
             </a:r>
+            <a:endParaRPr lang="zh-CN" altLang="en-US"/>
           </a:p>
           <a:p>
             <a:pPr lvl="4"/>
@@ -5424,18 +4452,13 @@
               <a:rPr lang="zh-CN" altLang="en-US"/>
               <a:t>五级</a:t>
             </a:r>
-          </a:p>
-        </p:txBody>
-      </p:sp>
-      <p:sp>
-        <p:nvSpPr>
-          <p:cNvPr id="4" name="日期占位符 3">
-            <a:extLst>
-              <a:ext uri="{FF2B5EF4-FFF2-40B4-BE49-F238E27FC236}">
-                <a16:creationId xmlns:a16="http://schemas.microsoft.com/office/drawing/2014/main" id="{8B79C6D5-C8C1-0B5F-4583-28E1874EEFF2}"/>
-              </a:ext>
-            </a:extLst>
-          </p:cNvPr>
+            <a:endParaRPr lang="zh-CN" altLang="en-US"/>
+          </a:p>
+        </p:txBody>
+      </p:sp>
+      <p:sp>
+        <p:nvSpPr>
+          <p:cNvPr id="4" name="日期占位符 3"/>
           <p:cNvSpPr>
             <a:spLocks noGrp="1"/>
           </p:cNvSpPr>
@@ -5468,7 +4491,6 @@
           <a:p>
             <a:fld id="{CE3934D9-11A6-4527-9494-67793CD04FC3}" type="datetimeFigureOut">
               <a:rPr lang="zh-CN" altLang="en-US" smtClean="0"/>
-              <a:t>2022/12/18</a:t>
             </a:fld>
             <a:endParaRPr lang="zh-CN" altLang="en-US"/>
           </a:p>
@@ -5476,13 +4498,7 @@
       </p:sp>
       <p:sp>
         <p:nvSpPr>
-          <p:cNvPr id="5" name="页脚占位符 4">
-            <a:extLst>
-              <a:ext uri="{FF2B5EF4-FFF2-40B4-BE49-F238E27FC236}">
-                <a16:creationId xmlns:a16="http://schemas.microsoft.com/office/drawing/2014/main" id="{4B6A26FB-DC0B-6B51-2FC8-DE79BDF3B872}"/>
-              </a:ext>
-            </a:extLst>
-          </p:cNvPr>
+          <p:cNvPr id="5" name="页脚占位符 4"/>
           <p:cNvSpPr>
             <a:spLocks noGrp="1"/>
           </p:cNvSpPr>
@@ -5519,13 +4535,7 @@
       </p:sp>
       <p:sp>
         <p:nvSpPr>
-          <p:cNvPr id="6" name="灯片编号占位符 5">
-            <a:extLst>
-              <a:ext uri="{FF2B5EF4-FFF2-40B4-BE49-F238E27FC236}">
-                <a16:creationId xmlns:a16="http://schemas.microsoft.com/office/drawing/2014/main" id="{0B8A647F-99DE-A00A-DD12-C34AA152BEB9}"/>
-              </a:ext>
-            </a:extLst>
-          </p:cNvPr>
+          <p:cNvPr id="6" name="灯片编号占位符 5"/>
           <p:cNvSpPr>
             <a:spLocks noGrp="1"/>
           </p:cNvSpPr>
@@ -5558,18 +4568,12 @@
           <a:p>
             <a:fld id="{9FFECC9C-2655-49F4-BA59-239913A4EA3E}" type="slidenum">
               <a:rPr lang="zh-CN" altLang="en-US" smtClean="0"/>
-              <a:t>‹#›</a:t>
             </a:fld>
             <a:endParaRPr lang="zh-CN" altLang="en-US"/>
           </a:p>
         </p:txBody>
       </p:sp>
     </p:spTree>
-    <p:extLst>
-      <p:ext uri="{BB962C8B-B14F-4D97-AF65-F5344CB8AC3E}">
-        <p14:creationId xmlns:p14="http://schemas.microsoft.com/office/powerpoint/2010/main" val="1878435964"/>
-      </p:ext>
-    </p:extLst>
   </p:cSld>
   <p:clrMap bg1="lt1" tx1="dk1" bg2="lt2" tx2="dk2" accent1="accent1" accent2="accent2" accent3="accent3" accent4="accent4" accent5="accent5" accent6="accent6" hlink="hlink" folHlink="folHlink"/>
   <p:sldLayoutIdLst>
@@ -5898,7 +4902,7 @@
           </p:nvPr>
         </p:nvPicPr>
         <p:blipFill>
-          <a:blip r:embed="rId2">
+          <a:blip r:embed="rId1">
             <a:extLst>
               <a:ext uri="{28A0092B-C50C-407E-A947-70E740481C1C}">
                 <a14:useLocalDpi xmlns:a14="http://schemas.microsoft.com/office/drawing/2010/main" val="0"/>
@@ -6107,7 +5111,7 @@
             </a:lvl9pPr>
           </a:lstStyle>
           <a:p>
-            <a:pPr algn="ctr" defTabSz="914149">
+            <a:pPr algn="ctr" defTabSz="914400">
               <a:buNone/>
             </a:pPr>
             <a:r>
@@ -6120,6 +5124,13 @@
               </a:rPr>
               <a:t>鹰眼反应力</a:t>
             </a:r>
+            <a:endParaRPr lang="zh-CN" altLang="en-US" sz="3600" b="1" cap="all" dirty="0">
+              <a:solidFill>
+                <a:srgbClr val="FFFFFF"/>
+              </a:solidFill>
+              <a:latin typeface="Arial" panose="020B0604020202020204" pitchFamily="34" charset="0"/>
+              <a:cs typeface="Arial" panose="020B0604020202020204" pitchFamily="34" charset="0"/>
+            </a:endParaRPr>
           </a:p>
         </p:txBody>
       </p:sp>
@@ -6177,6 +5188,13 @@
               </a:rPr>
               <a:t>G06</a:t>
             </a:r>
+            <a:endParaRPr lang="en-US" altLang="zh-CN" sz="1100" spc="600" dirty="0">
+              <a:solidFill>
+                <a:prstClr val="white"/>
+              </a:solidFill>
+              <a:cs typeface="+mn-ea"/>
+              <a:sym typeface="+mn-lt"/>
+            </a:endParaRPr>
           </a:p>
           <a:p>
             <a:pPr algn="ctr"/>
@@ -6230,6 +5248,13 @@
               </a:rPr>
               <a:t>姚杰昇</a:t>
             </a:r>
+            <a:endParaRPr lang="zh-CN" altLang="en-US" sz="1100" spc="600" dirty="0">
+              <a:solidFill>
+                <a:prstClr val="white"/>
+              </a:solidFill>
+              <a:cs typeface="+mn-ea"/>
+              <a:sym typeface="+mn-lt"/>
+            </a:endParaRPr>
           </a:p>
         </p:txBody>
       </p:sp>
@@ -6433,26 +5458,30 @@
               <a:buNone/>
             </a:pPr>
             <a:r>
-              <a:rPr lang="zh-CN" altLang="en-US" sz="5333" b="1" cap="all" dirty="0">
+              <a:rPr lang="zh-CN" altLang="en-US" sz="5335" b="1" cap="all" dirty="0">
                 <a:solidFill>
                   <a:prstClr val="white"/>
                 </a:solidFill>
-                <a:latin typeface="Arial"/>
-                <a:ea typeface="Microsoft YaHei"/>
+                <a:latin typeface="Arial" panose="020B0604020202020204"/>
+                <a:ea typeface="微软雅黑" panose="020B0503020204020204" pitchFamily="34" charset="-122"/>
                 <a:cs typeface="+mn-ea"/>
                 <a:sym typeface="+mn-lt"/>
               </a:rPr>
               <a:t>软件实现及测试</a:t>
             </a:r>
+            <a:endParaRPr lang="zh-CN" altLang="en-US" sz="5335" b="1" cap="all" dirty="0">
+              <a:solidFill>
+                <a:prstClr val="white"/>
+              </a:solidFill>
+              <a:latin typeface="Arial" panose="020B0604020202020204"/>
+              <a:ea typeface="微软雅黑" panose="020B0503020204020204" pitchFamily="34" charset="-122"/>
+              <a:cs typeface="+mn-ea"/>
+              <a:sym typeface="+mn-lt"/>
+            </a:endParaRPr>
           </a:p>
         </p:txBody>
       </p:sp>
     </p:spTree>
-    <p:extLst>
-      <p:ext uri="{BB962C8B-B14F-4D97-AF65-F5344CB8AC3E}">
-        <p14:creationId xmlns:p14="http://schemas.microsoft.com/office/powerpoint/2010/main" val="3382548662"/>
-      </p:ext>
-    </p:extLst>
   </p:cSld>
   <p:clrMapOvr>
     <a:masterClrMapping/>
@@ -6631,7 +5660,7 @@
                         <p:par>
                           <p:cTn id="12" fill="hold">
                             <p:stCondLst>
-                              <p:cond delay="700"/>
+                              <p:cond delay="699"/>
                             </p:stCondLst>
                             <p:childTnLst>
                               <p:par>
@@ -6956,13 +5985,7 @@
       </p:grpSpPr>
       <p:sp>
         <p:nvSpPr>
-          <p:cNvPr id="2" name="等腰三角形 1">
-            <a:extLst>
-              <a:ext uri="{FF2B5EF4-FFF2-40B4-BE49-F238E27FC236}">
-                <a16:creationId xmlns:a16="http://schemas.microsoft.com/office/drawing/2014/main" id="{04D61701-643F-4104-2892-F80CDBEBE2DD}"/>
-              </a:ext>
-            </a:extLst>
-          </p:cNvPr>
+          <p:cNvPr id="2" name="等腰三角形 1"/>
           <p:cNvSpPr/>
           <p:nvPr/>
         </p:nvSpPr>
@@ -7063,7 +6086,7 @@
               <a:defRPr/>
             </a:pPr>
             <a:r>
-              <a:rPr lang="en-US" altLang="zh-CN" sz="3599" b="1" dirty="0">
+              <a:rPr lang="en-US" altLang="zh-CN" sz="3600" b="1" dirty="0">
                 <a:solidFill>
                   <a:schemeClr val="bg2">
                     <a:lumMod val="50000"/>
@@ -7077,7 +6100,7 @@
               <a:t>5.</a:t>
             </a:r>
             <a:r>
-              <a:rPr lang="zh-CN" altLang="en-US" sz="3599" b="1" dirty="0">
+              <a:rPr lang="zh-CN" altLang="en-US" sz="3600" b="1" dirty="0">
                 <a:solidFill>
                   <a:schemeClr val="bg2">
                     <a:lumMod val="50000"/>
@@ -7090,7 +6113,7 @@
               </a:rPr>
               <a:t>软件用户测试</a:t>
             </a:r>
-            <a:endParaRPr lang="en-US" altLang="zh-CN" sz="3599" b="1" dirty="0">
+            <a:endParaRPr lang="en-US" altLang="zh-CN" sz="3600" b="1" dirty="0">
               <a:solidFill>
                 <a:schemeClr val="bg2">
                   <a:lumMod val="50000"/>
@@ -7105,22 +6128,17 @@
         </p:txBody>
       </p:sp>
     </p:spTree>
-    <p:extLst>
-      <p:ext uri="{BB962C8B-B14F-4D97-AF65-F5344CB8AC3E}">
-        <p14:creationId xmlns:p14="http://schemas.microsoft.com/office/powerpoint/2010/main" val="3205047737"/>
-      </p:ext>
-    </p:extLst>
   </p:cSld>
   <p:clrMapOvr>
     <a:masterClrMapping/>
   </p:clrMapOvr>
-  <mc:AlternateContent xmlns:mc="http://schemas.openxmlformats.org/markup-compatibility/2006" xmlns:p14="http://schemas.microsoft.com/office/powerpoint/2010/main">
-    <mc:Choice Requires="p14">
+  <mc:AlternateContent xmlns:mc="http://schemas.openxmlformats.org/markup-compatibility/2006">
+    <mc:Choice xmlns:p14="http://schemas.microsoft.com/office/powerpoint/2010/main" Requires="p14">
       <p:transition spd="slow" p14:dur="1600">
         <p14:gallery dir="l"/>
       </p:transition>
     </mc:Choice>
-    <mc:Fallback xmlns="">
+    <mc:Fallback>
       <p:transition spd="slow">
         <p:fade/>
       </p:transition>
@@ -7148,13 +6166,7 @@
       </p:grpSpPr>
       <p:sp>
         <p:nvSpPr>
-          <p:cNvPr id="2" name="等腰三角形 1">
-            <a:extLst>
-              <a:ext uri="{FF2B5EF4-FFF2-40B4-BE49-F238E27FC236}">
-                <a16:creationId xmlns:a16="http://schemas.microsoft.com/office/drawing/2014/main" id="{04D61701-643F-4104-2892-F80CDBEBE2DD}"/>
-              </a:ext>
-            </a:extLst>
-          </p:cNvPr>
+          <p:cNvPr id="2" name="等腰三角形 1"/>
           <p:cNvSpPr/>
           <p:nvPr/>
         </p:nvSpPr>
@@ -7255,7 +6267,7 @@
               <a:defRPr/>
             </a:pPr>
             <a:r>
-              <a:rPr lang="en-US" altLang="zh-CN" sz="3599" b="1" dirty="0">
+              <a:rPr lang="en-US" altLang="zh-CN" sz="3600" b="1" dirty="0">
                 <a:solidFill>
                   <a:schemeClr val="bg2">
                     <a:lumMod val="50000"/>
@@ -7269,7 +6281,7 @@
               <a:t>6.</a:t>
             </a:r>
             <a:r>
-              <a:rPr lang="zh-CN" altLang="en-US" sz="3599" b="1" dirty="0">
+              <a:rPr lang="zh-CN" altLang="en-US" sz="3600" b="1" dirty="0">
                 <a:solidFill>
                   <a:schemeClr val="bg2">
                     <a:lumMod val="50000"/>
@@ -7282,7 +6294,7 @@
               </a:rPr>
               <a:t>用户手册</a:t>
             </a:r>
-            <a:endParaRPr lang="en-US" altLang="zh-CN" sz="3599" b="1" dirty="0">
+            <a:endParaRPr lang="en-US" altLang="zh-CN" sz="3600" b="1" dirty="0">
               <a:solidFill>
                 <a:schemeClr val="bg2">
                   <a:lumMod val="50000"/>
@@ -7296,23 +6308,46 @@
           </a:p>
         </p:txBody>
       </p:sp>
+      <p:pic>
+        <p:nvPicPr>
+          <p:cNvPr id="3" name="图片 2"/>
+          <p:cNvPicPr>
+            <a:picLocks noChangeAspect="1"/>
+          </p:cNvPicPr>
+          <p:nvPr>
+            <p:custDataLst>
+              <p:tags r:id="rId1"/>
+            </p:custDataLst>
+          </p:nvPr>
+        </p:nvPicPr>
+        <p:blipFill>
+          <a:blip r:embed="rId2"/>
+          <a:stretch>
+            <a:fillRect/>
+          </a:stretch>
+        </p:blipFill>
+        <p:spPr>
+          <a:xfrm>
+            <a:off x="4101465" y="1483995"/>
+            <a:ext cx="6850380" cy="2689860"/>
+          </a:xfrm>
+          <a:prstGeom prst="rect">
+            <a:avLst/>
+          </a:prstGeom>
+        </p:spPr>
+      </p:pic>
     </p:spTree>
-    <p:extLst>
-      <p:ext uri="{BB962C8B-B14F-4D97-AF65-F5344CB8AC3E}">
-        <p14:creationId xmlns:p14="http://schemas.microsoft.com/office/powerpoint/2010/main" val="2669766904"/>
-      </p:ext>
-    </p:extLst>
   </p:cSld>
   <p:clrMapOvr>
     <a:masterClrMapping/>
   </p:clrMapOvr>
-  <mc:AlternateContent xmlns:mc="http://schemas.openxmlformats.org/markup-compatibility/2006" xmlns:p14="http://schemas.microsoft.com/office/powerpoint/2010/main">
-    <mc:Choice Requires="p14">
+  <mc:AlternateContent xmlns:mc="http://schemas.openxmlformats.org/markup-compatibility/2006">
+    <mc:Choice xmlns:p14="http://schemas.microsoft.com/office/powerpoint/2010/main" Requires="p14">
       <p:transition spd="slow" p14:dur="1600">
         <p14:gallery dir="l"/>
       </p:transition>
     </mc:Choice>
-    <mc:Fallback xmlns="">
+    <mc:Fallback>
       <p:transition spd="slow">
         <p:fade/>
       </p:transition>
@@ -7340,13 +6375,7 @@
       </p:grpSpPr>
       <p:sp>
         <p:nvSpPr>
-          <p:cNvPr id="2" name="等腰三角形 1">
-            <a:extLst>
-              <a:ext uri="{FF2B5EF4-FFF2-40B4-BE49-F238E27FC236}">
-                <a16:creationId xmlns:a16="http://schemas.microsoft.com/office/drawing/2014/main" id="{04D61701-643F-4104-2892-F80CDBEBE2DD}"/>
-              </a:ext>
-            </a:extLst>
-          </p:cNvPr>
+          <p:cNvPr id="2" name="等腰三角形 1"/>
           <p:cNvSpPr/>
           <p:nvPr/>
         </p:nvSpPr>
@@ -7447,7 +6476,7 @@
               <a:defRPr/>
             </a:pPr>
             <a:r>
-              <a:rPr lang="en-US" altLang="zh-CN" sz="3599" b="1" dirty="0">
+              <a:rPr lang="en-US" altLang="zh-CN" sz="3600" b="1" dirty="0">
                 <a:solidFill>
                   <a:schemeClr val="bg2">
                     <a:lumMod val="50000"/>
@@ -7461,7 +6490,7 @@
               <a:t>7.</a:t>
             </a:r>
             <a:r>
-              <a:rPr lang="zh-CN" altLang="en-US" sz="3599" b="1" dirty="0">
+              <a:rPr lang="zh-CN" altLang="en-US" sz="3600" b="1" dirty="0">
                 <a:solidFill>
                   <a:schemeClr val="bg2">
                     <a:lumMod val="50000"/>
@@ -7474,7 +6503,7 @@
               </a:rPr>
               <a:t>用户反馈</a:t>
             </a:r>
-            <a:endParaRPr lang="en-US" altLang="zh-CN" sz="3599" b="1" dirty="0">
+            <a:endParaRPr lang="en-US" altLang="zh-CN" sz="3600" b="1" dirty="0">
               <a:solidFill>
                 <a:schemeClr val="bg2">
                   <a:lumMod val="50000"/>
@@ -7488,23 +6517,104 @@
           </a:p>
         </p:txBody>
       </p:sp>
+      <p:sp>
+        <p:nvSpPr>
+          <p:cNvPr id="3" name="文本框 2"/>
+          <p:cNvSpPr txBox="1"/>
+          <p:nvPr/>
+        </p:nvSpPr>
+        <p:spPr>
+          <a:xfrm>
+            <a:off x="2035175" y="1803400"/>
+            <a:ext cx="6400165" cy="1753235"/>
+          </a:xfrm>
+          <a:prstGeom prst="rect">
+            <a:avLst/>
+          </a:prstGeom>
+          <a:noFill/>
+        </p:spPr>
+        <p:txBody>
+          <a:bodyPr wrap="square" rtlCol="0">
+            <a:spAutoFit/>
+          </a:bodyPr>
+          <a:p>
+            <a:pPr algn="ctr"/>
+            <a:r>
+              <a:rPr lang="en-US" altLang="zh-CN"/>
+              <a:t>1.</a:t>
+            </a:r>
+            <a:r>
+              <a:rPr lang="zh-CN" altLang="en-US"/>
+              <a:t>使用本软件的过程顺畅</a:t>
+            </a:r>
+            <a:endParaRPr lang="zh-CN" altLang="en-US"/>
+          </a:p>
+          <a:p>
+            <a:pPr algn="ctr"/>
+            <a:r>
+              <a:rPr lang="en-US" altLang="zh-CN"/>
+              <a:t>2.本软件的界面友好</a:t>
+            </a:r>
+            <a:endParaRPr lang="en-US" altLang="zh-CN"/>
+          </a:p>
+          <a:p>
+            <a:pPr algn="ctr"/>
+            <a:r>
+              <a:rPr lang="en-US" altLang="zh-CN"/>
+              <a:t>3.本软件的功能丰富</a:t>
+            </a:r>
+            <a:endParaRPr lang="en-US" altLang="zh-CN"/>
+          </a:p>
+          <a:p>
+            <a:pPr algn="ctr"/>
+            <a:r>
+              <a:rPr lang="en-US" altLang="zh-CN"/>
+              <a:t>4.满意本软件的效果</a:t>
+            </a:r>
+            <a:endParaRPr lang="en-US" altLang="zh-CN"/>
+          </a:p>
+          <a:p>
+            <a:pPr algn="ctr"/>
+            <a:r>
+              <a:rPr lang="en-US" altLang="zh-CN"/>
+              <a:t>5.会推荐本软件给其他人</a:t>
+            </a:r>
+            <a:endParaRPr lang="en-US" altLang="zh-CN"/>
+          </a:p>
+          <a:p>
+            <a:pPr algn="ctr"/>
+            <a:r>
+              <a:rPr lang="zh-CN" altLang="en-US"/>
+              <a:t>（测试群体大多数低于</a:t>
+            </a:r>
+            <a:r>
+              <a:rPr lang="en-US" altLang="zh-CN"/>
+              <a:t>30</a:t>
+            </a:r>
+            <a:r>
+              <a:rPr lang="zh-CN" altLang="en-US"/>
+              <a:t>岁，且大部分为</a:t>
+            </a:r>
+            <a:r>
+              <a:rPr lang="zh-CN" altLang="en-US"/>
+              <a:t>男性）</a:t>
+            </a:r>
+            <a:endParaRPr lang="zh-CN" altLang="en-US"/>
+          </a:p>
+        </p:txBody>
+      </p:sp>
     </p:spTree>
-    <p:extLst>
-      <p:ext uri="{BB962C8B-B14F-4D97-AF65-F5344CB8AC3E}">
-        <p14:creationId xmlns:p14="http://schemas.microsoft.com/office/powerpoint/2010/main" val="3743213867"/>
-      </p:ext>
-    </p:extLst>
   </p:cSld>
   <p:clrMapOvr>
     <a:masterClrMapping/>
   </p:clrMapOvr>
-  <mc:AlternateContent xmlns:mc="http://schemas.openxmlformats.org/markup-compatibility/2006" xmlns:p14="http://schemas.microsoft.com/office/powerpoint/2010/main">
-    <mc:Choice Requires="p14">
+  <mc:AlternateContent xmlns:mc="http://schemas.openxmlformats.org/markup-compatibility/2006">
+    <mc:Choice xmlns:p14="http://schemas.microsoft.com/office/powerpoint/2010/main" Requires="p14">
       <p:transition spd="slow" p14:dur="1600">
         <p14:gallery dir="l"/>
       </p:transition>
     </mc:Choice>
-    <mc:Fallback xmlns="">
+    <mc:Fallback>
       <p:transition spd="slow">
         <p:fade/>
       </p:transition>
@@ -7532,13 +6642,7 @@
       </p:grpSpPr>
       <p:sp>
         <p:nvSpPr>
-          <p:cNvPr id="2" name="等腰三角形 1">
-            <a:extLst>
-              <a:ext uri="{FF2B5EF4-FFF2-40B4-BE49-F238E27FC236}">
-                <a16:creationId xmlns:a16="http://schemas.microsoft.com/office/drawing/2014/main" id="{04D61701-643F-4104-2892-F80CDBEBE2DD}"/>
-              </a:ext>
-            </a:extLst>
-          </p:cNvPr>
+          <p:cNvPr id="2" name="等腰三角形 1"/>
           <p:cNvSpPr/>
           <p:nvPr/>
         </p:nvSpPr>
@@ -7639,7 +6743,7 @@
               <a:defRPr/>
             </a:pPr>
             <a:r>
-              <a:rPr lang="en-US" altLang="zh-CN" sz="3599" b="1" dirty="0">
+              <a:rPr lang="en-US" altLang="zh-CN" sz="3600" b="1" dirty="0">
                 <a:solidFill>
                   <a:schemeClr val="bg2">
                     <a:lumMod val="50000"/>
@@ -7653,7 +6757,7 @@
               <a:t>8.</a:t>
             </a:r>
             <a:r>
-              <a:rPr lang="zh-CN" altLang="en-US" sz="3599" b="1" dirty="0">
+              <a:rPr lang="zh-CN" altLang="en-US" sz="3600" b="1" dirty="0">
                 <a:solidFill>
                   <a:schemeClr val="bg2">
                     <a:lumMod val="50000"/>
@@ -7666,7 +6770,7 @@
               </a:rPr>
               <a:t>会议纪要</a:t>
             </a:r>
-            <a:endParaRPr lang="en-US" altLang="zh-CN" sz="3599" b="1" dirty="0">
+            <a:endParaRPr lang="en-US" altLang="zh-CN" sz="3600" b="1" dirty="0">
               <a:solidFill>
                 <a:schemeClr val="bg2">
                   <a:lumMod val="50000"/>
@@ -7682,22 +6786,18 @@
       </p:sp>
       <p:pic>
         <p:nvPicPr>
-          <p:cNvPr id="6" name="图片 5">
-            <a:extLst>
-              <a:ext uri="{FF2B5EF4-FFF2-40B4-BE49-F238E27FC236}">
-                <a16:creationId xmlns:a16="http://schemas.microsoft.com/office/drawing/2014/main" id="{6346779A-5D48-F6AE-2AD5-4A755020F159}"/>
-              </a:ext>
-            </a:extLst>
-          </p:cNvPr>
+          <p:cNvPr id="6" name="图片 5"/>
           <p:cNvPicPr>
             <a:picLocks noChangeAspect="1"/>
           </p:cNvPicPr>
           <p:nvPr/>
         </p:nvPicPr>
         <p:blipFill rotWithShape="1">
-          <a:blip r:embed="rId3"/>
+          <a:blip r:embed="rId1"/>
           <a:srcRect t="1990" b="1803"/>
-          <a:stretch/>
+          <a:stretch>
+            <a:fillRect/>
+          </a:stretch>
         </p:blipFill>
         <p:spPr>
           <a:xfrm>
@@ -7711,20 +6811,14 @@
       </p:pic>
       <p:pic>
         <p:nvPicPr>
-          <p:cNvPr id="8" name="图片 7">
-            <a:extLst>
-              <a:ext uri="{FF2B5EF4-FFF2-40B4-BE49-F238E27FC236}">
-                <a16:creationId xmlns:a16="http://schemas.microsoft.com/office/drawing/2014/main" id="{6A84CE4C-284A-B99E-6CD3-420CB63BC080}"/>
-              </a:ext>
-            </a:extLst>
-          </p:cNvPr>
+          <p:cNvPr id="8" name="图片 7"/>
           <p:cNvPicPr>
             <a:picLocks noChangeAspect="1"/>
           </p:cNvPicPr>
           <p:nvPr/>
         </p:nvPicPr>
         <p:blipFill>
-          <a:blip r:embed="rId4"/>
+          <a:blip r:embed="rId2"/>
           <a:stretch>
             <a:fillRect/>
           </a:stretch>
@@ -7740,22 +6834,17 @@
         </p:spPr>
       </p:pic>
     </p:spTree>
-    <p:extLst>
-      <p:ext uri="{BB962C8B-B14F-4D97-AF65-F5344CB8AC3E}">
-        <p14:creationId xmlns:p14="http://schemas.microsoft.com/office/powerpoint/2010/main" val="433673116"/>
-      </p:ext>
-    </p:extLst>
   </p:cSld>
   <p:clrMapOvr>
     <a:masterClrMapping/>
   </p:clrMapOvr>
-  <mc:AlternateContent xmlns:mc="http://schemas.openxmlformats.org/markup-compatibility/2006" xmlns:p14="http://schemas.microsoft.com/office/powerpoint/2010/main">
-    <mc:Choice Requires="p14">
+  <mc:AlternateContent xmlns:mc="http://schemas.openxmlformats.org/markup-compatibility/2006">
+    <mc:Choice xmlns:p14="http://schemas.microsoft.com/office/powerpoint/2010/main" Requires="p14">
       <p:transition spd="slow" p14:dur="1600">
         <p14:gallery dir="l"/>
       </p:transition>
     </mc:Choice>
-    <mc:Fallback xmlns="">
+    <mc:Fallback>
       <p:transition spd="slow">
         <p:fade/>
       </p:transition>
@@ -7783,13 +6872,7 @@
       </p:grpSpPr>
       <p:sp>
         <p:nvSpPr>
-          <p:cNvPr id="2" name="等腰三角形 1">
-            <a:extLst>
-              <a:ext uri="{FF2B5EF4-FFF2-40B4-BE49-F238E27FC236}">
-                <a16:creationId xmlns:a16="http://schemas.microsoft.com/office/drawing/2014/main" id="{04D61701-643F-4104-2892-F80CDBEBE2DD}"/>
-              </a:ext>
-            </a:extLst>
-          </p:cNvPr>
+          <p:cNvPr id="2" name="等腰三角形 1"/>
           <p:cNvSpPr/>
           <p:nvPr/>
         </p:nvSpPr>
@@ -7890,7 +6973,7 @@
               <a:defRPr/>
             </a:pPr>
             <a:r>
-              <a:rPr lang="en-US" altLang="zh-CN" sz="3599" b="1" dirty="0">
+              <a:rPr lang="en-US" altLang="zh-CN" sz="3600" b="1" dirty="0">
                 <a:solidFill>
                   <a:schemeClr val="bg2">
                     <a:lumMod val="50000"/>
@@ -7904,7 +6987,7 @@
               <a:t>9.</a:t>
             </a:r>
             <a:r>
-              <a:rPr lang="zh-CN" altLang="en-US" sz="3599" b="1" dirty="0">
+              <a:rPr lang="zh-CN" altLang="en-US" sz="3600" b="1" dirty="0">
                 <a:solidFill>
                   <a:schemeClr val="bg2">
                     <a:lumMod val="50000"/>
@@ -7918,7 +7001,7 @@
               <a:t>总结</a:t>
             </a:r>
             <a:r>
-              <a:rPr lang="en-US" altLang="zh-CN" sz="3599" b="1" dirty="0">
+              <a:rPr lang="en-US" altLang="zh-CN" sz="3600" b="1" dirty="0">
                 <a:solidFill>
                   <a:schemeClr val="bg2">
                     <a:lumMod val="50000"/>
@@ -7932,7 +7015,7 @@
               <a:t>&amp;</a:t>
             </a:r>
             <a:r>
-              <a:rPr lang="zh-CN" altLang="en-US" sz="3599" b="1" dirty="0">
+              <a:rPr lang="zh-CN" altLang="en-US" sz="3600" b="1" dirty="0">
                 <a:solidFill>
                   <a:schemeClr val="bg2">
                     <a:lumMod val="50000"/>
@@ -7946,7 +7029,7 @@
               <a:t>评价</a:t>
             </a:r>
             <a:r>
-              <a:rPr lang="en-US" altLang="zh-CN" sz="3599" b="1" dirty="0">
+              <a:rPr lang="en-US" altLang="zh-CN" sz="3600" b="1" dirty="0">
                 <a:solidFill>
                   <a:schemeClr val="bg2">
                     <a:lumMod val="50000"/>
@@ -7960,7 +7043,7 @@
               <a:t>&amp;</a:t>
             </a:r>
             <a:r>
-              <a:rPr lang="zh-CN" altLang="en-US" sz="3599" b="1" dirty="0">
+              <a:rPr lang="zh-CN" altLang="en-US" sz="3600" b="1" dirty="0">
                 <a:solidFill>
                   <a:schemeClr val="bg2">
                     <a:lumMod val="50000"/>
@@ -7973,18 +7056,23 @@
               </a:rPr>
               <a:t>说明</a:t>
             </a:r>
-          </a:p>
-        </p:txBody>
-      </p:sp>
-      <p:sp>
-        <p:nvSpPr>
-          <p:cNvPr id="3" name="Rectangle 1">
-            <a:extLst>
-              <a:ext uri="{FF2B5EF4-FFF2-40B4-BE49-F238E27FC236}">
-                <a16:creationId xmlns:a16="http://schemas.microsoft.com/office/drawing/2014/main" id="{60FF20B4-7B97-7234-AC3A-027056DDF720}"/>
-              </a:ext>
-            </a:extLst>
-          </p:cNvPr>
+            <a:endParaRPr lang="zh-CN" altLang="en-US" sz="3600" b="1" dirty="0">
+              <a:solidFill>
+                <a:schemeClr val="bg2">
+                  <a:lumMod val="50000"/>
+                </a:schemeClr>
+              </a:solidFill>
+              <a:latin typeface="+mn-lt"/>
+              <a:ea typeface="+mn-ea"/>
+              <a:cs typeface="+mn-ea"/>
+              <a:sym typeface="+mn-lt"/>
+            </a:endParaRPr>
+          </a:p>
+        </p:txBody>
+      </p:sp>
+      <p:sp>
+        <p:nvSpPr>
+          <p:cNvPr id="3" name="Rectangle 1"/>
           <p:cNvSpPr>
             <a:spLocks noChangeArrowheads="1"/>
           </p:cNvSpPr>
@@ -8034,9 +7122,6 @@
         </p:spPr>
         <p:txBody>
           <a:bodyPr vert="horz" wrap="square" lIns="121920" tIns="60960" rIns="121920" bIns="60960" numCol="1" anchor="ctr" anchorCtr="0" compatLnSpc="1">
-            <a:prstTxWarp prst="textNoShape">
-              <a:avLst/>
-            </a:prstTxWarp>
             <a:spAutoFit/>
           </a:bodyPr>
           <a:lstStyle>
@@ -8185,26 +7270,22 @@
               <a:rPr lang="zh-CN" altLang="en-US" sz="2400" dirty="0"/>
               <a:t>小组已将全部阶段成果提交了到版本控制服务器并且记录了历史</a:t>
             </a:r>
+            <a:endParaRPr lang="zh-CN" altLang="en-US" sz="2400" dirty="0"/>
           </a:p>
         </p:txBody>
       </p:sp>
     </p:spTree>
-    <p:extLst>
-      <p:ext uri="{BB962C8B-B14F-4D97-AF65-F5344CB8AC3E}">
-        <p14:creationId xmlns:p14="http://schemas.microsoft.com/office/powerpoint/2010/main" val="605336132"/>
-      </p:ext>
-    </p:extLst>
   </p:cSld>
   <p:clrMapOvr>
     <a:masterClrMapping/>
   </p:clrMapOvr>
-  <mc:AlternateContent xmlns:mc="http://schemas.openxmlformats.org/markup-compatibility/2006" xmlns:p14="http://schemas.microsoft.com/office/powerpoint/2010/main">
-    <mc:Choice Requires="p14">
+  <mc:AlternateContent xmlns:mc="http://schemas.openxmlformats.org/markup-compatibility/2006">
+    <mc:Choice xmlns:p14="http://schemas.microsoft.com/office/powerpoint/2010/main" Requires="p14">
       <p:transition spd="slow" p14:dur="1600">
         <p14:gallery dir="l"/>
       </p:transition>
     </mc:Choice>
-    <mc:Fallback xmlns="">
+    <mc:Fallback>
       <p:transition spd="slow">
         <p:fade/>
       </p:transition>
@@ -8232,13 +7313,7 @@
       </p:grpSpPr>
       <p:sp>
         <p:nvSpPr>
-          <p:cNvPr id="2" name="等腰三角形 1">
-            <a:extLst>
-              <a:ext uri="{FF2B5EF4-FFF2-40B4-BE49-F238E27FC236}">
-                <a16:creationId xmlns:a16="http://schemas.microsoft.com/office/drawing/2014/main" id="{04D61701-643F-4104-2892-F80CDBEBE2DD}"/>
-              </a:ext>
-            </a:extLst>
-          </p:cNvPr>
+          <p:cNvPr id="2" name="等腰三角形 1"/>
           <p:cNvSpPr/>
           <p:nvPr/>
         </p:nvSpPr>
@@ -8339,7 +7414,7 @@
               <a:defRPr/>
             </a:pPr>
             <a:r>
-              <a:rPr lang="zh-CN" altLang="en-US" sz="3599" b="1" dirty="0">
+              <a:rPr lang="zh-CN" altLang="en-US" sz="3600" b="1" dirty="0">
                 <a:solidFill>
                   <a:schemeClr val="bg2">
                     <a:lumMod val="50000"/>
@@ -8352,25 +7427,30 @@
               </a:rPr>
               <a:t>附录：参考文献</a:t>
             </a:r>
-          </a:p>
-        </p:txBody>
-      </p:sp>
-      <p:sp>
-        <p:nvSpPr>
-          <p:cNvPr id="5" name="文本框 4">
-            <a:extLst>
-              <a:ext uri="{FF2B5EF4-FFF2-40B4-BE49-F238E27FC236}">
-                <a16:creationId xmlns:a16="http://schemas.microsoft.com/office/drawing/2014/main" id="{96B54299-C091-10F4-FBF4-CDF65722920F}"/>
-              </a:ext>
-            </a:extLst>
-          </p:cNvPr>
+            <a:endParaRPr lang="zh-CN" altLang="en-US" sz="3600" b="1" dirty="0">
+              <a:solidFill>
+                <a:schemeClr val="bg2">
+                  <a:lumMod val="50000"/>
+                </a:schemeClr>
+              </a:solidFill>
+              <a:latin typeface="+mn-lt"/>
+              <a:ea typeface="+mn-ea"/>
+              <a:cs typeface="+mn-ea"/>
+              <a:sym typeface="+mn-lt"/>
+            </a:endParaRPr>
+          </a:p>
+        </p:txBody>
+      </p:sp>
+      <p:sp>
+        <p:nvSpPr>
+          <p:cNvPr id="5" name="文本框 4"/>
           <p:cNvSpPr txBox="1"/>
           <p:nvPr/>
         </p:nvSpPr>
         <p:spPr>
           <a:xfrm>
             <a:off x="671945" y="1803406"/>
-            <a:ext cx="7114310" cy="917687"/>
+            <a:ext cx="7114310" cy="1222375"/>
           </a:xfrm>
           <a:prstGeom prst="rect">
             <a:avLst/>
@@ -8393,13 +7473,22 @@
                 <a:solidFill>
                   <a:srgbClr val="445469"/>
                 </a:solidFill>
-                <a:latin typeface="Arial"/>
-                <a:ea typeface="宋体" pitchFamily="2" charset="-122"/>
-                <a:cs typeface="Times New Roman" panose="02020603050405020304" charset="0"/>
+                <a:latin typeface="Arial" panose="020B0604020202020204"/>
+                <a:ea typeface="宋体" panose="02010600030101010101" pitchFamily="2" charset="-122"/>
+                <a:cs typeface="Times New Roman" panose="02020603050405020304" pitchFamily="18" charset="0"/>
                 <a:sym typeface="+mn-ea"/>
               </a:rPr>
               <a:t>[1] 软件项目管理（原书第8版）[M]北京：机械工业出版社</a:t>
             </a:r>
+            <a:endParaRPr lang="zh-CN" altLang="zh-CN" sz="1600" dirty="0">
+              <a:solidFill>
+                <a:srgbClr val="445469"/>
+              </a:solidFill>
+              <a:latin typeface="Arial" panose="020B0604020202020204"/>
+              <a:ea typeface="宋体" panose="02010600030101010101" pitchFamily="2" charset="-122"/>
+              <a:cs typeface="Times New Roman" panose="02020603050405020304" pitchFamily="18" charset="0"/>
+              <a:sym typeface="+mn-ea"/>
+            </a:endParaRPr>
           </a:p>
           <a:p>
             <a:pPr>
@@ -8408,17 +7497,38 @@
               </a:lnSpc>
             </a:pPr>
             <a:r>
-              <a:rPr lang="zh-CN" altLang="zh-CN" sz="1600" dirty="0">
+              <a:rPr lang="en-US" altLang="zh-CN" sz="1600" dirty="0">
                 <a:solidFill>
                   <a:srgbClr val="445469"/>
                 </a:solidFill>
-                <a:latin typeface="Arial"/>
-                <a:ea typeface="宋体" pitchFamily="2" charset="-122"/>
-                <a:cs typeface="Times New Roman" panose="02020603050405020304" charset="0"/>
+                <a:latin typeface="Arial" panose="020B0604020202020204"/>
+                <a:ea typeface="宋体" panose="02010600030101010101" pitchFamily="2" charset="-122"/>
+                <a:cs typeface="Times New Roman" panose="02020603050405020304" pitchFamily="18" charset="0"/>
                 <a:sym typeface="+mn-ea"/>
               </a:rPr>
-              <a:t>[2] 软件需求（第3版）[M]北京：清华大学出版社</a:t>
-            </a:r>
+              <a:t>[2]</a:t>
+            </a:r>
+            <a:r>
+              <a:rPr lang="zh-CN" altLang="zh-CN" sz="1600" dirty="0">
+                <a:solidFill>
+                  <a:srgbClr val="445469"/>
+                </a:solidFill>
+                <a:latin typeface="Arial" panose="020B0604020202020204"/>
+                <a:ea typeface="宋体" panose="02010600030101010101" pitchFamily="2" charset="-122"/>
+                <a:cs typeface="Times New Roman" panose="02020603050405020304" pitchFamily="18" charset="0"/>
+                <a:sym typeface="+mn-ea"/>
+              </a:rPr>
+              <a:t>https://blog.csdn.net/weixin_45756488/article/details/121772958</a:t>
+            </a:r>
+            <a:endParaRPr lang="zh-CN" altLang="zh-CN" sz="1600" dirty="0">
+              <a:solidFill>
+                <a:srgbClr val="445469"/>
+              </a:solidFill>
+              <a:latin typeface="Arial" panose="020B0604020202020204"/>
+              <a:ea typeface="宋体" panose="02010600030101010101" pitchFamily="2" charset="-122"/>
+              <a:cs typeface="Times New Roman" panose="02020603050405020304" pitchFamily="18" charset="0"/>
+              <a:sym typeface="+mn-ea"/>
+            </a:endParaRPr>
           </a:p>
           <a:p>
             <a:pPr>
@@ -8431,33 +7541,65 @@
                 <a:solidFill>
                   <a:srgbClr val="445469"/>
                 </a:solidFill>
-                <a:latin typeface="Arial"/>
-                <a:ea typeface="宋体" pitchFamily="2" charset="-122"/>
-                <a:cs typeface="Times New Roman" panose="02020603050405020304" charset="0"/>
+                <a:latin typeface="Arial" panose="020B0604020202020204"/>
+                <a:ea typeface="宋体" panose="02010600030101010101" pitchFamily="2" charset="-122"/>
+                <a:cs typeface="Times New Roman" panose="02020603050405020304" pitchFamily="18" charset="0"/>
+                <a:sym typeface="+mn-ea"/>
+              </a:rPr>
+              <a:t>[3]https://blog.csdn.net/m0_61504888/article/details/123368011</a:t>
+            </a:r>
+            <a:endParaRPr lang="en-US" altLang="zh-CN" sz="1600" dirty="0">
+              <a:solidFill>
+                <a:srgbClr val="445469"/>
+              </a:solidFill>
+              <a:latin typeface="Arial" panose="020B0604020202020204"/>
+              <a:ea typeface="宋体" panose="02010600030101010101" pitchFamily="2" charset="-122"/>
+              <a:cs typeface="Times New Roman" panose="02020603050405020304" pitchFamily="18" charset="0"/>
+              <a:sym typeface="+mn-ea"/>
+            </a:endParaRPr>
+          </a:p>
+          <a:p>
+            <a:pPr>
+              <a:lnSpc>
+                <a:spcPct val="115000"/>
+              </a:lnSpc>
+            </a:pPr>
+            <a:r>
+              <a:rPr lang="en-US" altLang="zh-CN" sz="1600" dirty="0">
+                <a:solidFill>
+                  <a:srgbClr val="445469"/>
+                </a:solidFill>
+                <a:latin typeface="Arial" panose="020B0604020202020204"/>
+                <a:ea typeface="宋体" panose="02010600030101010101" pitchFamily="2" charset="-122"/>
+                <a:cs typeface="Times New Roman" panose="02020603050405020304" pitchFamily="18" charset="0"/>
                 <a:sym typeface="+mn-ea"/>
               </a:rPr>
               <a:t>…….</a:t>
             </a:r>
+            <a:endParaRPr lang="en-US" altLang="zh-CN" sz="1600" dirty="0">
+              <a:solidFill>
+                <a:srgbClr val="445469"/>
+              </a:solidFill>
+              <a:latin typeface="Arial" panose="020B0604020202020204"/>
+              <a:ea typeface="宋体" panose="02010600030101010101" pitchFamily="2" charset="-122"/>
+              <a:cs typeface="Times New Roman" panose="02020603050405020304" pitchFamily="18" charset="0"/>
+              <a:sym typeface="+mn-ea"/>
+            </a:endParaRPr>
           </a:p>
         </p:txBody>
       </p:sp>
     </p:spTree>
-    <p:extLst>
-      <p:ext uri="{BB962C8B-B14F-4D97-AF65-F5344CB8AC3E}">
-        <p14:creationId xmlns:p14="http://schemas.microsoft.com/office/powerpoint/2010/main" val="3951491582"/>
-      </p:ext>
-    </p:extLst>
   </p:cSld>
   <p:clrMapOvr>
     <a:masterClrMapping/>
   </p:clrMapOvr>
-  <mc:AlternateContent xmlns:mc="http://schemas.openxmlformats.org/markup-compatibility/2006" xmlns:p14="http://schemas.microsoft.com/office/powerpoint/2010/main">
-    <mc:Choice Requires="p14">
+  <mc:AlternateContent xmlns:mc="http://schemas.openxmlformats.org/markup-compatibility/2006">
+    <mc:Choice xmlns:p14="http://schemas.microsoft.com/office/powerpoint/2010/main" Requires="p14">
       <p:transition spd="slow" p14:dur="1600">
         <p14:gallery dir="l"/>
       </p:transition>
     </mc:Choice>
-    <mc:Fallback xmlns="">
+    <mc:Fallback>
       <p:transition spd="slow">
         <p:fade/>
       </p:transition>
@@ -8485,13 +7627,7 @@
       </p:grpSpPr>
       <p:sp>
         <p:nvSpPr>
-          <p:cNvPr id="2" name="等腰三角形 1">
-            <a:extLst>
-              <a:ext uri="{FF2B5EF4-FFF2-40B4-BE49-F238E27FC236}">
-                <a16:creationId xmlns:a16="http://schemas.microsoft.com/office/drawing/2014/main" id="{04D61701-643F-4104-2892-F80CDBEBE2DD}"/>
-              </a:ext>
-            </a:extLst>
-          </p:cNvPr>
+          <p:cNvPr id="2" name="等腰三角形 1"/>
           <p:cNvSpPr/>
           <p:nvPr/>
         </p:nvSpPr>
@@ -8592,7 +7728,7 @@
               <a:defRPr/>
             </a:pPr>
             <a:r>
-              <a:rPr lang="zh-CN" altLang="en-US" sz="3599" b="1" dirty="0">
+              <a:rPr lang="zh-CN" altLang="en-US" sz="3600" b="1" dirty="0">
                 <a:solidFill>
                   <a:schemeClr val="bg2">
                     <a:lumMod val="50000"/>
@@ -8605,26 +7741,152 @@
               </a:rPr>
               <a:t>附录：代码清单（部分）</a:t>
             </a:r>
+            <a:endParaRPr lang="zh-CN" altLang="en-US" sz="3600" b="1" dirty="0">
+              <a:solidFill>
+                <a:schemeClr val="bg2">
+                  <a:lumMod val="50000"/>
+                </a:schemeClr>
+              </a:solidFill>
+              <a:latin typeface="+mn-lt"/>
+              <a:ea typeface="+mn-ea"/>
+              <a:cs typeface="+mn-ea"/>
+              <a:sym typeface="+mn-lt"/>
+            </a:endParaRPr>
+          </a:p>
+        </p:txBody>
+      </p:sp>
+      <p:pic>
+        <p:nvPicPr>
+          <p:cNvPr id="3" name="图片 1"/>
+          <p:cNvPicPr>
+            <a:picLocks noChangeAspect="1"/>
+          </p:cNvPicPr>
+          <p:nvPr>
+            <p:custDataLst>
+              <p:tags r:id="rId1"/>
+            </p:custDataLst>
+          </p:nvPr>
+        </p:nvPicPr>
+        <p:blipFill>
+          <a:blip r:embed="rId2"/>
+          <a:stretch>
+            <a:fillRect/>
+          </a:stretch>
+        </p:blipFill>
+        <p:spPr>
+          <a:xfrm>
+            <a:off x="2638425" y="1803400"/>
+            <a:ext cx="1965960" cy="4206240"/>
+          </a:xfrm>
+          <a:prstGeom prst="rect">
+            <a:avLst/>
+          </a:prstGeom>
+          <a:noFill/>
+          <a:ln>
+            <a:noFill/>
+          </a:ln>
+        </p:spPr>
+      </p:pic>
+      <p:sp>
+        <p:nvSpPr>
+          <p:cNvPr id="4" name="文本框 3"/>
+          <p:cNvSpPr txBox="1"/>
+          <p:nvPr/>
+        </p:nvSpPr>
+        <p:spPr>
+          <a:xfrm>
+            <a:off x="5942965" y="1706880"/>
+            <a:ext cx="4097020" cy="2861310"/>
+          </a:xfrm>
+          <a:prstGeom prst="rect">
+            <a:avLst/>
+          </a:prstGeom>
+          <a:noFill/>
+        </p:spPr>
+        <p:txBody>
+          <a:bodyPr wrap="square" rtlCol="0">
+            <a:spAutoFit/>
+          </a:bodyPr>
+          <a:p>
+            <a:r>
+              <a:rPr lang="zh-CN" altLang="en-US"/>
+              <a:t>Pages：页面目录文件夹</a:t>
+            </a:r>
+            <a:endParaRPr lang="zh-CN" altLang="en-US"/>
+          </a:p>
+          <a:p>
+            <a:r>
+              <a:rPr lang="zh-CN" altLang="en-US"/>
+              <a:t>changeimg：头像修改页面文件夹</a:t>
+            </a:r>
+            <a:endParaRPr lang="zh-CN" altLang="en-US"/>
+          </a:p>
+          <a:p>
+            <a:r>
+              <a:rPr lang="zh-CN" altLang="en-US"/>
+              <a:t>changename：名称修改页面文件夹</a:t>
+            </a:r>
+            <a:endParaRPr lang="zh-CN" altLang="en-US"/>
+          </a:p>
+          <a:p>
+            <a:r>
+              <a:rPr lang="zh-CN" altLang="en-US"/>
+              <a:t>login：登录页面文件夹</a:t>
+            </a:r>
+            <a:endParaRPr lang="zh-CN" altLang="en-US"/>
+          </a:p>
+          <a:p>
+            <a:r>
+              <a:rPr lang="zh-CN" altLang="en-US"/>
+              <a:t>myinfo：个人信息页面文件夹</a:t>
+            </a:r>
+            <a:endParaRPr lang="zh-CN" altLang="en-US"/>
+          </a:p>
+          <a:p>
+            <a:r>
+              <a:rPr lang="zh-CN" altLang="en-US"/>
+              <a:t>rank：排名页面文件夹</a:t>
+            </a:r>
+            <a:endParaRPr lang="zh-CN" altLang="en-US"/>
+          </a:p>
+          <a:p>
+            <a:r>
+              <a:rPr lang="zh-CN" altLang="en-US"/>
+              <a:t>runtest：测试页面文件夹</a:t>
+            </a:r>
+            <a:endParaRPr lang="zh-CN" altLang="en-US"/>
+          </a:p>
+          <a:p>
+            <a:r>
+              <a:rPr lang="zh-CN" altLang="en-US"/>
+              <a:t>image：图片素材文件夹</a:t>
+            </a:r>
+            <a:endParaRPr lang="zh-CN" altLang="en-US"/>
+          </a:p>
+          <a:p>
+            <a:endParaRPr lang="zh-CN" altLang="en-US"/>
+          </a:p>
+          <a:p>
+            <a:r>
+              <a:rPr lang="zh-CN" altLang="en-US"/>
+              <a:t>其他：各种配置文件</a:t>
+            </a:r>
+            <a:endParaRPr lang="zh-CN" altLang="en-US"/>
           </a:p>
         </p:txBody>
       </p:sp>
     </p:spTree>
-    <p:extLst>
-      <p:ext uri="{BB962C8B-B14F-4D97-AF65-F5344CB8AC3E}">
-        <p14:creationId xmlns:p14="http://schemas.microsoft.com/office/powerpoint/2010/main" val="365202009"/>
-      </p:ext>
-    </p:extLst>
   </p:cSld>
   <p:clrMapOvr>
     <a:masterClrMapping/>
   </p:clrMapOvr>
-  <mc:AlternateContent xmlns:mc="http://schemas.openxmlformats.org/markup-compatibility/2006" xmlns:p14="http://schemas.microsoft.com/office/powerpoint/2010/main">
-    <mc:Choice Requires="p14">
+  <mc:AlternateContent xmlns:mc="http://schemas.openxmlformats.org/markup-compatibility/2006">
+    <mc:Choice xmlns:p14="http://schemas.microsoft.com/office/powerpoint/2010/main" Requires="p14">
       <p:transition spd="slow" p14:dur="1600">
         <p14:gallery dir="l"/>
       </p:transition>
     </mc:Choice>
-    <mc:Fallback xmlns="">
+    <mc:Fallback>
       <p:transition spd="slow">
         <p:fade/>
       </p:transition>
@@ -8652,13 +7914,7 @@
       </p:grpSpPr>
       <p:sp>
         <p:nvSpPr>
-          <p:cNvPr id="2" name="灯片编号占位符 1">
-            <a:extLst>
-              <a:ext uri="{FF2B5EF4-FFF2-40B4-BE49-F238E27FC236}">
-                <a16:creationId xmlns:a16="http://schemas.microsoft.com/office/drawing/2014/main" id="{64C4F8D2-752F-1FD6-6328-62BF4EBA7AB9}"/>
-              </a:ext>
-            </a:extLst>
-          </p:cNvPr>
+          <p:cNvPr id="2" name="灯片编号占位符 1"/>
           <p:cNvSpPr>
             <a:spLocks noGrp="1"/>
           </p:cNvSpPr>
@@ -8679,8 +7935,6 @@
                   </a:prstClr>
                 </a:solidFill>
               </a:rPr>
-              <a:pPr/>
-              <a:t>17</a:t>
             </a:fld>
             <a:endParaRPr lang="zh-CN" altLang="en-US">
               <a:solidFill>
@@ -8694,20 +7948,14 @@
       </p:sp>
       <p:pic>
         <p:nvPicPr>
-          <p:cNvPr id="3" name="图片占位符 2">
-            <a:extLst>
-              <a:ext uri="{FF2B5EF4-FFF2-40B4-BE49-F238E27FC236}">
-                <a16:creationId xmlns:a16="http://schemas.microsoft.com/office/drawing/2014/main" id="{77B157F5-49F1-D8EC-22F1-476BE049A184}"/>
-              </a:ext>
-            </a:extLst>
-          </p:cNvPr>
+          <p:cNvPr id="3" name="图片占位符 2"/>
           <p:cNvPicPr>
             <a:picLocks noChangeAspect="1"/>
           </p:cNvPicPr>
           <p:nvPr/>
         </p:nvPicPr>
         <p:blipFill>
-          <a:blip r:embed="rId2">
+          <a:blip r:embed="rId1">
             <a:extLst>
               <a:ext uri="{28A0092B-C50C-407E-A947-70E740481C1C}">
                 <a14:useLocalDpi xmlns:a14="http://schemas.microsoft.com/office/drawing/2010/main" val="0"/>
@@ -8731,13 +7979,7 @@
       </p:pic>
       <p:sp>
         <p:nvSpPr>
-          <p:cNvPr id="5" name="圆角矩形 4">
-            <a:extLst>
-              <a:ext uri="{FF2B5EF4-FFF2-40B4-BE49-F238E27FC236}">
-                <a16:creationId xmlns:a16="http://schemas.microsoft.com/office/drawing/2014/main" id="{52671DF5-D36A-91CC-1CEF-663DBCD0AA9E}"/>
-              </a:ext>
-            </a:extLst>
-          </p:cNvPr>
+          <p:cNvPr id="5" name="圆角矩形 4"/>
           <p:cNvSpPr/>
           <p:nvPr/>
         </p:nvSpPr>
@@ -8789,6 +8031,13 @@
               </a:rPr>
               <a:t>G06</a:t>
             </a:r>
+            <a:endParaRPr lang="en-US" altLang="zh-CN" sz="1100" spc="600" dirty="0">
+              <a:solidFill>
+                <a:prstClr val="white"/>
+              </a:solidFill>
+              <a:cs typeface="+mn-ea"/>
+              <a:sym typeface="+mn-lt"/>
+            </a:endParaRPr>
           </a:p>
           <a:p>
             <a:pPr algn="ctr"/>
@@ -8842,18 +8091,19 @@
               </a:rPr>
               <a:t>姚杰昇</a:t>
             </a:r>
-          </a:p>
-        </p:txBody>
-      </p:sp>
-      <p:sp>
-        <p:nvSpPr>
-          <p:cNvPr id="6" name="矩形 259">
-            <a:extLst>
-              <a:ext uri="{FF2B5EF4-FFF2-40B4-BE49-F238E27FC236}">
-                <a16:creationId xmlns:a16="http://schemas.microsoft.com/office/drawing/2014/main" id="{DFE1FF59-5792-49E7-FB45-6E06078C686E}"/>
-              </a:ext>
-            </a:extLst>
-          </p:cNvPr>
+            <a:endParaRPr lang="zh-CN" altLang="en-US" sz="1100" spc="600" dirty="0">
+              <a:solidFill>
+                <a:prstClr val="white"/>
+              </a:solidFill>
+              <a:cs typeface="+mn-ea"/>
+              <a:sym typeface="+mn-lt"/>
+            </a:endParaRPr>
+          </a:p>
+        </p:txBody>
+      </p:sp>
+      <p:sp>
+        <p:nvSpPr>
+          <p:cNvPr id="6" name="矩形 259"/>
           <p:cNvSpPr>
             <a:spLocks noChangeArrowheads="1"/>
           </p:cNvSpPr>
@@ -9055,8 +8305,8 @@
                 <a:solidFill>
                   <a:prstClr val="white"/>
                 </a:solidFill>
-                <a:latin typeface="Arial"/>
-                <a:ea typeface="Microsoft YaHei"/>
+                <a:latin typeface="Arial" panose="020B0604020202020204"/>
+                <a:ea typeface="微软雅黑" panose="020B0503020204020204" pitchFamily="34" charset="-122"/>
                 <a:cs typeface="+mn-ea"/>
                 <a:sym typeface="+mn-lt"/>
               </a:rPr>
@@ -9066,8 +8316,8 @@
               <a:solidFill>
                 <a:prstClr val="white"/>
               </a:solidFill>
-              <a:latin typeface="Arial"/>
-              <a:ea typeface="Microsoft YaHei"/>
+              <a:latin typeface="Arial" panose="020B0604020202020204"/>
+              <a:ea typeface="微软雅黑" panose="020B0503020204020204" pitchFamily="34" charset="-122"/>
               <a:cs typeface="+mn-ea"/>
               <a:sym typeface="+mn-lt"/>
             </a:endParaRPr>
@@ -9075,11 +8325,6 @@
         </p:txBody>
       </p:sp>
     </p:spTree>
-    <p:extLst>
-      <p:ext uri="{BB962C8B-B14F-4D97-AF65-F5344CB8AC3E}">
-        <p14:creationId xmlns:p14="http://schemas.microsoft.com/office/powerpoint/2010/main" val="4231583448"/>
-      </p:ext>
-    </p:extLst>
   </p:cSld>
   <p:clrMapOvr>
     <a:masterClrMapping/>
@@ -9411,7 +8656,7 @@
             <a:defPPr>
               <a:defRPr lang="zh-CN"/>
             </a:defPPr>
-            <a:lvl1pPr defTabSz="1219078">
+            <a:lvl1pPr defTabSz="1219200">
               <a:lnSpc>
                 <a:spcPct val="150000"/>
               </a:lnSpc>
@@ -9437,23 +8682,23 @@
               </a:lnSpc>
             </a:pPr>
             <a:r>
-              <a:rPr lang="zh-CN" altLang="en-US" sz="2132" dirty="0">
+              <a:rPr lang="zh-CN" altLang="en-US" sz="2130" dirty="0">
                 <a:solidFill>
                   <a:schemeClr val="tx2"/>
                 </a:solidFill>
                 <a:latin typeface="Arial" panose="020B0604020202020204" pitchFamily="34" charset="0"/>
-                <a:ea typeface="Microsoft YaHei" panose="020B0503020204020204" pitchFamily="34" charset="-122"/>
+                <a:ea typeface="微软雅黑" panose="020B0503020204020204" pitchFamily="34" charset="-122"/>
                 <a:cs typeface="+mn-ea"/>
                 <a:sym typeface="Arial" panose="020B0604020202020204" pitchFamily="34" charset="0"/>
               </a:rPr>
               <a:t>小组代码规范</a:t>
             </a:r>
-            <a:endParaRPr lang="en-AU" sz="2132" dirty="0">
+            <a:endParaRPr lang="en-AU" sz="2130" dirty="0">
               <a:solidFill>
                 <a:schemeClr val="tx2"/>
               </a:solidFill>
               <a:latin typeface="Arial" panose="020B0604020202020204" pitchFamily="34" charset="0"/>
-              <a:ea typeface="Microsoft YaHei" panose="020B0503020204020204" pitchFamily="34" charset="-122"/>
+              <a:ea typeface="微软雅黑" panose="020B0503020204020204" pitchFamily="34" charset="-122"/>
               <a:cs typeface="+mn-ea"/>
               <a:sym typeface="Arial" panose="020B0604020202020204" pitchFamily="34" charset="0"/>
             </a:endParaRPr>
@@ -9484,7 +8729,7 @@
             <a:defPPr>
               <a:defRPr lang="zh-CN"/>
             </a:defPPr>
-            <a:lvl1pPr defTabSz="1219078">
+            <a:lvl1pPr defTabSz="1219200">
               <a:lnSpc>
                 <a:spcPct val="150000"/>
               </a:lnSpc>
@@ -9510,23 +8755,23 @@
               </a:lnSpc>
             </a:pPr>
             <a:r>
-              <a:rPr lang="zh-CN" altLang="en-US" sz="2132" dirty="0">
+              <a:rPr lang="zh-CN" altLang="en-US" sz="2130" dirty="0">
                 <a:solidFill>
                   <a:schemeClr val="tx2"/>
                 </a:solidFill>
                 <a:latin typeface="Arial" panose="020B0604020202020204" pitchFamily="34" charset="0"/>
-                <a:ea typeface="Microsoft YaHei" panose="020B0503020204020204" pitchFamily="34" charset="-122"/>
+                <a:ea typeface="微软雅黑" panose="020B0503020204020204" pitchFamily="34" charset="-122"/>
                 <a:cs typeface="+mn-ea"/>
                 <a:sym typeface="Arial" panose="020B0604020202020204" pitchFamily="34" charset="0"/>
               </a:rPr>
               <a:t>软件概述</a:t>
             </a:r>
-            <a:endParaRPr lang="en-AU" sz="2132" dirty="0">
+            <a:endParaRPr lang="en-AU" sz="2130" dirty="0">
               <a:solidFill>
                 <a:schemeClr val="tx2"/>
               </a:solidFill>
               <a:latin typeface="Arial" panose="020B0604020202020204" pitchFamily="34" charset="0"/>
-              <a:ea typeface="Microsoft YaHei" panose="020B0503020204020204" pitchFamily="34" charset="-122"/>
+              <a:ea typeface="微软雅黑" panose="020B0503020204020204" pitchFamily="34" charset="-122"/>
               <a:cs typeface="+mn-ea"/>
               <a:sym typeface="Arial" panose="020B0604020202020204" pitchFamily="34" charset="0"/>
             </a:endParaRPr>
@@ -9557,7 +8802,7 @@
             <a:defPPr>
               <a:defRPr lang="zh-CN"/>
             </a:defPPr>
-            <a:lvl1pPr defTabSz="1219078">
+            <a:lvl1pPr defTabSz="1219200">
               <a:lnSpc>
                 <a:spcPct val="150000"/>
               </a:lnSpc>
@@ -9583,23 +8828,23 @@
               </a:lnSpc>
             </a:pPr>
             <a:r>
-              <a:rPr lang="zh-CN" altLang="en-US" sz="2132" dirty="0">
+              <a:rPr lang="zh-CN" altLang="en-US" sz="2130" dirty="0">
                 <a:solidFill>
                   <a:schemeClr val="tx2"/>
                 </a:solidFill>
                 <a:latin typeface="Arial" panose="020B0604020202020204" pitchFamily="34" charset="0"/>
-                <a:ea typeface="Microsoft YaHei" panose="020B0503020204020204" pitchFamily="34" charset="-122"/>
+                <a:ea typeface="微软雅黑" panose="020B0503020204020204" pitchFamily="34" charset="-122"/>
                 <a:cs typeface="+mn-ea"/>
                 <a:sym typeface="Arial" panose="020B0604020202020204" pitchFamily="34" charset="0"/>
               </a:rPr>
               <a:t>用户手册</a:t>
             </a:r>
-            <a:endParaRPr lang="en-AU" altLang="zh-CN" sz="2132" dirty="0">
+            <a:endParaRPr lang="en-AU" altLang="zh-CN" sz="2130" dirty="0">
               <a:solidFill>
                 <a:schemeClr val="tx2"/>
               </a:solidFill>
               <a:latin typeface="Arial" panose="020B0604020202020204" pitchFamily="34" charset="0"/>
-              <a:ea typeface="Microsoft YaHei" panose="020B0503020204020204" pitchFamily="34" charset="-122"/>
+              <a:ea typeface="微软雅黑" panose="020B0503020204020204" pitchFamily="34" charset="-122"/>
               <a:cs typeface="+mn-ea"/>
               <a:sym typeface="Arial" panose="020B0604020202020204" pitchFamily="34" charset="0"/>
             </a:endParaRPr>
@@ -9630,7 +8875,7 @@
             <a:defPPr>
               <a:defRPr lang="zh-CN"/>
             </a:defPPr>
-            <a:lvl1pPr defTabSz="1219078">
+            <a:lvl1pPr defTabSz="1219200">
               <a:lnSpc>
                 <a:spcPct val="150000"/>
               </a:lnSpc>
@@ -9656,23 +8901,23 @@
               </a:lnSpc>
             </a:pPr>
             <a:r>
-              <a:rPr lang="zh-CN" altLang="en-US" sz="2132" dirty="0">
+              <a:rPr lang="zh-CN" altLang="en-US" sz="2130" dirty="0">
                 <a:solidFill>
                   <a:schemeClr val="tx2"/>
                 </a:solidFill>
                 <a:latin typeface="Arial" panose="020B0604020202020204" pitchFamily="34" charset="0"/>
-                <a:ea typeface="Microsoft YaHei" panose="020B0503020204020204" pitchFamily="34" charset="-122"/>
+                <a:ea typeface="微软雅黑" panose="020B0503020204020204" pitchFamily="34" charset="-122"/>
                 <a:cs typeface="+mn-ea"/>
                 <a:sym typeface="Arial" panose="020B0604020202020204" pitchFamily="34" charset="0"/>
               </a:rPr>
               <a:t>会议纪要</a:t>
             </a:r>
-            <a:endParaRPr lang="en-AU" sz="2132" dirty="0">
+            <a:endParaRPr lang="en-AU" sz="2130" dirty="0">
               <a:solidFill>
                 <a:schemeClr val="tx2"/>
               </a:solidFill>
               <a:latin typeface="Arial" panose="020B0604020202020204" pitchFamily="34" charset="0"/>
-              <a:ea typeface="Microsoft YaHei" panose="020B0503020204020204" pitchFamily="34" charset="-122"/>
+              <a:ea typeface="微软雅黑" panose="020B0503020204020204" pitchFamily="34" charset="-122"/>
               <a:cs typeface="+mn-ea"/>
               <a:sym typeface="Arial" panose="020B0604020202020204" pitchFamily="34" charset="0"/>
             </a:endParaRPr>
@@ -9703,7 +8948,7 @@
             <a:defPPr>
               <a:defRPr lang="zh-CN"/>
             </a:defPPr>
-            <a:lvl1pPr defTabSz="1219078">
+            <a:lvl1pPr defTabSz="1219200">
               <a:lnSpc>
                 <a:spcPct val="150000"/>
               </a:lnSpc>
@@ -9729,23 +8974,23 @@
               </a:lnSpc>
             </a:pPr>
             <a:r>
-              <a:rPr lang="zh-CN" altLang="en-US" sz="2132" dirty="0">
+              <a:rPr lang="zh-CN" altLang="en-US" sz="2130" dirty="0">
                 <a:solidFill>
                   <a:schemeClr val="tx2"/>
                 </a:solidFill>
                 <a:latin typeface="Arial" panose="020B0604020202020204" pitchFamily="34" charset="0"/>
-                <a:ea typeface="Microsoft YaHei" panose="020B0503020204020204" pitchFamily="34" charset="-122"/>
+                <a:ea typeface="微软雅黑" panose="020B0503020204020204" pitchFamily="34" charset="-122"/>
                 <a:cs typeface="+mn-ea"/>
                 <a:sym typeface="Arial" panose="020B0604020202020204" pitchFamily="34" charset="0"/>
               </a:rPr>
               <a:t>用户反馈</a:t>
             </a:r>
-            <a:endParaRPr lang="en-AU" sz="2132" dirty="0">
+            <a:endParaRPr lang="en-AU" sz="2130" dirty="0">
               <a:solidFill>
                 <a:schemeClr val="tx2"/>
               </a:solidFill>
               <a:latin typeface="Arial" panose="020B0604020202020204" pitchFamily="34" charset="0"/>
-              <a:ea typeface="Microsoft YaHei" panose="020B0503020204020204" pitchFamily="34" charset="-122"/>
+              <a:ea typeface="微软雅黑" panose="020B0503020204020204" pitchFamily="34" charset="-122"/>
               <a:cs typeface="+mn-ea"/>
               <a:sym typeface="Arial" panose="020B0604020202020204" pitchFamily="34" charset="0"/>
             </a:endParaRPr>
@@ -9786,6 +9031,13 @@
               </a:rPr>
               <a:t>Speech/Training Topics</a:t>
             </a:r>
+            <a:endParaRPr lang="en-US" altLang="zh-CN" sz="800" dirty="0">
+              <a:solidFill>
+                <a:srgbClr val="44546A"/>
+              </a:solidFill>
+              <a:cs typeface="+mn-ea"/>
+              <a:sym typeface="+mn-lt"/>
+            </a:endParaRPr>
           </a:p>
         </p:txBody>
       </p:sp>
@@ -9842,7 +9094,7 @@
               <a:defRPr/>
             </a:pPr>
             <a:r>
-              <a:rPr lang="zh-CN" altLang="en-US" sz="3599" b="1" dirty="0">
+              <a:rPr lang="zh-CN" altLang="en-US" sz="3600" b="1" dirty="0">
                 <a:solidFill>
                   <a:srgbClr val="44546A"/>
                 </a:solidFill>
@@ -9853,6 +9105,15 @@
               </a:rPr>
               <a:t>目录</a:t>
             </a:r>
+            <a:endParaRPr lang="zh-CN" altLang="en-US" sz="3600" b="1" dirty="0">
+              <a:solidFill>
+                <a:srgbClr val="44546A"/>
+              </a:solidFill>
+              <a:latin typeface="+mn-lt"/>
+              <a:ea typeface="+mn-ea"/>
+              <a:cs typeface="+mn-ea"/>
+              <a:sym typeface="+mn-lt"/>
+            </a:endParaRPr>
           </a:p>
         </p:txBody>
       </p:sp>
@@ -9899,10 +9160,10 @@
             <a:bodyPr rtlCol="0" anchor="ctr"/>
             <a:lstStyle/>
             <a:p>
-              <a:pPr algn="ctr" defTabSz="914194">
+              <a:pPr algn="ctr" defTabSz="914400">
                 <a:defRPr/>
               </a:pPr>
-              <a:endParaRPr lang="id-ID" sz="1349" kern="0">
+              <a:endParaRPr lang="id-ID" sz="1350" kern="0">
                 <a:solidFill>
                   <a:prstClr val="white"/>
                 </a:solidFill>
@@ -9993,7 +9254,7 @@
           </p:nvPr>
         </p:nvPicPr>
         <p:blipFill>
-          <a:blip r:embed="rId2" cstate="print">
+          <a:blip r:embed="rId1" cstate="print">
             <a:extLst>
               <a:ext uri="{28A0092B-C50C-407E-A947-70E740481C1C}">
                 <a14:useLocalDpi xmlns:a14="http://schemas.microsoft.com/office/drawing/2010/main" val="0"/>
@@ -10018,7 +9279,7 @@
           </p:nvPr>
         </p:nvPicPr>
         <p:blipFill>
-          <a:blip r:embed="rId3" cstate="print">
+          <a:blip r:embed="rId2" cstate="print">
             <a:extLst>
               <a:ext uri="{28A0092B-C50C-407E-A947-70E740481C1C}">
                 <a14:useLocalDpi xmlns:a14="http://schemas.microsoft.com/office/drawing/2010/main" val="0"/>
@@ -10043,7 +9304,7 @@
           </p:nvPr>
         </p:nvPicPr>
         <p:blipFill>
-          <a:blip r:embed="rId4" cstate="print">
+          <a:blip r:embed="rId3" cstate="print">
             <a:extLst>
               <a:ext uri="{28A0092B-C50C-407E-A947-70E740481C1C}">
                 <a14:useLocalDpi xmlns:a14="http://schemas.microsoft.com/office/drawing/2010/main" val="0"/>
@@ -10068,7 +9329,7 @@
           </p:nvPr>
         </p:nvPicPr>
         <p:blipFill>
-          <a:blip r:embed="rId5" cstate="print">
+          <a:blip r:embed="rId4" cstate="print">
             <a:extLst>
               <a:ext uri="{28A0092B-C50C-407E-A947-70E740481C1C}">
                 <a14:useLocalDpi xmlns:a14="http://schemas.microsoft.com/office/drawing/2010/main" val="0"/>
@@ -10093,7 +9354,7 @@
           </p:nvPr>
         </p:nvPicPr>
         <p:blipFill>
-          <a:blip r:embed="rId6" cstate="print">
+          <a:blip r:embed="rId5" cstate="print">
             <a:extLst>
               <a:ext uri="{28A0092B-C50C-407E-A947-70E740481C1C}">
                 <a14:useLocalDpi xmlns:a14="http://schemas.microsoft.com/office/drawing/2010/main" val="0"/>
@@ -10118,7 +9379,7 @@
           </p:nvPr>
         </p:nvPicPr>
         <p:blipFill>
-          <a:blip r:embed="rId7" cstate="print">
+          <a:blip r:embed="rId6" cstate="print">
             <a:extLst>
               <a:ext uri="{28A0092B-C50C-407E-A947-70E740481C1C}">
                 <a14:useLocalDpi xmlns:a14="http://schemas.microsoft.com/office/drawing/2010/main" val="0"/>
@@ -10143,7 +9404,7 @@
           </p:nvPr>
         </p:nvPicPr>
         <p:blipFill>
-          <a:blip r:embed="rId8" cstate="print">
+          <a:blip r:embed="rId7" cstate="print">
             <a:extLst>
               <a:ext uri="{28A0092B-C50C-407E-A947-70E740481C1C}">
                 <a14:useLocalDpi xmlns:a14="http://schemas.microsoft.com/office/drawing/2010/main" val="0"/>
@@ -10168,7 +9429,7 @@
           </p:nvPr>
         </p:nvPicPr>
         <p:blipFill>
-          <a:blip r:embed="rId9" cstate="print">
+          <a:blip r:embed="rId8" cstate="print">
             <a:extLst>
               <a:ext uri="{28A0092B-C50C-407E-A947-70E740481C1C}">
                 <a14:useLocalDpi xmlns:a14="http://schemas.microsoft.com/office/drawing/2010/main" val="0"/>
@@ -10184,13 +9445,7 @@
       </p:pic>
       <p:pic>
         <p:nvPicPr>
-          <p:cNvPr id="2" name="图片占位符 28">
-            <a:extLst>
-              <a:ext uri="{FF2B5EF4-FFF2-40B4-BE49-F238E27FC236}">
-                <a16:creationId xmlns:a16="http://schemas.microsoft.com/office/drawing/2014/main" id="{FA8BCA2E-9FDE-29B2-85BC-86535758AD56}"/>
-              </a:ext>
-            </a:extLst>
-          </p:cNvPr>
+          <p:cNvPr id="2" name="图片占位符 28"/>
           <p:cNvPicPr>
             <a:picLocks noGrp="1" noChangeAspect="1"/>
           </p:cNvPicPr>
@@ -10199,7 +9454,7 @@
           </p:nvPr>
         </p:nvPicPr>
         <p:blipFill>
-          <a:blip r:embed="rId10" cstate="print">
+          <a:blip r:embed="rId9" cstate="print">
             <a:extLst>
               <a:ext uri="{28A0092B-C50C-407E-A947-70E740481C1C}">
                 <a14:useLocalDpi xmlns:a14="http://schemas.microsoft.com/office/drawing/2010/main" val="0"/>
@@ -10220,13 +9475,7 @@
       </p:pic>
       <p:sp>
         <p:nvSpPr>
-          <p:cNvPr id="3" name="Text Placeholder 33">
-            <a:extLst>
-              <a:ext uri="{FF2B5EF4-FFF2-40B4-BE49-F238E27FC236}">
-                <a16:creationId xmlns:a16="http://schemas.microsoft.com/office/drawing/2014/main" id="{58D4D6C5-74AA-F956-670B-F084992B148D}"/>
-              </a:ext>
-            </a:extLst>
-          </p:cNvPr>
+          <p:cNvPr id="3" name="Text Placeholder 33"/>
           <p:cNvSpPr txBox="1"/>
           <p:nvPr/>
         </p:nvSpPr>
@@ -10248,7 +9497,7 @@
             <a:defPPr>
               <a:defRPr lang="zh-CN"/>
             </a:defPPr>
-            <a:lvl1pPr defTabSz="1219078">
+            <a:lvl1pPr defTabSz="1219200">
               <a:lnSpc>
                 <a:spcPct val="150000"/>
               </a:lnSpc>
@@ -10274,23 +9523,23 @@
               </a:lnSpc>
             </a:pPr>
             <a:r>
-              <a:rPr lang="zh-CN" altLang="en-US" sz="2132" dirty="0">
+              <a:rPr lang="zh-CN" altLang="en-US" sz="2130" dirty="0">
                 <a:solidFill>
                   <a:schemeClr val="tx2"/>
                 </a:solidFill>
                 <a:latin typeface="Arial" panose="020B0604020202020204" pitchFamily="34" charset="0"/>
-                <a:ea typeface="Microsoft YaHei" panose="020B0503020204020204" pitchFamily="34" charset="-122"/>
+                <a:ea typeface="微软雅黑" panose="020B0503020204020204" pitchFamily="34" charset="-122"/>
                 <a:cs typeface="+mn-ea"/>
                 <a:sym typeface="Arial" panose="020B0604020202020204" pitchFamily="34" charset="0"/>
               </a:rPr>
               <a:t>界面实现</a:t>
             </a:r>
-            <a:endParaRPr lang="en-AU" sz="2132" dirty="0">
+            <a:endParaRPr lang="en-AU" sz="2130" dirty="0">
               <a:solidFill>
                 <a:schemeClr val="tx2"/>
               </a:solidFill>
               <a:latin typeface="Arial" panose="020B0604020202020204" pitchFamily="34" charset="0"/>
-              <a:ea typeface="Microsoft YaHei" panose="020B0503020204020204" pitchFamily="34" charset="-122"/>
+              <a:ea typeface="微软雅黑" panose="020B0503020204020204" pitchFamily="34" charset="-122"/>
               <a:cs typeface="+mn-ea"/>
               <a:sym typeface="Arial" panose="020B0604020202020204" pitchFamily="34" charset="0"/>
             </a:endParaRPr>
@@ -10299,13 +9548,7 @@
       </p:sp>
       <p:sp>
         <p:nvSpPr>
-          <p:cNvPr id="4" name="Text Placeholder 33">
-            <a:extLst>
-              <a:ext uri="{FF2B5EF4-FFF2-40B4-BE49-F238E27FC236}">
-                <a16:creationId xmlns:a16="http://schemas.microsoft.com/office/drawing/2014/main" id="{83596D1F-A255-D14B-201A-C52E87DE40BA}"/>
-              </a:ext>
-            </a:extLst>
-          </p:cNvPr>
+          <p:cNvPr id="4" name="Text Placeholder 33"/>
           <p:cNvSpPr txBox="1"/>
           <p:nvPr/>
         </p:nvSpPr>
@@ -10327,7 +9570,7 @@
             <a:defPPr>
               <a:defRPr lang="zh-CN"/>
             </a:defPPr>
-            <a:lvl1pPr defTabSz="1219078">
+            <a:lvl1pPr defTabSz="1219200">
               <a:lnSpc>
                 <a:spcPct val="150000"/>
               </a:lnSpc>
@@ -10353,23 +9596,23 @@
               </a:lnSpc>
             </a:pPr>
             <a:r>
-              <a:rPr lang="zh-CN" altLang="en-US" sz="2132" dirty="0">
+              <a:rPr lang="zh-CN" altLang="en-US" sz="2130" dirty="0">
                 <a:solidFill>
                   <a:schemeClr val="tx2"/>
                 </a:solidFill>
                 <a:latin typeface="Arial" panose="020B0604020202020204" pitchFamily="34" charset="0"/>
-                <a:ea typeface="Microsoft YaHei" panose="020B0503020204020204" pitchFamily="34" charset="-122"/>
+                <a:ea typeface="微软雅黑" panose="020B0503020204020204" pitchFamily="34" charset="-122"/>
                 <a:cs typeface="+mn-ea"/>
                 <a:sym typeface="Arial" panose="020B0604020202020204" pitchFamily="34" charset="0"/>
               </a:rPr>
               <a:t>软件测试计划</a:t>
             </a:r>
-            <a:endParaRPr lang="en-AU" sz="2132" dirty="0">
+            <a:endParaRPr lang="en-AU" sz="2130" dirty="0">
               <a:solidFill>
                 <a:schemeClr val="tx2"/>
               </a:solidFill>
               <a:latin typeface="Arial" panose="020B0604020202020204" pitchFamily="34" charset="0"/>
-              <a:ea typeface="Microsoft YaHei" panose="020B0503020204020204" pitchFamily="34" charset="-122"/>
+              <a:ea typeface="微软雅黑" panose="020B0503020204020204" pitchFamily="34" charset="-122"/>
               <a:cs typeface="+mn-ea"/>
               <a:sym typeface="Arial" panose="020B0604020202020204" pitchFamily="34" charset="0"/>
             </a:endParaRPr>
@@ -10378,13 +9621,7 @@
       </p:sp>
       <p:sp>
         <p:nvSpPr>
-          <p:cNvPr id="8" name="Text Placeholder 33">
-            <a:extLst>
-              <a:ext uri="{FF2B5EF4-FFF2-40B4-BE49-F238E27FC236}">
-                <a16:creationId xmlns:a16="http://schemas.microsoft.com/office/drawing/2014/main" id="{816D323E-E192-2F65-7585-4FBE713F5993}"/>
-              </a:ext>
-            </a:extLst>
-          </p:cNvPr>
+          <p:cNvPr id="8" name="Text Placeholder 33"/>
           <p:cNvSpPr txBox="1"/>
           <p:nvPr/>
         </p:nvSpPr>
@@ -10406,7 +9643,7 @@
             <a:defPPr>
               <a:defRPr lang="zh-CN"/>
             </a:defPPr>
-            <a:lvl1pPr defTabSz="1219078">
+            <a:lvl1pPr defTabSz="1219200">
               <a:lnSpc>
                 <a:spcPct val="150000"/>
               </a:lnSpc>
@@ -10432,71 +9669,71 @@
               </a:lnSpc>
             </a:pPr>
             <a:r>
-              <a:rPr lang="zh-CN" altLang="en-US" sz="2132" dirty="0">
+              <a:rPr lang="zh-CN" altLang="en-US" sz="2130" dirty="0">
                 <a:solidFill>
                   <a:schemeClr val="tx2"/>
                 </a:solidFill>
                 <a:latin typeface="Arial" panose="020B0604020202020204" pitchFamily="34" charset="0"/>
-                <a:ea typeface="Microsoft YaHei" panose="020B0503020204020204" pitchFamily="34" charset="-122"/>
+                <a:ea typeface="微软雅黑" panose="020B0503020204020204" pitchFamily="34" charset="-122"/>
                 <a:cs typeface="+mn-ea"/>
                 <a:sym typeface="Arial" panose="020B0604020202020204" pitchFamily="34" charset="0"/>
               </a:rPr>
               <a:t>总结</a:t>
             </a:r>
             <a:r>
-              <a:rPr lang="en-US" altLang="zh-CN" sz="2132" dirty="0">
+              <a:rPr lang="en-US" altLang="zh-CN" sz="2130" dirty="0">
                 <a:solidFill>
                   <a:schemeClr val="tx2"/>
                 </a:solidFill>
                 <a:latin typeface="Arial" panose="020B0604020202020204" pitchFamily="34" charset="0"/>
-                <a:ea typeface="Microsoft YaHei" panose="020B0503020204020204" pitchFamily="34" charset="-122"/>
+                <a:ea typeface="微软雅黑" panose="020B0503020204020204" pitchFamily="34" charset="-122"/>
                 <a:cs typeface="+mn-ea"/>
                 <a:sym typeface="Arial" panose="020B0604020202020204" pitchFamily="34" charset="0"/>
               </a:rPr>
               <a:t>&amp;</a:t>
             </a:r>
             <a:r>
-              <a:rPr lang="zh-CN" altLang="en-US" sz="2132" dirty="0">
+              <a:rPr lang="zh-CN" altLang="en-US" sz="2130" dirty="0">
                 <a:solidFill>
                   <a:schemeClr val="tx2"/>
                 </a:solidFill>
                 <a:latin typeface="Arial" panose="020B0604020202020204" pitchFamily="34" charset="0"/>
-                <a:ea typeface="Microsoft YaHei" panose="020B0503020204020204" pitchFamily="34" charset="-122"/>
+                <a:ea typeface="微软雅黑" panose="020B0503020204020204" pitchFamily="34" charset="-122"/>
                 <a:cs typeface="+mn-ea"/>
                 <a:sym typeface="Arial" panose="020B0604020202020204" pitchFamily="34" charset="0"/>
               </a:rPr>
               <a:t>评价</a:t>
             </a:r>
             <a:r>
-              <a:rPr lang="en-US" altLang="zh-CN" sz="2132" dirty="0">
+              <a:rPr lang="en-US" altLang="zh-CN" sz="2130" dirty="0">
                 <a:solidFill>
                   <a:schemeClr val="tx2"/>
                 </a:solidFill>
                 <a:latin typeface="Arial" panose="020B0604020202020204" pitchFamily="34" charset="0"/>
-                <a:ea typeface="Microsoft YaHei" panose="020B0503020204020204" pitchFamily="34" charset="-122"/>
+                <a:ea typeface="微软雅黑" panose="020B0503020204020204" pitchFamily="34" charset="-122"/>
                 <a:cs typeface="+mn-ea"/>
                 <a:sym typeface="Arial" panose="020B0604020202020204" pitchFamily="34" charset="0"/>
               </a:rPr>
               <a:t>&amp;</a:t>
             </a:r>
             <a:r>
-              <a:rPr lang="zh-CN" altLang="en-US" sz="2132" dirty="0">
+              <a:rPr lang="zh-CN" altLang="en-US" sz="2130" dirty="0">
                 <a:solidFill>
                   <a:schemeClr val="tx2"/>
                 </a:solidFill>
                 <a:latin typeface="Arial" panose="020B0604020202020204" pitchFamily="34" charset="0"/>
-                <a:ea typeface="Microsoft YaHei" panose="020B0503020204020204" pitchFamily="34" charset="-122"/>
+                <a:ea typeface="微软雅黑" panose="020B0503020204020204" pitchFamily="34" charset="-122"/>
                 <a:cs typeface="+mn-ea"/>
                 <a:sym typeface="Arial" panose="020B0604020202020204" pitchFamily="34" charset="0"/>
               </a:rPr>
               <a:t>说明</a:t>
             </a:r>
-            <a:endParaRPr lang="en-AU" sz="2132" dirty="0">
+            <a:endParaRPr lang="en-AU" sz="2130" dirty="0">
               <a:solidFill>
                 <a:schemeClr val="tx2"/>
               </a:solidFill>
               <a:latin typeface="Arial" panose="020B0604020202020204" pitchFamily="34" charset="0"/>
-              <a:ea typeface="Microsoft YaHei" panose="020B0503020204020204" pitchFamily="34" charset="-122"/>
+              <a:ea typeface="微软雅黑" panose="020B0503020204020204" pitchFamily="34" charset="-122"/>
               <a:cs typeface="+mn-ea"/>
               <a:sym typeface="Arial" panose="020B0604020202020204" pitchFamily="34" charset="0"/>
             </a:endParaRPr>
@@ -10505,13 +9742,7 @@
       </p:sp>
       <p:sp>
         <p:nvSpPr>
-          <p:cNvPr id="6" name="Text Placeholder 33">
-            <a:extLst>
-              <a:ext uri="{FF2B5EF4-FFF2-40B4-BE49-F238E27FC236}">
-                <a16:creationId xmlns:a16="http://schemas.microsoft.com/office/drawing/2014/main" id="{8178FB45-C23E-1E3E-9190-C1429BB7A220}"/>
-              </a:ext>
-            </a:extLst>
-          </p:cNvPr>
+          <p:cNvPr id="6" name="Text Placeholder 33"/>
           <p:cNvSpPr txBox="1"/>
           <p:nvPr/>
         </p:nvSpPr>
@@ -10533,7 +9764,7 @@
             <a:defPPr>
               <a:defRPr lang="zh-CN"/>
             </a:defPPr>
-            <a:lvl1pPr defTabSz="1219078">
+            <a:lvl1pPr defTabSz="1219200">
               <a:lnSpc>
                 <a:spcPct val="150000"/>
               </a:lnSpc>
@@ -10559,23 +9790,23 @@
               </a:lnSpc>
             </a:pPr>
             <a:r>
-              <a:rPr lang="zh-CN" altLang="en-US" sz="2132" dirty="0">
+              <a:rPr lang="zh-CN" altLang="en-US" sz="2130" dirty="0">
                 <a:solidFill>
                   <a:schemeClr val="tx2"/>
                 </a:solidFill>
                 <a:latin typeface="Arial" panose="020B0604020202020204" pitchFamily="34" charset="0"/>
-                <a:ea typeface="Microsoft YaHei" panose="020B0503020204020204" pitchFamily="34" charset="-122"/>
+                <a:ea typeface="微软雅黑" panose="020B0503020204020204" pitchFamily="34" charset="-122"/>
                 <a:cs typeface="+mn-ea"/>
                 <a:sym typeface="Arial" panose="020B0604020202020204" pitchFamily="34" charset="0"/>
               </a:rPr>
               <a:t>软件用户测试</a:t>
             </a:r>
-            <a:endParaRPr lang="en-AU" altLang="zh-CN" sz="2132" dirty="0">
+            <a:endParaRPr lang="en-AU" altLang="zh-CN" sz="2130" dirty="0">
               <a:solidFill>
                 <a:schemeClr val="tx2"/>
               </a:solidFill>
               <a:latin typeface="Arial" panose="020B0604020202020204" pitchFamily="34" charset="0"/>
-              <a:ea typeface="Microsoft YaHei" panose="020B0503020204020204" pitchFamily="34" charset="-122"/>
+              <a:ea typeface="微软雅黑" panose="020B0503020204020204" pitchFamily="34" charset="-122"/>
               <a:cs typeface="+mn-ea"/>
               <a:sym typeface="Arial" panose="020B0604020202020204" pitchFamily="34" charset="0"/>
             </a:endParaRPr>
@@ -10583,22 +9814,17 @@
         </p:txBody>
       </p:sp>
     </p:spTree>
-    <p:extLst>
-      <p:ext uri="{BB962C8B-B14F-4D97-AF65-F5344CB8AC3E}">
-        <p14:creationId xmlns:p14="http://schemas.microsoft.com/office/powerpoint/2010/main" val="1632244696"/>
-      </p:ext>
-    </p:extLst>
   </p:cSld>
   <p:clrMapOvr>
     <a:masterClrMapping/>
   </p:clrMapOvr>
-  <mc:AlternateContent xmlns:mc="http://schemas.openxmlformats.org/markup-compatibility/2006" xmlns:p14="http://schemas.microsoft.com/office/powerpoint/2010/main">
-    <mc:Choice Requires="p14">
+  <mc:AlternateContent xmlns:mc="http://schemas.openxmlformats.org/markup-compatibility/2006">
+    <mc:Choice xmlns:p14="http://schemas.microsoft.com/office/powerpoint/2010/main" Requires="p14">
       <p:transition spd="slow" p14:dur="1600" advClick="0">
         <p14:gallery dir="l"/>
       </p:transition>
     </mc:Choice>
-    <mc:Fallback xmlns="">
+    <mc:Fallback>
       <p:transition spd="slow" advClick="0">
         <p:fade/>
       </p:transition>
@@ -10712,13 +9938,7 @@
       </p:grpSpPr>
       <p:sp>
         <p:nvSpPr>
-          <p:cNvPr id="2" name="等腰三角形 1">
-            <a:extLst>
-              <a:ext uri="{FF2B5EF4-FFF2-40B4-BE49-F238E27FC236}">
-                <a16:creationId xmlns:a16="http://schemas.microsoft.com/office/drawing/2014/main" id="{04D61701-643F-4104-2892-F80CDBEBE2DD}"/>
-              </a:ext>
-            </a:extLst>
-          </p:cNvPr>
+          <p:cNvPr id="2" name="等腰三角形 1"/>
           <p:cNvSpPr/>
           <p:nvPr/>
         </p:nvSpPr>
@@ -10819,7 +10039,7 @@
               <a:defRPr/>
             </a:pPr>
             <a:r>
-              <a:rPr lang="en-US" altLang="zh-CN" sz="3599" b="1" dirty="0">
+              <a:rPr lang="en-US" altLang="zh-CN" sz="3600" b="1" dirty="0">
                 <a:solidFill>
                   <a:schemeClr val="bg2">
                     <a:lumMod val="50000"/>
@@ -10833,7 +10053,7 @@
               <a:t>1.</a:t>
             </a:r>
             <a:r>
-              <a:rPr lang="zh-CN" altLang="en-US" sz="3599" b="1" dirty="0">
+              <a:rPr lang="zh-CN" altLang="en-US" sz="3600" b="1" dirty="0">
                 <a:solidFill>
                   <a:schemeClr val="bg2">
                     <a:lumMod val="50000"/>
@@ -10846,18 +10066,23 @@
               </a:rPr>
               <a:t>软件概述</a:t>
             </a:r>
-          </a:p>
-        </p:txBody>
-      </p:sp>
-      <p:sp>
-        <p:nvSpPr>
-          <p:cNvPr id="4" name="文本框 3">
-            <a:extLst>
-              <a:ext uri="{FF2B5EF4-FFF2-40B4-BE49-F238E27FC236}">
-                <a16:creationId xmlns:a16="http://schemas.microsoft.com/office/drawing/2014/main" id="{2F3CF6BD-A63C-1114-3C7B-049E110C646D}"/>
-              </a:ext>
-            </a:extLst>
-          </p:cNvPr>
+            <a:endParaRPr lang="zh-CN" altLang="en-US" sz="3600" b="1" dirty="0">
+              <a:solidFill>
+                <a:schemeClr val="bg2">
+                  <a:lumMod val="50000"/>
+                </a:schemeClr>
+              </a:solidFill>
+              <a:latin typeface="+mn-lt"/>
+              <a:ea typeface="+mn-ea"/>
+              <a:cs typeface="+mn-ea"/>
+              <a:sym typeface="+mn-lt"/>
+            </a:endParaRPr>
+          </a:p>
+        </p:txBody>
+      </p:sp>
+      <p:sp>
+        <p:nvSpPr>
+          <p:cNvPr id="4" name="文本框 3"/>
           <p:cNvSpPr txBox="1"/>
           <p:nvPr/>
         </p:nvSpPr>
@@ -10877,7 +10102,7 @@
           </a:bodyPr>
           <a:lstStyle/>
           <a:p>
-            <a:pPr marL="355592" algn="just"/>
+            <a:pPr marL="355600" algn="just"/>
             <a:r>
               <a:rPr lang="en-US" altLang="zh-CN" sz="2400" kern="100" dirty="0">
                 <a:latin typeface="等线" panose="02010600030101010101" pitchFamily="2" charset="-122"/>
@@ -10933,7 +10158,7 @@
             </a:endParaRPr>
           </a:p>
           <a:p>
-            <a:pPr marL="736582" indent="-380990" algn="just">
+            <a:pPr marL="736600" indent="-381000" algn="just">
               <a:buFont typeface="Arial" panose="020B0604020202020204" pitchFamily="34" charset="0"/>
               <a:buChar char="•"/>
             </a:pPr>
@@ -10945,14 +10170,14 @@
               </a:rPr>
               <a:t>用户登录：用户可以通过“微信账号授权”的方式登录到小程序，经过登陆验证的用户可以使用小程序的所有功能</a:t>
             </a:r>
-            <a:endParaRPr lang="en-US" altLang="zh-CN" sz="1867" kern="100" dirty="0">
+            <a:endParaRPr lang="en-US" altLang="zh-CN" sz="1865" kern="100" dirty="0">
               <a:latin typeface="等线" panose="02010600030101010101" pitchFamily="2" charset="-122"/>
               <a:ea typeface="等线" panose="02010600030101010101" pitchFamily="2" charset="-122"/>
               <a:cs typeface="Times New Roman" panose="02020603050405020304" pitchFamily="18" charset="0"/>
             </a:endParaRPr>
           </a:p>
           <a:p>
-            <a:pPr marL="736582" indent="-380990" algn="just">
+            <a:pPr marL="736600" indent="-381000" algn="just">
               <a:buFont typeface="Arial" panose="020B0604020202020204" pitchFamily="34" charset="0"/>
               <a:buChar char="•"/>
             </a:pPr>
@@ -10964,14 +10189,14 @@
               </a:rPr>
               <a:t>用户信息修改：用户可以修改自己的头像和昵称</a:t>
             </a:r>
-            <a:endParaRPr lang="en-US" altLang="zh-CN" sz="1867" kern="100" dirty="0">
+            <a:endParaRPr lang="en-US" altLang="zh-CN" sz="1865" kern="100" dirty="0">
               <a:latin typeface="等线" panose="02010600030101010101" pitchFamily="2" charset="-122"/>
               <a:ea typeface="等线" panose="02010600030101010101" pitchFamily="2" charset="-122"/>
               <a:cs typeface="Times New Roman" panose="02020603050405020304" pitchFamily="18" charset="0"/>
             </a:endParaRPr>
           </a:p>
           <a:p>
-            <a:pPr marL="736582" indent="-380990" algn="just">
+            <a:pPr marL="736600" indent="-381000" algn="just">
               <a:buFont typeface="Arial" panose="020B0604020202020204" pitchFamily="34" charset="0"/>
               <a:buChar char="•"/>
             </a:pPr>
@@ -10983,14 +10208,14 @@
               </a:rPr>
               <a:t>用户测试：用户可以进行反应力的测试，并且可以选择是否将本次测试的成绩提交至服务器保存，提交至服务器的成绩会计入全部用户以及个人用户的统计</a:t>
             </a:r>
-            <a:endParaRPr lang="en-US" altLang="zh-CN" sz="1867" kern="100" dirty="0">
+            <a:endParaRPr lang="en-US" altLang="zh-CN" sz="1865" kern="100" dirty="0">
               <a:latin typeface="等线" panose="02010600030101010101" pitchFamily="2" charset="-122"/>
               <a:ea typeface="等线" panose="02010600030101010101" pitchFamily="2" charset="-122"/>
               <a:cs typeface="Times New Roman" panose="02020603050405020304" pitchFamily="18" charset="0"/>
             </a:endParaRPr>
           </a:p>
           <a:p>
-            <a:pPr marL="736582" indent="-380990" algn="just">
+            <a:pPr marL="736600" indent="-381000" algn="just">
               <a:buFont typeface="Arial" panose="020B0604020202020204" pitchFamily="34" charset="0"/>
               <a:buChar char="•"/>
             </a:pPr>
@@ -11002,7 +10227,7 @@
               </a:rPr>
               <a:t>数据统计：统计服务器内保存的所有成绩记录，用户可以查看自己在全体用户中的排名，并且查看自己相较于历史记录的提升</a:t>
             </a:r>
-            <a:endParaRPr lang="zh-CN" altLang="zh-CN" sz="1867" kern="100" dirty="0">
+            <a:endParaRPr lang="zh-CN" altLang="zh-CN" sz="1865" kern="100" dirty="0">
               <a:latin typeface="等线" panose="02010600030101010101" pitchFamily="2" charset="-122"/>
               <a:ea typeface="等线" panose="02010600030101010101" pitchFamily="2" charset="-122"/>
               <a:cs typeface="Times New Roman" panose="02020603050405020304" pitchFamily="18" charset="0"/>
@@ -11011,22 +10236,17 @@
         </p:txBody>
       </p:sp>
     </p:spTree>
-    <p:extLst>
-      <p:ext uri="{BB962C8B-B14F-4D97-AF65-F5344CB8AC3E}">
-        <p14:creationId xmlns:p14="http://schemas.microsoft.com/office/powerpoint/2010/main" val="1161295521"/>
-      </p:ext>
-    </p:extLst>
   </p:cSld>
   <p:clrMapOvr>
     <a:masterClrMapping/>
   </p:clrMapOvr>
-  <mc:AlternateContent xmlns:mc="http://schemas.openxmlformats.org/markup-compatibility/2006" xmlns:p14="http://schemas.microsoft.com/office/powerpoint/2010/main">
-    <mc:Choice Requires="p14">
+  <mc:AlternateContent xmlns:mc="http://schemas.openxmlformats.org/markup-compatibility/2006">
+    <mc:Choice xmlns:p14="http://schemas.microsoft.com/office/powerpoint/2010/main" Requires="p14">
       <p:transition spd="slow" p14:dur="1600">
         <p14:gallery dir="l"/>
       </p:transition>
     </mc:Choice>
-    <mc:Fallback xmlns="">
+    <mc:Fallback>
       <p:transition spd="slow">
         <p:fade/>
       </p:transition>
@@ -11054,13 +10274,7 @@
       </p:grpSpPr>
       <p:sp>
         <p:nvSpPr>
-          <p:cNvPr id="2" name="等腰三角形 1">
-            <a:extLst>
-              <a:ext uri="{FF2B5EF4-FFF2-40B4-BE49-F238E27FC236}">
-                <a16:creationId xmlns:a16="http://schemas.microsoft.com/office/drawing/2014/main" id="{04D61701-643F-4104-2892-F80CDBEBE2DD}"/>
-              </a:ext>
-            </a:extLst>
-          </p:cNvPr>
+          <p:cNvPr id="2" name="等腰三角形 1"/>
           <p:cNvSpPr/>
           <p:nvPr/>
         </p:nvSpPr>
@@ -11161,7 +10375,7 @@
               <a:defRPr/>
             </a:pPr>
             <a:r>
-              <a:rPr lang="en-US" altLang="zh-CN" sz="3599" b="1" dirty="0">
+              <a:rPr lang="en-US" altLang="zh-CN" sz="3600" b="1" dirty="0">
                 <a:solidFill>
                   <a:schemeClr val="bg2">
                     <a:lumMod val="50000"/>
@@ -11175,7 +10389,7 @@
               <a:t>2.</a:t>
             </a:r>
             <a:r>
-              <a:rPr lang="zh-CN" altLang="en-US" sz="3599" b="1" dirty="0">
+              <a:rPr lang="zh-CN" altLang="en-US" sz="3600" b="1" dirty="0">
                 <a:solidFill>
                   <a:schemeClr val="bg2">
                     <a:lumMod val="50000"/>
@@ -11188,27 +10402,34 @@
               </a:rPr>
               <a:t>界面实现</a:t>
             </a:r>
+            <a:endParaRPr lang="zh-CN" altLang="en-US" sz="3600" b="1" dirty="0">
+              <a:solidFill>
+                <a:schemeClr val="bg2">
+                  <a:lumMod val="50000"/>
+                </a:schemeClr>
+              </a:solidFill>
+              <a:latin typeface="+mn-lt"/>
+              <a:ea typeface="+mn-ea"/>
+              <a:cs typeface="+mn-ea"/>
+              <a:sym typeface="+mn-lt"/>
+            </a:endParaRPr>
           </a:p>
         </p:txBody>
       </p:sp>
       <p:pic>
         <p:nvPicPr>
-          <p:cNvPr id="3" name="图片 2" descr="排名界面">
-            <a:extLst>
-              <a:ext uri="{FF2B5EF4-FFF2-40B4-BE49-F238E27FC236}">
-                <a16:creationId xmlns:a16="http://schemas.microsoft.com/office/drawing/2014/main" id="{2D6782DF-77F0-CF66-4F80-5B8F28F454DD}"/>
-              </a:ext>
-            </a:extLst>
-          </p:cNvPr>
+          <p:cNvPr id="3" name="图片 2" descr="排名界面"/>
           <p:cNvPicPr>
             <a:picLocks noChangeAspect="1"/>
           </p:cNvPicPr>
           <p:nvPr/>
         </p:nvPicPr>
         <p:blipFill rotWithShape="1">
-          <a:blip r:embed="rId3"/>
+          <a:blip r:embed="rId1"/>
           <a:srcRect r="4916" b="1536"/>
-          <a:stretch/>
+          <a:stretch>
+            <a:fillRect/>
+          </a:stretch>
         </p:blipFill>
         <p:spPr bwMode="auto">
           <a:xfrm>
@@ -11221,31 +10442,22 @@
           <a:ln>
             <a:noFill/>
           </a:ln>
-          <a:extLst>
-            <a:ext uri="{53640926-AAD7-44D8-BBD7-CCE9431645EC}">
-              <a14:shadowObscured xmlns:a14="http://schemas.microsoft.com/office/drawing/2010/main"/>
-            </a:ext>
-          </a:extLst>
         </p:spPr>
       </p:pic>
       <p:pic>
         <p:nvPicPr>
-          <p:cNvPr id="4" name="图片 3" descr="测试界面">
-            <a:extLst>
-              <a:ext uri="{FF2B5EF4-FFF2-40B4-BE49-F238E27FC236}">
-                <a16:creationId xmlns:a16="http://schemas.microsoft.com/office/drawing/2014/main" id="{0AC6EAAD-423B-9EAF-FD74-817745D28775}"/>
-              </a:ext>
-            </a:extLst>
-          </p:cNvPr>
+          <p:cNvPr id="4" name="图片 3" descr="测试界面"/>
           <p:cNvPicPr>
             <a:picLocks noChangeAspect="1"/>
           </p:cNvPicPr>
           <p:nvPr/>
         </p:nvPicPr>
         <p:blipFill rotWithShape="1">
-          <a:blip r:embed="rId4"/>
+          <a:blip r:embed="rId2"/>
           <a:srcRect r="5562" b="1918"/>
-          <a:stretch/>
+          <a:stretch>
+            <a:fillRect/>
+          </a:stretch>
         </p:blipFill>
         <p:spPr bwMode="auto">
           <a:xfrm>
@@ -11258,29 +10470,18 @@
           <a:ln>
             <a:noFill/>
           </a:ln>
-          <a:extLst>
-            <a:ext uri="{53640926-AAD7-44D8-BBD7-CCE9431645EC}">
-              <a14:shadowObscured xmlns:a14="http://schemas.microsoft.com/office/drawing/2010/main"/>
-            </a:ext>
-          </a:extLst>
         </p:spPr>
       </p:pic>
       <p:pic>
         <p:nvPicPr>
-          <p:cNvPr id="5" name="图片 4" descr="登陆界面">
-            <a:extLst>
-              <a:ext uri="{FF2B5EF4-FFF2-40B4-BE49-F238E27FC236}">
-                <a16:creationId xmlns:a16="http://schemas.microsoft.com/office/drawing/2014/main" id="{BDE73338-1741-E2D7-E403-E2C272E0573F}"/>
-              </a:ext>
-            </a:extLst>
-          </p:cNvPr>
+          <p:cNvPr id="5" name="图片 4" descr="登陆界面"/>
           <p:cNvPicPr>
             <a:picLocks noChangeAspect="1"/>
           </p:cNvPicPr>
           <p:nvPr/>
         </p:nvPicPr>
         <p:blipFill>
-          <a:blip r:embed="rId5"/>
+          <a:blip r:embed="rId3"/>
           <a:stretch>
             <a:fillRect/>
           </a:stretch>
@@ -11296,22 +10497,17 @@
         </p:spPr>
       </p:pic>
     </p:spTree>
-    <p:extLst>
-      <p:ext uri="{BB962C8B-B14F-4D97-AF65-F5344CB8AC3E}">
-        <p14:creationId xmlns:p14="http://schemas.microsoft.com/office/powerpoint/2010/main" val="1252305112"/>
-      </p:ext>
-    </p:extLst>
   </p:cSld>
   <p:clrMapOvr>
     <a:masterClrMapping/>
   </p:clrMapOvr>
-  <mc:AlternateContent xmlns:mc="http://schemas.openxmlformats.org/markup-compatibility/2006" xmlns:p14="http://schemas.microsoft.com/office/powerpoint/2010/main">
-    <mc:Choice Requires="p14">
+  <mc:AlternateContent xmlns:mc="http://schemas.openxmlformats.org/markup-compatibility/2006">
+    <mc:Choice xmlns:p14="http://schemas.microsoft.com/office/powerpoint/2010/main" Requires="p14">
       <p:transition spd="slow" p14:dur="1600">
         <p14:gallery dir="l"/>
       </p:transition>
     </mc:Choice>
-    <mc:Fallback xmlns="">
+    <mc:Fallback>
       <p:transition spd="slow">
         <p:fade/>
       </p:transition>
@@ -11339,13 +10535,7 @@
       </p:grpSpPr>
       <p:sp>
         <p:nvSpPr>
-          <p:cNvPr id="2" name="等腰三角形 1">
-            <a:extLst>
-              <a:ext uri="{FF2B5EF4-FFF2-40B4-BE49-F238E27FC236}">
-                <a16:creationId xmlns:a16="http://schemas.microsoft.com/office/drawing/2014/main" id="{04D61701-643F-4104-2892-F80CDBEBE2DD}"/>
-              </a:ext>
-            </a:extLst>
-          </p:cNvPr>
+          <p:cNvPr id="2" name="等腰三角形 1"/>
           <p:cNvSpPr/>
           <p:nvPr/>
         </p:nvSpPr>
@@ -11446,7 +10636,7 @@
               <a:defRPr/>
             </a:pPr>
             <a:r>
-              <a:rPr lang="en-US" altLang="zh-CN" sz="3599" b="1" dirty="0">
+              <a:rPr lang="en-US" altLang="zh-CN" sz="3600" b="1" dirty="0">
                 <a:solidFill>
                   <a:schemeClr val="bg2">
                     <a:lumMod val="50000"/>
@@ -11460,7 +10650,7 @@
               <a:t>2.</a:t>
             </a:r>
             <a:r>
-              <a:rPr lang="zh-CN" altLang="en-US" sz="3599" b="1" dirty="0">
+              <a:rPr lang="zh-CN" altLang="en-US" sz="3600" b="1" dirty="0">
                 <a:solidFill>
                   <a:schemeClr val="bg2">
                     <a:lumMod val="50000"/>
@@ -11473,27 +10663,34 @@
               </a:rPr>
               <a:t>界面实现</a:t>
             </a:r>
+            <a:endParaRPr lang="zh-CN" altLang="en-US" sz="3600" b="1" dirty="0">
+              <a:solidFill>
+                <a:schemeClr val="bg2">
+                  <a:lumMod val="50000"/>
+                </a:schemeClr>
+              </a:solidFill>
+              <a:latin typeface="+mn-lt"/>
+              <a:ea typeface="+mn-ea"/>
+              <a:cs typeface="+mn-ea"/>
+              <a:sym typeface="+mn-lt"/>
+            </a:endParaRPr>
           </a:p>
         </p:txBody>
       </p:sp>
       <p:pic>
         <p:nvPicPr>
-          <p:cNvPr id="3" name="图片 2" descr="个人界面">
-            <a:extLst>
-              <a:ext uri="{FF2B5EF4-FFF2-40B4-BE49-F238E27FC236}">
-                <a16:creationId xmlns:a16="http://schemas.microsoft.com/office/drawing/2014/main" id="{0130193B-C55D-DE90-6B87-712AFC568541}"/>
-              </a:ext>
-            </a:extLst>
-          </p:cNvPr>
+          <p:cNvPr id="3" name="图片 2" descr="个人界面"/>
           <p:cNvPicPr>
             <a:picLocks noChangeAspect="1"/>
           </p:cNvPicPr>
           <p:nvPr/>
         </p:nvPicPr>
         <p:blipFill rotWithShape="1">
-          <a:blip r:embed="rId3"/>
+          <a:blip r:embed="rId1"/>
           <a:srcRect r="4916" b="1664"/>
-          <a:stretch/>
+          <a:stretch>
+            <a:fillRect/>
+          </a:stretch>
         </p:blipFill>
         <p:spPr bwMode="auto">
           <a:xfrm>
@@ -11506,29 +10703,18 @@
           <a:ln>
             <a:noFill/>
           </a:ln>
-          <a:extLst>
-            <a:ext uri="{53640926-AAD7-44D8-BBD7-CCE9431645EC}">
-              <a14:shadowObscured xmlns:a14="http://schemas.microsoft.com/office/drawing/2010/main"/>
-            </a:ext>
-          </a:extLst>
         </p:spPr>
       </p:pic>
       <p:pic>
         <p:nvPicPr>
-          <p:cNvPr id="4" name="图片 3" descr="头像修改界面">
-            <a:extLst>
-              <a:ext uri="{FF2B5EF4-FFF2-40B4-BE49-F238E27FC236}">
-                <a16:creationId xmlns:a16="http://schemas.microsoft.com/office/drawing/2014/main" id="{DCD98F2A-C2B6-CD44-1E99-56754E3E34F7}"/>
-              </a:ext>
-            </a:extLst>
-          </p:cNvPr>
+          <p:cNvPr id="4" name="图片 3" descr="头像修改界面"/>
           <p:cNvPicPr>
             <a:picLocks noChangeAspect="1"/>
           </p:cNvPicPr>
           <p:nvPr/>
         </p:nvPicPr>
         <p:blipFill>
-          <a:blip r:embed="rId4"/>
+          <a:blip r:embed="rId2"/>
           <a:stretch>
             <a:fillRect/>
           </a:stretch>
@@ -11545,20 +10731,14 @@
       </p:pic>
       <p:pic>
         <p:nvPicPr>
-          <p:cNvPr id="5" name="图片 4" descr="昵称修改界面">
-            <a:extLst>
-              <a:ext uri="{FF2B5EF4-FFF2-40B4-BE49-F238E27FC236}">
-                <a16:creationId xmlns:a16="http://schemas.microsoft.com/office/drawing/2014/main" id="{E08C713E-D9C0-0AE7-97D0-0C21EE428672}"/>
-              </a:ext>
-            </a:extLst>
-          </p:cNvPr>
+          <p:cNvPr id="5" name="图片 4" descr="昵称修改界面"/>
           <p:cNvPicPr>
             <a:picLocks noChangeAspect="1"/>
           </p:cNvPicPr>
           <p:nvPr/>
         </p:nvPicPr>
         <p:blipFill>
-          <a:blip r:embed="rId5"/>
+          <a:blip r:embed="rId3"/>
           <a:stretch>
             <a:fillRect/>
           </a:stretch>
@@ -11574,22 +10754,17 @@
         </p:spPr>
       </p:pic>
     </p:spTree>
-    <p:extLst>
-      <p:ext uri="{BB962C8B-B14F-4D97-AF65-F5344CB8AC3E}">
-        <p14:creationId xmlns:p14="http://schemas.microsoft.com/office/powerpoint/2010/main" val="160184752"/>
-      </p:ext>
-    </p:extLst>
   </p:cSld>
   <p:clrMapOvr>
     <a:masterClrMapping/>
   </p:clrMapOvr>
-  <mc:AlternateContent xmlns:mc="http://schemas.openxmlformats.org/markup-compatibility/2006" xmlns:p14="http://schemas.microsoft.com/office/powerpoint/2010/main">
-    <mc:Choice Requires="p14">
+  <mc:AlternateContent xmlns:mc="http://schemas.openxmlformats.org/markup-compatibility/2006">
+    <mc:Choice xmlns:p14="http://schemas.microsoft.com/office/powerpoint/2010/main" Requires="p14">
       <p:transition spd="slow" p14:dur="1600">
         <p14:gallery dir="l"/>
       </p:transition>
     </mc:Choice>
-    <mc:Fallback xmlns="">
+    <mc:Fallback>
       <p:transition spd="slow">
         <p:fade/>
       </p:transition>
@@ -11617,13 +10792,7 @@
       </p:grpSpPr>
       <p:sp>
         <p:nvSpPr>
-          <p:cNvPr id="2" name="等腰三角形 1">
-            <a:extLst>
-              <a:ext uri="{FF2B5EF4-FFF2-40B4-BE49-F238E27FC236}">
-                <a16:creationId xmlns:a16="http://schemas.microsoft.com/office/drawing/2014/main" id="{04D61701-643F-4104-2892-F80CDBEBE2DD}"/>
-              </a:ext>
-            </a:extLst>
-          </p:cNvPr>
+          <p:cNvPr id="2" name="等腰三角形 1"/>
           <p:cNvSpPr/>
           <p:nvPr/>
         </p:nvSpPr>
@@ -11724,7 +10893,7 @@
               <a:defRPr/>
             </a:pPr>
             <a:r>
-              <a:rPr lang="en-US" altLang="zh-CN" sz="3599" b="1" dirty="0">
+              <a:rPr lang="en-US" altLang="zh-CN" sz="3600" b="1" dirty="0">
                 <a:solidFill>
                   <a:schemeClr val="bg2">
                     <a:lumMod val="50000"/>
@@ -11738,7 +10907,7 @@
               <a:t>3.</a:t>
             </a:r>
             <a:r>
-              <a:rPr lang="zh-CN" altLang="en-US" sz="3599" b="1" dirty="0">
+              <a:rPr lang="zh-CN" altLang="en-US" sz="3600" b="1" dirty="0">
                 <a:solidFill>
                   <a:schemeClr val="bg2">
                     <a:lumMod val="50000"/>
@@ -11751,26 +10920,89 @@
               </a:rPr>
               <a:t>小组代码规范</a:t>
             </a:r>
-          </a:p>
-        </p:txBody>
-      </p:sp>
+            <a:endParaRPr lang="zh-CN" altLang="en-US" sz="3600" b="1" dirty="0">
+              <a:solidFill>
+                <a:schemeClr val="bg2">
+                  <a:lumMod val="50000"/>
+                </a:schemeClr>
+              </a:solidFill>
+              <a:latin typeface="+mn-lt"/>
+              <a:ea typeface="+mn-ea"/>
+              <a:cs typeface="+mn-ea"/>
+              <a:sym typeface="+mn-lt"/>
+            </a:endParaRPr>
+          </a:p>
+        </p:txBody>
+      </p:sp>
+      <p:sp>
+        <p:nvSpPr>
+          <p:cNvPr id="4" name="文本框 3"/>
+          <p:cNvSpPr txBox="1"/>
+          <p:nvPr/>
+        </p:nvSpPr>
+        <p:spPr>
+          <a:xfrm>
+            <a:off x="2116455" y="1645920"/>
+            <a:ext cx="8317230" cy="645160"/>
+          </a:xfrm>
+          <a:prstGeom prst="rect">
+            <a:avLst/>
+          </a:prstGeom>
+          <a:noFill/>
+        </p:spPr>
+        <p:txBody>
+          <a:bodyPr wrap="square" rtlCol="0">
+            <a:spAutoFit/>
+          </a:bodyPr>
+          <a:p>
+            <a:r>
+              <a:rPr lang="zh-CN" altLang="en-US"/>
+              <a:t>代码规范化基本上有七大原则，体现在空行、空格、成对书写、缩进、对齐、代码行、注释七方面的书写规范上。</a:t>
+            </a:r>
+            <a:endParaRPr lang="zh-CN" altLang="en-US"/>
+          </a:p>
+        </p:txBody>
+      </p:sp>
+      <p:pic>
+        <p:nvPicPr>
+          <p:cNvPr id="5" name="图片 4"/>
+          <p:cNvPicPr>
+            <a:picLocks noChangeAspect="1"/>
+          </p:cNvPicPr>
+          <p:nvPr>
+            <p:custDataLst>
+              <p:tags r:id="rId1"/>
+            </p:custDataLst>
+          </p:nvPr>
+        </p:nvPicPr>
+        <p:blipFill>
+          <a:blip r:embed="rId2"/>
+          <a:stretch>
+            <a:fillRect/>
+          </a:stretch>
+        </p:blipFill>
+        <p:spPr>
+          <a:xfrm>
+            <a:off x="2022475" y="3555365"/>
+            <a:ext cx="5326380" cy="1775460"/>
+          </a:xfrm>
+          <a:prstGeom prst="rect">
+            <a:avLst/>
+          </a:prstGeom>
+        </p:spPr>
+      </p:pic>
     </p:spTree>
-    <p:extLst>
-      <p:ext uri="{BB962C8B-B14F-4D97-AF65-F5344CB8AC3E}">
-        <p14:creationId xmlns:p14="http://schemas.microsoft.com/office/powerpoint/2010/main" val="4036591385"/>
-      </p:ext>
-    </p:extLst>
   </p:cSld>
   <p:clrMapOvr>
     <a:masterClrMapping/>
   </p:clrMapOvr>
-  <mc:AlternateContent xmlns:mc="http://schemas.openxmlformats.org/markup-compatibility/2006" xmlns:p14="http://schemas.microsoft.com/office/powerpoint/2010/main">
-    <mc:Choice Requires="p14">
+  <mc:AlternateContent xmlns:mc="http://schemas.openxmlformats.org/markup-compatibility/2006">
+    <mc:Choice xmlns:p14="http://schemas.microsoft.com/office/powerpoint/2010/main" Requires="p14">
       <p:transition spd="slow" p14:dur="1600">
         <p14:gallery dir="l"/>
       </p:transition>
     </mc:Choice>
-    <mc:Fallback xmlns="">
+    <mc:Fallback>
       <p:transition spd="slow">
         <p:fade/>
       </p:transition>
@@ -11798,13 +11030,7 @@
       </p:grpSpPr>
       <p:sp>
         <p:nvSpPr>
-          <p:cNvPr id="2" name="等腰三角形 1">
-            <a:extLst>
-              <a:ext uri="{FF2B5EF4-FFF2-40B4-BE49-F238E27FC236}">
-                <a16:creationId xmlns:a16="http://schemas.microsoft.com/office/drawing/2014/main" id="{04D61701-643F-4104-2892-F80CDBEBE2DD}"/>
-              </a:ext>
-            </a:extLst>
-          </p:cNvPr>
+          <p:cNvPr id="2" name="等腰三角形 1"/>
           <p:cNvSpPr/>
           <p:nvPr/>
         </p:nvSpPr>
@@ -11905,7 +11131,7 @@
               <a:defRPr/>
             </a:pPr>
             <a:r>
-              <a:rPr lang="en-US" altLang="zh-CN" sz="3599" b="1" dirty="0">
+              <a:rPr lang="en-US" altLang="zh-CN" sz="3600" b="1" dirty="0">
                 <a:solidFill>
                   <a:schemeClr val="bg2">
                     <a:lumMod val="50000"/>
@@ -11919,7 +11145,7 @@
               <a:t>4.</a:t>
             </a:r>
             <a:r>
-              <a:rPr lang="zh-CN" altLang="en-US" sz="3599" b="1" dirty="0">
+              <a:rPr lang="zh-CN" altLang="en-US" sz="3600" b="1" dirty="0">
                 <a:solidFill>
                   <a:schemeClr val="bg2">
                     <a:lumMod val="50000"/>
@@ -11932,7 +11158,7 @@
               </a:rPr>
               <a:t>软件测试计划</a:t>
             </a:r>
-            <a:endParaRPr lang="en-US" altLang="zh-CN" sz="3599" b="1" dirty="0">
+            <a:endParaRPr lang="en-US" altLang="zh-CN" sz="3600" b="1" dirty="0">
               <a:solidFill>
                 <a:schemeClr val="bg2">
                   <a:lumMod val="50000"/>
@@ -11946,23 +11172,129 @@
           </a:p>
         </p:txBody>
       </p:sp>
+      <p:sp>
+        <p:nvSpPr>
+          <p:cNvPr id="3" name="文本框 2"/>
+          <p:cNvSpPr txBox="1"/>
+          <p:nvPr/>
+        </p:nvSpPr>
+        <p:spPr>
+          <a:xfrm>
+            <a:off x="1861820" y="2183130"/>
+            <a:ext cx="7668260" cy="2030095"/>
+          </a:xfrm>
+          <a:prstGeom prst="rect">
+            <a:avLst/>
+          </a:prstGeom>
+          <a:noFill/>
+        </p:spPr>
+        <p:txBody>
+          <a:bodyPr wrap="square" rtlCol="0">
+            <a:spAutoFit/>
+          </a:bodyPr>
+          <a:p>
+            <a:r>
+              <a:rPr lang="zh-CN" altLang="en-US"/>
+              <a:t>单元测试</a:t>
+            </a:r>
+            <a:endParaRPr lang="zh-CN" altLang="en-US"/>
+          </a:p>
+          <a:p>
+            <a:r>
+              <a:rPr lang="zh-CN" altLang="en-US"/>
+              <a:t>自顶向下的单元测试策略</a:t>
+            </a:r>
+            <a:endParaRPr lang="zh-CN" altLang="en-US"/>
+          </a:p>
+          <a:p>
+            <a:r>
+              <a:rPr lang="en-US" altLang="zh-CN"/>
+              <a:t>1.</a:t>
+            </a:r>
+            <a:r>
+              <a:rPr lang="zh-CN" altLang="en-US"/>
+              <a:t>先对登录模块测试是否</a:t>
+            </a:r>
+            <a:r>
+              <a:rPr lang="zh-CN" altLang="en-US"/>
+              <a:t>能正常登录</a:t>
+            </a:r>
+            <a:endParaRPr lang="zh-CN" altLang="en-US"/>
+          </a:p>
+          <a:p>
+            <a:r>
+              <a:rPr lang="en-US" altLang="zh-CN"/>
+              <a:t>2.</a:t>
+            </a:r>
+            <a:r>
+              <a:rPr lang="zh-CN" altLang="en-US"/>
+              <a:t>在登陆成功的情况下然后对测试模块进行</a:t>
+            </a:r>
+            <a:r>
+              <a:rPr lang="zh-CN" altLang="en-US"/>
+              <a:t>测试</a:t>
+            </a:r>
+            <a:endParaRPr lang="zh-CN" altLang="en-US"/>
+          </a:p>
+          <a:p>
+            <a:r>
+              <a:rPr lang="en-US" altLang="zh-CN"/>
+              <a:t>3.</a:t>
+            </a:r>
+            <a:r>
+              <a:rPr lang="zh-CN" altLang="en-US"/>
+              <a:t>在测试完成以后进入排名模块</a:t>
+            </a:r>
+            <a:r>
+              <a:rPr lang="zh-CN" altLang="en-US"/>
+              <a:t>测试</a:t>
+            </a:r>
+            <a:endParaRPr lang="zh-CN" altLang="en-US"/>
+          </a:p>
+          <a:p>
+            <a:r>
+              <a:rPr lang="en-US" altLang="zh-CN"/>
+              <a:t>4.</a:t>
+            </a:r>
+            <a:r>
+              <a:rPr lang="zh-CN" altLang="en-US"/>
+              <a:t>在登录成功以后对我的模块进行</a:t>
+            </a:r>
+            <a:r>
+              <a:rPr lang="zh-CN" altLang="en-US"/>
+              <a:t>测试</a:t>
+            </a:r>
+            <a:endParaRPr lang="zh-CN" altLang="en-US"/>
+          </a:p>
+          <a:p>
+            <a:r>
+              <a:rPr lang="en-US" altLang="zh-CN"/>
+              <a:t>5.</a:t>
+            </a:r>
+            <a:r>
+              <a:rPr lang="zh-CN" altLang="en-US"/>
+              <a:t>到我的模块以后对修改头像和昵称进行</a:t>
+            </a:r>
+            <a:r>
+              <a:rPr lang="zh-CN" altLang="en-US"/>
+              <a:t>测试</a:t>
+            </a:r>
+            <a:endParaRPr lang="zh-CN" altLang="en-US"/>
+          </a:p>
+        </p:txBody>
+      </p:sp>
     </p:spTree>
-    <p:extLst>
-      <p:ext uri="{BB962C8B-B14F-4D97-AF65-F5344CB8AC3E}">
-        <p14:creationId xmlns:p14="http://schemas.microsoft.com/office/powerpoint/2010/main" val="691191849"/>
-      </p:ext>
-    </p:extLst>
   </p:cSld>
   <p:clrMapOvr>
     <a:masterClrMapping/>
   </p:clrMapOvr>
-  <mc:AlternateContent xmlns:mc="http://schemas.openxmlformats.org/markup-compatibility/2006" xmlns:p14="http://schemas.microsoft.com/office/powerpoint/2010/main">
-    <mc:Choice Requires="p14">
+  <mc:AlternateContent xmlns:mc="http://schemas.openxmlformats.org/markup-compatibility/2006">
+    <mc:Choice xmlns:p14="http://schemas.microsoft.com/office/powerpoint/2010/main" Requires="p14">
       <p:transition spd="slow" p14:dur="1600">
         <p14:gallery dir="l"/>
       </p:transition>
     </mc:Choice>
-    <mc:Fallback xmlns="">
+    <mc:Fallback>
       <p:transition spd="slow">
         <p:fade/>
       </p:transition>
@@ -11990,13 +11322,7 @@
       </p:grpSpPr>
       <p:sp>
         <p:nvSpPr>
-          <p:cNvPr id="2" name="等腰三角形 1">
-            <a:extLst>
-              <a:ext uri="{FF2B5EF4-FFF2-40B4-BE49-F238E27FC236}">
-                <a16:creationId xmlns:a16="http://schemas.microsoft.com/office/drawing/2014/main" id="{04D61701-643F-4104-2892-F80CDBEBE2DD}"/>
-              </a:ext>
-            </a:extLst>
-          </p:cNvPr>
+          <p:cNvPr id="2" name="等腰三角形 1"/>
           <p:cNvSpPr/>
           <p:nvPr/>
         </p:nvSpPr>
@@ -12097,7 +11423,7 @@
               <a:defRPr/>
             </a:pPr>
             <a:r>
-              <a:rPr lang="en-US" altLang="zh-CN" sz="3599" b="1" dirty="0">
+              <a:rPr lang="en-US" altLang="zh-CN" sz="3600" b="1" dirty="0">
                 <a:solidFill>
                   <a:schemeClr val="bg2">
                     <a:lumMod val="50000"/>
@@ -12111,7 +11437,7 @@
               <a:t>4.</a:t>
             </a:r>
             <a:r>
-              <a:rPr lang="zh-CN" altLang="en-US" sz="3599" b="1" dirty="0">
+              <a:rPr lang="zh-CN" altLang="en-US" sz="3600" b="1" dirty="0">
                 <a:solidFill>
                   <a:schemeClr val="bg2">
                     <a:lumMod val="50000"/>
@@ -12124,7 +11450,7 @@
               </a:rPr>
               <a:t>软件测试计划</a:t>
             </a:r>
-            <a:endParaRPr lang="en-US" altLang="zh-CN" sz="3599" b="1" dirty="0">
+            <a:endParaRPr lang="en-US" altLang="zh-CN" sz="3600" b="1" dirty="0">
               <a:solidFill>
                 <a:schemeClr val="bg2">
                   <a:lumMod val="50000"/>
@@ -12138,23 +11464,50 @@
           </a:p>
         </p:txBody>
       </p:sp>
+      <p:sp>
+        <p:nvSpPr>
+          <p:cNvPr id="3" name="文本框 2"/>
+          <p:cNvSpPr txBox="1"/>
+          <p:nvPr/>
+        </p:nvSpPr>
+        <p:spPr>
+          <a:xfrm>
+            <a:off x="2136140" y="2142490"/>
+            <a:ext cx="6846570" cy="645160"/>
+          </a:xfrm>
+          <a:prstGeom prst="rect">
+            <a:avLst/>
+          </a:prstGeom>
+          <a:noFill/>
+        </p:spPr>
+        <p:txBody>
+          <a:bodyPr wrap="square" rtlCol="0">
+            <a:spAutoFit/>
+          </a:bodyPr>
+          <a:p>
+            <a:r>
+              <a:rPr lang="zh-CN" altLang="en-US"/>
+              <a:t>集成测试</a:t>
+            </a:r>
+            <a:endParaRPr lang="zh-CN" altLang="en-US"/>
+          </a:p>
+          <a:p>
+            <a:endParaRPr lang="zh-CN" altLang="en-US"/>
+          </a:p>
+        </p:txBody>
+      </p:sp>
     </p:spTree>
-    <p:extLst>
-      <p:ext uri="{BB962C8B-B14F-4D97-AF65-F5344CB8AC3E}">
-        <p14:creationId xmlns:p14="http://schemas.microsoft.com/office/powerpoint/2010/main" val="1528258925"/>
-      </p:ext>
-    </p:extLst>
   </p:cSld>
   <p:clrMapOvr>
     <a:masterClrMapping/>
   </p:clrMapOvr>
-  <mc:AlternateContent xmlns:mc="http://schemas.openxmlformats.org/markup-compatibility/2006" xmlns:p14="http://schemas.microsoft.com/office/powerpoint/2010/main">
-    <mc:Choice Requires="p14">
+  <mc:AlternateContent xmlns:mc="http://schemas.openxmlformats.org/markup-compatibility/2006">
+    <mc:Choice xmlns:p14="http://schemas.microsoft.com/office/powerpoint/2010/main" Requires="p14">
       <p:transition spd="slow" p14:dur="1600">
         <p14:gallery dir="l"/>
       </p:transition>
     </mc:Choice>
-    <mc:Fallback xmlns="">
+    <mc:Fallback>
       <p:transition spd="slow">
         <p:fade/>
       </p:transition>
@@ -12182,13 +11535,7 @@
       </p:grpSpPr>
       <p:sp>
         <p:nvSpPr>
-          <p:cNvPr id="2" name="等腰三角形 1">
-            <a:extLst>
-              <a:ext uri="{FF2B5EF4-FFF2-40B4-BE49-F238E27FC236}">
-                <a16:creationId xmlns:a16="http://schemas.microsoft.com/office/drawing/2014/main" id="{04D61701-643F-4104-2892-F80CDBEBE2DD}"/>
-              </a:ext>
-            </a:extLst>
-          </p:cNvPr>
+          <p:cNvPr id="2" name="等腰三角形 1"/>
           <p:cNvSpPr/>
           <p:nvPr/>
         </p:nvSpPr>
@@ -12289,7 +11636,7 @@
               <a:defRPr/>
             </a:pPr>
             <a:r>
-              <a:rPr lang="en-US" altLang="zh-CN" sz="3599" b="1" dirty="0">
+              <a:rPr lang="en-US" altLang="zh-CN" sz="3600" b="1" dirty="0">
                 <a:solidFill>
                   <a:schemeClr val="bg2">
                     <a:lumMod val="50000"/>
@@ -12303,7 +11650,7 @@
               <a:t>4.</a:t>
             </a:r>
             <a:r>
-              <a:rPr lang="zh-CN" altLang="en-US" sz="3599" b="1" dirty="0">
+              <a:rPr lang="zh-CN" altLang="en-US" sz="3600" b="1" dirty="0">
                 <a:solidFill>
                   <a:schemeClr val="bg2">
                     <a:lumMod val="50000"/>
@@ -12316,7 +11663,7 @@
               </a:rPr>
               <a:t>软件测试计划</a:t>
             </a:r>
-            <a:endParaRPr lang="en-US" altLang="zh-CN" sz="3599" b="1" dirty="0">
+            <a:endParaRPr lang="en-US" altLang="zh-CN" sz="3600" b="1" dirty="0">
               <a:solidFill>
                 <a:schemeClr val="bg2">
                   <a:lumMod val="50000"/>
@@ -12331,28 +11678,49 @@
         </p:txBody>
       </p:sp>
     </p:spTree>
-    <p:extLst>
-      <p:ext uri="{BB962C8B-B14F-4D97-AF65-F5344CB8AC3E}">
-        <p14:creationId xmlns:p14="http://schemas.microsoft.com/office/powerpoint/2010/main" val="838177554"/>
-      </p:ext>
-    </p:extLst>
   </p:cSld>
   <p:clrMapOvr>
     <a:masterClrMapping/>
   </p:clrMapOvr>
-  <mc:AlternateContent xmlns:mc="http://schemas.openxmlformats.org/markup-compatibility/2006" xmlns:p14="http://schemas.microsoft.com/office/powerpoint/2010/main">
-    <mc:Choice Requires="p14">
+  <mc:AlternateContent xmlns:mc="http://schemas.openxmlformats.org/markup-compatibility/2006">
+    <mc:Choice xmlns:p14="http://schemas.microsoft.com/office/powerpoint/2010/main" Requires="p14">
       <p:transition spd="slow" p14:dur="1600">
         <p14:gallery dir="l"/>
       </p:transition>
     </mc:Choice>
-    <mc:Fallback xmlns="">
+    <mc:Fallback>
       <p:transition spd="slow">
         <p:fade/>
       </p:transition>
     </mc:Fallback>
   </mc:AlternateContent>
 </p:sld>
+</file>
+
+<file path=ppt/tags/tag1.xml><?xml version="1.0" encoding="utf-8"?>
+<p:tagLst xmlns:p="http://schemas.openxmlformats.org/presentationml/2006/main">
+  <p:tag name="KSO_WM_BEAUTIFY_FLAG" val=""/>
+  <p:tag name="KSO_WM_UNIT_PLACING_PICTURE_USER_VIEWPORT" val="{&quot;height&quot;:2796,&quot;width&quot;:8388}"/>
+</p:tagLst>
+</file>
+
+<file path=ppt/tags/tag2.xml><?xml version="1.0" encoding="utf-8"?>
+<p:tagLst xmlns:p="http://schemas.openxmlformats.org/presentationml/2006/main">
+  <p:tag name="KSO_WM_BEAUTIFY_FLAG" val=""/>
+</p:tagLst>
+</file>
+
+<file path=ppt/tags/tag3.xml><?xml version="1.0" encoding="utf-8"?>
+<p:tagLst xmlns:p="http://schemas.openxmlformats.org/presentationml/2006/main">
+  <p:tag name="KSO_WM_BEAUTIFY_FLAG" val=""/>
+</p:tagLst>
+</file>
+
+<file path=ppt/tags/tag4.xml><?xml version="1.0" encoding="utf-8"?>
+<p:tagLst xmlns:p="http://schemas.openxmlformats.org/presentationml/2006/main">
+  <p:tag name="KSO_WPP_MARK_KEY" val="eb9ece9b-bfac-42ff-8c95-042b94f89c37"/>
+  <p:tag name="COMMONDATA" val="eyJoZGlkIjoiN2IzNDgwZGEyMmQzMzUwYjA4NjA4NGVjNmY5ZWQwMGEifQ=="/>
+</p:tagLst>
 </file>
 
 <file path=ppt/theme/theme1.xml><?xml version="1.0" encoding="utf-8"?>
@@ -12398,7 +11766,7 @@
     </a:clrScheme>
     <a:fontScheme name="Office">
       <a:majorFont>
-        <a:latin typeface="等线 Light" panose="020F0302020204030204"/>
+        <a:latin typeface="等线 Light"/>
         <a:ea typeface=""/>
         <a:cs typeface=""/>
         <a:font script="Jpan" typeface="游ゴシック Light"/>
@@ -12431,26 +11799,9 @@
         <a:font script="Viet" typeface="Times New Roman"/>
         <a:font script="Uigh" typeface="Microsoft Uighur"/>
         <a:font script="Geor" typeface="Sylfaen"/>
-        <a:font script="Armn" typeface="Arial"/>
-        <a:font script="Bugi" typeface="Leelawadee UI"/>
-        <a:font script="Bopo" typeface="Microsoft JhengHei"/>
-        <a:font script="Java" typeface="Javanese Text"/>
-        <a:font script="Lisu" typeface="Segoe UI"/>
-        <a:font script="Mymr" typeface="Myanmar Text"/>
-        <a:font script="Nkoo" typeface="Ebrima"/>
-        <a:font script="Olck" typeface="Nirmala UI"/>
-        <a:font script="Osma" typeface="Ebrima"/>
-        <a:font script="Phag" typeface="Phagspa"/>
-        <a:font script="Syrn" typeface="Estrangelo Edessa"/>
-        <a:font script="Syrj" typeface="Estrangelo Edessa"/>
-        <a:font script="Syre" typeface="Estrangelo Edessa"/>
-        <a:font script="Sora" typeface="Nirmala UI"/>
-        <a:font script="Tale" typeface="Microsoft Tai Le"/>
-        <a:font script="Talu" typeface="Microsoft New Tai Lue"/>
-        <a:font script="Tfng" typeface="Ebrima"/>
       </a:majorFont>
       <a:minorFont>
-        <a:latin typeface="等线" panose="020F0502020204030204"/>
+        <a:latin typeface="等线"/>
         <a:ea typeface=""/>
         <a:cs typeface=""/>
         <a:font script="Jpan" typeface="游ゴシック"/>
@@ -12483,23 +11834,6 @@
         <a:font script="Viet" typeface="Arial"/>
         <a:font script="Uigh" typeface="Microsoft Uighur"/>
         <a:font script="Geor" typeface="Sylfaen"/>
-        <a:font script="Armn" typeface="Arial"/>
-        <a:font script="Bugi" typeface="Leelawadee UI"/>
-        <a:font script="Bopo" typeface="Microsoft JhengHei"/>
-        <a:font script="Java" typeface="Javanese Text"/>
-        <a:font script="Lisu" typeface="Segoe UI"/>
-        <a:font script="Mymr" typeface="Myanmar Text"/>
-        <a:font script="Nkoo" typeface="Ebrima"/>
-        <a:font script="Olck" typeface="Nirmala UI"/>
-        <a:font script="Osma" typeface="Ebrima"/>
-        <a:font script="Phag" typeface="Phagspa"/>
-        <a:font script="Syrn" typeface="Estrangelo Edessa"/>
-        <a:font script="Syrj" typeface="Estrangelo Edessa"/>
-        <a:font script="Syre" typeface="Estrangelo Edessa"/>
-        <a:font script="Sora" typeface="Nirmala UI"/>
-        <a:font script="Tale" typeface="Microsoft Tai Le"/>
-        <a:font script="Talu" typeface="Microsoft New Tai Lue"/>
-        <a:font script="Tfng" typeface="Ebrima"/>
       </a:minorFont>
     </a:fontScheme>
     <a:fmtScheme name="Office">
@@ -12640,8 +11974,6 @@
       </a:bgFillStyleLst>
     </a:fmtScheme>
   </a:themeElements>
-  <a:objectDefaults/>
-  <a:extraClrSchemeLst/>
   <a:extLst>
     <a:ext uri="{05A4C25C-085E-4340-85A3-A5531E510DB2}">
       <thm15:themeFamily xmlns:thm15="http://schemas.microsoft.com/office/thememl/2012/main" name="Office Theme" id="{62F939B6-93AF-4DB8-9C6B-D6C7DFDC589F}" vid="{4A3C46E8-61CC-4603-A589-7422A47A8E4A}"/>
@@ -12693,7 +12025,7 @@
     </a:clrScheme>
     <a:fontScheme name="Office">
       <a:majorFont>
-        <a:latin typeface="等线 Light" panose="020F0302020204030204"/>
+        <a:latin typeface="等线 Light"/>
         <a:ea typeface=""/>
         <a:cs typeface=""/>
         <a:font script="Jpan" typeface="游ゴシック Light"/>
@@ -12726,26 +12058,9 @@
         <a:font script="Viet" typeface="Times New Roman"/>
         <a:font script="Uigh" typeface="Microsoft Uighur"/>
         <a:font script="Geor" typeface="Sylfaen"/>
-        <a:font script="Armn" typeface="Arial"/>
-        <a:font script="Bugi" typeface="Leelawadee UI"/>
-        <a:font script="Bopo" typeface="Microsoft JhengHei"/>
-        <a:font script="Java" typeface="Javanese Text"/>
-        <a:font script="Lisu" typeface="Segoe UI"/>
-        <a:font script="Mymr" typeface="Myanmar Text"/>
-        <a:font script="Nkoo" typeface="Ebrima"/>
-        <a:font script="Olck" typeface="Nirmala UI"/>
-        <a:font script="Osma" typeface="Ebrima"/>
-        <a:font script="Phag" typeface="Phagspa"/>
-        <a:font script="Syrn" typeface="Estrangelo Edessa"/>
-        <a:font script="Syrj" typeface="Estrangelo Edessa"/>
-        <a:font script="Syre" typeface="Estrangelo Edessa"/>
-        <a:font script="Sora" typeface="Nirmala UI"/>
-        <a:font script="Tale" typeface="Microsoft Tai Le"/>
-        <a:font script="Talu" typeface="Microsoft New Tai Lue"/>
-        <a:font script="Tfng" typeface="Ebrima"/>
       </a:majorFont>
       <a:minorFont>
-        <a:latin typeface="等线" panose="020F0502020204030204"/>
+        <a:latin typeface="等线"/>
         <a:ea typeface=""/>
         <a:cs typeface=""/>
         <a:font script="Jpan" typeface="游ゴシック"/>
@@ -12778,23 +12093,6 @@
         <a:font script="Viet" typeface="Arial"/>
         <a:font script="Uigh" typeface="Microsoft Uighur"/>
         <a:font script="Geor" typeface="Sylfaen"/>
-        <a:font script="Armn" typeface="Arial"/>
-        <a:font script="Bugi" typeface="Leelawadee UI"/>
-        <a:font script="Bopo" typeface="Microsoft JhengHei"/>
-        <a:font script="Java" typeface="Javanese Text"/>
-        <a:font script="Lisu" typeface="Segoe UI"/>
-        <a:font script="Mymr" typeface="Myanmar Text"/>
-        <a:font script="Nkoo" typeface="Ebrima"/>
-        <a:font script="Olck" typeface="Nirmala UI"/>
-        <a:font script="Osma" typeface="Ebrima"/>
-        <a:font script="Phag" typeface="Phagspa"/>
-        <a:font script="Syrn" typeface="Estrangelo Edessa"/>
-        <a:font script="Syrj" typeface="Estrangelo Edessa"/>
-        <a:font script="Syre" typeface="Estrangelo Edessa"/>
-        <a:font script="Sora" typeface="Nirmala UI"/>
-        <a:font script="Tale" typeface="Microsoft Tai Le"/>
-        <a:font script="Talu" typeface="Microsoft New Tai Lue"/>
-        <a:font script="Tfng" typeface="Ebrima"/>
       </a:minorFont>
     </a:fontScheme>
     <a:fmtScheme name="Office">
@@ -12935,8 +12233,6 @@
       </a:bgFillStyleLst>
     </a:fmtScheme>
   </a:themeElements>
-  <a:objectDefaults/>
-  <a:extraClrSchemeLst/>
   <a:extLst>
     <a:ext uri="{05A4C25C-085E-4340-85A3-A5531E510DB2}">
       <thm15:themeFamily xmlns:thm15="http://schemas.microsoft.com/office/thememl/2012/main" name="Office Theme" id="{62F939B6-93AF-4DB8-9C6B-D6C7DFDC589F}" vid="{4A3C46E8-61CC-4603-A589-7422A47A8E4A}"/>

--- a/代码测试/代码实现PPTv0.0.1.pptx
+++ b/代码测试/代码实现PPTv0.0.1.pptx
@@ -19,17 +19,19 @@
     <p:sldId id="622" r:id="rId12"/>
     <p:sldId id="623" r:id="rId13"/>
     <p:sldId id="624" r:id="rId14"/>
-    <p:sldId id="625" r:id="rId15"/>
-    <p:sldId id="626" r:id="rId16"/>
-    <p:sldId id="615" r:id="rId17"/>
-    <p:sldId id="627" r:id="rId18"/>
-    <p:sldId id="619" r:id="rId19"/>
-    <p:sldId id="616" r:id="rId20"/>
+    <p:sldId id="631" r:id="rId15"/>
+    <p:sldId id="625" r:id="rId16"/>
+    <p:sldId id="632" r:id="rId17"/>
+    <p:sldId id="626" r:id="rId18"/>
+    <p:sldId id="615" r:id="rId19"/>
+    <p:sldId id="627" r:id="rId20"/>
+    <p:sldId id="619" r:id="rId21"/>
+    <p:sldId id="616" r:id="rId22"/>
   </p:sldIdLst>
   <p:sldSz cx="12192000" cy="6858000"/>
   <p:notesSz cx="6858000" cy="9144000"/>
   <p:custDataLst>
-    <p:tags r:id="rId24"/>
+    <p:tags r:id="rId26"/>
   </p:custDataLst>
   <p:defaultTextStyle>
     <a:defPPr>
@@ -867,6 +869,162 @@
 </file>
 
 <file path=ppt/notesSlides/notesSlide14.xml><?xml version="1.0" encoding="utf-8"?>
+<p:notes xmlns:a="http://schemas.openxmlformats.org/drawingml/2006/main" xmlns:r="http://schemas.openxmlformats.org/officeDocument/2006/relationships" xmlns:p="http://schemas.openxmlformats.org/presentationml/2006/main">
+  <p:cSld>
+    <p:spTree>
+      <p:nvGrpSpPr>
+        <p:cNvPr id="1" name=""/>
+        <p:cNvGrpSpPr/>
+        <p:nvPr/>
+      </p:nvGrpSpPr>
+      <p:grpSpPr>
+        <a:xfrm>
+          <a:off x="0" y="0"/>
+          <a:ext cx="0" cy="0"/>
+          <a:chOff x="0" y="0"/>
+          <a:chExt cx="0" cy="0"/>
+        </a:xfrm>
+      </p:grpSpPr>
+      <p:sp>
+        <p:nvSpPr>
+          <p:cNvPr id="2" name="Slide Image Placeholder 1"/>
+          <p:cNvSpPr>
+            <a:spLocks noGrp="1" noRot="1" noChangeAspect="1"/>
+          </p:cNvSpPr>
+          <p:nvPr>
+            <p:ph type="sldImg"/>
+          </p:nvPr>
+        </p:nvSpPr>
+        <p:spPr/>
+      </p:sp>
+      <p:sp>
+        <p:nvSpPr>
+          <p:cNvPr id="3" name="Notes Placeholder 2"/>
+          <p:cNvSpPr>
+            <a:spLocks noGrp="1"/>
+          </p:cNvSpPr>
+          <p:nvPr>
+            <p:ph type="body" idx="1"/>
+          </p:nvPr>
+        </p:nvSpPr>
+        <p:spPr/>
+        <p:txBody>
+          <a:bodyPr/>
+          <a:lstStyle/>
+          <a:p>
+            <a:endParaRPr lang="en-US" dirty="0"/>
+          </a:p>
+        </p:txBody>
+      </p:sp>
+      <p:sp>
+        <p:nvSpPr>
+          <p:cNvPr id="4" name="Slide Number Placeholder 3"/>
+          <p:cNvSpPr>
+            <a:spLocks noGrp="1"/>
+          </p:cNvSpPr>
+          <p:nvPr>
+            <p:ph type="sldNum" sz="quarter" idx="10"/>
+          </p:nvPr>
+        </p:nvSpPr>
+        <p:spPr/>
+        <p:txBody>
+          <a:bodyPr/>
+          <a:lstStyle/>
+          <a:p>
+            <a:fld id="{45C73934-D492-4443-9427-018DE5D6DDA5}" type="slidenum">
+              <a:rPr lang="en-US" smtClean="0"/>
+            </a:fld>
+            <a:endParaRPr lang="en-US" dirty="0"/>
+          </a:p>
+        </p:txBody>
+      </p:sp>
+    </p:spTree>
+  </p:cSld>
+  <p:clrMapOvr>
+    <a:masterClrMapping/>
+  </p:clrMapOvr>
+</p:notes>
+</file>
+
+<file path=ppt/notesSlides/notesSlide15.xml><?xml version="1.0" encoding="utf-8"?>
+<p:notes xmlns:a="http://schemas.openxmlformats.org/drawingml/2006/main" xmlns:r="http://schemas.openxmlformats.org/officeDocument/2006/relationships" xmlns:p="http://schemas.openxmlformats.org/presentationml/2006/main">
+  <p:cSld>
+    <p:spTree>
+      <p:nvGrpSpPr>
+        <p:cNvPr id="1" name=""/>
+        <p:cNvGrpSpPr/>
+        <p:nvPr/>
+      </p:nvGrpSpPr>
+      <p:grpSpPr>
+        <a:xfrm>
+          <a:off x="0" y="0"/>
+          <a:ext cx="0" cy="0"/>
+          <a:chOff x="0" y="0"/>
+          <a:chExt cx="0" cy="0"/>
+        </a:xfrm>
+      </p:grpSpPr>
+      <p:sp>
+        <p:nvSpPr>
+          <p:cNvPr id="2" name="Slide Image Placeholder 1"/>
+          <p:cNvSpPr>
+            <a:spLocks noGrp="1" noRot="1" noChangeAspect="1"/>
+          </p:cNvSpPr>
+          <p:nvPr>
+            <p:ph type="sldImg"/>
+          </p:nvPr>
+        </p:nvSpPr>
+        <p:spPr/>
+      </p:sp>
+      <p:sp>
+        <p:nvSpPr>
+          <p:cNvPr id="3" name="Notes Placeholder 2"/>
+          <p:cNvSpPr>
+            <a:spLocks noGrp="1"/>
+          </p:cNvSpPr>
+          <p:nvPr>
+            <p:ph type="body" idx="1"/>
+          </p:nvPr>
+        </p:nvSpPr>
+        <p:spPr/>
+        <p:txBody>
+          <a:bodyPr/>
+          <a:lstStyle/>
+          <a:p>
+            <a:endParaRPr lang="en-US" dirty="0"/>
+          </a:p>
+        </p:txBody>
+      </p:sp>
+      <p:sp>
+        <p:nvSpPr>
+          <p:cNvPr id="4" name="Slide Number Placeholder 3"/>
+          <p:cNvSpPr>
+            <a:spLocks noGrp="1"/>
+          </p:cNvSpPr>
+          <p:nvPr>
+            <p:ph type="sldNum" sz="quarter" idx="10"/>
+          </p:nvPr>
+        </p:nvSpPr>
+        <p:spPr/>
+        <p:txBody>
+          <a:bodyPr/>
+          <a:lstStyle/>
+          <a:p>
+            <a:fld id="{45C73934-D492-4443-9427-018DE5D6DDA5}" type="slidenum">
+              <a:rPr lang="en-US" smtClean="0"/>
+            </a:fld>
+            <a:endParaRPr lang="en-US" dirty="0"/>
+          </a:p>
+        </p:txBody>
+      </p:sp>
+    </p:spTree>
+  </p:cSld>
+  <p:clrMapOvr>
+    <a:masterClrMapping/>
+  </p:clrMapOvr>
+</p:notes>
+</file>
+
+<file path=ppt/notesSlides/notesSlide16.xml><?xml version="1.0" encoding="utf-8"?>
 <p:notes xmlns:a="http://schemas.openxmlformats.org/drawingml/2006/main" xmlns:r="http://schemas.openxmlformats.org/officeDocument/2006/relationships" xmlns:p="http://schemas.openxmlformats.org/presentationml/2006/main">
   <p:cSld>
     <p:spTree>
@@ -6294,26 +6452,22 @@
       </p:sp>
       <p:pic>
         <p:nvPicPr>
-          <p:cNvPr id="3" name="图片 2"/>
+          <p:cNvPr id="4" name="图片 3"/>
           <p:cNvPicPr>
             <a:picLocks noChangeAspect="1"/>
           </p:cNvPicPr>
-          <p:nvPr>
-            <p:custDataLst>
-              <p:tags r:id="rId1"/>
-            </p:custDataLst>
-          </p:nvPr>
+          <p:nvPr/>
         </p:nvPicPr>
         <p:blipFill>
-          <a:blip r:embed="rId2"/>
+          <a:blip r:embed="rId1"/>
           <a:stretch>
             <a:fillRect/>
           </a:stretch>
         </p:blipFill>
         <p:spPr>
           <a:xfrm>
-            <a:off x="4101465" y="1483995"/>
-            <a:ext cx="6850380" cy="2689860"/>
+            <a:off x="2463800" y="2213610"/>
+            <a:ext cx="7264400" cy="3554730"/>
           </a:xfrm>
           <a:prstGeom prst="rect">
             <a:avLst/>
@@ -6471,7 +6625,7 @@
                 <a:cs typeface="+mn-ea"/>
                 <a:sym typeface="+mn-lt"/>
               </a:rPr>
-              <a:t>7.</a:t>
+              <a:t>6.</a:t>
             </a:r>
             <a:r>
               <a:rPr lang="zh-CN" altLang="en-US" sz="3600" b="1" dirty="0">
@@ -6485,7 +6639,7 @@
                 <a:cs typeface="+mn-ea"/>
                 <a:sym typeface="+mn-lt"/>
               </a:rPr>
-              <a:t>用户反馈</a:t>
+              <a:t>用户手册</a:t>
             </a:r>
             <a:endParaRPr lang="en-US" altLang="zh-CN" sz="3600" b="1" dirty="0">
               <a:solidFill>
@@ -6501,16 +6655,41 @@
           </a:p>
         </p:txBody>
       </p:sp>
-      <p:sp>
-        <p:nvSpPr>
-          <p:cNvPr id="3" name="文本框 2"/>
+      <p:pic>
+        <p:nvPicPr>
+          <p:cNvPr id="3" name="图片 2"/>
+          <p:cNvPicPr>
+            <a:picLocks noChangeAspect="1"/>
+          </p:cNvPicPr>
+          <p:nvPr/>
+        </p:nvPicPr>
+        <p:blipFill>
+          <a:blip r:embed="rId1"/>
+          <a:srcRect t="723"/>
+          <a:stretch>
+            <a:fillRect/>
+          </a:stretch>
+        </p:blipFill>
+        <p:spPr>
+          <a:xfrm>
+            <a:off x="4077970" y="1236345"/>
+            <a:ext cx="6248400" cy="5582920"/>
+          </a:xfrm>
+          <a:prstGeom prst="rect">
+            <a:avLst/>
+          </a:prstGeom>
+        </p:spPr>
+      </p:pic>
+      <p:sp>
+        <p:nvSpPr>
+          <p:cNvPr id="5" name="文本框 4"/>
           <p:cNvSpPr txBox="1"/>
           <p:nvPr/>
         </p:nvSpPr>
         <p:spPr>
           <a:xfrm>
-            <a:off x="2035175" y="1803400"/>
-            <a:ext cx="6400165" cy="1753235"/>
+            <a:off x="502285" y="3428365"/>
+            <a:ext cx="2049145" cy="1198880"/>
           </a:xfrm>
           <a:prstGeom prst="rect">
             <a:avLst/>
@@ -6518,72 +6697,105 @@
           <a:noFill/>
         </p:spPr>
         <p:txBody>
-          <a:bodyPr wrap="square" rtlCol="0">
+          <a:bodyPr wrap="square" rtlCol="0" anchor="t">
             <a:spAutoFit/>
           </a:bodyPr>
           <a:p>
-            <a:pPr algn="ctr"/>
-            <a:r>
-              <a:rPr lang="en-US" altLang="zh-CN"/>
-              <a:t>1.</a:t>
-            </a:r>
-            <a:r>
-              <a:rPr lang="zh-CN" altLang="en-US"/>
-              <a:t>使用本软件的过程顺畅</a:t>
-            </a:r>
-            <a:endParaRPr lang="zh-CN" altLang="en-US"/>
-          </a:p>
-          <a:p>
-            <a:pPr algn="ctr"/>
-            <a:r>
-              <a:rPr lang="en-US" altLang="zh-CN"/>
-              <a:t>2.本软件的界面友好</a:t>
-            </a:r>
-            <a:endParaRPr lang="en-US" altLang="zh-CN"/>
-          </a:p>
-          <a:p>
-            <a:pPr algn="ctr"/>
-            <a:r>
-              <a:rPr lang="en-US" altLang="zh-CN"/>
-              <a:t>3.本软件的功能丰富</a:t>
-            </a:r>
-            <a:endParaRPr lang="en-US" altLang="zh-CN"/>
-          </a:p>
-          <a:p>
-            <a:pPr algn="ctr"/>
-            <a:r>
-              <a:rPr lang="en-US" altLang="zh-CN"/>
-              <a:t>4.满意本软件的效果</a:t>
-            </a:r>
-            <a:endParaRPr lang="en-US" altLang="zh-CN"/>
-          </a:p>
-          <a:p>
-            <a:pPr algn="ctr"/>
-            <a:r>
-              <a:rPr lang="en-US" altLang="zh-CN"/>
-              <a:t>5.会推荐本软件给其他人</a:t>
-            </a:r>
-            <a:endParaRPr lang="en-US" altLang="zh-CN"/>
-          </a:p>
-          <a:p>
-            <a:pPr algn="ctr"/>
-            <a:r>
-              <a:rPr lang="zh-CN" altLang="en-US"/>
-              <a:t>（测试群体大多数低于</a:t>
-            </a:r>
-            <a:r>
-              <a:rPr lang="en-US" altLang="zh-CN"/>
-              <a:t>30</a:t>
-            </a:r>
-            <a:r>
-              <a:rPr lang="zh-CN" altLang="en-US"/>
-              <a:t>岁，且大部分为</a:t>
-            </a:r>
-            <a:r>
-              <a:rPr lang="zh-CN" altLang="en-US"/>
-              <a:t>男性）</a:t>
-            </a:r>
-            <a:endParaRPr lang="zh-CN" altLang="en-US"/>
+            <a:pPr>
+              <a:lnSpc>
+                <a:spcPct val="100000"/>
+              </a:lnSpc>
+              <a:defRPr/>
+            </a:pPr>
+            <a:r>
+              <a:rPr lang="zh-CN" altLang="en-US" sz="3600" b="1" dirty="0">
+                <a:solidFill>
+                  <a:srgbClr val="44546A"/>
+                </a:solidFill>
+                <a:cs typeface="+mn-ea"/>
+                <a:sym typeface="+mn-lt"/>
+              </a:rPr>
+              <a:t>代码规范</a:t>
+            </a:r>
+            <a:endParaRPr lang="zh-CN" altLang="en-US" sz="3600" b="1" dirty="0">
+              <a:solidFill>
+                <a:srgbClr val="44546A"/>
+              </a:solidFill>
+              <a:cs typeface="+mn-ea"/>
+              <a:sym typeface="+mn-lt"/>
+            </a:endParaRPr>
+          </a:p>
+          <a:p>
+            <a:pPr indent="457200">
+              <a:lnSpc>
+                <a:spcPct val="100000"/>
+              </a:lnSpc>
+              <a:defRPr/>
+            </a:pPr>
+            <a:r>
+              <a:rPr lang="zh-CN" altLang="en-US" sz="3600" b="1" dirty="0">
+                <a:solidFill>
+                  <a:srgbClr val="44546A"/>
+                </a:solidFill>
+                <a:cs typeface="+mn-ea"/>
+                <a:sym typeface="+mn-lt"/>
+              </a:rPr>
+              <a:t>目录：</a:t>
+            </a:r>
+            <a:endParaRPr lang="zh-CN" altLang="en-US" sz="3600" b="1" dirty="0">
+              <a:solidFill>
+                <a:srgbClr val="44546A"/>
+              </a:solidFill>
+              <a:cs typeface="+mn-ea"/>
+              <a:sym typeface="+mn-lt"/>
+            </a:endParaRPr>
+          </a:p>
+        </p:txBody>
+      </p:sp>
+      <p:sp>
+        <p:nvSpPr>
+          <p:cNvPr id="7" name="文本框 6"/>
+          <p:cNvSpPr txBox="1"/>
+          <p:nvPr/>
+        </p:nvSpPr>
+        <p:spPr>
+          <a:xfrm>
+            <a:off x="502285" y="6347460"/>
+            <a:ext cx="2049145" cy="368300"/>
+          </a:xfrm>
+          <a:prstGeom prst="rect">
+            <a:avLst/>
+          </a:prstGeom>
+          <a:noFill/>
+        </p:spPr>
+        <p:txBody>
+          <a:bodyPr wrap="square" rtlCol="0" anchor="t">
+            <a:spAutoFit/>
+          </a:bodyPr>
+          <a:p>
+            <a:pPr algn="ctr">
+              <a:lnSpc>
+                <a:spcPct val="100000"/>
+              </a:lnSpc>
+              <a:defRPr/>
+            </a:pPr>
+            <a:r>
+              <a:rPr lang="zh-CN" altLang="en-US" b="1" dirty="0">
+                <a:solidFill>
+                  <a:srgbClr val="44546A"/>
+                </a:solidFill>
+                <a:cs typeface="+mn-ea"/>
+                <a:sym typeface="+mn-lt"/>
+              </a:rPr>
+              <a:t>具体内容见文档</a:t>
+            </a:r>
+            <a:endParaRPr lang="zh-CN" altLang="en-US" b="1" dirty="0">
+              <a:solidFill>
+                <a:srgbClr val="44546A"/>
+              </a:solidFill>
+              <a:cs typeface="+mn-ea"/>
+              <a:sym typeface="+mn-lt"/>
+            </a:endParaRPr>
           </a:p>
         </p:txBody>
       </p:sp>
@@ -6738,7 +6950,7 @@
                 <a:cs typeface="+mn-ea"/>
                 <a:sym typeface="+mn-lt"/>
               </a:rPr>
-              <a:t>8.</a:t>
+              <a:t>7.</a:t>
             </a:r>
             <a:r>
               <a:rPr lang="zh-CN" altLang="en-US" sz="3600" b="1" dirty="0">
@@ -6752,7 +6964,7 @@
                 <a:cs typeface="+mn-ea"/>
                 <a:sym typeface="+mn-lt"/>
               </a:rPr>
-              <a:t>会议纪要</a:t>
+              <a:t>用户反馈</a:t>
             </a:r>
             <a:endParaRPr lang="en-US" altLang="zh-CN" sz="3600" b="1" dirty="0">
               <a:solidFill>
@@ -6770,47 +6982,22 @@
       </p:sp>
       <p:pic>
         <p:nvPicPr>
-          <p:cNvPr id="6" name="图片 5"/>
+          <p:cNvPr id="4" name="图片 3"/>
           <p:cNvPicPr>
             <a:picLocks noChangeAspect="1"/>
           </p:cNvPicPr>
           <p:nvPr/>
         </p:nvPicPr>
-        <p:blipFill rotWithShape="1">
+        <p:blipFill>
           <a:blip r:embed="rId1"/>
-          <a:srcRect t="1990" b="1803"/>
           <a:stretch>
             <a:fillRect/>
           </a:stretch>
         </p:blipFill>
         <p:spPr>
           <a:xfrm>
-            <a:off x="849694" y="1904658"/>
-            <a:ext cx="4858428" cy="2373745"/>
-          </a:xfrm>
-          <a:prstGeom prst="rect">
-            <a:avLst/>
-          </a:prstGeom>
-        </p:spPr>
-      </p:pic>
-      <p:pic>
-        <p:nvPicPr>
-          <p:cNvPr id="8" name="图片 7"/>
-          <p:cNvPicPr>
-            <a:picLocks noChangeAspect="1"/>
-          </p:cNvPicPr>
-          <p:nvPr/>
-        </p:nvPicPr>
-        <p:blipFill>
-          <a:blip r:embed="rId2"/>
-          <a:stretch>
-            <a:fillRect/>
-          </a:stretch>
-        </p:blipFill>
-        <p:spPr>
-          <a:xfrm>
-            <a:off x="6464825" y="990974"/>
-            <a:ext cx="4877481" cy="4201111"/>
+            <a:off x="3379470" y="1563370"/>
+            <a:ext cx="5433060" cy="4785360"/>
           </a:xfrm>
           <a:prstGeom prst="rect">
             <a:avLst/>
@@ -6912,8 +7099,8 @@
         </p:nvSpPr>
         <p:spPr>
           <a:xfrm>
-            <a:off x="-101599" y="158193"/>
-            <a:ext cx="6859452" cy="646203"/>
+            <a:off x="-621524" y="381001"/>
+            <a:ext cx="4892736" cy="646203"/>
           </a:xfrm>
           <a:prstGeom prst="rect">
             <a:avLst/>
@@ -6968,7 +7155,7 @@
                 <a:cs typeface="+mn-ea"/>
                 <a:sym typeface="+mn-lt"/>
               </a:rPr>
-              <a:t>9.</a:t>
+              <a:t>7.</a:t>
             </a:r>
             <a:r>
               <a:rPr lang="zh-CN" altLang="en-US" sz="3600" b="1" dirty="0">
@@ -6982,65 +7169,9 @@
                 <a:cs typeface="+mn-ea"/>
                 <a:sym typeface="+mn-lt"/>
               </a:rPr>
-              <a:t>总结</a:t>
-            </a:r>
-            <a:r>
-              <a:rPr lang="en-US" altLang="zh-CN" sz="3600" b="1" dirty="0">
-                <a:solidFill>
-                  <a:schemeClr val="bg2">
-                    <a:lumMod val="50000"/>
-                  </a:schemeClr>
-                </a:solidFill>
-                <a:latin typeface="+mn-lt"/>
-                <a:ea typeface="+mn-ea"/>
-                <a:cs typeface="+mn-ea"/>
-                <a:sym typeface="+mn-lt"/>
-              </a:rPr>
-              <a:t>&amp;</a:t>
-            </a:r>
-            <a:r>
-              <a:rPr lang="zh-CN" altLang="en-US" sz="3600" b="1" dirty="0">
-                <a:solidFill>
-                  <a:schemeClr val="bg2">
-                    <a:lumMod val="50000"/>
-                  </a:schemeClr>
-                </a:solidFill>
-                <a:latin typeface="+mn-lt"/>
-                <a:ea typeface="+mn-ea"/>
-                <a:cs typeface="+mn-ea"/>
-                <a:sym typeface="+mn-lt"/>
-              </a:rPr>
-              <a:t>评价</a:t>
-            </a:r>
-            <a:r>
-              <a:rPr lang="en-US" altLang="zh-CN" sz="3600" b="1" dirty="0">
-                <a:solidFill>
-                  <a:schemeClr val="bg2">
-                    <a:lumMod val="50000"/>
-                  </a:schemeClr>
-                </a:solidFill>
-                <a:latin typeface="+mn-lt"/>
-                <a:ea typeface="+mn-ea"/>
-                <a:cs typeface="+mn-ea"/>
-                <a:sym typeface="+mn-lt"/>
-              </a:rPr>
-              <a:t>&amp;</a:t>
-            </a:r>
-            <a:r>
-              <a:rPr lang="zh-CN" altLang="en-US" sz="3600" b="1" dirty="0">
-                <a:solidFill>
-                  <a:schemeClr val="bg2">
-                    <a:lumMod val="50000"/>
-                  </a:schemeClr>
-                </a:solidFill>
-                <a:latin typeface="+mn-lt"/>
-                <a:ea typeface="+mn-ea"/>
-                <a:cs typeface="+mn-ea"/>
-                <a:sym typeface="+mn-lt"/>
-              </a:rPr>
-              <a:t>说明</a:t>
-            </a:r>
-            <a:endParaRPr lang="zh-CN" altLang="en-US" sz="3600" b="1" dirty="0">
+              <a:t>用户反馈</a:t>
+            </a:r>
+            <a:endParaRPr lang="en-US" altLang="zh-CN" sz="3600" b="1" dirty="0">
               <a:solidFill>
                 <a:schemeClr val="bg2">
                   <a:lumMod val="50000"/>
@@ -7056,218 +7187,14 @@
       </p:sp>
       <p:sp>
         <p:nvSpPr>
-          <p:cNvPr id="3" name="Rectangle 1"/>
-          <p:cNvSpPr>
-            <a:spLocks noChangeArrowheads="1"/>
-          </p:cNvSpPr>
-          <p:nvPr/>
-        </p:nvSpPr>
-        <p:spPr bwMode="auto">
-          <a:xfrm>
-            <a:off x="7213252" y="4703564"/>
-            <a:ext cx="3657600" cy="1969770"/>
-          </a:xfrm>
-          <a:prstGeom prst="rect">
-            <a:avLst/>
-          </a:prstGeom>
-          <a:noFill/>
-          <a:ln>
-            <a:noFill/>
-          </a:ln>
-          <a:effectLst/>
-          <a:extLst>
-            <a:ext uri="{909E8E84-426E-40DD-AFC4-6F175D3DCCD1}">
-              <a14:hiddenFill xmlns:a14="http://schemas.microsoft.com/office/drawing/2010/main">
-                <a:solidFill>
-                  <a:schemeClr val="accent1"/>
-                </a:solidFill>
-              </a14:hiddenFill>
-            </a:ext>
-            <a:ext uri="{91240B29-F687-4F45-9708-019B960494DF}">
-              <a14:hiddenLine xmlns:a14="http://schemas.microsoft.com/office/drawing/2010/main" w="9525">
-                <a:solidFill>
-                  <a:schemeClr val="tx1"/>
-                </a:solidFill>
-                <a:miter lim="800000"/>
-                <a:headEnd/>
-                <a:tailEnd/>
-              </a14:hiddenLine>
-            </a:ext>
-            <a:ext uri="{AF507438-7753-43E0-B8FC-AC1667EBCBE1}">
-              <a14:hiddenEffects xmlns:a14="http://schemas.microsoft.com/office/drawing/2010/main">
-                <a:effectLst>
-                  <a:outerShdw dist="35921" dir="2700000" algn="ctr" rotWithShape="0">
-                    <a:schemeClr val="bg2"/>
-                  </a:outerShdw>
-                </a:effectLst>
-              </a14:hiddenEffects>
-            </a:ext>
-          </a:extLst>
-        </p:spPr>
-        <p:txBody>
-          <a:bodyPr vert="horz" wrap="square" lIns="121920" tIns="60960" rIns="121920" bIns="60960" numCol="1" anchor="ctr" anchorCtr="0" compatLnSpc="1">
-            <a:spAutoFit/>
-          </a:bodyPr>
-          <a:lstStyle>
-            <a:lvl1pPr indent="400050" eaLnBrk="0" fontAlgn="base" hangingPunct="0">
-              <a:spcBef>
-                <a:spcPct val="0"/>
-              </a:spcBef>
-              <a:spcAft>
-                <a:spcPct val="0"/>
-              </a:spcAft>
-              <a:defRPr>
-                <a:solidFill>
-                  <a:schemeClr val="tx1"/>
-                </a:solidFill>
-                <a:latin typeface="Arial" panose="020B0604020202020204" pitchFamily="34" charset="0"/>
-              </a:defRPr>
-            </a:lvl1pPr>
-            <a:lvl2pPr eaLnBrk="0" fontAlgn="base" hangingPunct="0">
-              <a:spcBef>
-                <a:spcPct val="0"/>
-              </a:spcBef>
-              <a:spcAft>
-                <a:spcPct val="0"/>
-              </a:spcAft>
-              <a:defRPr>
-                <a:solidFill>
-                  <a:schemeClr val="tx1"/>
-                </a:solidFill>
-                <a:latin typeface="Arial" panose="020B0604020202020204" pitchFamily="34" charset="0"/>
-              </a:defRPr>
-            </a:lvl2pPr>
-            <a:lvl3pPr eaLnBrk="0" fontAlgn="base" hangingPunct="0">
-              <a:spcBef>
-                <a:spcPct val="0"/>
-              </a:spcBef>
-              <a:spcAft>
-                <a:spcPct val="0"/>
-              </a:spcAft>
-              <a:defRPr>
-                <a:solidFill>
-                  <a:schemeClr val="tx1"/>
-                </a:solidFill>
-                <a:latin typeface="Arial" panose="020B0604020202020204" pitchFamily="34" charset="0"/>
-              </a:defRPr>
-            </a:lvl3pPr>
-            <a:lvl4pPr eaLnBrk="0" fontAlgn="base" hangingPunct="0">
-              <a:spcBef>
-                <a:spcPct val="0"/>
-              </a:spcBef>
-              <a:spcAft>
-                <a:spcPct val="0"/>
-              </a:spcAft>
-              <a:defRPr>
-                <a:solidFill>
-                  <a:schemeClr val="tx1"/>
-                </a:solidFill>
-                <a:latin typeface="Arial" panose="020B0604020202020204" pitchFamily="34" charset="0"/>
-              </a:defRPr>
-            </a:lvl4pPr>
-            <a:lvl5pPr eaLnBrk="0" fontAlgn="base" hangingPunct="0">
-              <a:spcBef>
-                <a:spcPct val="0"/>
-              </a:spcBef>
-              <a:spcAft>
-                <a:spcPct val="0"/>
-              </a:spcAft>
-              <a:defRPr>
-                <a:solidFill>
-                  <a:schemeClr val="tx1"/>
-                </a:solidFill>
-                <a:latin typeface="Arial" panose="020B0604020202020204" pitchFamily="34" charset="0"/>
-              </a:defRPr>
-            </a:lvl5pPr>
-            <a:lvl6pPr eaLnBrk="0" fontAlgn="base" hangingPunct="0">
-              <a:spcBef>
-                <a:spcPct val="0"/>
-              </a:spcBef>
-              <a:spcAft>
-                <a:spcPct val="0"/>
-              </a:spcAft>
-              <a:defRPr>
-                <a:solidFill>
-                  <a:schemeClr val="tx1"/>
-                </a:solidFill>
-                <a:latin typeface="Arial" panose="020B0604020202020204" pitchFamily="34" charset="0"/>
-              </a:defRPr>
-            </a:lvl6pPr>
-            <a:lvl7pPr eaLnBrk="0" fontAlgn="base" hangingPunct="0">
-              <a:spcBef>
-                <a:spcPct val="0"/>
-              </a:spcBef>
-              <a:spcAft>
-                <a:spcPct val="0"/>
-              </a:spcAft>
-              <a:defRPr>
-                <a:solidFill>
-                  <a:schemeClr val="tx1"/>
-                </a:solidFill>
-                <a:latin typeface="Arial" panose="020B0604020202020204" pitchFamily="34" charset="0"/>
-              </a:defRPr>
-            </a:lvl7pPr>
-            <a:lvl8pPr eaLnBrk="0" fontAlgn="base" hangingPunct="0">
-              <a:spcBef>
-                <a:spcPct val="0"/>
-              </a:spcBef>
-              <a:spcAft>
-                <a:spcPct val="0"/>
-              </a:spcAft>
-              <a:defRPr>
-                <a:solidFill>
-                  <a:schemeClr val="tx1"/>
-                </a:solidFill>
-                <a:latin typeface="Arial" panose="020B0604020202020204" pitchFamily="34" charset="0"/>
-              </a:defRPr>
-            </a:lvl8pPr>
-            <a:lvl9pPr eaLnBrk="0" fontAlgn="base" hangingPunct="0">
-              <a:spcBef>
-                <a:spcPct val="0"/>
-              </a:spcBef>
-              <a:spcAft>
-                <a:spcPct val="0"/>
-              </a:spcAft>
-              <a:defRPr>
-                <a:solidFill>
-                  <a:schemeClr val="tx1"/>
-                </a:solidFill>
-                <a:latin typeface="Arial" panose="020B0604020202020204" pitchFamily="34" charset="0"/>
-              </a:defRPr>
-            </a:lvl9pPr>
-          </a:lstStyle>
-          <a:p>
-            <a:pPr algn="l"/>
-            <a:r>
-              <a:rPr lang="zh-CN" altLang="en-US" sz="2400" b="1" dirty="0"/>
-              <a:t>提交说明：</a:t>
-            </a:r>
-            <a:endParaRPr lang="en-US" altLang="zh-CN" sz="2400" b="1" dirty="0"/>
-          </a:p>
-          <a:p>
-            <a:pPr algn="l"/>
-            <a:endParaRPr lang="en-US" altLang="zh-CN" sz="2400" dirty="0"/>
-          </a:p>
-          <a:p>
-            <a:pPr algn="l"/>
-            <a:r>
-              <a:rPr lang="zh-CN" altLang="en-US" sz="2400" dirty="0"/>
-              <a:t>小组已将全部阶段成果提交了到版本控制服务器并且记录了历史</a:t>
-            </a:r>
-            <a:endParaRPr lang="zh-CN" altLang="en-US" sz="2400" dirty="0"/>
-          </a:p>
-        </p:txBody>
-      </p:sp>
-      <p:sp>
-        <p:nvSpPr>
-          <p:cNvPr id="4" name="文本框 3"/>
+          <p:cNvPr id="3" name="文本框 2"/>
           <p:cNvSpPr txBox="1"/>
           <p:nvPr/>
         </p:nvSpPr>
         <p:spPr>
           <a:xfrm>
-            <a:off x="558165" y="1924050"/>
-            <a:ext cx="11075035" cy="2779395"/>
+            <a:off x="2896235" y="2381250"/>
+            <a:ext cx="6400165" cy="3138170"/>
           </a:xfrm>
           <a:prstGeom prst="rect">
             <a:avLst/>
@@ -7275,105 +7202,216 @@
           <a:noFill/>
         </p:spPr>
         <p:txBody>
-          <a:bodyPr wrap="square" rtlCol="0" anchor="t">
-            <a:noAutofit/>
+          <a:bodyPr wrap="square" rtlCol="0">
+            <a:spAutoFit/>
           </a:bodyPr>
           <a:p>
-            <a:r>
-              <a:rPr lang="zh-CN" altLang="en-US"/>
-              <a:t>2022-12-14本次项目分工及评分：</a:t>
-            </a:r>
-            <a:endParaRPr lang="zh-CN" altLang="en-US"/>
-          </a:p>
-          <a:p>
-            <a:pPr indent="457200"/>
-            <a:r>
-              <a:rPr lang="zh-CN" altLang="en-US"/>
-              <a:t>胡晨炘（组长）：召开会议撰写会议纪要，程序清单修改，小组代码规范，代码单元测试准备，小组评价，小程序代码编写（主页、名称修改界面、排名界面）</a:t>
-            </a:r>
-            <a:endParaRPr lang="zh-CN" altLang="en-US"/>
-          </a:p>
-          <a:p>
-            <a:pPr indent="457200"/>
-            <a:r>
-              <a:rPr lang="zh-CN" altLang="en-US"/>
-              <a:t>完成程度：基本完成。	评分：8</a:t>
-            </a:r>
-            <a:r>
-              <a:rPr lang="en-US" altLang="zh-CN"/>
-              <a:t>5</a:t>
-            </a:r>
-            <a:r>
-              <a:rPr lang="zh-CN" altLang="en-US"/>
-              <a:t>分。</a:t>
-            </a:r>
-            <a:endParaRPr lang="zh-CN" altLang="en-US"/>
-          </a:p>
-          <a:p>
-            <a:pPr indent="457200"/>
-            <a:endParaRPr lang="zh-CN" altLang="en-US"/>
-          </a:p>
-          <a:p>
-            <a:pPr indent="457200"/>
-            <a:r>
-              <a:rPr lang="zh-CN" altLang="en-US"/>
-              <a:t>邹雨哲：完成相关PPT制作，小程序代码编写（测试界面），修改详细设计文件，更新相关文件、测试报告、</a:t>
-            </a:r>
-            <a:r>
-              <a:rPr lang="zh-CN" altLang="en-US" dirty="0">
-                <a:sym typeface="+mn-ea"/>
+            <a:pPr algn="ctr">
+              <a:buClrTx/>
+              <a:buSzTx/>
+              <a:buFontTx/>
+              <a:defRPr/>
+            </a:pPr>
+            <a:r>
+              <a:rPr lang="zh-CN" altLang="en-US" b="1" dirty="0">
+                <a:solidFill>
+                  <a:srgbClr val="44546A"/>
+                </a:solidFill>
+                <a:cs typeface="+mn-ea"/>
               </a:rPr>
-              <a:t>提交到版本控制服务器</a:t>
-            </a:r>
-            <a:endParaRPr lang="zh-CN" altLang="en-US" dirty="0">
-              <a:sym typeface="+mn-ea"/>
+              <a:t>1.使用本软件的过程顺畅</a:t>
+            </a:r>
+            <a:endParaRPr lang="zh-CN" altLang="en-US" b="1" dirty="0">
+              <a:solidFill>
+                <a:srgbClr val="44546A"/>
+              </a:solidFill>
+              <a:cs typeface="+mn-ea"/>
             </a:endParaRPr>
           </a:p>
           <a:p>
-            <a:pPr indent="457200"/>
-            <a:r>
-              <a:rPr lang="zh-CN" altLang="en-US"/>
-              <a:t>完成程度：基本完成。	评分：83分。</a:t>
-            </a:r>
-            <a:endParaRPr lang="zh-CN" altLang="en-US"/>
-          </a:p>
-          <a:p>
-            <a:pPr indent="457200"/>
-            <a:endParaRPr lang="zh-CN" altLang="en-US"/>
-          </a:p>
-          <a:p>
-            <a:pPr indent="457200"/>
-            <a:r>
-              <a:rPr lang="zh-CN" altLang="en-US"/>
-              <a:t>姚杰昇：小程序代码编写（个人信息界面、</a:t>
-            </a:r>
-            <a:r>
-              <a:rPr lang="zh-CN" altLang="en-US">
-                <a:sym typeface="+mn-ea"/>
+            <a:pPr algn="ctr">
+              <a:buClrTx/>
+              <a:buSzTx/>
+              <a:buFontTx/>
+              <a:defRPr/>
+            </a:pPr>
+            <a:endParaRPr lang="zh-CN" altLang="en-US" b="1" dirty="0">
+              <a:solidFill>
+                <a:srgbClr val="44546A"/>
+              </a:solidFill>
+              <a:cs typeface="+mn-ea"/>
+            </a:endParaRPr>
+          </a:p>
+          <a:p>
+            <a:pPr algn="ctr">
+              <a:buClrTx/>
+              <a:buSzTx/>
+              <a:buFontTx/>
+              <a:defRPr/>
+            </a:pPr>
+            <a:r>
+              <a:rPr lang="zh-CN" altLang="en-US" b="1" dirty="0">
+                <a:solidFill>
+                  <a:srgbClr val="44546A"/>
+                </a:solidFill>
+                <a:cs typeface="+mn-ea"/>
               </a:rPr>
-              <a:t>头像修改界面</a:t>
-            </a:r>
-            <a:r>
-              <a:rPr lang="zh-CN" altLang="en-US"/>
-              <a:t>）、修改测试计划、以白盒测试原则设计测试用例、测试报告</a:t>
-            </a:r>
-            <a:endParaRPr lang="zh-CN" altLang="en-US"/>
-          </a:p>
-          <a:p>
-            <a:pPr indent="457200"/>
-            <a:r>
-              <a:rPr lang="zh-CN" altLang="en-US"/>
-              <a:t>完成程度：基本完成。 	评分：8</a:t>
-            </a:r>
-            <a:r>
-              <a:rPr lang="en-US" altLang="zh-CN"/>
-              <a:t>6</a:t>
-            </a:r>
-            <a:r>
-              <a:rPr lang="zh-CN" altLang="en-US"/>
-              <a:t>分。</a:t>
-            </a:r>
-            <a:endParaRPr lang="zh-CN" altLang="en-US"/>
+              <a:t>2.本软件的界面友好</a:t>
+            </a:r>
+            <a:endParaRPr lang="zh-CN" altLang="en-US" b="1" dirty="0">
+              <a:solidFill>
+                <a:srgbClr val="44546A"/>
+              </a:solidFill>
+              <a:cs typeface="+mn-ea"/>
+            </a:endParaRPr>
+          </a:p>
+          <a:p>
+            <a:pPr algn="ctr">
+              <a:buClrTx/>
+              <a:buSzTx/>
+              <a:buFontTx/>
+              <a:defRPr/>
+            </a:pPr>
+            <a:endParaRPr lang="zh-CN" altLang="en-US" b="1" dirty="0">
+              <a:solidFill>
+                <a:srgbClr val="44546A"/>
+              </a:solidFill>
+              <a:cs typeface="+mn-ea"/>
+            </a:endParaRPr>
+          </a:p>
+          <a:p>
+            <a:pPr algn="ctr">
+              <a:buClrTx/>
+              <a:buSzTx/>
+              <a:buFontTx/>
+              <a:defRPr/>
+            </a:pPr>
+            <a:r>
+              <a:rPr lang="zh-CN" altLang="en-US" b="1" dirty="0">
+                <a:solidFill>
+                  <a:srgbClr val="44546A"/>
+                </a:solidFill>
+                <a:cs typeface="+mn-ea"/>
+              </a:rPr>
+              <a:t>3.本软件的功能丰富</a:t>
+            </a:r>
+            <a:endParaRPr lang="zh-CN" altLang="en-US" b="1" dirty="0">
+              <a:solidFill>
+                <a:srgbClr val="44546A"/>
+              </a:solidFill>
+              <a:cs typeface="+mn-ea"/>
+            </a:endParaRPr>
+          </a:p>
+          <a:p>
+            <a:pPr algn="ctr">
+              <a:buClrTx/>
+              <a:buSzTx/>
+              <a:buFontTx/>
+              <a:defRPr/>
+            </a:pPr>
+            <a:endParaRPr lang="zh-CN" altLang="en-US" b="1" dirty="0">
+              <a:solidFill>
+                <a:srgbClr val="44546A"/>
+              </a:solidFill>
+              <a:cs typeface="+mn-ea"/>
+            </a:endParaRPr>
+          </a:p>
+          <a:p>
+            <a:pPr algn="ctr">
+              <a:buClrTx/>
+              <a:buSzTx/>
+              <a:buFontTx/>
+              <a:defRPr/>
+            </a:pPr>
+            <a:r>
+              <a:rPr lang="zh-CN" altLang="en-US" b="1" dirty="0">
+                <a:solidFill>
+                  <a:srgbClr val="44546A"/>
+                </a:solidFill>
+                <a:cs typeface="+mn-ea"/>
+              </a:rPr>
+              <a:t>4.满意本软件的效果</a:t>
+            </a:r>
+            <a:endParaRPr lang="zh-CN" altLang="en-US" b="1" dirty="0">
+              <a:solidFill>
+                <a:srgbClr val="44546A"/>
+              </a:solidFill>
+              <a:cs typeface="+mn-ea"/>
+            </a:endParaRPr>
+          </a:p>
+          <a:p>
+            <a:pPr algn="ctr">
+              <a:buClrTx/>
+              <a:buSzTx/>
+              <a:buFontTx/>
+              <a:defRPr/>
+            </a:pPr>
+            <a:endParaRPr lang="zh-CN" altLang="en-US" b="1" dirty="0">
+              <a:solidFill>
+                <a:srgbClr val="44546A"/>
+              </a:solidFill>
+              <a:cs typeface="+mn-ea"/>
+            </a:endParaRPr>
+          </a:p>
+          <a:p>
+            <a:pPr algn="ctr">
+              <a:buClrTx/>
+              <a:buSzTx/>
+              <a:buFontTx/>
+              <a:defRPr/>
+            </a:pPr>
+            <a:r>
+              <a:rPr lang="zh-CN" altLang="en-US" b="1" dirty="0">
+                <a:solidFill>
+                  <a:srgbClr val="44546A"/>
+                </a:solidFill>
+                <a:cs typeface="+mn-ea"/>
+              </a:rPr>
+              <a:t>5.会推荐本软件给其他人</a:t>
+            </a:r>
+            <a:endParaRPr lang="zh-CN" altLang="en-US" b="1" dirty="0">
+              <a:solidFill>
+                <a:srgbClr val="44546A"/>
+              </a:solidFill>
+              <a:cs typeface="+mn-ea"/>
+            </a:endParaRPr>
+          </a:p>
+          <a:p>
+            <a:pPr algn="ctr">
+              <a:buClrTx/>
+              <a:buSzTx/>
+              <a:buFontTx/>
+              <a:defRPr/>
+            </a:pPr>
+            <a:endParaRPr lang="zh-CN" altLang="en-US" b="1" dirty="0">
+              <a:solidFill>
+                <a:srgbClr val="44546A"/>
+              </a:solidFill>
+              <a:cs typeface="+mn-ea"/>
+            </a:endParaRPr>
+          </a:p>
+          <a:p>
+            <a:pPr algn="ctr">
+              <a:buClrTx/>
+              <a:buSzTx/>
+              <a:buFontTx/>
+              <a:defRPr/>
+            </a:pPr>
+            <a:r>
+              <a:rPr lang="zh-CN" altLang="en-US" b="1" dirty="0">
+                <a:solidFill>
+                  <a:srgbClr val="44546A"/>
+                </a:solidFill>
+                <a:cs typeface="+mn-ea"/>
+              </a:rPr>
+              <a:t>（测试群体大多数低于30岁，且大部分为男性）</a:t>
+            </a:r>
+            <a:endParaRPr lang="zh-CN" altLang="en-US" b="1" dirty="0">
+              <a:solidFill>
+                <a:srgbClr val="44546A"/>
+              </a:solidFill>
+              <a:cs typeface="+mn-ea"/>
+            </a:endParaRPr>
           </a:p>
         </p:txBody>
       </p:sp>
@@ -7472,8 +7510,8 @@
         </p:nvSpPr>
         <p:spPr>
           <a:xfrm>
-            <a:off x="353800" y="184666"/>
-            <a:ext cx="6859452" cy="646203"/>
+            <a:off x="-621524" y="381001"/>
+            <a:ext cx="4892736" cy="646203"/>
           </a:xfrm>
           <a:prstGeom prst="rect">
             <a:avLst/>
@@ -7510,14 +7548,14 @@
             </a:lvl1pPr>
           </a:lstStyle>
           <a:p>
-            <a:pPr algn="l">
+            <a:pPr>
               <a:lnSpc>
                 <a:spcPct val="100000"/>
               </a:lnSpc>
               <a:defRPr/>
             </a:pPr>
             <a:r>
-              <a:rPr lang="zh-CN" altLang="en-US" sz="3600" b="1" dirty="0">
+              <a:rPr lang="en-US" altLang="zh-CN" sz="3600" b="1" dirty="0">
                 <a:solidFill>
                   <a:schemeClr val="bg2">
                     <a:lumMod val="50000"/>
@@ -7528,9 +7566,23 @@
                 <a:cs typeface="+mn-ea"/>
                 <a:sym typeface="+mn-lt"/>
               </a:rPr>
-              <a:t>附录：代码清单（部分）</a:t>
-            </a:r>
-            <a:endParaRPr lang="zh-CN" altLang="en-US" sz="3600" b="1" dirty="0">
+              <a:t>8.</a:t>
+            </a:r>
+            <a:r>
+              <a:rPr lang="zh-CN" altLang="en-US" sz="3600" b="1" dirty="0">
+                <a:solidFill>
+                  <a:schemeClr val="bg2">
+                    <a:lumMod val="50000"/>
+                  </a:schemeClr>
+                </a:solidFill>
+                <a:latin typeface="+mn-lt"/>
+                <a:ea typeface="+mn-ea"/>
+                <a:cs typeface="+mn-ea"/>
+                <a:sym typeface="+mn-lt"/>
+              </a:rPr>
+              <a:t>会议纪要</a:t>
+            </a:r>
+            <a:endParaRPr lang="en-US" altLang="zh-CN" sz="3600" b="1" dirty="0">
               <a:solidFill>
                 <a:schemeClr val="bg2">
                   <a:lumMod val="50000"/>
@@ -7546,15 +7598,36 @@
       </p:sp>
       <p:pic>
         <p:nvPicPr>
-          <p:cNvPr id="3" name="图片 1"/>
+          <p:cNvPr id="6" name="图片 5"/>
           <p:cNvPicPr>
             <a:picLocks noChangeAspect="1"/>
           </p:cNvPicPr>
-          <p:nvPr>
-            <p:custDataLst>
-              <p:tags r:id="rId1"/>
-            </p:custDataLst>
-          </p:nvPr>
+          <p:nvPr/>
+        </p:nvPicPr>
+        <p:blipFill rotWithShape="1">
+          <a:blip r:embed="rId1"/>
+          <a:srcRect t="1990" b="1803"/>
+          <a:stretch>
+            <a:fillRect/>
+          </a:stretch>
+        </p:blipFill>
+        <p:spPr>
+          <a:xfrm>
+            <a:off x="809054" y="2242478"/>
+            <a:ext cx="4858428" cy="2373745"/>
+          </a:xfrm>
+          <a:prstGeom prst="rect">
+            <a:avLst/>
+          </a:prstGeom>
+        </p:spPr>
+      </p:pic>
+      <p:pic>
+        <p:nvPicPr>
+          <p:cNvPr id="8" name="图片 7"/>
+          <p:cNvPicPr>
+            <a:picLocks noChangeAspect="1"/>
+          </p:cNvPicPr>
+          <p:nvPr/>
         </p:nvPicPr>
         <p:blipFill>
           <a:blip r:embed="rId2"/>
@@ -7564,106 +7637,14 @@
         </p:blipFill>
         <p:spPr>
           <a:xfrm>
-            <a:off x="2638425" y="1803400"/>
-            <a:ext cx="1965960" cy="4206240"/>
+            <a:off x="6474985" y="1328159"/>
+            <a:ext cx="4877481" cy="4201111"/>
           </a:xfrm>
           <a:prstGeom prst="rect">
             <a:avLst/>
           </a:prstGeom>
-          <a:noFill/>
-          <a:ln>
-            <a:noFill/>
-          </a:ln>
         </p:spPr>
       </p:pic>
-      <p:sp>
-        <p:nvSpPr>
-          <p:cNvPr id="4" name="文本框 3"/>
-          <p:cNvSpPr txBox="1"/>
-          <p:nvPr/>
-        </p:nvSpPr>
-        <p:spPr>
-          <a:xfrm>
-            <a:off x="5942965" y="1706880"/>
-            <a:ext cx="4097020" cy="2861310"/>
-          </a:xfrm>
-          <a:prstGeom prst="rect">
-            <a:avLst/>
-          </a:prstGeom>
-          <a:noFill/>
-        </p:spPr>
-        <p:txBody>
-          <a:bodyPr wrap="square" rtlCol="0">
-            <a:spAutoFit/>
-          </a:bodyPr>
-          <a:p>
-            <a:r>
-              <a:rPr lang="zh-CN" altLang="en-US"/>
-              <a:t>Pages：页面目录文件夹</a:t>
-            </a:r>
-            <a:endParaRPr lang="zh-CN" altLang="en-US"/>
-          </a:p>
-          <a:p>
-            <a:r>
-              <a:rPr lang="zh-CN" altLang="en-US"/>
-              <a:t>changeimg：头像修改页面文件夹</a:t>
-            </a:r>
-            <a:endParaRPr lang="zh-CN" altLang="en-US"/>
-          </a:p>
-          <a:p>
-            <a:r>
-              <a:rPr lang="zh-CN" altLang="en-US"/>
-              <a:t>changename：名称修改页面文件夹</a:t>
-            </a:r>
-            <a:endParaRPr lang="zh-CN" altLang="en-US"/>
-          </a:p>
-          <a:p>
-            <a:r>
-              <a:rPr lang="zh-CN" altLang="en-US"/>
-              <a:t>login：登录页面文件夹</a:t>
-            </a:r>
-            <a:endParaRPr lang="zh-CN" altLang="en-US"/>
-          </a:p>
-          <a:p>
-            <a:r>
-              <a:rPr lang="zh-CN" altLang="en-US"/>
-              <a:t>myinfo：个人信息页面文件夹</a:t>
-            </a:r>
-            <a:endParaRPr lang="zh-CN" altLang="en-US"/>
-          </a:p>
-          <a:p>
-            <a:r>
-              <a:rPr lang="zh-CN" altLang="en-US"/>
-              <a:t>rank：排名页面文件夹</a:t>
-            </a:r>
-            <a:endParaRPr lang="zh-CN" altLang="en-US"/>
-          </a:p>
-          <a:p>
-            <a:r>
-              <a:rPr lang="zh-CN" altLang="en-US"/>
-              <a:t>runtest：测试页面文件夹</a:t>
-            </a:r>
-            <a:endParaRPr lang="zh-CN" altLang="en-US"/>
-          </a:p>
-          <a:p>
-            <a:r>
-              <a:rPr lang="zh-CN" altLang="en-US"/>
-              <a:t>image：图片素材文件夹</a:t>
-            </a:r>
-            <a:endParaRPr lang="zh-CN" altLang="en-US"/>
-          </a:p>
-          <a:p>
-            <a:endParaRPr lang="zh-CN" altLang="en-US"/>
-          </a:p>
-          <a:p>
-            <a:r>
-              <a:rPr lang="zh-CN" altLang="en-US"/>
-              <a:t>其他：各种配置文件</a:t>
-            </a:r>
-            <a:endParaRPr lang="zh-CN" altLang="en-US"/>
-          </a:p>
-        </p:txBody>
-      </p:sp>
     </p:spTree>
   </p:cSld>
   <p:clrMapOvr>
@@ -7759,7 +7740,7 @@
         </p:nvSpPr>
         <p:spPr>
           <a:xfrm>
-            <a:off x="353800" y="184666"/>
+            <a:off x="-101599" y="158193"/>
             <a:ext cx="6859452" cy="646203"/>
           </a:xfrm>
           <a:prstGeom prst="rect">
@@ -7797,14 +7778,14 @@
             </a:lvl1pPr>
           </a:lstStyle>
           <a:p>
-            <a:pPr algn="l">
+            <a:pPr>
               <a:lnSpc>
                 <a:spcPct val="100000"/>
               </a:lnSpc>
               <a:defRPr/>
             </a:pPr>
             <a:r>
-              <a:rPr lang="zh-CN" altLang="en-US" sz="3600" b="1" dirty="0">
+              <a:rPr lang="en-US" altLang="zh-CN" sz="3600" b="1" dirty="0">
                 <a:solidFill>
                   <a:schemeClr val="bg2">
                     <a:lumMod val="50000"/>
@@ -7815,7 +7796,77 @@
                 <a:cs typeface="+mn-ea"/>
                 <a:sym typeface="+mn-lt"/>
               </a:rPr>
-              <a:t>附录：参考文献</a:t>
+              <a:t>9.</a:t>
+            </a:r>
+            <a:r>
+              <a:rPr lang="zh-CN" altLang="en-US" sz="3600" b="1" dirty="0">
+                <a:solidFill>
+                  <a:schemeClr val="bg2">
+                    <a:lumMod val="50000"/>
+                  </a:schemeClr>
+                </a:solidFill>
+                <a:latin typeface="+mn-lt"/>
+                <a:ea typeface="+mn-ea"/>
+                <a:cs typeface="+mn-ea"/>
+                <a:sym typeface="+mn-lt"/>
+              </a:rPr>
+              <a:t>总结</a:t>
+            </a:r>
+            <a:r>
+              <a:rPr lang="en-US" altLang="zh-CN" sz="3600" b="1" dirty="0">
+                <a:solidFill>
+                  <a:schemeClr val="bg2">
+                    <a:lumMod val="50000"/>
+                  </a:schemeClr>
+                </a:solidFill>
+                <a:latin typeface="+mn-lt"/>
+                <a:ea typeface="+mn-ea"/>
+                <a:cs typeface="+mn-ea"/>
+                <a:sym typeface="+mn-lt"/>
+              </a:rPr>
+              <a:t>&amp;</a:t>
+            </a:r>
+            <a:r>
+              <a:rPr lang="zh-CN" altLang="en-US" sz="3600" b="1" dirty="0">
+                <a:solidFill>
+                  <a:schemeClr val="bg2">
+                    <a:lumMod val="50000"/>
+                  </a:schemeClr>
+                </a:solidFill>
+                <a:latin typeface="+mn-lt"/>
+                <a:ea typeface="+mn-ea"/>
+                <a:cs typeface="+mn-ea"/>
+                <a:sym typeface="+mn-lt"/>
+              </a:rPr>
+              <a:t>评价</a:t>
+            </a:r>
+            <a:r>
+              <a:rPr lang="en-US" altLang="zh-CN" sz="3600" b="1" dirty="0">
+                <a:solidFill>
+                  <a:schemeClr val="bg2">
+                    <a:lumMod val="50000"/>
+                  </a:schemeClr>
+                </a:solidFill>
+                <a:latin typeface="+mn-lt"/>
+                <a:ea typeface="+mn-ea"/>
+                <a:cs typeface="+mn-ea"/>
+                <a:sym typeface="+mn-lt"/>
+              </a:rPr>
+              <a:t>&amp;</a:t>
+            </a:r>
+            <a:r>
+              <a:rPr lang="zh-CN" altLang="en-US" sz="3600" b="1" dirty="0">
+                <a:solidFill>
+                  <a:schemeClr val="bg2">
+                    <a:lumMod val="50000"/>
+                  </a:schemeClr>
+                </a:solidFill>
+                <a:latin typeface="+mn-lt"/>
+                <a:ea typeface="+mn-ea"/>
+                <a:cs typeface="+mn-ea"/>
+                <a:sym typeface="+mn-lt"/>
+              </a:rPr>
+              <a:t>说明</a:t>
             </a:r>
             <a:endParaRPr lang="zh-CN" altLang="en-US" sz="3600" b="1" dirty="0">
               <a:solidFill>
@@ -7833,14 +7884,218 @@
       </p:sp>
       <p:sp>
         <p:nvSpPr>
-          <p:cNvPr id="5" name="文本框 4"/>
+          <p:cNvPr id="3" name="Rectangle 1"/>
+          <p:cNvSpPr>
+            <a:spLocks noChangeArrowheads="1"/>
+          </p:cNvSpPr>
+          <p:nvPr/>
+        </p:nvSpPr>
+        <p:spPr bwMode="auto">
+          <a:xfrm>
+            <a:off x="7213252" y="4703564"/>
+            <a:ext cx="3657600" cy="1969770"/>
+          </a:xfrm>
+          <a:prstGeom prst="rect">
+            <a:avLst/>
+          </a:prstGeom>
+          <a:noFill/>
+          <a:ln>
+            <a:noFill/>
+          </a:ln>
+          <a:effectLst/>
+          <a:extLst>
+            <a:ext uri="{909E8E84-426E-40DD-AFC4-6F175D3DCCD1}">
+              <a14:hiddenFill xmlns:a14="http://schemas.microsoft.com/office/drawing/2010/main">
+                <a:solidFill>
+                  <a:schemeClr val="accent1"/>
+                </a:solidFill>
+              </a14:hiddenFill>
+            </a:ext>
+            <a:ext uri="{91240B29-F687-4F45-9708-019B960494DF}">
+              <a14:hiddenLine xmlns:a14="http://schemas.microsoft.com/office/drawing/2010/main" w="9525">
+                <a:solidFill>
+                  <a:schemeClr val="tx1"/>
+                </a:solidFill>
+                <a:miter lim="800000"/>
+                <a:headEnd/>
+                <a:tailEnd/>
+              </a14:hiddenLine>
+            </a:ext>
+            <a:ext uri="{AF507438-7753-43E0-B8FC-AC1667EBCBE1}">
+              <a14:hiddenEffects xmlns:a14="http://schemas.microsoft.com/office/drawing/2010/main">
+                <a:effectLst>
+                  <a:outerShdw dist="35921" dir="2700000" algn="ctr" rotWithShape="0">
+                    <a:schemeClr val="bg2"/>
+                  </a:outerShdw>
+                </a:effectLst>
+              </a14:hiddenEffects>
+            </a:ext>
+          </a:extLst>
+        </p:spPr>
+        <p:txBody>
+          <a:bodyPr vert="horz" wrap="square" lIns="121920" tIns="60960" rIns="121920" bIns="60960" numCol="1" anchor="ctr" anchorCtr="0" compatLnSpc="1">
+            <a:spAutoFit/>
+          </a:bodyPr>
+          <a:lstStyle>
+            <a:lvl1pPr indent="400050" eaLnBrk="0" fontAlgn="base" hangingPunct="0">
+              <a:spcBef>
+                <a:spcPct val="0"/>
+              </a:spcBef>
+              <a:spcAft>
+                <a:spcPct val="0"/>
+              </a:spcAft>
+              <a:defRPr>
+                <a:solidFill>
+                  <a:schemeClr val="tx1"/>
+                </a:solidFill>
+                <a:latin typeface="Arial" panose="020B0604020202020204" pitchFamily="34" charset="0"/>
+              </a:defRPr>
+            </a:lvl1pPr>
+            <a:lvl2pPr eaLnBrk="0" fontAlgn="base" hangingPunct="0">
+              <a:spcBef>
+                <a:spcPct val="0"/>
+              </a:spcBef>
+              <a:spcAft>
+                <a:spcPct val="0"/>
+              </a:spcAft>
+              <a:defRPr>
+                <a:solidFill>
+                  <a:schemeClr val="tx1"/>
+                </a:solidFill>
+                <a:latin typeface="Arial" panose="020B0604020202020204" pitchFamily="34" charset="0"/>
+              </a:defRPr>
+            </a:lvl2pPr>
+            <a:lvl3pPr eaLnBrk="0" fontAlgn="base" hangingPunct="0">
+              <a:spcBef>
+                <a:spcPct val="0"/>
+              </a:spcBef>
+              <a:spcAft>
+                <a:spcPct val="0"/>
+              </a:spcAft>
+              <a:defRPr>
+                <a:solidFill>
+                  <a:schemeClr val="tx1"/>
+                </a:solidFill>
+                <a:latin typeface="Arial" panose="020B0604020202020204" pitchFamily="34" charset="0"/>
+              </a:defRPr>
+            </a:lvl3pPr>
+            <a:lvl4pPr eaLnBrk="0" fontAlgn="base" hangingPunct="0">
+              <a:spcBef>
+                <a:spcPct val="0"/>
+              </a:spcBef>
+              <a:spcAft>
+                <a:spcPct val="0"/>
+              </a:spcAft>
+              <a:defRPr>
+                <a:solidFill>
+                  <a:schemeClr val="tx1"/>
+                </a:solidFill>
+                <a:latin typeface="Arial" panose="020B0604020202020204" pitchFamily="34" charset="0"/>
+              </a:defRPr>
+            </a:lvl4pPr>
+            <a:lvl5pPr eaLnBrk="0" fontAlgn="base" hangingPunct="0">
+              <a:spcBef>
+                <a:spcPct val="0"/>
+              </a:spcBef>
+              <a:spcAft>
+                <a:spcPct val="0"/>
+              </a:spcAft>
+              <a:defRPr>
+                <a:solidFill>
+                  <a:schemeClr val="tx1"/>
+                </a:solidFill>
+                <a:latin typeface="Arial" panose="020B0604020202020204" pitchFamily="34" charset="0"/>
+              </a:defRPr>
+            </a:lvl5pPr>
+            <a:lvl6pPr eaLnBrk="0" fontAlgn="base" hangingPunct="0">
+              <a:spcBef>
+                <a:spcPct val="0"/>
+              </a:spcBef>
+              <a:spcAft>
+                <a:spcPct val="0"/>
+              </a:spcAft>
+              <a:defRPr>
+                <a:solidFill>
+                  <a:schemeClr val="tx1"/>
+                </a:solidFill>
+                <a:latin typeface="Arial" panose="020B0604020202020204" pitchFamily="34" charset="0"/>
+              </a:defRPr>
+            </a:lvl6pPr>
+            <a:lvl7pPr eaLnBrk="0" fontAlgn="base" hangingPunct="0">
+              <a:spcBef>
+                <a:spcPct val="0"/>
+              </a:spcBef>
+              <a:spcAft>
+                <a:spcPct val="0"/>
+              </a:spcAft>
+              <a:defRPr>
+                <a:solidFill>
+                  <a:schemeClr val="tx1"/>
+                </a:solidFill>
+                <a:latin typeface="Arial" panose="020B0604020202020204" pitchFamily="34" charset="0"/>
+              </a:defRPr>
+            </a:lvl7pPr>
+            <a:lvl8pPr eaLnBrk="0" fontAlgn="base" hangingPunct="0">
+              <a:spcBef>
+                <a:spcPct val="0"/>
+              </a:spcBef>
+              <a:spcAft>
+                <a:spcPct val="0"/>
+              </a:spcAft>
+              <a:defRPr>
+                <a:solidFill>
+                  <a:schemeClr val="tx1"/>
+                </a:solidFill>
+                <a:latin typeface="Arial" panose="020B0604020202020204" pitchFamily="34" charset="0"/>
+              </a:defRPr>
+            </a:lvl8pPr>
+            <a:lvl9pPr eaLnBrk="0" fontAlgn="base" hangingPunct="0">
+              <a:spcBef>
+                <a:spcPct val="0"/>
+              </a:spcBef>
+              <a:spcAft>
+                <a:spcPct val="0"/>
+              </a:spcAft>
+              <a:defRPr>
+                <a:solidFill>
+                  <a:schemeClr val="tx1"/>
+                </a:solidFill>
+                <a:latin typeface="Arial" panose="020B0604020202020204" pitchFamily="34" charset="0"/>
+              </a:defRPr>
+            </a:lvl9pPr>
+          </a:lstStyle>
+          <a:p>
+            <a:pPr algn="l"/>
+            <a:r>
+              <a:rPr lang="zh-CN" altLang="en-US" sz="2400" b="1" dirty="0"/>
+              <a:t>提交说明：</a:t>
+            </a:r>
+            <a:endParaRPr lang="en-US" altLang="zh-CN" sz="2400" b="1" dirty="0"/>
+          </a:p>
+          <a:p>
+            <a:pPr algn="l"/>
+            <a:endParaRPr lang="en-US" altLang="zh-CN" sz="2400" dirty="0"/>
+          </a:p>
+          <a:p>
+            <a:pPr algn="l"/>
+            <a:r>
+              <a:rPr lang="zh-CN" altLang="en-US" sz="2400" dirty="0"/>
+              <a:t>小组已将全部阶段成果提交了到版本控制服务器并且记录了历史</a:t>
+            </a:r>
+            <a:endParaRPr lang="zh-CN" altLang="en-US" sz="2400" dirty="0"/>
+          </a:p>
+        </p:txBody>
+      </p:sp>
+      <p:sp>
+        <p:nvSpPr>
+          <p:cNvPr id="4" name="文本框 3"/>
           <p:cNvSpPr txBox="1"/>
           <p:nvPr/>
         </p:nvSpPr>
         <p:spPr>
           <a:xfrm>
-            <a:off x="661785" y="2818136"/>
-            <a:ext cx="7114310" cy="1222375"/>
+            <a:off x="558165" y="1924050"/>
+            <a:ext cx="11075035" cy="2779395"/>
           </a:xfrm>
           <a:prstGeom prst="rect">
             <a:avLst/>
@@ -7848,133 +8103,105 @@
           <a:noFill/>
         </p:spPr>
         <p:txBody>
-          <a:bodyPr wrap="square">
-            <a:spAutoFit/>
+          <a:bodyPr wrap="square" rtlCol="0" anchor="t">
+            <a:noAutofit/>
           </a:bodyPr>
-          <a:lstStyle/>
-          <a:p>
-            <a:pPr>
-              <a:lnSpc>
-                <a:spcPct val="115000"/>
-              </a:lnSpc>
-            </a:pPr>
-            <a:r>
-              <a:rPr lang="zh-CN" altLang="zh-CN" sz="1600" dirty="0">
-                <a:solidFill>
-                  <a:srgbClr val="445469"/>
-                </a:solidFill>
-                <a:latin typeface="Arial" panose="020B0604020202020204"/>
-                <a:ea typeface="宋体" panose="02010600030101010101" pitchFamily="2" charset="-122"/>
-                <a:cs typeface="Times New Roman" panose="02020603050405020304" pitchFamily="18" charset="0"/>
+          <a:p>
+            <a:r>
+              <a:rPr lang="zh-CN" altLang="en-US"/>
+              <a:t>2022-12-14本次项目分工及评分：</a:t>
+            </a:r>
+            <a:endParaRPr lang="zh-CN" altLang="en-US"/>
+          </a:p>
+          <a:p>
+            <a:pPr indent="457200"/>
+            <a:r>
+              <a:rPr lang="zh-CN" altLang="en-US"/>
+              <a:t>胡晨炘（组长）：召开会议撰写会议纪要，程序清单修改，小组代码规范，代码单元测试准备，小组评价，小程序代码编写（主页、名称修改界面、排名界面）</a:t>
+            </a:r>
+            <a:endParaRPr lang="zh-CN" altLang="en-US"/>
+          </a:p>
+          <a:p>
+            <a:pPr indent="457200"/>
+            <a:r>
+              <a:rPr lang="zh-CN" altLang="en-US"/>
+              <a:t>完成程度：基本完成。	评分：8</a:t>
+            </a:r>
+            <a:r>
+              <a:rPr lang="en-US" altLang="zh-CN"/>
+              <a:t>5</a:t>
+            </a:r>
+            <a:r>
+              <a:rPr lang="zh-CN" altLang="en-US"/>
+              <a:t>分。</a:t>
+            </a:r>
+            <a:endParaRPr lang="zh-CN" altLang="en-US"/>
+          </a:p>
+          <a:p>
+            <a:pPr indent="457200"/>
+            <a:endParaRPr lang="zh-CN" altLang="en-US"/>
+          </a:p>
+          <a:p>
+            <a:pPr indent="457200"/>
+            <a:r>
+              <a:rPr lang="zh-CN" altLang="en-US"/>
+              <a:t>邹雨哲：完成相关PPT制作，小程序代码编写（测试界面），修改详细设计文件，更新相关文件、测试报告、</a:t>
+            </a:r>
+            <a:r>
+              <a:rPr lang="zh-CN" altLang="en-US" dirty="0">
                 <a:sym typeface="+mn-ea"/>
               </a:rPr>
-              <a:t>[1] 软件项目管理（原书第8版）[M]北京：机械工业出版社</a:t>
-            </a:r>
-            <a:endParaRPr lang="zh-CN" altLang="zh-CN" sz="1600" dirty="0">
-              <a:solidFill>
-                <a:srgbClr val="445469"/>
-              </a:solidFill>
-              <a:latin typeface="Arial" panose="020B0604020202020204"/>
-              <a:ea typeface="宋体" panose="02010600030101010101" pitchFamily="2" charset="-122"/>
-              <a:cs typeface="Times New Roman" panose="02020603050405020304" pitchFamily="18" charset="0"/>
+              <a:t>提交到版本控制服务器</a:t>
+            </a:r>
+            <a:endParaRPr lang="zh-CN" altLang="en-US" dirty="0">
               <a:sym typeface="+mn-ea"/>
             </a:endParaRPr>
           </a:p>
           <a:p>
-            <a:pPr>
-              <a:lnSpc>
-                <a:spcPct val="115000"/>
-              </a:lnSpc>
-            </a:pPr>
-            <a:r>
-              <a:rPr lang="en-US" altLang="zh-CN" sz="1600" dirty="0">
-                <a:solidFill>
-                  <a:srgbClr val="445469"/>
-                </a:solidFill>
-                <a:latin typeface="Arial" panose="020B0604020202020204"/>
-                <a:ea typeface="宋体" panose="02010600030101010101" pitchFamily="2" charset="-122"/>
-                <a:cs typeface="Times New Roman" panose="02020603050405020304" pitchFamily="18" charset="0"/>
+            <a:pPr indent="457200"/>
+            <a:r>
+              <a:rPr lang="zh-CN" altLang="en-US"/>
+              <a:t>完成程度：基本完成。	评分：83分。</a:t>
+            </a:r>
+            <a:endParaRPr lang="zh-CN" altLang="en-US"/>
+          </a:p>
+          <a:p>
+            <a:pPr indent="457200"/>
+            <a:endParaRPr lang="zh-CN" altLang="en-US"/>
+          </a:p>
+          <a:p>
+            <a:pPr indent="457200"/>
+            <a:r>
+              <a:rPr lang="zh-CN" altLang="en-US"/>
+              <a:t>姚杰昇：小程序代码编写（个人信息界面、</a:t>
+            </a:r>
+            <a:r>
+              <a:rPr lang="zh-CN" altLang="en-US">
                 <a:sym typeface="+mn-ea"/>
               </a:rPr>
-              <a:t>[2]</a:t>
-            </a:r>
-            <a:r>
-              <a:rPr lang="zh-CN" altLang="zh-CN" sz="1600" dirty="0">
-                <a:solidFill>
-                  <a:srgbClr val="445469"/>
-                </a:solidFill>
-                <a:latin typeface="Arial" panose="020B0604020202020204"/>
-                <a:ea typeface="宋体" panose="02010600030101010101" pitchFamily="2" charset="-122"/>
-                <a:cs typeface="Times New Roman" panose="02020603050405020304" pitchFamily="18" charset="0"/>
-                <a:sym typeface="+mn-ea"/>
-              </a:rPr>
-              <a:t>https://blog.csdn.net/weixin_45756488/article/details/121772958</a:t>
-            </a:r>
-            <a:endParaRPr lang="zh-CN" altLang="zh-CN" sz="1600" dirty="0">
-              <a:solidFill>
-                <a:srgbClr val="445469"/>
-              </a:solidFill>
-              <a:latin typeface="Arial" panose="020B0604020202020204"/>
-              <a:ea typeface="宋体" panose="02010600030101010101" pitchFamily="2" charset="-122"/>
-              <a:cs typeface="Times New Roman" panose="02020603050405020304" pitchFamily="18" charset="0"/>
-              <a:sym typeface="+mn-ea"/>
-            </a:endParaRPr>
-          </a:p>
-          <a:p>
-            <a:pPr>
-              <a:lnSpc>
-                <a:spcPct val="115000"/>
-              </a:lnSpc>
-            </a:pPr>
-            <a:r>
-              <a:rPr lang="en-US" altLang="zh-CN" sz="1600" dirty="0">
-                <a:solidFill>
-                  <a:srgbClr val="445469"/>
-                </a:solidFill>
-                <a:latin typeface="Arial" panose="020B0604020202020204"/>
-                <a:ea typeface="宋体" panose="02010600030101010101" pitchFamily="2" charset="-122"/>
-                <a:cs typeface="Times New Roman" panose="02020603050405020304" pitchFamily="18" charset="0"/>
-                <a:sym typeface="+mn-ea"/>
-              </a:rPr>
-              <a:t>[3]https://blog.csdn.net/m0_61504888/article/details/123368011</a:t>
-            </a:r>
-            <a:endParaRPr lang="en-US" altLang="zh-CN" sz="1600" dirty="0">
-              <a:solidFill>
-                <a:srgbClr val="445469"/>
-              </a:solidFill>
-              <a:latin typeface="Arial" panose="020B0604020202020204"/>
-              <a:ea typeface="宋体" panose="02010600030101010101" pitchFamily="2" charset="-122"/>
-              <a:cs typeface="Times New Roman" panose="02020603050405020304" pitchFamily="18" charset="0"/>
-              <a:sym typeface="+mn-ea"/>
-            </a:endParaRPr>
-          </a:p>
-          <a:p>
-            <a:pPr>
-              <a:lnSpc>
-                <a:spcPct val="115000"/>
-              </a:lnSpc>
-            </a:pPr>
-            <a:r>
-              <a:rPr lang="en-US" altLang="zh-CN" sz="1600" dirty="0">
-                <a:solidFill>
-                  <a:srgbClr val="445469"/>
-                </a:solidFill>
-                <a:latin typeface="Arial" panose="020B0604020202020204"/>
-                <a:ea typeface="宋体" panose="02010600030101010101" pitchFamily="2" charset="-122"/>
-                <a:cs typeface="Times New Roman" panose="02020603050405020304" pitchFamily="18" charset="0"/>
-                <a:sym typeface="+mn-ea"/>
-              </a:rPr>
-              <a:t>…….</a:t>
-            </a:r>
-            <a:endParaRPr lang="en-US" altLang="zh-CN" sz="1600" dirty="0">
-              <a:solidFill>
-                <a:srgbClr val="445469"/>
-              </a:solidFill>
-              <a:latin typeface="Arial" panose="020B0604020202020204"/>
-              <a:ea typeface="宋体" panose="02010600030101010101" pitchFamily="2" charset="-122"/>
-              <a:cs typeface="Times New Roman" panose="02020603050405020304" pitchFamily="18" charset="0"/>
-              <a:sym typeface="+mn-ea"/>
-            </a:endParaRPr>
+              <a:t>头像修改界面</a:t>
+            </a:r>
+            <a:r>
+              <a:rPr lang="zh-CN" altLang="en-US"/>
+              <a:t>）、修改测试计划、以白盒测试原则设计测试用例、测试报告</a:t>
+            </a:r>
+            <a:endParaRPr lang="zh-CN" altLang="en-US"/>
+          </a:p>
+          <a:p>
+            <a:pPr indent="457200"/>
+            <a:r>
+              <a:rPr lang="zh-CN" altLang="en-US"/>
+              <a:t>完成程度：基本完成。 	评分：8</a:t>
+            </a:r>
+            <a:r>
+              <a:rPr lang="en-US" altLang="zh-CN"/>
+              <a:t>6</a:t>
+            </a:r>
+            <a:r>
+              <a:rPr lang="zh-CN" altLang="en-US"/>
+              <a:t>分。</a:t>
+            </a:r>
+            <a:endParaRPr lang="zh-CN" altLang="en-US"/>
           </a:p>
         </p:txBody>
       </p:sp>
@@ -7999,6 +8226,607 @@
 </file>
 
 <file path=ppt/slides/slide17.xml><?xml version="1.0" encoding="utf-8"?>
+<p:sld xmlns:a="http://schemas.openxmlformats.org/drawingml/2006/main" xmlns:r="http://schemas.openxmlformats.org/officeDocument/2006/relationships" xmlns:p="http://schemas.openxmlformats.org/presentationml/2006/main">
+  <p:cSld>
+    <p:spTree>
+      <p:nvGrpSpPr>
+        <p:cNvPr id="1" name=""/>
+        <p:cNvGrpSpPr/>
+        <p:nvPr/>
+      </p:nvGrpSpPr>
+      <p:grpSpPr>
+        <a:xfrm>
+          <a:off x="0" y="0"/>
+          <a:ext cx="0" cy="0"/>
+          <a:chOff x="0" y="0"/>
+          <a:chExt cx="0" cy="0"/>
+        </a:xfrm>
+      </p:grpSpPr>
+      <p:sp>
+        <p:nvSpPr>
+          <p:cNvPr id="2" name="等腰三角形 1"/>
+          <p:cNvSpPr/>
+          <p:nvPr/>
+        </p:nvSpPr>
+        <p:spPr>
+          <a:xfrm rot="5400000">
+            <a:off x="5190237" y="-5198360"/>
+            <a:ext cx="1811529" cy="12192003"/>
+          </a:xfrm>
+          <a:prstGeom prst="triangle">
+            <a:avLst>
+              <a:gd name="adj" fmla="val 0"/>
+            </a:avLst>
+          </a:prstGeom>
+          <a:solidFill>
+            <a:srgbClr val="44546A"/>
+          </a:solidFill>
+          <a:ln>
+            <a:solidFill>
+              <a:srgbClr val="44546A"/>
+            </a:solidFill>
+          </a:ln>
+        </p:spPr>
+        <p:style>
+          <a:lnRef idx="2">
+            <a:schemeClr val="accent1">
+              <a:shade val="50000"/>
+            </a:schemeClr>
+          </a:lnRef>
+          <a:fillRef idx="1">
+            <a:schemeClr val="accent1"/>
+          </a:fillRef>
+          <a:effectRef idx="0">
+            <a:schemeClr val="accent1"/>
+          </a:effectRef>
+          <a:fontRef idx="minor">
+            <a:schemeClr val="lt1"/>
+          </a:fontRef>
+        </p:style>
+        <p:txBody>
+          <a:bodyPr rtlCol="0" anchor="ctr"/>
+          <a:lstStyle/>
+          <a:p>
+            <a:pPr algn="ctr"/>
+            <a:endParaRPr lang="zh-CN" altLang="en-US" sz="2400"/>
+          </a:p>
+        </p:txBody>
+      </p:sp>
+      <p:sp>
+        <p:nvSpPr>
+          <p:cNvPr id="27" name="文本框 26"/>
+          <p:cNvSpPr txBox="1"/>
+          <p:nvPr/>
+        </p:nvSpPr>
+        <p:spPr>
+          <a:xfrm>
+            <a:off x="353800" y="184666"/>
+            <a:ext cx="6859452" cy="646203"/>
+          </a:xfrm>
+          <a:prstGeom prst="rect">
+            <a:avLst/>
+          </a:prstGeom>
+          <a:noFill/>
+        </p:spPr>
+        <p:txBody>
+          <a:bodyPr wrap="square">
+            <a:spAutoFit/>
+          </a:bodyPr>
+          <a:lstStyle>
+            <a:defPPr>
+              <a:defRPr lang="zh-CN"/>
+            </a:defPPr>
+            <a:lvl1pPr algn="ctr">
+              <a:lnSpc>
+                <a:spcPct val="150000"/>
+              </a:lnSpc>
+              <a:defRPr sz="1400">
+                <a:gradFill>
+                  <a:gsLst>
+                    <a:gs pos="0">
+                      <a:srgbClr val="08AEEA"/>
+                    </a:gs>
+                    <a:gs pos="100000">
+                      <a:srgbClr val="2AF598"/>
+                    </a:gs>
+                  </a:gsLst>
+                  <a:lin ang="2700000" scaled="0"/>
+                </a:gradFill>
+                <a:latin typeface="微软雅黑" panose="020B0503020204020204" pitchFamily="34" charset="-122"/>
+                <a:ea typeface="微软雅黑" panose="020B0503020204020204" pitchFamily="34" charset="-122"/>
+              </a:defRPr>
+            </a:lvl1pPr>
+          </a:lstStyle>
+          <a:p>
+            <a:pPr algn="l">
+              <a:lnSpc>
+                <a:spcPct val="100000"/>
+              </a:lnSpc>
+              <a:defRPr/>
+            </a:pPr>
+            <a:r>
+              <a:rPr lang="zh-CN" altLang="en-US" sz="3600" b="1" dirty="0">
+                <a:solidFill>
+                  <a:schemeClr val="bg2">
+                    <a:lumMod val="50000"/>
+                  </a:schemeClr>
+                </a:solidFill>
+                <a:latin typeface="+mn-lt"/>
+                <a:ea typeface="+mn-ea"/>
+                <a:cs typeface="+mn-ea"/>
+                <a:sym typeface="+mn-lt"/>
+              </a:rPr>
+              <a:t>附录：代码清单（部分）</a:t>
+            </a:r>
+            <a:endParaRPr lang="zh-CN" altLang="en-US" sz="3600" b="1" dirty="0">
+              <a:solidFill>
+                <a:schemeClr val="bg2">
+                  <a:lumMod val="50000"/>
+                </a:schemeClr>
+              </a:solidFill>
+              <a:latin typeface="+mn-lt"/>
+              <a:ea typeface="+mn-ea"/>
+              <a:cs typeface="+mn-ea"/>
+              <a:sym typeface="+mn-lt"/>
+            </a:endParaRPr>
+          </a:p>
+        </p:txBody>
+      </p:sp>
+      <p:pic>
+        <p:nvPicPr>
+          <p:cNvPr id="3" name="图片 1"/>
+          <p:cNvPicPr>
+            <a:picLocks noChangeAspect="1"/>
+          </p:cNvPicPr>
+          <p:nvPr>
+            <p:custDataLst>
+              <p:tags r:id="rId1"/>
+            </p:custDataLst>
+          </p:nvPr>
+        </p:nvPicPr>
+        <p:blipFill>
+          <a:blip r:embed="rId2"/>
+          <a:stretch>
+            <a:fillRect/>
+          </a:stretch>
+        </p:blipFill>
+        <p:spPr>
+          <a:xfrm>
+            <a:off x="2638425" y="1803400"/>
+            <a:ext cx="1965960" cy="4206240"/>
+          </a:xfrm>
+          <a:prstGeom prst="rect">
+            <a:avLst/>
+          </a:prstGeom>
+          <a:noFill/>
+          <a:ln>
+            <a:noFill/>
+          </a:ln>
+        </p:spPr>
+      </p:pic>
+      <p:sp>
+        <p:nvSpPr>
+          <p:cNvPr id="4" name="文本框 3"/>
+          <p:cNvSpPr txBox="1"/>
+          <p:nvPr/>
+        </p:nvSpPr>
+        <p:spPr>
+          <a:xfrm>
+            <a:off x="5942965" y="1706880"/>
+            <a:ext cx="4097020" cy="2861310"/>
+          </a:xfrm>
+          <a:prstGeom prst="rect">
+            <a:avLst/>
+          </a:prstGeom>
+          <a:noFill/>
+        </p:spPr>
+        <p:txBody>
+          <a:bodyPr wrap="square" rtlCol="0">
+            <a:spAutoFit/>
+          </a:bodyPr>
+          <a:p>
+            <a:r>
+              <a:rPr lang="zh-CN" altLang="en-US"/>
+              <a:t>Pages：页面目录文件夹</a:t>
+            </a:r>
+            <a:endParaRPr lang="zh-CN" altLang="en-US"/>
+          </a:p>
+          <a:p>
+            <a:r>
+              <a:rPr lang="zh-CN" altLang="en-US"/>
+              <a:t>changeimg：头像修改页面文件夹</a:t>
+            </a:r>
+            <a:endParaRPr lang="zh-CN" altLang="en-US"/>
+          </a:p>
+          <a:p>
+            <a:r>
+              <a:rPr lang="zh-CN" altLang="en-US"/>
+              <a:t>changename：名称修改页面文件夹</a:t>
+            </a:r>
+            <a:endParaRPr lang="zh-CN" altLang="en-US"/>
+          </a:p>
+          <a:p>
+            <a:r>
+              <a:rPr lang="zh-CN" altLang="en-US"/>
+              <a:t>login：登录页面文件夹</a:t>
+            </a:r>
+            <a:endParaRPr lang="zh-CN" altLang="en-US"/>
+          </a:p>
+          <a:p>
+            <a:r>
+              <a:rPr lang="zh-CN" altLang="en-US"/>
+              <a:t>myinfo：个人信息页面文件夹</a:t>
+            </a:r>
+            <a:endParaRPr lang="zh-CN" altLang="en-US"/>
+          </a:p>
+          <a:p>
+            <a:r>
+              <a:rPr lang="zh-CN" altLang="en-US"/>
+              <a:t>rank：排名页面文件夹</a:t>
+            </a:r>
+            <a:endParaRPr lang="zh-CN" altLang="en-US"/>
+          </a:p>
+          <a:p>
+            <a:r>
+              <a:rPr lang="zh-CN" altLang="en-US"/>
+              <a:t>runtest：测试页面文件夹</a:t>
+            </a:r>
+            <a:endParaRPr lang="zh-CN" altLang="en-US"/>
+          </a:p>
+          <a:p>
+            <a:r>
+              <a:rPr lang="zh-CN" altLang="en-US"/>
+              <a:t>image：图片素材文件夹</a:t>
+            </a:r>
+            <a:endParaRPr lang="zh-CN" altLang="en-US"/>
+          </a:p>
+          <a:p>
+            <a:endParaRPr lang="zh-CN" altLang="en-US"/>
+          </a:p>
+          <a:p>
+            <a:r>
+              <a:rPr lang="zh-CN" altLang="en-US"/>
+              <a:t>其他：各种配置文件</a:t>
+            </a:r>
+            <a:endParaRPr lang="zh-CN" altLang="en-US"/>
+          </a:p>
+        </p:txBody>
+      </p:sp>
+    </p:spTree>
+  </p:cSld>
+  <p:clrMapOvr>
+    <a:masterClrMapping/>
+  </p:clrMapOvr>
+  <mc:AlternateContent xmlns:mc="http://schemas.openxmlformats.org/markup-compatibility/2006">
+    <mc:Choice xmlns:p14="http://schemas.microsoft.com/office/powerpoint/2010/main" Requires="p14">
+      <p:transition spd="slow" p14:dur="1600">
+        <p14:gallery dir="l"/>
+      </p:transition>
+    </mc:Choice>
+    <mc:Fallback>
+      <p:transition spd="slow">
+        <p:fade/>
+      </p:transition>
+    </mc:Fallback>
+  </mc:AlternateContent>
+</p:sld>
+</file>
+
+<file path=ppt/slides/slide18.xml><?xml version="1.0" encoding="utf-8"?>
+<p:sld xmlns:a="http://schemas.openxmlformats.org/drawingml/2006/main" xmlns:r="http://schemas.openxmlformats.org/officeDocument/2006/relationships" xmlns:p="http://schemas.openxmlformats.org/presentationml/2006/main">
+  <p:cSld>
+    <p:spTree>
+      <p:nvGrpSpPr>
+        <p:cNvPr id="1" name=""/>
+        <p:cNvGrpSpPr/>
+        <p:nvPr/>
+      </p:nvGrpSpPr>
+      <p:grpSpPr>
+        <a:xfrm>
+          <a:off x="0" y="0"/>
+          <a:ext cx="0" cy="0"/>
+          <a:chOff x="0" y="0"/>
+          <a:chExt cx="0" cy="0"/>
+        </a:xfrm>
+      </p:grpSpPr>
+      <p:sp>
+        <p:nvSpPr>
+          <p:cNvPr id="2" name="等腰三角形 1"/>
+          <p:cNvSpPr/>
+          <p:nvPr/>
+        </p:nvSpPr>
+        <p:spPr>
+          <a:xfrm rot="5400000">
+            <a:off x="5190237" y="-5198360"/>
+            <a:ext cx="1811529" cy="12192003"/>
+          </a:xfrm>
+          <a:prstGeom prst="triangle">
+            <a:avLst>
+              <a:gd name="adj" fmla="val 0"/>
+            </a:avLst>
+          </a:prstGeom>
+          <a:solidFill>
+            <a:srgbClr val="44546A"/>
+          </a:solidFill>
+          <a:ln>
+            <a:solidFill>
+              <a:srgbClr val="44546A"/>
+            </a:solidFill>
+          </a:ln>
+        </p:spPr>
+        <p:style>
+          <a:lnRef idx="2">
+            <a:schemeClr val="accent1">
+              <a:shade val="50000"/>
+            </a:schemeClr>
+          </a:lnRef>
+          <a:fillRef idx="1">
+            <a:schemeClr val="accent1"/>
+          </a:fillRef>
+          <a:effectRef idx="0">
+            <a:schemeClr val="accent1"/>
+          </a:effectRef>
+          <a:fontRef idx="minor">
+            <a:schemeClr val="lt1"/>
+          </a:fontRef>
+        </p:style>
+        <p:txBody>
+          <a:bodyPr rtlCol="0" anchor="ctr"/>
+          <a:lstStyle/>
+          <a:p>
+            <a:pPr algn="ctr"/>
+            <a:endParaRPr lang="zh-CN" altLang="en-US" sz="2400"/>
+          </a:p>
+        </p:txBody>
+      </p:sp>
+      <p:sp>
+        <p:nvSpPr>
+          <p:cNvPr id="27" name="文本框 26"/>
+          <p:cNvSpPr txBox="1"/>
+          <p:nvPr/>
+        </p:nvSpPr>
+        <p:spPr>
+          <a:xfrm>
+            <a:off x="353800" y="184666"/>
+            <a:ext cx="6859452" cy="646203"/>
+          </a:xfrm>
+          <a:prstGeom prst="rect">
+            <a:avLst/>
+          </a:prstGeom>
+          <a:noFill/>
+        </p:spPr>
+        <p:txBody>
+          <a:bodyPr wrap="square">
+            <a:spAutoFit/>
+          </a:bodyPr>
+          <a:lstStyle>
+            <a:defPPr>
+              <a:defRPr lang="zh-CN"/>
+            </a:defPPr>
+            <a:lvl1pPr algn="ctr">
+              <a:lnSpc>
+                <a:spcPct val="150000"/>
+              </a:lnSpc>
+              <a:defRPr sz="1400">
+                <a:gradFill>
+                  <a:gsLst>
+                    <a:gs pos="0">
+                      <a:srgbClr val="08AEEA"/>
+                    </a:gs>
+                    <a:gs pos="100000">
+                      <a:srgbClr val="2AF598"/>
+                    </a:gs>
+                  </a:gsLst>
+                  <a:lin ang="2700000" scaled="0"/>
+                </a:gradFill>
+                <a:latin typeface="微软雅黑" panose="020B0503020204020204" pitchFamily="34" charset="-122"/>
+                <a:ea typeface="微软雅黑" panose="020B0503020204020204" pitchFamily="34" charset="-122"/>
+              </a:defRPr>
+            </a:lvl1pPr>
+          </a:lstStyle>
+          <a:p>
+            <a:pPr algn="l">
+              <a:lnSpc>
+                <a:spcPct val="100000"/>
+              </a:lnSpc>
+              <a:defRPr/>
+            </a:pPr>
+            <a:r>
+              <a:rPr lang="zh-CN" altLang="en-US" sz="3600" b="1" dirty="0">
+                <a:solidFill>
+                  <a:schemeClr val="bg2">
+                    <a:lumMod val="50000"/>
+                  </a:schemeClr>
+                </a:solidFill>
+                <a:latin typeface="+mn-lt"/>
+                <a:ea typeface="+mn-ea"/>
+                <a:cs typeface="+mn-ea"/>
+                <a:sym typeface="+mn-lt"/>
+              </a:rPr>
+              <a:t>附录：参考文献</a:t>
+            </a:r>
+            <a:endParaRPr lang="zh-CN" altLang="en-US" sz="3600" b="1" dirty="0">
+              <a:solidFill>
+                <a:schemeClr val="bg2">
+                  <a:lumMod val="50000"/>
+                </a:schemeClr>
+              </a:solidFill>
+              <a:latin typeface="+mn-lt"/>
+              <a:ea typeface="+mn-ea"/>
+              <a:cs typeface="+mn-ea"/>
+              <a:sym typeface="+mn-lt"/>
+            </a:endParaRPr>
+          </a:p>
+        </p:txBody>
+      </p:sp>
+      <p:sp>
+        <p:nvSpPr>
+          <p:cNvPr id="5" name="文本框 4"/>
+          <p:cNvSpPr txBox="1"/>
+          <p:nvPr/>
+        </p:nvSpPr>
+        <p:spPr>
+          <a:xfrm>
+            <a:off x="661785" y="2818136"/>
+            <a:ext cx="7114310" cy="1222375"/>
+          </a:xfrm>
+          <a:prstGeom prst="rect">
+            <a:avLst/>
+          </a:prstGeom>
+          <a:noFill/>
+        </p:spPr>
+        <p:txBody>
+          <a:bodyPr wrap="square">
+            <a:spAutoFit/>
+          </a:bodyPr>
+          <a:lstStyle/>
+          <a:p>
+            <a:pPr>
+              <a:lnSpc>
+                <a:spcPct val="115000"/>
+              </a:lnSpc>
+            </a:pPr>
+            <a:r>
+              <a:rPr lang="zh-CN" altLang="zh-CN" sz="1600" dirty="0">
+                <a:solidFill>
+                  <a:srgbClr val="445469"/>
+                </a:solidFill>
+                <a:latin typeface="Arial" panose="020B0604020202020204"/>
+                <a:ea typeface="宋体" panose="02010600030101010101" pitchFamily="2" charset="-122"/>
+                <a:cs typeface="Times New Roman" panose="02020603050405020304" pitchFamily="18" charset="0"/>
+                <a:sym typeface="+mn-ea"/>
+              </a:rPr>
+              <a:t>[1] 软件项目管理（原书第8版）[M]北京：机械工业出版社</a:t>
+            </a:r>
+            <a:endParaRPr lang="zh-CN" altLang="zh-CN" sz="1600" dirty="0">
+              <a:solidFill>
+                <a:srgbClr val="445469"/>
+              </a:solidFill>
+              <a:latin typeface="Arial" panose="020B0604020202020204"/>
+              <a:ea typeface="宋体" panose="02010600030101010101" pitchFamily="2" charset="-122"/>
+              <a:cs typeface="Times New Roman" panose="02020603050405020304" pitchFamily="18" charset="0"/>
+              <a:sym typeface="+mn-ea"/>
+            </a:endParaRPr>
+          </a:p>
+          <a:p>
+            <a:pPr>
+              <a:lnSpc>
+                <a:spcPct val="115000"/>
+              </a:lnSpc>
+            </a:pPr>
+            <a:r>
+              <a:rPr lang="en-US" altLang="zh-CN" sz="1600" dirty="0">
+                <a:solidFill>
+                  <a:srgbClr val="445469"/>
+                </a:solidFill>
+                <a:latin typeface="Arial" panose="020B0604020202020204"/>
+                <a:ea typeface="宋体" panose="02010600030101010101" pitchFamily="2" charset="-122"/>
+                <a:cs typeface="Times New Roman" panose="02020603050405020304" pitchFamily="18" charset="0"/>
+                <a:sym typeface="+mn-ea"/>
+              </a:rPr>
+              <a:t>[2]</a:t>
+            </a:r>
+            <a:r>
+              <a:rPr lang="zh-CN" altLang="zh-CN" sz="1600" dirty="0">
+                <a:solidFill>
+                  <a:srgbClr val="445469"/>
+                </a:solidFill>
+                <a:latin typeface="Arial" panose="020B0604020202020204"/>
+                <a:ea typeface="宋体" panose="02010600030101010101" pitchFamily="2" charset="-122"/>
+                <a:cs typeface="Times New Roman" panose="02020603050405020304" pitchFamily="18" charset="0"/>
+                <a:sym typeface="+mn-ea"/>
+              </a:rPr>
+              <a:t>https://blog.csdn.net/weixin_45756488/article/details/121772958</a:t>
+            </a:r>
+            <a:endParaRPr lang="zh-CN" altLang="zh-CN" sz="1600" dirty="0">
+              <a:solidFill>
+                <a:srgbClr val="445469"/>
+              </a:solidFill>
+              <a:latin typeface="Arial" panose="020B0604020202020204"/>
+              <a:ea typeface="宋体" panose="02010600030101010101" pitchFamily="2" charset="-122"/>
+              <a:cs typeface="Times New Roman" panose="02020603050405020304" pitchFamily="18" charset="0"/>
+              <a:sym typeface="+mn-ea"/>
+            </a:endParaRPr>
+          </a:p>
+          <a:p>
+            <a:pPr>
+              <a:lnSpc>
+                <a:spcPct val="115000"/>
+              </a:lnSpc>
+            </a:pPr>
+            <a:r>
+              <a:rPr lang="en-US" altLang="zh-CN" sz="1600" dirty="0">
+                <a:solidFill>
+                  <a:srgbClr val="445469"/>
+                </a:solidFill>
+                <a:latin typeface="Arial" panose="020B0604020202020204"/>
+                <a:ea typeface="宋体" panose="02010600030101010101" pitchFamily="2" charset="-122"/>
+                <a:cs typeface="Times New Roman" panose="02020603050405020304" pitchFamily="18" charset="0"/>
+                <a:sym typeface="+mn-ea"/>
+              </a:rPr>
+              <a:t>[3]https://blog.csdn.net/m0_61504888/article/details/123368011</a:t>
+            </a:r>
+            <a:endParaRPr lang="en-US" altLang="zh-CN" sz="1600" dirty="0">
+              <a:solidFill>
+                <a:srgbClr val="445469"/>
+              </a:solidFill>
+              <a:latin typeface="Arial" panose="020B0604020202020204"/>
+              <a:ea typeface="宋体" panose="02010600030101010101" pitchFamily="2" charset="-122"/>
+              <a:cs typeface="Times New Roman" panose="02020603050405020304" pitchFamily="18" charset="0"/>
+              <a:sym typeface="+mn-ea"/>
+            </a:endParaRPr>
+          </a:p>
+          <a:p>
+            <a:pPr>
+              <a:lnSpc>
+                <a:spcPct val="115000"/>
+              </a:lnSpc>
+            </a:pPr>
+            <a:r>
+              <a:rPr lang="en-US" altLang="zh-CN" sz="1600" dirty="0">
+                <a:solidFill>
+                  <a:srgbClr val="445469"/>
+                </a:solidFill>
+                <a:latin typeface="Arial" panose="020B0604020202020204"/>
+                <a:ea typeface="宋体" panose="02010600030101010101" pitchFamily="2" charset="-122"/>
+                <a:cs typeface="Times New Roman" panose="02020603050405020304" pitchFamily="18" charset="0"/>
+                <a:sym typeface="+mn-ea"/>
+              </a:rPr>
+              <a:t>…….</a:t>
+            </a:r>
+            <a:endParaRPr lang="en-US" altLang="zh-CN" sz="1600" dirty="0">
+              <a:solidFill>
+                <a:srgbClr val="445469"/>
+              </a:solidFill>
+              <a:latin typeface="Arial" panose="020B0604020202020204"/>
+              <a:ea typeface="宋体" panose="02010600030101010101" pitchFamily="2" charset="-122"/>
+              <a:cs typeface="Times New Roman" panose="02020603050405020304" pitchFamily="18" charset="0"/>
+              <a:sym typeface="+mn-ea"/>
+            </a:endParaRPr>
+          </a:p>
+        </p:txBody>
+      </p:sp>
+    </p:spTree>
+  </p:cSld>
+  <p:clrMapOvr>
+    <a:masterClrMapping/>
+  </p:clrMapOvr>
+  <mc:AlternateContent xmlns:mc="http://schemas.openxmlformats.org/markup-compatibility/2006">
+    <mc:Choice xmlns:p14="http://schemas.microsoft.com/office/powerpoint/2010/main" Requires="p14">
+      <p:transition spd="slow" p14:dur="1600">
+        <p14:gallery dir="l"/>
+      </p:transition>
+    </mc:Choice>
+    <mc:Fallback>
+      <p:transition spd="slow">
+        <p:fade/>
+      </p:transition>
+    </mc:Fallback>
+  </mc:AlternateContent>
+</p:sld>
+</file>
+
+<file path=ppt/slides/slide19.xml><?xml version="1.0" encoding="utf-8"?>
 <p:sld xmlns:a="http://schemas.openxmlformats.org/drawingml/2006/main" xmlns:r="http://schemas.openxmlformats.org/officeDocument/2006/relationships" xmlns:p="http://schemas.openxmlformats.org/presentationml/2006/main">
   <p:cSld>
     <p:spTree>
@@ -12320,12 +13148,6 @@
 </file>
 
 <file path=ppt/tags/tag3.xml><?xml version="1.0" encoding="utf-8"?>
-<p:tagLst xmlns:p="http://schemas.openxmlformats.org/presentationml/2006/main">
-  <p:tag name="KSO_WM_BEAUTIFY_FLAG" val=""/>
-</p:tagLst>
-</file>
-
-<file path=ppt/tags/tag4.xml><?xml version="1.0" encoding="utf-8"?>
 <p:tagLst xmlns:p="http://schemas.openxmlformats.org/presentationml/2006/main">
   <p:tag name="KSO_WPP_MARK_KEY" val="eb9ece9b-bfac-42ff-8c95-042b94f89c37"/>
   <p:tag name="COMMONDATA" val="eyJoZGlkIjoiODlkZGY5M2NjNTg0MDFlY2EwNDFhNjZlNmQ4ZGY2MmQifQ=="/>

--- a/代码测试/代码实现PPTv0.0.1.pptx
+++ b/代码测试/代码实现PPTv0.0.1.pptx
@@ -19,17 +19,19 @@
     <p:sldId id="622" r:id="rId12"/>
     <p:sldId id="623" r:id="rId13"/>
     <p:sldId id="624" r:id="rId14"/>
-    <p:sldId id="625" r:id="rId15"/>
-    <p:sldId id="626" r:id="rId16"/>
-    <p:sldId id="615" r:id="rId17"/>
-    <p:sldId id="619" r:id="rId18"/>
-    <p:sldId id="627" r:id="rId19"/>
-    <p:sldId id="616" r:id="rId20"/>
+    <p:sldId id="631" r:id="rId15"/>
+    <p:sldId id="625" r:id="rId16"/>
+    <p:sldId id="632" r:id="rId17"/>
+    <p:sldId id="626" r:id="rId18"/>
+    <p:sldId id="615" r:id="rId19"/>
+    <p:sldId id="627" r:id="rId20"/>
+    <p:sldId id="619" r:id="rId21"/>
+    <p:sldId id="616" r:id="rId22"/>
   </p:sldIdLst>
   <p:sldSz cx="12192000" cy="6858000"/>
   <p:notesSz cx="6858000" cy="9144000"/>
   <p:custDataLst>
-    <p:tags r:id="rId24"/>
+    <p:tags r:id="rId26"/>
   </p:custDataLst>
   <p:defaultTextStyle>
     <a:defPPr>
@@ -126,22 +128,6 @@
       </a:defRPr>
     </a:lvl9pPr>
   </p:defaultTextStyle>
-  <p:extLst>
-    <p:ext uri="{EFAFB233-063F-42B5-8137-9DF3F51BA10A}">
-      <p15:sldGuideLst xmlns:p15="http://schemas.microsoft.com/office/powerpoint/2012/main">
-        <p15:guide id="1" orient="horz" pos="2137" userDrawn="1">
-          <p15:clr>
-            <a:srgbClr val="A4A3A4"/>
-          </p15:clr>
-        </p15:guide>
-        <p15:guide id="2" pos="3840" userDrawn="1">
-          <p15:clr>
-            <a:srgbClr val="A4A3A4"/>
-          </p15:clr>
-        </p15:guide>
-      </p15:sldGuideLst>
-    </p:ext>
-  </p:extLst>
 </p:presentation>
 </file>
 
@@ -883,6 +869,162 @@
 </file>
 
 <file path=ppt/notesSlides/notesSlide14.xml><?xml version="1.0" encoding="utf-8"?>
+<p:notes xmlns:a="http://schemas.openxmlformats.org/drawingml/2006/main" xmlns:r="http://schemas.openxmlformats.org/officeDocument/2006/relationships" xmlns:p="http://schemas.openxmlformats.org/presentationml/2006/main">
+  <p:cSld>
+    <p:spTree>
+      <p:nvGrpSpPr>
+        <p:cNvPr id="1" name=""/>
+        <p:cNvGrpSpPr/>
+        <p:nvPr/>
+      </p:nvGrpSpPr>
+      <p:grpSpPr>
+        <a:xfrm>
+          <a:off x="0" y="0"/>
+          <a:ext cx="0" cy="0"/>
+          <a:chOff x="0" y="0"/>
+          <a:chExt cx="0" cy="0"/>
+        </a:xfrm>
+      </p:grpSpPr>
+      <p:sp>
+        <p:nvSpPr>
+          <p:cNvPr id="2" name="Slide Image Placeholder 1"/>
+          <p:cNvSpPr>
+            <a:spLocks noGrp="1" noRot="1" noChangeAspect="1"/>
+          </p:cNvSpPr>
+          <p:nvPr>
+            <p:ph type="sldImg"/>
+          </p:nvPr>
+        </p:nvSpPr>
+        <p:spPr/>
+      </p:sp>
+      <p:sp>
+        <p:nvSpPr>
+          <p:cNvPr id="3" name="Notes Placeholder 2"/>
+          <p:cNvSpPr>
+            <a:spLocks noGrp="1"/>
+          </p:cNvSpPr>
+          <p:nvPr>
+            <p:ph type="body" idx="1"/>
+          </p:nvPr>
+        </p:nvSpPr>
+        <p:spPr/>
+        <p:txBody>
+          <a:bodyPr/>
+          <a:lstStyle/>
+          <a:p>
+            <a:endParaRPr lang="en-US" dirty="0"/>
+          </a:p>
+        </p:txBody>
+      </p:sp>
+      <p:sp>
+        <p:nvSpPr>
+          <p:cNvPr id="4" name="Slide Number Placeholder 3"/>
+          <p:cNvSpPr>
+            <a:spLocks noGrp="1"/>
+          </p:cNvSpPr>
+          <p:nvPr>
+            <p:ph type="sldNum" sz="quarter" idx="10"/>
+          </p:nvPr>
+        </p:nvSpPr>
+        <p:spPr/>
+        <p:txBody>
+          <a:bodyPr/>
+          <a:lstStyle/>
+          <a:p>
+            <a:fld id="{45C73934-D492-4443-9427-018DE5D6DDA5}" type="slidenum">
+              <a:rPr lang="en-US" smtClean="0"/>
+            </a:fld>
+            <a:endParaRPr lang="en-US" dirty="0"/>
+          </a:p>
+        </p:txBody>
+      </p:sp>
+    </p:spTree>
+  </p:cSld>
+  <p:clrMapOvr>
+    <a:masterClrMapping/>
+  </p:clrMapOvr>
+</p:notes>
+</file>
+
+<file path=ppt/notesSlides/notesSlide15.xml><?xml version="1.0" encoding="utf-8"?>
+<p:notes xmlns:a="http://schemas.openxmlformats.org/drawingml/2006/main" xmlns:r="http://schemas.openxmlformats.org/officeDocument/2006/relationships" xmlns:p="http://schemas.openxmlformats.org/presentationml/2006/main">
+  <p:cSld>
+    <p:spTree>
+      <p:nvGrpSpPr>
+        <p:cNvPr id="1" name=""/>
+        <p:cNvGrpSpPr/>
+        <p:nvPr/>
+      </p:nvGrpSpPr>
+      <p:grpSpPr>
+        <a:xfrm>
+          <a:off x="0" y="0"/>
+          <a:ext cx="0" cy="0"/>
+          <a:chOff x="0" y="0"/>
+          <a:chExt cx="0" cy="0"/>
+        </a:xfrm>
+      </p:grpSpPr>
+      <p:sp>
+        <p:nvSpPr>
+          <p:cNvPr id="2" name="Slide Image Placeholder 1"/>
+          <p:cNvSpPr>
+            <a:spLocks noGrp="1" noRot="1" noChangeAspect="1"/>
+          </p:cNvSpPr>
+          <p:nvPr>
+            <p:ph type="sldImg"/>
+          </p:nvPr>
+        </p:nvSpPr>
+        <p:spPr/>
+      </p:sp>
+      <p:sp>
+        <p:nvSpPr>
+          <p:cNvPr id="3" name="Notes Placeholder 2"/>
+          <p:cNvSpPr>
+            <a:spLocks noGrp="1"/>
+          </p:cNvSpPr>
+          <p:nvPr>
+            <p:ph type="body" idx="1"/>
+          </p:nvPr>
+        </p:nvSpPr>
+        <p:spPr/>
+        <p:txBody>
+          <a:bodyPr/>
+          <a:lstStyle/>
+          <a:p>
+            <a:endParaRPr lang="en-US" dirty="0"/>
+          </a:p>
+        </p:txBody>
+      </p:sp>
+      <p:sp>
+        <p:nvSpPr>
+          <p:cNvPr id="4" name="Slide Number Placeholder 3"/>
+          <p:cNvSpPr>
+            <a:spLocks noGrp="1"/>
+          </p:cNvSpPr>
+          <p:nvPr>
+            <p:ph type="sldNum" sz="quarter" idx="10"/>
+          </p:nvPr>
+        </p:nvSpPr>
+        <p:spPr/>
+        <p:txBody>
+          <a:bodyPr/>
+          <a:lstStyle/>
+          <a:p>
+            <a:fld id="{45C73934-D492-4443-9427-018DE5D6DDA5}" type="slidenum">
+              <a:rPr lang="en-US" smtClean="0"/>
+            </a:fld>
+            <a:endParaRPr lang="en-US" dirty="0"/>
+          </a:p>
+        </p:txBody>
+      </p:sp>
+    </p:spTree>
+  </p:cSld>
+  <p:clrMapOvr>
+    <a:masterClrMapping/>
+  </p:clrMapOvr>
+</p:notes>
+</file>
+
+<file path=ppt/notesSlides/notesSlide16.xml><?xml version="1.0" encoding="utf-8"?>
 <p:notes xmlns:a="http://schemas.openxmlformats.org/drawingml/2006/main" xmlns:r="http://schemas.openxmlformats.org/officeDocument/2006/relationships" xmlns:p="http://schemas.openxmlformats.org/presentationml/2006/main">
   <p:cSld>
     <p:spTree>
@@ -6310,26 +6452,22 @@
       </p:sp>
       <p:pic>
         <p:nvPicPr>
-          <p:cNvPr id="3" name="图片 2"/>
+          <p:cNvPr id="4" name="图片 3"/>
           <p:cNvPicPr>
             <a:picLocks noChangeAspect="1"/>
           </p:cNvPicPr>
-          <p:nvPr>
-            <p:custDataLst>
-              <p:tags r:id="rId1"/>
-            </p:custDataLst>
-          </p:nvPr>
+          <p:nvPr/>
         </p:nvPicPr>
         <p:blipFill>
-          <a:blip r:embed="rId2"/>
+          <a:blip r:embed="rId1"/>
           <a:stretch>
             <a:fillRect/>
           </a:stretch>
         </p:blipFill>
         <p:spPr>
           <a:xfrm>
-            <a:off x="4101465" y="1483995"/>
-            <a:ext cx="6850380" cy="2689860"/>
+            <a:off x="2463800" y="2213610"/>
+            <a:ext cx="7264400" cy="3554730"/>
           </a:xfrm>
           <a:prstGeom prst="rect">
             <a:avLst/>
@@ -6487,7 +6625,7 @@
                 <a:cs typeface="+mn-ea"/>
                 <a:sym typeface="+mn-lt"/>
               </a:rPr>
-              <a:t>7.</a:t>
+              <a:t>6.</a:t>
             </a:r>
             <a:r>
               <a:rPr lang="zh-CN" altLang="en-US" sz="3600" b="1" dirty="0">
@@ -6501,7 +6639,7 @@
                 <a:cs typeface="+mn-ea"/>
                 <a:sym typeface="+mn-lt"/>
               </a:rPr>
-              <a:t>用户反馈</a:t>
+              <a:t>用户手册</a:t>
             </a:r>
             <a:endParaRPr lang="en-US" altLang="zh-CN" sz="3600" b="1" dirty="0">
               <a:solidFill>
@@ -6517,16 +6655,41 @@
           </a:p>
         </p:txBody>
       </p:sp>
-      <p:sp>
-        <p:nvSpPr>
-          <p:cNvPr id="3" name="文本框 2"/>
+      <p:pic>
+        <p:nvPicPr>
+          <p:cNvPr id="3" name="图片 2"/>
+          <p:cNvPicPr>
+            <a:picLocks noChangeAspect="1"/>
+          </p:cNvPicPr>
+          <p:nvPr/>
+        </p:nvPicPr>
+        <p:blipFill>
+          <a:blip r:embed="rId1"/>
+          <a:srcRect t="723"/>
+          <a:stretch>
+            <a:fillRect/>
+          </a:stretch>
+        </p:blipFill>
+        <p:spPr>
+          <a:xfrm>
+            <a:off x="4077970" y="1236345"/>
+            <a:ext cx="6248400" cy="5582920"/>
+          </a:xfrm>
+          <a:prstGeom prst="rect">
+            <a:avLst/>
+          </a:prstGeom>
+        </p:spPr>
+      </p:pic>
+      <p:sp>
+        <p:nvSpPr>
+          <p:cNvPr id="5" name="文本框 4"/>
           <p:cNvSpPr txBox="1"/>
           <p:nvPr/>
         </p:nvSpPr>
         <p:spPr>
           <a:xfrm>
-            <a:off x="2035175" y="1803400"/>
-            <a:ext cx="6400165" cy="1753235"/>
+            <a:off x="502285" y="3428365"/>
+            <a:ext cx="2049145" cy="1198880"/>
           </a:xfrm>
           <a:prstGeom prst="rect">
             <a:avLst/>
@@ -6534,72 +6697,105 @@
           <a:noFill/>
         </p:spPr>
         <p:txBody>
-          <a:bodyPr wrap="square" rtlCol="0">
+          <a:bodyPr wrap="square" rtlCol="0" anchor="t">
             <a:spAutoFit/>
           </a:bodyPr>
           <a:p>
-            <a:pPr algn="ctr"/>
-            <a:r>
-              <a:rPr lang="en-US" altLang="zh-CN"/>
-              <a:t>1.</a:t>
-            </a:r>
-            <a:r>
-              <a:rPr lang="zh-CN" altLang="en-US"/>
-              <a:t>使用本软件的过程顺畅</a:t>
-            </a:r>
-            <a:endParaRPr lang="zh-CN" altLang="en-US"/>
-          </a:p>
-          <a:p>
-            <a:pPr algn="ctr"/>
-            <a:r>
-              <a:rPr lang="en-US" altLang="zh-CN"/>
-              <a:t>2.本软件的界面友好</a:t>
-            </a:r>
-            <a:endParaRPr lang="en-US" altLang="zh-CN"/>
-          </a:p>
-          <a:p>
-            <a:pPr algn="ctr"/>
-            <a:r>
-              <a:rPr lang="en-US" altLang="zh-CN"/>
-              <a:t>3.本软件的功能丰富</a:t>
-            </a:r>
-            <a:endParaRPr lang="en-US" altLang="zh-CN"/>
-          </a:p>
-          <a:p>
-            <a:pPr algn="ctr"/>
-            <a:r>
-              <a:rPr lang="en-US" altLang="zh-CN"/>
-              <a:t>4.满意本软件的效果</a:t>
-            </a:r>
-            <a:endParaRPr lang="en-US" altLang="zh-CN"/>
-          </a:p>
-          <a:p>
-            <a:pPr algn="ctr"/>
-            <a:r>
-              <a:rPr lang="en-US" altLang="zh-CN"/>
-              <a:t>5.会推荐本软件给其他人</a:t>
-            </a:r>
-            <a:endParaRPr lang="en-US" altLang="zh-CN"/>
-          </a:p>
-          <a:p>
-            <a:pPr algn="ctr"/>
-            <a:r>
-              <a:rPr lang="zh-CN" altLang="en-US"/>
-              <a:t>（测试群体大多数低于</a:t>
-            </a:r>
-            <a:r>
-              <a:rPr lang="en-US" altLang="zh-CN"/>
-              <a:t>30</a:t>
-            </a:r>
-            <a:r>
-              <a:rPr lang="zh-CN" altLang="en-US"/>
-              <a:t>岁，且大部分为</a:t>
-            </a:r>
-            <a:r>
-              <a:rPr lang="zh-CN" altLang="en-US"/>
-              <a:t>男性）</a:t>
-            </a:r>
-            <a:endParaRPr lang="zh-CN" altLang="en-US"/>
+            <a:pPr>
+              <a:lnSpc>
+                <a:spcPct val="100000"/>
+              </a:lnSpc>
+              <a:defRPr/>
+            </a:pPr>
+            <a:r>
+              <a:rPr lang="zh-CN" altLang="en-US" sz="3600" b="1" dirty="0">
+                <a:solidFill>
+                  <a:srgbClr val="44546A"/>
+                </a:solidFill>
+                <a:cs typeface="+mn-ea"/>
+                <a:sym typeface="+mn-lt"/>
+              </a:rPr>
+              <a:t>代码规范</a:t>
+            </a:r>
+            <a:endParaRPr lang="zh-CN" altLang="en-US" sz="3600" b="1" dirty="0">
+              <a:solidFill>
+                <a:srgbClr val="44546A"/>
+              </a:solidFill>
+              <a:cs typeface="+mn-ea"/>
+              <a:sym typeface="+mn-lt"/>
+            </a:endParaRPr>
+          </a:p>
+          <a:p>
+            <a:pPr indent="457200">
+              <a:lnSpc>
+                <a:spcPct val="100000"/>
+              </a:lnSpc>
+              <a:defRPr/>
+            </a:pPr>
+            <a:r>
+              <a:rPr lang="zh-CN" altLang="en-US" sz="3600" b="1" dirty="0">
+                <a:solidFill>
+                  <a:srgbClr val="44546A"/>
+                </a:solidFill>
+                <a:cs typeface="+mn-ea"/>
+                <a:sym typeface="+mn-lt"/>
+              </a:rPr>
+              <a:t>目录：</a:t>
+            </a:r>
+            <a:endParaRPr lang="zh-CN" altLang="en-US" sz="3600" b="1" dirty="0">
+              <a:solidFill>
+                <a:srgbClr val="44546A"/>
+              </a:solidFill>
+              <a:cs typeface="+mn-ea"/>
+              <a:sym typeface="+mn-lt"/>
+            </a:endParaRPr>
+          </a:p>
+        </p:txBody>
+      </p:sp>
+      <p:sp>
+        <p:nvSpPr>
+          <p:cNvPr id="7" name="文本框 6"/>
+          <p:cNvSpPr txBox="1"/>
+          <p:nvPr/>
+        </p:nvSpPr>
+        <p:spPr>
+          <a:xfrm>
+            <a:off x="502285" y="6347460"/>
+            <a:ext cx="2049145" cy="368300"/>
+          </a:xfrm>
+          <a:prstGeom prst="rect">
+            <a:avLst/>
+          </a:prstGeom>
+          <a:noFill/>
+        </p:spPr>
+        <p:txBody>
+          <a:bodyPr wrap="square" rtlCol="0" anchor="t">
+            <a:spAutoFit/>
+          </a:bodyPr>
+          <a:p>
+            <a:pPr algn="ctr">
+              <a:lnSpc>
+                <a:spcPct val="100000"/>
+              </a:lnSpc>
+              <a:defRPr/>
+            </a:pPr>
+            <a:r>
+              <a:rPr lang="zh-CN" altLang="en-US" b="1" dirty="0">
+                <a:solidFill>
+                  <a:srgbClr val="44546A"/>
+                </a:solidFill>
+                <a:cs typeface="+mn-ea"/>
+                <a:sym typeface="+mn-lt"/>
+              </a:rPr>
+              <a:t>具体内容见文档</a:t>
+            </a:r>
+            <a:endParaRPr lang="zh-CN" altLang="en-US" b="1" dirty="0">
+              <a:solidFill>
+                <a:srgbClr val="44546A"/>
+              </a:solidFill>
+              <a:cs typeface="+mn-ea"/>
+              <a:sym typeface="+mn-lt"/>
+            </a:endParaRPr>
           </a:p>
         </p:txBody>
       </p:sp>
@@ -6754,7 +6950,7 @@
                 <a:cs typeface="+mn-ea"/>
                 <a:sym typeface="+mn-lt"/>
               </a:rPr>
-              <a:t>8.</a:t>
+              <a:t>7.</a:t>
             </a:r>
             <a:r>
               <a:rPr lang="zh-CN" altLang="en-US" sz="3600" b="1" dirty="0">
@@ -6768,7 +6964,7 @@
                 <a:cs typeface="+mn-ea"/>
                 <a:sym typeface="+mn-lt"/>
               </a:rPr>
-              <a:t>会议纪要</a:t>
+              <a:t>用户反馈</a:t>
             </a:r>
             <a:endParaRPr lang="en-US" altLang="zh-CN" sz="3600" b="1" dirty="0">
               <a:solidFill>
@@ -6786,47 +6982,22 @@
       </p:sp>
       <p:pic>
         <p:nvPicPr>
-          <p:cNvPr id="6" name="图片 5"/>
+          <p:cNvPr id="4" name="图片 3"/>
           <p:cNvPicPr>
             <a:picLocks noChangeAspect="1"/>
           </p:cNvPicPr>
           <p:nvPr/>
         </p:nvPicPr>
-        <p:blipFill rotWithShape="1">
+        <p:blipFill>
           <a:blip r:embed="rId1"/>
-          <a:srcRect t="1990" b="1803"/>
           <a:stretch>
             <a:fillRect/>
           </a:stretch>
         </p:blipFill>
         <p:spPr>
           <a:xfrm>
-            <a:off x="849694" y="1904658"/>
-            <a:ext cx="4858428" cy="2373745"/>
-          </a:xfrm>
-          <a:prstGeom prst="rect">
-            <a:avLst/>
-          </a:prstGeom>
-        </p:spPr>
-      </p:pic>
-      <p:pic>
-        <p:nvPicPr>
-          <p:cNvPr id="8" name="图片 7"/>
-          <p:cNvPicPr>
-            <a:picLocks noChangeAspect="1"/>
-          </p:cNvPicPr>
-          <p:nvPr/>
-        </p:nvPicPr>
-        <p:blipFill>
-          <a:blip r:embed="rId2"/>
-          <a:stretch>
-            <a:fillRect/>
-          </a:stretch>
-        </p:blipFill>
-        <p:spPr>
-          <a:xfrm>
-            <a:off x="6464825" y="990974"/>
-            <a:ext cx="4877481" cy="4201111"/>
+            <a:off x="3379470" y="1563370"/>
+            <a:ext cx="5433060" cy="4785360"/>
           </a:xfrm>
           <a:prstGeom prst="rect">
             <a:avLst/>
@@ -6928,8 +7099,8 @@
         </p:nvSpPr>
         <p:spPr>
           <a:xfrm>
-            <a:off x="-101599" y="158193"/>
-            <a:ext cx="6859452" cy="646203"/>
+            <a:off x="-621524" y="381001"/>
+            <a:ext cx="4892736" cy="646203"/>
           </a:xfrm>
           <a:prstGeom prst="rect">
             <a:avLst/>
@@ -6984,7 +7155,7 @@
                 <a:cs typeface="+mn-ea"/>
                 <a:sym typeface="+mn-lt"/>
               </a:rPr>
-              <a:t>9.</a:t>
+              <a:t>7.</a:t>
             </a:r>
             <a:r>
               <a:rPr lang="zh-CN" altLang="en-US" sz="3600" b="1" dirty="0">
@@ -6998,65 +7169,9 @@
                 <a:cs typeface="+mn-ea"/>
                 <a:sym typeface="+mn-lt"/>
               </a:rPr>
-              <a:t>总结</a:t>
-            </a:r>
-            <a:r>
-              <a:rPr lang="en-US" altLang="zh-CN" sz="3600" b="1" dirty="0">
-                <a:solidFill>
-                  <a:schemeClr val="bg2">
-                    <a:lumMod val="50000"/>
-                  </a:schemeClr>
-                </a:solidFill>
-                <a:latin typeface="+mn-lt"/>
-                <a:ea typeface="+mn-ea"/>
-                <a:cs typeface="+mn-ea"/>
-                <a:sym typeface="+mn-lt"/>
-              </a:rPr>
-              <a:t>&amp;</a:t>
-            </a:r>
-            <a:r>
-              <a:rPr lang="zh-CN" altLang="en-US" sz="3600" b="1" dirty="0">
-                <a:solidFill>
-                  <a:schemeClr val="bg2">
-                    <a:lumMod val="50000"/>
-                  </a:schemeClr>
-                </a:solidFill>
-                <a:latin typeface="+mn-lt"/>
-                <a:ea typeface="+mn-ea"/>
-                <a:cs typeface="+mn-ea"/>
-                <a:sym typeface="+mn-lt"/>
-              </a:rPr>
-              <a:t>评价</a:t>
-            </a:r>
-            <a:r>
-              <a:rPr lang="en-US" altLang="zh-CN" sz="3600" b="1" dirty="0">
-                <a:solidFill>
-                  <a:schemeClr val="bg2">
-                    <a:lumMod val="50000"/>
-                  </a:schemeClr>
-                </a:solidFill>
-                <a:latin typeface="+mn-lt"/>
-                <a:ea typeface="+mn-ea"/>
-                <a:cs typeface="+mn-ea"/>
-                <a:sym typeface="+mn-lt"/>
-              </a:rPr>
-              <a:t>&amp;</a:t>
-            </a:r>
-            <a:r>
-              <a:rPr lang="zh-CN" altLang="en-US" sz="3600" b="1" dirty="0">
-                <a:solidFill>
-                  <a:schemeClr val="bg2">
-                    <a:lumMod val="50000"/>
-                  </a:schemeClr>
-                </a:solidFill>
-                <a:latin typeface="+mn-lt"/>
-                <a:ea typeface="+mn-ea"/>
-                <a:cs typeface="+mn-ea"/>
-                <a:sym typeface="+mn-lt"/>
-              </a:rPr>
-              <a:t>说明</a:t>
-            </a:r>
-            <a:endParaRPr lang="zh-CN" altLang="en-US" sz="3600" b="1" dirty="0">
+              <a:t>用户反馈</a:t>
+            </a:r>
+            <a:endParaRPr lang="en-US" altLang="zh-CN" sz="3600" b="1" dirty="0">
               <a:solidFill>
                 <a:schemeClr val="bg2">
                   <a:lumMod val="50000"/>
@@ -7072,205 +7187,231 @@
       </p:sp>
       <p:sp>
         <p:nvSpPr>
-          <p:cNvPr id="3" name="Rectangle 1"/>
-          <p:cNvSpPr>
-            <a:spLocks noChangeArrowheads="1"/>
-          </p:cNvSpPr>
+          <p:cNvPr id="3" name="文本框 2"/>
+          <p:cNvSpPr txBox="1"/>
           <p:nvPr/>
         </p:nvSpPr>
-        <p:spPr bwMode="auto">
+        <p:spPr>
           <a:xfrm>
-            <a:off x="7213252" y="4703564"/>
-            <a:ext cx="3657600" cy="1969770"/>
+            <a:off x="2896235" y="2381250"/>
+            <a:ext cx="6400165" cy="3138170"/>
           </a:xfrm>
           <a:prstGeom prst="rect">
             <a:avLst/>
           </a:prstGeom>
           <a:noFill/>
-          <a:ln>
-            <a:noFill/>
-          </a:ln>
-          <a:effectLst/>
-          <a:extLst>
-            <a:ext uri="{909E8E84-426E-40DD-AFC4-6F175D3DCCD1}">
-              <a14:hiddenFill xmlns:a14="http://schemas.microsoft.com/office/drawing/2010/main">
-                <a:solidFill>
-                  <a:schemeClr val="accent1"/>
-                </a:solidFill>
-              </a14:hiddenFill>
-            </a:ext>
-            <a:ext uri="{91240B29-F687-4F45-9708-019B960494DF}">
-              <a14:hiddenLine xmlns:a14="http://schemas.microsoft.com/office/drawing/2010/main" w="9525">
-                <a:solidFill>
-                  <a:schemeClr val="tx1"/>
-                </a:solidFill>
-                <a:miter lim="800000"/>
-                <a:headEnd/>
-                <a:tailEnd/>
-              </a14:hiddenLine>
-            </a:ext>
-            <a:ext uri="{AF507438-7753-43E0-B8FC-AC1667EBCBE1}">
-              <a14:hiddenEffects xmlns:a14="http://schemas.microsoft.com/office/drawing/2010/main">
-                <a:effectLst>
-                  <a:outerShdw dist="35921" dir="2700000" algn="ctr" rotWithShape="0">
-                    <a:schemeClr val="bg2"/>
-                  </a:outerShdw>
-                </a:effectLst>
-              </a14:hiddenEffects>
-            </a:ext>
-          </a:extLst>
         </p:spPr>
         <p:txBody>
-          <a:bodyPr vert="horz" wrap="square" lIns="121920" tIns="60960" rIns="121920" bIns="60960" numCol="1" anchor="ctr" anchorCtr="0" compatLnSpc="1">
+          <a:bodyPr wrap="square" rtlCol="0">
             <a:spAutoFit/>
           </a:bodyPr>
-          <a:lstStyle>
-            <a:lvl1pPr indent="400050" eaLnBrk="0" fontAlgn="base" hangingPunct="0">
-              <a:spcBef>
-                <a:spcPct val="0"/>
-              </a:spcBef>
-              <a:spcAft>
-                <a:spcPct val="0"/>
-              </a:spcAft>
-              <a:defRPr>
-                <a:solidFill>
-                  <a:schemeClr val="tx1"/>
-                </a:solidFill>
-                <a:latin typeface="Arial" panose="020B0604020202020204" pitchFamily="34" charset="0"/>
-              </a:defRPr>
-            </a:lvl1pPr>
-            <a:lvl2pPr eaLnBrk="0" fontAlgn="base" hangingPunct="0">
-              <a:spcBef>
-                <a:spcPct val="0"/>
-              </a:spcBef>
-              <a:spcAft>
-                <a:spcPct val="0"/>
-              </a:spcAft>
-              <a:defRPr>
-                <a:solidFill>
-                  <a:schemeClr val="tx1"/>
-                </a:solidFill>
-                <a:latin typeface="Arial" panose="020B0604020202020204" pitchFamily="34" charset="0"/>
-              </a:defRPr>
-            </a:lvl2pPr>
-            <a:lvl3pPr eaLnBrk="0" fontAlgn="base" hangingPunct="0">
-              <a:spcBef>
-                <a:spcPct val="0"/>
-              </a:spcBef>
-              <a:spcAft>
-                <a:spcPct val="0"/>
-              </a:spcAft>
-              <a:defRPr>
-                <a:solidFill>
-                  <a:schemeClr val="tx1"/>
-                </a:solidFill>
-                <a:latin typeface="Arial" panose="020B0604020202020204" pitchFamily="34" charset="0"/>
-              </a:defRPr>
-            </a:lvl3pPr>
-            <a:lvl4pPr eaLnBrk="0" fontAlgn="base" hangingPunct="0">
-              <a:spcBef>
-                <a:spcPct val="0"/>
-              </a:spcBef>
-              <a:spcAft>
-                <a:spcPct val="0"/>
-              </a:spcAft>
-              <a:defRPr>
-                <a:solidFill>
-                  <a:schemeClr val="tx1"/>
-                </a:solidFill>
-                <a:latin typeface="Arial" panose="020B0604020202020204" pitchFamily="34" charset="0"/>
-              </a:defRPr>
-            </a:lvl4pPr>
-            <a:lvl5pPr eaLnBrk="0" fontAlgn="base" hangingPunct="0">
-              <a:spcBef>
-                <a:spcPct val="0"/>
-              </a:spcBef>
-              <a:spcAft>
-                <a:spcPct val="0"/>
-              </a:spcAft>
-              <a:defRPr>
-                <a:solidFill>
-                  <a:schemeClr val="tx1"/>
-                </a:solidFill>
-                <a:latin typeface="Arial" panose="020B0604020202020204" pitchFamily="34" charset="0"/>
-              </a:defRPr>
-            </a:lvl5pPr>
-            <a:lvl6pPr eaLnBrk="0" fontAlgn="base" hangingPunct="0">
-              <a:spcBef>
-                <a:spcPct val="0"/>
-              </a:spcBef>
-              <a:spcAft>
-                <a:spcPct val="0"/>
-              </a:spcAft>
-              <a:defRPr>
-                <a:solidFill>
-                  <a:schemeClr val="tx1"/>
-                </a:solidFill>
-                <a:latin typeface="Arial" panose="020B0604020202020204" pitchFamily="34" charset="0"/>
-              </a:defRPr>
-            </a:lvl6pPr>
-            <a:lvl7pPr eaLnBrk="0" fontAlgn="base" hangingPunct="0">
-              <a:spcBef>
-                <a:spcPct val="0"/>
-              </a:spcBef>
-              <a:spcAft>
-                <a:spcPct val="0"/>
-              </a:spcAft>
-              <a:defRPr>
-                <a:solidFill>
-                  <a:schemeClr val="tx1"/>
-                </a:solidFill>
-                <a:latin typeface="Arial" panose="020B0604020202020204" pitchFamily="34" charset="0"/>
-              </a:defRPr>
-            </a:lvl7pPr>
-            <a:lvl8pPr eaLnBrk="0" fontAlgn="base" hangingPunct="0">
-              <a:spcBef>
-                <a:spcPct val="0"/>
-              </a:spcBef>
-              <a:spcAft>
-                <a:spcPct val="0"/>
-              </a:spcAft>
-              <a:defRPr>
-                <a:solidFill>
-                  <a:schemeClr val="tx1"/>
-                </a:solidFill>
-                <a:latin typeface="Arial" panose="020B0604020202020204" pitchFamily="34" charset="0"/>
-              </a:defRPr>
-            </a:lvl8pPr>
-            <a:lvl9pPr eaLnBrk="0" fontAlgn="base" hangingPunct="0">
-              <a:spcBef>
-                <a:spcPct val="0"/>
-              </a:spcBef>
-              <a:spcAft>
-                <a:spcPct val="0"/>
-              </a:spcAft>
-              <a:defRPr>
-                <a:solidFill>
-                  <a:schemeClr val="tx1"/>
-                </a:solidFill>
-                <a:latin typeface="Arial" panose="020B0604020202020204" pitchFamily="34" charset="0"/>
-              </a:defRPr>
-            </a:lvl9pPr>
-          </a:lstStyle>
-          <a:p>
-            <a:pPr algn="l"/>
-            <a:r>
-              <a:rPr lang="zh-CN" altLang="en-US" sz="2400" b="1" dirty="0"/>
-              <a:t>提交说明：</a:t>
-            </a:r>
-            <a:endParaRPr lang="en-US" altLang="zh-CN" sz="2400" b="1" dirty="0"/>
-          </a:p>
-          <a:p>
-            <a:pPr algn="l"/>
-            <a:endParaRPr lang="en-US" altLang="zh-CN" sz="2400" dirty="0"/>
-          </a:p>
-          <a:p>
-            <a:pPr algn="l"/>
-            <a:r>
-              <a:rPr lang="zh-CN" altLang="en-US" sz="2400" dirty="0"/>
-              <a:t>小组已将全部阶段成果提交了到版本控制服务器并且记录了历史</a:t>
-            </a:r>
-            <a:endParaRPr lang="zh-CN" altLang="en-US" sz="2400" dirty="0"/>
+          <a:p>
+            <a:pPr algn="ctr">
+              <a:buClrTx/>
+              <a:buSzTx/>
+              <a:buFontTx/>
+              <a:defRPr/>
+            </a:pPr>
+            <a:r>
+              <a:rPr lang="zh-CN" altLang="en-US" b="1" dirty="0">
+                <a:solidFill>
+                  <a:srgbClr val="44546A"/>
+                </a:solidFill>
+                <a:cs typeface="+mn-ea"/>
+              </a:rPr>
+              <a:t>1.使用本软件的过程顺畅</a:t>
+            </a:r>
+            <a:endParaRPr lang="zh-CN" altLang="en-US" b="1" dirty="0">
+              <a:solidFill>
+                <a:srgbClr val="44546A"/>
+              </a:solidFill>
+              <a:cs typeface="+mn-ea"/>
+            </a:endParaRPr>
+          </a:p>
+          <a:p>
+            <a:pPr algn="ctr">
+              <a:buClrTx/>
+              <a:buSzTx/>
+              <a:buFontTx/>
+              <a:defRPr/>
+            </a:pPr>
+            <a:endParaRPr lang="zh-CN" altLang="en-US" b="1" dirty="0">
+              <a:solidFill>
+                <a:srgbClr val="44546A"/>
+              </a:solidFill>
+              <a:cs typeface="+mn-ea"/>
+            </a:endParaRPr>
+          </a:p>
+          <a:p>
+            <a:pPr algn="ctr">
+              <a:buClrTx/>
+              <a:buSzTx/>
+              <a:buFontTx/>
+              <a:defRPr/>
+            </a:pPr>
+            <a:r>
+              <a:rPr lang="zh-CN" altLang="en-US" b="1" dirty="0">
+                <a:solidFill>
+                  <a:srgbClr val="44546A"/>
+                </a:solidFill>
+                <a:cs typeface="+mn-ea"/>
+              </a:rPr>
+              <a:t>2.本软件的界面友好</a:t>
+            </a:r>
+            <a:endParaRPr lang="zh-CN" altLang="en-US" b="1" dirty="0">
+              <a:solidFill>
+                <a:srgbClr val="44546A"/>
+              </a:solidFill>
+              <a:cs typeface="+mn-ea"/>
+            </a:endParaRPr>
+          </a:p>
+          <a:p>
+            <a:pPr algn="ctr">
+              <a:buClrTx/>
+              <a:buSzTx/>
+              <a:buFontTx/>
+              <a:defRPr/>
+            </a:pPr>
+            <a:endParaRPr lang="zh-CN" altLang="en-US" b="1" dirty="0">
+              <a:solidFill>
+                <a:srgbClr val="44546A"/>
+              </a:solidFill>
+              <a:cs typeface="+mn-ea"/>
+            </a:endParaRPr>
+          </a:p>
+          <a:p>
+            <a:pPr algn="ctr">
+              <a:buClrTx/>
+              <a:buSzTx/>
+              <a:buFontTx/>
+              <a:defRPr/>
+            </a:pPr>
+            <a:r>
+              <a:rPr lang="zh-CN" altLang="en-US" b="1" dirty="0">
+                <a:solidFill>
+                  <a:srgbClr val="44546A"/>
+                </a:solidFill>
+                <a:cs typeface="+mn-ea"/>
+              </a:rPr>
+              <a:t>3.本软件的功能丰富</a:t>
+            </a:r>
+            <a:endParaRPr lang="zh-CN" altLang="en-US" b="1" dirty="0">
+              <a:solidFill>
+                <a:srgbClr val="44546A"/>
+              </a:solidFill>
+              <a:cs typeface="+mn-ea"/>
+            </a:endParaRPr>
+          </a:p>
+          <a:p>
+            <a:pPr algn="ctr">
+              <a:buClrTx/>
+              <a:buSzTx/>
+              <a:buFontTx/>
+              <a:defRPr/>
+            </a:pPr>
+            <a:endParaRPr lang="zh-CN" altLang="en-US" b="1" dirty="0">
+              <a:solidFill>
+                <a:srgbClr val="44546A"/>
+              </a:solidFill>
+              <a:cs typeface="+mn-ea"/>
+            </a:endParaRPr>
+          </a:p>
+          <a:p>
+            <a:pPr algn="ctr">
+              <a:buClrTx/>
+              <a:buSzTx/>
+              <a:buFontTx/>
+              <a:defRPr/>
+            </a:pPr>
+            <a:r>
+              <a:rPr lang="zh-CN" altLang="en-US" b="1" dirty="0">
+                <a:solidFill>
+                  <a:srgbClr val="44546A"/>
+                </a:solidFill>
+                <a:cs typeface="+mn-ea"/>
+              </a:rPr>
+              <a:t>4.满意本软件的效果</a:t>
+            </a:r>
+            <a:endParaRPr lang="zh-CN" altLang="en-US" b="1" dirty="0">
+              <a:solidFill>
+                <a:srgbClr val="44546A"/>
+              </a:solidFill>
+              <a:cs typeface="+mn-ea"/>
+            </a:endParaRPr>
+          </a:p>
+          <a:p>
+            <a:pPr algn="ctr">
+              <a:buClrTx/>
+              <a:buSzTx/>
+              <a:buFontTx/>
+              <a:defRPr/>
+            </a:pPr>
+            <a:endParaRPr lang="zh-CN" altLang="en-US" b="1" dirty="0">
+              <a:solidFill>
+                <a:srgbClr val="44546A"/>
+              </a:solidFill>
+              <a:cs typeface="+mn-ea"/>
+            </a:endParaRPr>
+          </a:p>
+          <a:p>
+            <a:pPr algn="ctr">
+              <a:buClrTx/>
+              <a:buSzTx/>
+              <a:buFontTx/>
+              <a:defRPr/>
+            </a:pPr>
+            <a:r>
+              <a:rPr lang="zh-CN" altLang="en-US" b="1" dirty="0">
+                <a:solidFill>
+                  <a:srgbClr val="44546A"/>
+                </a:solidFill>
+                <a:cs typeface="+mn-ea"/>
+              </a:rPr>
+              <a:t>5.会推荐本软件给其他人</a:t>
+            </a:r>
+            <a:endParaRPr lang="zh-CN" altLang="en-US" b="1" dirty="0">
+              <a:solidFill>
+                <a:srgbClr val="44546A"/>
+              </a:solidFill>
+              <a:cs typeface="+mn-ea"/>
+            </a:endParaRPr>
+          </a:p>
+          <a:p>
+            <a:pPr algn="ctr">
+              <a:buClrTx/>
+              <a:buSzTx/>
+              <a:buFontTx/>
+              <a:defRPr/>
+            </a:pPr>
+            <a:endParaRPr lang="zh-CN" altLang="en-US" b="1" dirty="0">
+              <a:solidFill>
+                <a:srgbClr val="44546A"/>
+              </a:solidFill>
+              <a:cs typeface="+mn-ea"/>
+            </a:endParaRPr>
+          </a:p>
+          <a:p>
+            <a:pPr algn="ctr">
+              <a:buClrTx/>
+              <a:buSzTx/>
+              <a:buFontTx/>
+              <a:defRPr/>
+            </a:pPr>
+            <a:r>
+              <a:rPr lang="zh-CN" altLang="en-US" b="1" dirty="0">
+                <a:solidFill>
+                  <a:srgbClr val="44546A"/>
+                </a:solidFill>
+                <a:cs typeface="+mn-ea"/>
+              </a:rPr>
+              <a:t>（测试群体大多数低于30岁，且大部分为男性）</a:t>
+            </a:r>
+            <a:endParaRPr lang="zh-CN" altLang="en-US" b="1" dirty="0">
+              <a:solidFill>
+                <a:srgbClr val="44546A"/>
+              </a:solidFill>
+              <a:cs typeface="+mn-ea"/>
+            </a:endParaRPr>
           </a:p>
         </p:txBody>
       </p:sp>
@@ -7369,8 +7510,8 @@
         </p:nvSpPr>
         <p:spPr>
           <a:xfrm>
-            <a:off x="353800" y="184666"/>
-            <a:ext cx="6859452" cy="646203"/>
+            <a:off x="-621524" y="381001"/>
+            <a:ext cx="4892736" cy="646203"/>
           </a:xfrm>
           <a:prstGeom prst="rect">
             <a:avLst/>
@@ -7407,14 +7548,14 @@
             </a:lvl1pPr>
           </a:lstStyle>
           <a:p>
-            <a:pPr algn="l">
+            <a:pPr>
               <a:lnSpc>
                 <a:spcPct val="100000"/>
               </a:lnSpc>
               <a:defRPr/>
             </a:pPr>
             <a:r>
-              <a:rPr lang="zh-CN" altLang="en-US" sz="3600" b="1" dirty="0">
+              <a:rPr lang="en-US" altLang="zh-CN" sz="3600" b="1" dirty="0">
                 <a:solidFill>
                   <a:schemeClr val="bg2">
                     <a:lumMod val="50000"/>
@@ -7425,9 +7566,23 @@
                 <a:cs typeface="+mn-ea"/>
                 <a:sym typeface="+mn-lt"/>
               </a:rPr>
-              <a:t>附录：参考文献</a:t>
-            </a:r>
-            <a:endParaRPr lang="zh-CN" altLang="en-US" sz="3600" b="1" dirty="0">
+              <a:t>8.</a:t>
+            </a:r>
+            <a:r>
+              <a:rPr lang="zh-CN" altLang="en-US" sz="3600" b="1" dirty="0">
+                <a:solidFill>
+                  <a:schemeClr val="bg2">
+                    <a:lumMod val="50000"/>
+                  </a:schemeClr>
+                </a:solidFill>
+                <a:latin typeface="+mn-lt"/>
+                <a:ea typeface="+mn-ea"/>
+                <a:cs typeface="+mn-ea"/>
+                <a:sym typeface="+mn-lt"/>
+              </a:rPr>
+              <a:t>会议纪要</a:t>
+            </a:r>
+            <a:endParaRPr lang="en-US" altLang="zh-CN" sz="3600" b="1" dirty="0">
               <a:solidFill>
                 <a:schemeClr val="bg2">
                   <a:lumMod val="50000"/>
@@ -7441,153 +7596,55 @@
           </a:p>
         </p:txBody>
       </p:sp>
-      <p:sp>
-        <p:nvSpPr>
-          <p:cNvPr id="5" name="文本框 4"/>
-          <p:cNvSpPr txBox="1"/>
+      <p:pic>
+        <p:nvPicPr>
+          <p:cNvPr id="6" name="图片 5"/>
+          <p:cNvPicPr>
+            <a:picLocks noChangeAspect="1"/>
+          </p:cNvPicPr>
           <p:nvPr/>
-        </p:nvSpPr>
+        </p:nvPicPr>
+        <p:blipFill rotWithShape="1">
+          <a:blip r:embed="rId1"/>
+          <a:srcRect t="1990" b="1803"/>
+          <a:stretch>
+            <a:fillRect/>
+          </a:stretch>
+        </p:blipFill>
         <p:spPr>
           <a:xfrm>
-            <a:off x="671945" y="1803406"/>
-            <a:ext cx="7114310" cy="1222375"/>
+            <a:off x="809054" y="2242478"/>
+            <a:ext cx="4858428" cy="2373745"/>
           </a:xfrm>
           <a:prstGeom prst="rect">
             <a:avLst/>
           </a:prstGeom>
-          <a:noFill/>
         </p:spPr>
-        <p:txBody>
-          <a:bodyPr wrap="square">
-            <a:spAutoFit/>
-          </a:bodyPr>
-          <a:lstStyle/>
-          <a:p>
-            <a:pPr>
-              <a:lnSpc>
-                <a:spcPct val="115000"/>
-              </a:lnSpc>
-            </a:pPr>
-            <a:r>
-              <a:rPr lang="zh-CN" altLang="zh-CN" sz="1600" dirty="0">
-                <a:solidFill>
-                  <a:srgbClr val="445469"/>
-                </a:solidFill>
-                <a:latin typeface="Arial" panose="020B0604020202020204"/>
-                <a:ea typeface="宋体" panose="02010600030101010101" pitchFamily="2" charset="-122"/>
-                <a:cs typeface="Times New Roman" panose="02020603050405020304" pitchFamily="18" charset="0"/>
-                <a:sym typeface="+mn-ea"/>
-              </a:rPr>
-              <a:t>[1] 软件项目管理（原书第8版）[M]北京：机械工业出版社</a:t>
-            </a:r>
-            <a:endParaRPr lang="zh-CN" altLang="zh-CN" sz="1600" dirty="0">
-              <a:solidFill>
-                <a:srgbClr val="445469"/>
-              </a:solidFill>
-              <a:latin typeface="Arial" panose="020B0604020202020204"/>
-              <a:ea typeface="宋体" panose="02010600030101010101" pitchFamily="2" charset="-122"/>
-              <a:cs typeface="Times New Roman" panose="02020603050405020304" pitchFamily="18" charset="0"/>
-              <a:sym typeface="+mn-ea"/>
-            </a:endParaRPr>
-          </a:p>
-          <a:p>
-            <a:pPr>
-              <a:lnSpc>
-                <a:spcPct val="115000"/>
-              </a:lnSpc>
-            </a:pPr>
-            <a:r>
-              <a:rPr lang="en-US" altLang="zh-CN" sz="1600" dirty="0">
-                <a:solidFill>
-                  <a:srgbClr val="445469"/>
-                </a:solidFill>
-                <a:latin typeface="Arial" panose="020B0604020202020204"/>
-                <a:ea typeface="宋体" panose="02010600030101010101" pitchFamily="2" charset="-122"/>
-                <a:cs typeface="Times New Roman" panose="02020603050405020304" pitchFamily="18" charset="0"/>
-                <a:sym typeface="+mn-ea"/>
-              </a:rPr>
-              <a:t>[2]</a:t>
-            </a:r>
-            <a:r>
-              <a:rPr lang="zh-CN" altLang="zh-CN" sz="1600" dirty="0">
-                <a:solidFill>
-                  <a:srgbClr val="445469"/>
-                </a:solidFill>
-                <a:latin typeface="Arial" panose="020B0604020202020204"/>
-                <a:ea typeface="宋体" panose="02010600030101010101" pitchFamily="2" charset="-122"/>
-                <a:cs typeface="Times New Roman" panose="02020603050405020304" pitchFamily="18" charset="0"/>
-                <a:sym typeface="+mn-ea"/>
-              </a:rPr>
-              <a:t>https://blog.csdn.net/weixin_45756488/article/details/121772958</a:t>
-            </a:r>
-            <a:endParaRPr lang="zh-CN" altLang="zh-CN" sz="1600" dirty="0">
-              <a:solidFill>
-                <a:srgbClr val="445469"/>
-              </a:solidFill>
-              <a:latin typeface="Arial" panose="020B0604020202020204"/>
-              <a:ea typeface="宋体" panose="02010600030101010101" pitchFamily="2" charset="-122"/>
-              <a:cs typeface="Times New Roman" panose="02020603050405020304" pitchFamily="18" charset="0"/>
-              <a:sym typeface="+mn-ea"/>
-            </a:endParaRPr>
-          </a:p>
-          <a:p>
-            <a:pPr>
-              <a:lnSpc>
-                <a:spcPct val="115000"/>
-              </a:lnSpc>
-            </a:pPr>
-            <a:r>
-              <a:rPr lang="en-US" altLang="zh-CN" sz="1600" dirty="0">
-                <a:solidFill>
-                  <a:srgbClr val="445469"/>
-                </a:solidFill>
-                <a:latin typeface="Arial" panose="020B0604020202020204"/>
-                <a:ea typeface="宋体" panose="02010600030101010101" pitchFamily="2" charset="-122"/>
-                <a:cs typeface="Times New Roman" panose="02020603050405020304" pitchFamily="18" charset="0"/>
-                <a:sym typeface="+mn-ea"/>
-              </a:rPr>
-              <a:t>[3]https://blog.csdn.net/m0_61504888/article/details/123368011</a:t>
-            </a:r>
-            <a:endParaRPr lang="en-US" altLang="zh-CN" sz="1600" dirty="0">
-              <a:solidFill>
-                <a:srgbClr val="445469"/>
-              </a:solidFill>
-              <a:latin typeface="Arial" panose="020B0604020202020204"/>
-              <a:ea typeface="宋体" panose="02010600030101010101" pitchFamily="2" charset="-122"/>
-              <a:cs typeface="Times New Roman" panose="02020603050405020304" pitchFamily="18" charset="0"/>
-              <a:sym typeface="+mn-ea"/>
-            </a:endParaRPr>
-          </a:p>
-          <a:p>
-            <a:pPr>
-              <a:lnSpc>
-                <a:spcPct val="115000"/>
-              </a:lnSpc>
-            </a:pPr>
-            <a:r>
-              <a:rPr lang="en-US" altLang="zh-CN" sz="1600" dirty="0">
-                <a:solidFill>
-                  <a:srgbClr val="445469"/>
-                </a:solidFill>
-                <a:latin typeface="Arial" panose="020B0604020202020204"/>
-                <a:ea typeface="宋体" panose="02010600030101010101" pitchFamily="2" charset="-122"/>
-                <a:cs typeface="Times New Roman" panose="02020603050405020304" pitchFamily="18" charset="0"/>
-                <a:sym typeface="+mn-ea"/>
-              </a:rPr>
-              <a:t>…….</a:t>
-            </a:r>
-            <a:endParaRPr lang="en-US" altLang="zh-CN" sz="1600" dirty="0">
-              <a:solidFill>
-                <a:srgbClr val="445469"/>
-              </a:solidFill>
-              <a:latin typeface="Arial" panose="020B0604020202020204"/>
-              <a:ea typeface="宋体" panose="02010600030101010101" pitchFamily="2" charset="-122"/>
-              <a:cs typeface="Times New Roman" panose="02020603050405020304" pitchFamily="18" charset="0"/>
-              <a:sym typeface="+mn-ea"/>
-            </a:endParaRPr>
-          </a:p>
-        </p:txBody>
-      </p:sp>
+      </p:pic>
+      <p:pic>
+        <p:nvPicPr>
+          <p:cNvPr id="8" name="图片 7"/>
+          <p:cNvPicPr>
+            <a:picLocks noChangeAspect="1"/>
+          </p:cNvPicPr>
+          <p:nvPr/>
+        </p:nvPicPr>
+        <p:blipFill>
+          <a:blip r:embed="rId2"/>
+          <a:stretch>
+            <a:fillRect/>
+          </a:stretch>
+        </p:blipFill>
+        <p:spPr>
+          <a:xfrm>
+            <a:off x="6474985" y="1328159"/>
+            <a:ext cx="4877481" cy="4201111"/>
+          </a:xfrm>
+          <a:prstGeom prst="rect">
+            <a:avLst/>
+          </a:prstGeom>
+        </p:spPr>
+      </p:pic>
     </p:spTree>
   </p:cSld>
   <p:clrMapOvr>
@@ -7683,7 +7740,7 @@
         </p:nvSpPr>
         <p:spPr>
           <a:xfrm>
-            <a:off x="353800" y="184666"/>
+            <a:off x="-101599" y="158193"/>
             <a:ext cx="6859452" cy="646203"/>
           </a:xfrm>
           <a:prstGeom prst="rect">
@@ -7721,6 +7778,566 @@
             </a:lvl1pPr>
           </a:lstStyle>
           <a:p>
+            <a:pPr>
+              <a:lnSpc>
+                <a:spcPct val="100000"/>
+              </a:lnSpc>
+              <a:defRPr/>
+            </a:pPr>
+            <a:r>
+              <a:rPr lang="en-US" altLang="zh-CN" sz="3600" b="1" dirty="0">
+                <a:solidFill>
+                  <a:schemeClr val="bg2">
+                    <a:lumMod val="50000"/>
+                  </a:schemeClr>
+                </a:solidFill>
+                <a:latin typeface="+mn-lt"/>
+                <a:ea typeface="+mn-ea"/>
+                <a:cs typeface="+mn-ea"/>
+                <a:sym typeface="+mn-lt"/>
+              </a:rPr>
+              <a:t>9.</a:t>
+            </a:r>
+            <a:r>
+              <a:rPr lang="zh-CN" altLang="en-US" sz="3600" b="1" dirty="0">
+                <a:solidFill>
+                  <a:schemeClr val="bg2">
+                    <a:lumMod val="50000"/>
+                  </a:schemeClr>
+                </a:solidFill>
+                <a:latin typeface="+mn-lt"/>
+                <a:ea typeface="+mn-ea"/>
+                <a:cs typeface="+mn-ea"/>
+                <a:sym typeface="+mn-lt"/>
+              </a:rPr>
+              <a:t>总结</a:t>
+            </a:r>
+            <a:r>
+              <a:rPr lang="en-US" altLang="zh-CN" sz="3600" b="1" dirty="0">
+                <a:solidFill>
+                  <a:schemeClr val="bg2">
+                    <a:lumMod val="50000"/>
+                  </a:schemeClr>
+                </a:solidFill>
+                <a:latin typeface="+mn-lt"/>
+                <a:ea typeface="+mn-ea"/>
+                <a:cs typeface="+mn-ea"/>
+                <a:sym typeface="+mn-lt"/>
+              </a:rPr>
+              <a:t>&amp;</a:t>
+            </a:r>
+            <a:r>
+              <a:rPr lang="zh-CN" altLang="en-US" sz="3600" b="1" dirty="0">
+                <a:solidFill>
+                  <a:schemeClr val="bg2">
+                    <a:lumMod val="50000"/>
+                  </a:schemeClr>
+                </a:solidFill>
+                <a:latin typeface="+mn-lt"/>
+                <a:ea typeface="+mn-ea"/>
+                <a:cs typeface="+mn-ea"/>
+                <a:sym typeface="+mn-lt"/>
+              </a:rPr>
+              <a:t>评价</a:t>
+            </a:r>
+            <a:r>
+              <a:rPr lang="en-US" altLang="zh-CN" sz="3600" b="1" dirty="0">
+                <a:solidFill>
+                  <a:schemeClr val="bg2">
+                    <a:lumMod val="50000"/>
+                  </a:schemeClr>
+                </a:solidFill>
+                <a:latin typeface="+mn-lt"/>
+                <a:ea typeface="+mn-ea"/>
+                <a:cs typeface="+mn-ea"/>
+                <a:sym typeface="+mn-lt"/>
+              </a:rPr>
+              <a:t>&amp;</a:t>
+            </a:r>
+            <a:r>
+              <a:rPr lang="zh-CN" altLang="en-US" sz="3600" b="1" dirty="0">
+                <a:solidFill>
+                  <a:schemeClr val="bg2">
+                    <a:lumMod val="50000"/>
+                  </a:schemeClr>
+                </a:solidFill>
+                <a:latin typeface="+mn-lt"/>
+                <a:ea typeface="+mn-ea"/>
+                <a:cs typeface="+mn-ea"/>
+                <a:sym typeface="+mn-lt"/>
+              </a:rPr>
+              <a:t>说明</a:t>
+            </a:r>
+            <a:endParaRPr lang="zh-CN" altLang="en-US" sz="3600" b="1" dirty="0">
+              <a:solidFill>
+                <a:schemeClr val="bg2">
+                  <a:lumMod val="50000"/>
+                </a:schemeClr>
+              </a:solidFill>
+              <a:latin typeface="+mn-lt"/>
+              <a:ea typeface="+mn-ea"/>
+              <a:cs typeface="+mn-ea"/>
+              <a:sym typeface="+mn-lt"/>
+            </a:endParaRPr>
+          </a:p>
+        </p:txBody>
+      </p:sp>
+      <p:sp>
+        <p:nvSpPr>
+          <p:cNvPr id="3" name="Rectangle 1"/>
+          <p:cNvSpPr>
+            <a:spLocks noChangeArrowheads="1"/>
+          </p:cNvSpPr>
+          <p:nvPr/>
+        </p:nvSpPr>
+        <p:spPr bwMode="auto">
+          <a:xfrm>
+            <a:off x="7213252" y="4703564"/>
+            <a:ext cx="3657600" cy="1969770"/>
+          </a:xfrm>
+          <a:prstGeom prst="rect">
+            <a:avLst/>
+          </a:prstGeom>
+          <a:noFill/>
+          <a:ln>
+            <a:noFill/>
+          </a:ln>
+          <a:effectLst/>
+          <a:extLst>
+            <a:ext uri="{909E8E84-426E-40DD-AFC4-6F175D3DCCD1}">
+              <a14:hiddenFill xmlns:a14="http://schemas.microsoft.com/office/drawing/2010/main">
+                <a:solidFill>
+                  <a:schemeClr val="accent1"/>
+                </a:solidFill>
+              </a14:hiddenFill>
+            </a:ext>
+            <a:ext uri="{91240B29-F687-4F45-9708-019B960494DF}">
+              <a14:hiddenLine xmlns:a14="http://schemas.microsoft.com/office/drawing/2010/main" w="9525">
+                <a:solidFill>
+                  <a:schemeClr val="tx1"/>
+                </a:solidFill>
+                <a:miter lim="800000"/>
+                <a:headEnd/>
+                <a:tailEnd/>
+              </a14:hiddenLine>
+            </a:ext>
+            <a:ext uri="{AF507438-7753-43E0-B8FC-AC1667EBCBE1}">
+              <a14:hiddenEffects xmlns:a14="http://schemas.microsoft.com/office/drawing/2010/main">
+                <a:effectLst>
+                  <a:outerShdw dist="35921" dir="2700000" algn="ctr" rotWithShape="0">
+                    <a:schemeClr val="bg2"/>
+                  </a:outerShdw>
+                </a:effectLst>
+              </a14:hiddenEffects>
+            </a:ext>
+          </a:extLst>
+        </p:spPr>
+        <p:txBody>
+          <a:bodyPr vert="horz" wrap="square" lIns="121920" tIns="60960" rIns="121920" bIns="60960" numCol="1" anchor="ctr" anchorCtr="0" compatLnSpc="1">
+            <a:spAutoFit/>
+          </a:bodyPr>
+          <a:lstStyle>
+            <a:lvl1pPr indent="400050" eaLnBrk="0" fontAlgn="base" hangingPunct="0">
+              <a:spcBef>
+                <a:spcPct val="0"/>
+              </a:spcBef>
+              <a:spcAft>
+                <a:spcPct val="0"/>
+              </a:spcAft>
+              <a:defRPr>
+                <a:solidFill>
+                  <a:schemeClr val="tx1"/>
+                </a:solidFill>
+                <a:latin typeface="Arial" panose="020B0604020202020204" pitchFamily="34" charset="0"/>
+              </a:defRPr>
+            </a:lvl1pPr>
+            <a:lvl2pPr eaLnBrk="0" fontAlgn="base" hangingPunct="0">
+              <a:spcBef>
+                <a:spcPct val="0"/>
+              </a:spcBef>
+              <a:spcAft>
+                <a:spcPct val="0"/>
+              </a:spcAft>
+              <a:defRPr>
+                <a:solidFill>
+                  <a:schemeClr val="tx1"/>
+                </a:solidFill>
+                <a:latin typeface="Arial" panose="020B0604020202020204" pitchFamily="34" charset="0"/>
+              </a:defRPr>
+            </a:lvl2pPr>
+            <a:lvl3pPr eaLnBrk="0" fontAlgn="base" hangingPunct="0">
+              <a:spcBef>
+                <a:spcPct val="0"/>
+              </a:spcBef>
+              <a:spcAft>
+                <a:spcPct val="0"/>
+              </a:spcAft>
+              <a:defRPr>
+                <a:solidFill>
+                  <a:schemeClr val="tx1"/>
+                </a:solidFill>
+                <a:latin typeface="Arial" panose="020B0604020202020204" pitchFamily="34" charset="0"/>
+              </a:defRPr>
+            </a:lvl3pPr>
+            <a:lvl4pPr eaLnBrk="0" fontAlgn="base" hangingPunct="0">
+              <a:spcBef>
+                <a:spcPct val="0"/>
+              </a:spcBef>
+              <a:spcAft>
+                <a:spcPct val="0"/>
+              </a:spcAft>
+              <a:defRPr>
+                <a:solidFill>
+                  <a:schemeClr val="tx1"/>
+                </a:solidFill>
+                <a:latin typeface="Arial" panose="020B0604020202020204" pitchFamily="34" charset="0"/>
+              </a:defRPr>
+            </a:lvl4pPr>
+            <a:lvl5pPr eaLnBrk="0" fontAlgn="base" hangingPunct="0">
+              <a:spcBef>
+                <a:spcPct val="0"/>
+              </a:spcBef>
+              <a:spcAft>
+                <a:spcPct val="0"/>
+              </a:spcAft>
+              <a:defRPr>
+                <a:solidFill>
+                  <a:schemeClr val="tx1"/>
+                </a:solidFill>
+                <a:latin typeface="Arial" panose="020B0604020202020204" pitchFamily="34" charset="0"/>
+              </a:defRPr>
+            </a:lvl5pPr>
+            <a:lvl6pPr eaLnBrk="0" fontAlgn="base" hangingPunct="0">
+              <a:spcBef>
+                <a:spcPct val="0"/>
+              </a:spcBef>
+              <a:spcAft>
+                <a:spcPct val="0"/>
+              </a:spcAft>
+              <a:defRPr>
+                <a:solidFill>
+                  <a:schemeClr val="tx1"/>
+                </a:solidFill>
+                <a:latin typeface="Arial" panose="020B0604020202020204" pitchFamily="34" charset="0"/>
+              </a:defRPr>
+            </a:lvl6pPr>
+            <a:lvl7pPr eaLnBrk="0" fontAlgn="base" hangingPunct="0">
+              <a:spcBef>
+                <a:spcPct val="0"/>
+              </a:spcBef>
+              <a:spcAft>
+                <a:spcPct val="0"/>
+              </a:spcAft>
+              <a:defRPr>
+                <a:solidFill>
+                  <a:schemeClr val="tx1"/>
+                </a:solidFill>
+                <a:latin typeface="Arial" panose="020B0604020202020204" pitchFamily="34" charset="0"/>
+              </a:defRPr>
+            </a:lvl7pPr>
+            <a:lvl8pPr eaLnBrk="0" fontAlgn="base" hangingPunct="0">
+              <a:spcBef>
+                <a:spcPct val="0"/>
+              </a:spcBef>
+              <a:spcAft>
+                <a:spcPct val="0"/>
+              </a:spcAft>
+              <a:defRPr>
+                <a:solidFill>
+                  <a:schemeClr val="tx1"/>
+                </a:solidFill>
+                <a:latin typeface="Arial" panose="020B0604020202020204" pitchFamily="34" charset="0"/>
+              </a:defRPr>
+            </a:lvl8pPr>
+            <a:lvl9pPr eaLnBrk="0" fontAlgn="base" hangingPunct="0">
+              <a:spcBef>
+                <a:spcPct val="0"/>
+              </a:spcBef>
+              <a:spcAft>
+                <a:spcPct val="0"/>
+              </a:spcAft>
+              <a:defRPr>
+                <a:solidFill>
+                  <a:schemeClr val="tx1"/>
+                </a:solidFill>
+                <a:latin typeface="Arial" panose="020B0604020202020204" pitchFamily="34" charset="0"/>
+              </a:defRPr>
+            </a:lvl9pPr>
+          </a:lstStyle>
+          <a:p>
+            <a:pPr algn="l"/>
+            <a:r>
+              <a:rPr lang="zh-CN" altLang="en-US" sz="2400" b="1" dirty="0"/>
+              <a:t>提交说明：</a:t>
+            </a:r>
+            <a:endParaRPr lang="en-US" altLang="zh-CN" sz="2400" b="1" dirty="0"/>
+          </a:p>
+          <a:p>
+            <a:pPr algn="l"/>
+            <a:endParaRPr lang="en-US" altLang="zh-CN" sz="2400" dirty="0"/>
+          </a:p>
+          <a:p>
+            <a:pPr algn="l"/>
+            <a:r>
+              <a:rPr lang="zh-CN" altLang="en-US" sz="2400" dirty="0"/>
+              <a:t>小组已将全部阶段成果提交了到版本控制服务器并且记录了历史</a:t>
+            </a:r>
+            <a:endParaRPr lang="zh-CN" altLang="en-US" sz="2400" dirty="0"/>
+          </a:p>
+        </p:txBody>
+      </p:sp>
+      <p:sp>
+        <p:nvSpPr>
+          <p:cNvPr id="4" name="文本框 3"/>
+          <p:cNvSpPr txBox="1"/>
+          <p:nvPr/>
+        </p:nvSpPr>
+        <p:spPr>
+          <a:xfrm>
+            <a:off x="558165" y="1924050"/>
+            <a:ext cx="11075035" cy="2779395"/>
+          </a:xfrm>
+          <a:prstGeom prst="rect">
+            <a:avLst/>
+          </a:prstGeom>
+          <a:noFill/>
+        </p:spPr>
+        <p:txBody>
+          <a:bodyPr wrap="square" rtlCol="0" anchor="t">
+            <a:noAutofit/>
+          </a:bodyPr>
+          <a:p>
+            <a:r>
+              <a:rPr lang="zh-CN" altLang="en-US"/>
+              <a:t>2022-12-14本次项目分工及评分：</a:t>
+            </a:r>
+            <a:endParaRPr lang="zh-CN" altLang="en-US"/>
+          </a:p>
+          <a:p>
+            <a:pPr indent="457200"/>
+            <a:r>
+              <a:rPr lang="zh-CN" altLang="en-US"/>
+              <a:t>胡晨炘（组长）：召开会议撰写会议纪要，程序清单修改，小组代码规范，代码单元测试准备，小组评价，小程序代码编写（主页、名称修改界面、排名界面）</a:t>
+            </a:r>
+            <a:endParaRPr lang="zh-CN" altLang="en-US"/>
+          </a:p>
+          <a:p>
+            <a:pPr indent="457200"/>
+            <a:r>
+              <a:rPr lang="zh-CN" altLang="en-US"/>
+              <a:t>完成程度：基本完成。	评分：8</a:t>
+            </a:r>
+            <a:r>
+              <a:rPr lang="en-US" altLang="zh-CN"/>
+              <a:t>5</a:t>
+            </a:r>
+            <a:r>
+              <a:rPr lang="zh-CN" altLang="en-US"/>
+              <a:t>分。</a:t>
+            </a:r>
+            <a:endParaRPr lang="zh-CN" altLang="en-US"/>
+          </a:p>
+          <a:p>
+            <a:pPr indent="457200"/>
+            <a:endParaRPr lang="zh-CN" altLang="en-US"/>
+          </a:p>
+          <a:p>
+            <a:pPr indent="457200"/>
+            <a:r>
+              <a:rPr lang="zh-CN" altLang="en-US"/>
+              <a:t>邹雨哲：完成相关PPT制作，小程序代码编写（测试界面），修改详细设计文件，更新相关文件、测试报告、</a:t>
+            </a:r>
+            <a:r>
+              <a:rPr lang="zh-CN" altLang="en-US" dirty="0">
+                <a:sym typeface="+mn-ea"/>
+              </a:rPr>
+              <a:t>提交到版本控制服务器</a:t>
+            </a:r>
+            <a:endParaRPr lang="zh-CN" altLang="en-US" dirty="0">
+              <a:sym typeface="+mn-ea"/>
+            </a:endParaRPr>
+          </a:p>
+          <a:p>
+            <a:pPr indent="457200"/>
+            <a:r>
+              <a:rPr lang="zh-CN" altLang="en-US"/>
+              <a:t>完成程度：基本完成。	评分：83分。</a:t>
+            </a:r>
+            <a:endParaRPr lang="zh-CN" altLang="en-US"/>
+          </a:p>
+          <a:p>
+            <a:pPr indent="457200"/>
+            <a:endParaRPr lang="zh-CN" altLang="en-US"/>
+          </a:p>
+          <a:p>
+            <a:pPr indent="457200"/>
+            <a:r>
+              <a:rPr lang="zh-CN" altLang="en-US"/>
+              <a:t>姚杰昇：小程序代码编写（个人信息界面、</a:t>
+            </a:r>
+            <a:r>
+              <a:rPr lang="zh-CN" altLang="en-US">
+                <a:sym typeface="+mn-ea"/>
+              </a:rPr>
+              <a:t>头像修改界面</a:t>
+            </a:r>
+            <a:r>
+              <a:rPr lang="zh-CN" altLang="en-US"/>
+              <a:t>）、修改测试计划、以白盒测试原则设计测试用例、测试报告</a:t>
+            </a:r>
+            <a:endParaRPr lang="zh-CN" altLang="en-US"/>
+          </a:p>
+          <a:p>
+            <a:pPr indent="457200"/>
+            <a:r>
+              <a:rPr lang="zh-CN" altLang="en-US"/>
+              <a:t>完成程度：基本完成。 	评分：8</a:t>
+            </a:r>
+            <a:r>
+              <a:rPr lang="en-US" altLang="zh-CN"/>
+              <a:t>6</a:t>
+            </a:r>
+            <a:r>
+              <a:rPr lang="zh-CN" altLang="en-US"/>
+              <a:t>分。</a:t>
+            </a:r>
+            <a:endParaRPr lang="zh-CN" altLang="en-US"/>
+          </a:p>
+        </p:txBody>
+      </p:sp>
+    </p:spTree>
+  </p:cSld>
+  <p:clrMapOvr>
+    <a:masterClrMapping/>
+  </p:clrMapOvr>
+  <mc:AlternateContent xmlns:mc="http://schemas.openxmlformats.org/markup-compatibility/2006">
+    <mc:Choice xmlns:p14="http://schemas.microsoft.com/office/powerpoint/2010/main" Requires="p14">
+      <p:transition spd="slow" p14:dur="1600">
+        <p14:gallery dir="l"/>
+      </p:transition>
+    </mc:Choice>
+    <mc:Fallback>
+      <p:transition spd="slow">
+        <p:fade/>
+      </p:transition>
+    </mc:Fallback>
+  </mc:AlternateContent>
+</p:sld>
+</file>
+
+<file path=ppt/slides/slide17.xml><?xml version="1.0" encoding="utf-8"?>
+<p:sld xmlns:a="http://schemas.openxmlformats.org/drawingml/2006/main" xmlns:r="http://schemas.openxmlformats.org/officeDocument/2006/relationships" xmlns:p="http://schemas.openxmlformats.org/presentationml/2006/main">
+  <p:cSld>
+    <p:spTree>
+      <p:nvGrpSpPr>
+        <p:cNvPr id="1" name=""/>
+        <p:cNvGrpSpPr/>
+        <p:nvPr/>
+      </p:nvGrpSpPr>
+      <p:grpSpPr>
+        <a:xfrm>
+          <a:off x="0" y="0"/>
+          <a:ext cx="0" cy="0"/>
+          <a:chOff x="0" y="0"/>
+          <a:chExt cx="0" cy="0"/>
+        </a:xfrm>
+      </p:grpSpPr>
+      <p:sp>
+        <p:nvSpPr>
+          <p:cNvPr id="2" name="等腰三角形 1"/>
+          <p:cNvSpPr/>
+          <p:nvPr/>
+        </p:nvSpPr>
+        <p:spPr>
+          <a:xfrm rot="5400000">
+            <a:off x="5190237" y="-5198360"/>
+            <a:ext cx="1811529" cy="12192003"/>
+          </a:xfrm>
+          <a:prstGeom prst="triangle">
+            <a:avLst>
+              <a:gd name="adj" fmla="val 0"/>
+            </a:avLst>
+          </a:prstGeom>
+          <a:solidFill>
+            <a:srgbClr val="44546A"/>
+          </a:solidFill>
+          <a:ln>
+            <a:solidFill>
+              <a:srgbClr val="44546A"/>
+            </a:solidFill>
+          </a:ln>
+        </p:spPr>
+        <p:style>
+          <a:lnRef idx="2">
+            <a:schemeClr val="accent1">
+              <a:shade val="50000"/>
+            </a:schemeClr>
+          </a:lnRef>
+          <a:fillRef idx="1">
+            <a:schemeClr val="accent1"/>
+          </a:fillRef>
+          <a:effectRef idx="0">
+            <a:schemeClr val="accent1"/>
+          </a:effectRef>
+          <a:fontRef idx="minor">
+            <a:schemeClr val="lt1"/>
+          </a:fontRef>
+        </p:style>
+        <p:txBody>
+          <a:bodyPr rtlCol="0" anchor="ctr"/>
+          <a:lstStyle/>
+          <a:p>
+            <a:pPr algn="ctr"/>
+            <a:endParaRPr lang="zh-CN" altLang="en-US" sz="2400"/>
+          </a:p>
+        </p:txBody>
+      </p:sp>
+      <p:sp>
+        <p:nvSpPr>
+          <p:cNvPr id="27" name="文本框 26"/>
+          <p:cNvSpPr txBox="1"/>
+          <p:nvPr/>
+        </p:nvSpPr>
+        <p:spPr>
+          <a:xfrm>
+            <a:off x="353800" y="184666"/>
+            <a:ext cx="6859452" cy="646203"/>
+          </a:xfrm>
+          <a:prstGeom prst="rect">
+            <a:avLst/>
+          </a:prstGeom>
+          <a:noFill/>
+        </p:spPr>
+        <p:txBody>
+          <a:bodyPr wrap="square">
+            <a:spAutoFit/>
+          </a:bodyPr>
+          <a:lstStyle>
+            <a:defPPr>
+              <a:defRPr lang="zh-CN"/>
+            </a:defPPr>
+            <a:lvl1pPr algn="ctr">
+              <a:lnSpc>
+                <a:spcPct val="150000"/>
+              </a:lnSpc>
+              <a:defRPr sz="1400">
+                <a:gradFill>
+                  <a:gsLst>
+                    <a:gs pos="0">
+                      <a:srgbClr val="08AEEA"/>
+                    </a:gs>
+                    <a:gs pos="100000">
+                      <a:srgbClr val="2AF598"/>
+                    </a:gs>
+                  </a:gsLst>
+                  <a:lin ang="2700000" scaled="0"/>
+                </a:gradFill>
+                <a:latin typeface="微软雅黑" panose="020B0503020204020204" pitchFamily="34" charset="-122"/>
+                <a:ea typeface="微软雅黑" panose="020B0503020204020204" pitchFamily="34" charset="-122"/>
+              </a:defRPr>
+            </a:lvl1pPr>
+          </a:lstStyle>
+          <a:p>
             <a:pPr algn="l">
               <a:lnSpc>
                 <a:spcPct val="100000"/>
@@ -7895,7 +8512,321 @@
 </p:sld>
 </file>
 
-<file path=ppt/slides/slide17.xml><?xml version="1.0" encoding="utf-8"?>
+<file path=ppt/slides/slide18.xml><?xml version="1.0" encoding="utf-8"?>
+<p:sld xmlns:a="http://schemas.openxmlformats.org/drawingml/2006/main" xmlns:r="http://schemas.openxmlformats.org/officeDocument/2006/relationships" xmlns:p="http://schemas.openxmlformats.org/presentationml/2006/main">
+  <p:cSld>
+    <p:spTree>
+      <p:nvGrpSpPr>
+        <p:cNvPr id="1" name=""/>
+        <p:cNvGrpSpPr/>
+        <p:nvPr/>
+      </p:nvGrpSpPr>
+      <p:grpSpPr>
+        <a:xfrm>
+          <a:off x="0" y="0"/>
+          <a:ext cx="0" cy="0"/>
+          <a:chOff x="0" y="0"/>
+          <a:chExt cx="0" cy="0"/>
+        </a:xfrm>
+      </p:grpSpPr>
+      <p:sp>
+        <p:nvSpPr>
+          <p:cNvPr id="2" name="等腰三角形 1"/>
+          <p:cNvSpPr/>
+          <p:nvPr/>
+        </p:nvSpPr>
+        <p:spPr>
+          <a:xfrm rot="5400000">
+            <a:off x="5190237" y="-5198360"/>
+            <a:ext cx="1811529" cy="12192003"/>
+          </a:xfrm>
+          <a:prstGeom prst="triangle">
+            <a:avLst>
+              <a:gd name="adj" fmla="val 0"/>
+            </a:avLst>
+          </a:prstGeom>
+          <a:solidFill>
+            <a:srgbClr val="44546A"/>
+          </a:solidFill>
+          <a:ln>
+            <a:solidFill>
+              <a:srgbClr val="44546A"/>
+            </a:solidFill>
+          </a:ln>
+        </p:spPr>
+        <p:style>
+          <a:lnRef idx="2">
+            <a:schemeClr val="accent1">
+              <a:shade val="50000"/>
+            </a:schemeClr>
+          </a:lnRef>
+          <a:fillRef idx="1">
+            <a:schemeClr val="accent1"/>
+          </a:fillRef>
+          <a:effectRef idx="0">
+            <a:schemeClr val="accent1"/>
+          </a:effectRef>
+          <a:fontRef idx="minor">
+            <a:schemeClr val="lt1"/>
+          </a:fontRef>
+        </p:style>
+        <p:txBody>
+          <a:bodyPr rtlCol="0" anchor="ctr"/>
+          <a:lstStyle/>
+          <a:p>
+            <a:pPr algn="ctr"/>
+            <a:endParaRPr lang="zh-CN" altLang="en-US" sz="2400"/>
+          </a:p>
+        </p:txBody>
+      </p:sp>
+      <p:sp>
+        <p:nvSpPr>
+          <p:cNvPr id="27" name="文本框 26"/>
+          <p:cNvSpPr txBox="1"/>
+          <p:nvPr/>
+        </p:nvSpPr>
+        <p:spPr>
+          <a:xfrm>
+            <a:off x="353800" y="184666"/>
+            <a:ext cx="6859452" cy="646203"/>
+          </a:xfrm>
+          <a:prstGeom prst="rect">
+            <a:avLst/>
+          </a:prstGeom>
+          <a:noFill/>
+        </p:spPr>
+        <p:txBody>
+          <a:bodyPr wrap="square">
+            <a:spAutoFit/>
+          </a:bodyPr>
+          <a:lstStyle>
+            <a:defPPr>
+              <a:defRPr lang="zh-CN"/>
+            </a:defPPr>
+            <a:lvl1pPr algn="ctr">
+              <a:lnSpc>
+                <a:spcPct val="150000"/>
+              </a:lnSpc>
+              <a:defRPr sz="1400">
+                <a:gradFill>
+                  <a:gsLst>
+                    <a:gs pos="0">
+                      <a:srgbClr val="08AEEA"/>
+                    </a:gs>
+                    <a:gs pos="100000">
+                      <a:srgbClr val="2AF598"/>
+                    </a:gs>
+                  </a:gsLst>
+                  <a:lin ang="2700000" scaled="0"/>
+                </a:gradFill>
+                <a:latin typeface="微软雅黑" panose="020B0503020204020204" pitchFamily="34" charset="-122"/>
+                <a:ea typeface="微软雅黑" panose="020B0503020204020204" pitchFamily="34" charset="-122"/>
+              </a:defRPr>
+            </a:lvl1pPr>
+          </a:lstStyle>
+          <a:p>
+            <a:pPr algn="l">
+              <a:lnSpc>
+                <a:spcPct val="100000"/>
+              </a:lnSpc>
+              <a:defRPr/>
+            </a:pPr>
+            <a:r>
+              <a:rPr lang="zh-CN" altLang="en-US" sz="3600" b="1" dirty="0">
+                <a:solidFill>
+                  <a:schemeClr val="bg2">
+                    <a:lumMod val="50000"/>
+                  </a:schemeClr>
+                </a:solidFill>
+                <a:latin typeface="+mn-lt"/>
+                <a:ea typeface="+mn-ea"/>
+                <a:cs typeface="+mn-ea"/>
+                <a:sym typeface="+mn-lt"/>
+              </a:rPr>
+              <a:t>附录：参考文献</a:t>
+            </a:r>
+            <a:endParaRPr lang="zh-CN" altLang="en-US" sz="3600" b="1" dirty="0">
+              <a:solidFill>
+                <a:schemeClr val="bg2">
+                  <a:lumMod val="50000"/>
+                </a:schemeClr>
+              </a:solidFill>
+              <a:latin typeface="+mn-lt"/>
+              <a:ea typeface="+mn-ea"/>
+              <a:cs typeface="+mn-ea"/>
+              <a:sym typeface="+mn-lt"/>
+            </a:endParaRPr>
+          </a:p>
+        </p:txBody>
+      </p:sp>
+      <p:sp>
+        <p:nvSpPr>
+          <p:cNvPr id="5" name="文本框 4"/>
+          <p:cNvSpPr txBox="1"/>
+          <p:nvPr/>
+        </p:nvSpPr>
+        <p:spPr>
+          <a:xfrm>
+            <a:off x="661785" y="2818136"/>
+            <a:ext cx="7114310" cy="1222375"/>
+          </a:xfrm>
+          <a:prstGeom prst="rect">
+            <a:avLst/>
+          </a:prstGeom>
+          <a:noFill/>
+        </p:spPr>
+        <p:txBody>
+          <a:bodyPr wrap="square">
+            <a:spAutoFit/>
+          </a:bodyPr>
+          <a:lstStyle/>
+          <a:p>
+            <a:pPr>
+              <a:lnSpc>
+                <a:spcPct val="115000"/>
+              </a:lnSpc>
+            </a:pPr>
+            <a:r>
+              <a:rPr lang="zh-CN" altLang="zh-CN" sz="1600" dirty="0">
+                <a:solidFill>
+                  <a:srgbClr val="445469"/>
+                </a:solidFill>
+                <a:latin typeface="Arial" panose="020B0604020202020204"/>
+                <a:ea typeface="宋体" panose="02010600030101010101" pitchFamily="2" charset="-122"/>
+                <a:cs typeface="Times New Roman" panose="02020603050405020304" pitchFamily="18" charset="0"/>
+                <a:sym typeface="+mn-ea"/>
+              </a:rPr>
+              <a:t>[1] 软件项目管理（原书第8版）[M]北京：机械工业出版社</a:t>
+            </a:r>
+            <a:endParaRPr lang="zh-CN" altLang="zh-CN" sz="1600" dirty="0">
+              <a:solidFill>
+                <a:srgbClr val="445469"/>
+              </a:solidFill>
+              <a:latin typeface="Arial" panose="020B0604020202020204"/>
+              <a:ea typeface="宋体" panose="02010600030101010101" pitchFamily="2" charset="-122"/>
+              <a:cs typeface="Times New Roman" panose="02020603050405020304" pitchFamily="18" charset="0"/>
+              <a:sym typeface="+mn-ea"/>
+            </a:endParaRPr>
+          </a:p>
+          <a:p>
+            <a:pPr>
+              <a:lnSpc>
+                <a:spcPct val="115000"/>
+              </a:lnSpc>
+            </a:pPr>
+            <a:r>
+              <a:rPr lang="en-US" altLang="zh-CN" sz="1600" dirty="0">
+                <a:solidFill>
+                  <a:srgbClr val="445469"/>
+                </a:solidFill>
+                <a:latin typeface="Arial" panose="020B0604020202020204"/>
+                <a:ea typeface="宋体" panose="02010600030101010101" pitchFamily="2" charset="-122"/>
+                <a:cs typeface="Times New Roman" panose="02020603050405020304" pitchFamily="18" charset="0"/>
+                <a:sym typeface="+mn-ea"/>
+              </a:rPr>
+              <a:t>[2]</a:t>
+            </a:r>
+            <a:r>
+              <a:rPr lang="zh-CN" altLang="zh-CN" sz="1600" dirty="0">
+                <a:solidFill>
+                  <a:srgbClr val="445469"/>
+                </a:solidFill>
+                <a:latin typeface="Arial" panose="020B0604020202020204"/>
+                <a:ea typeface="宋体" panose="02010600030101010101" pitchFamily="2" charset="-122"/>
+                <a:cs typeface="Times New Roman" panose="02020603050405020304" pitchFamily="18" charset="0"/>
+                <a:sym typeface="+mn-ea"/>
+              </a:rPr>
+              <a:t>https://blog.csdn.net/weixin_45756488/article/details/121772958</a:t>
+            </a:r>
+            <a:endParaRPr lang="zh-CN" altLang="zh-CN" sz="1600" dirty="0">
+              <a:solidFill>
+                <a:srgbClr val="445469"/>
+              </a:solidFill>
+              <a:latin typeface="Arial" panose="020B0604020202020204"/>
+              <a:ea typeface="宋体" panose="02010600030101010101" pitchFamily="2" charset="-122"/>
+              <a:cs typeface="Times New Roman" panose="02020603050405020304" pitchFamily="18" charset="0"/>
+              <a:sym typeface="+mn-ea"/>
+            </a:endParaRPr>
+          </a:p>
+          <a:p>
+            <a:pPr>
+              <a:lnSpc>
+                <a:spcPct val="115000"/>
+              </a:lnSpc>
+            </a:pPr>
+            <a:r>
+              <a:rPr lang="en-US" altLang="zh-CN" sz="1600" dirty="0">
+                <a:solidFill>
+                  <a:srgbClr val="445469"/>
+                </a:solidFill>
+                <a:latin typeface="Arial" panose="020B0604020202020204"/>
+                <a:ea typeface="宋体" panose="02010600030101010101" pitchFamily="2" charset="-122"/>
+                <a:cs typeface="Times New Roman" panose="02020603050405020304" pitchFamily="18" charset="0"/>
+                <a:sym typeface="+mn-ea"/>
+              </a:rPr>
+              <a:t>[3]https://blog.csdn.net/m0_61504888/article/details/123368011</a:t>
+            </a:r>
+            <a:endParaRPr lang="en-US" altLang="zh-CN" sz="1600" dirty="0">
+              <a:solidFill>
+                <a:srgbClr val="445469"/>
+              </a:solidFill>
+              <a:latin typeface="Arial" panose="020B0604020202020204"/>
+              <a:ea typeface="宋体" panose="02010600030101010101" pitchFamily="2" charset="-122"/>
+              <a:cs typeface="Times New Roman" panose="02020603050405020304" pitchFamily="18" charset="0"/>
+              <a:sym typeface="+mn-ea"/>
+            </a:endParaRPr>
+          </a:p>
+          <a:p>
+            <a:pPr>
+              <a:lnSpc>
+                <a:spcPct val="115000"/>
+              </a:lnSpc>
+            </a:pPr>
+            <a:r>
+              <a:rPr lang="en-US" altLang="zh-CN" sz="1600" dirty="0">
+                <a:solidFill>
+                  <a:srgbClr val="445469"/>
+                </a:solidFill>
+                <a:latin typeface="Arial" panose="020B0604020202020204"/>
+                <a:ea typeface="宋体" panose="02010600030101010101" pitchFamily="2" charset="-122"/>
+                <a:cs typeface="Times New Roman" panose="02020603050405020304" pitchFamily="18" charset="0"/>
+                <a:sym typeface="+mn-ea"/>
+              </a:rPr>
+              <a:t>…….</a:t>
+            </a:r>
+            <a:endParaRPr lang="en-US" altLang="zh-CN" sz="1600" dirty="0">
+              <a:solidFill>
+                <a:srgbClr val="445469"/>
+              </a:solidFill>
+              <a:latin typeface="Arial" panose="020B0604020202020204"/>
+              <a:ea typeface="宋体" panose="02010600030101010101" pitchFamily="2" charset="-122"/>
+              <a:cs typeface="Times New Roman" panose="02020603050405020304" pitchFamily="18" charset="0"/>
+              <a:sym typeface="+mn-ea"/>
+            </a:endParaRPr>
+          </a:p>
+        </p:txBody>
+      </p:sp>
+    </p:spTree>
+  </p:cSld>
+  <p:clrMapOvr>
+    <a:masterClrMapping/>
+  </p:clrMapOvr>
+  <mc:AlternateContent xmlns:mc="http://schemas.openxmlformats.org/markup-compatibility/2006">
+    <mc:Choice xmlns:p14="http://schemas.microsoft.com/office/powerpoint/2010/main" Requires="p14">
+      <p:transition spd="slow" p14:dur="1600">
+        <p14:gallery dir="l"/>
+      </p:transition>
+    </mc:Choice>
+    <mc:Fallback>
+      <p:transition spd="slow">
+        <p:fade/>
+      </p:transition>
+    </mc:Fallback>
+  </mc:AlternateContent>
+</p:sld>
+</file>
+
+<file path=ppt/slides/slide19.xml><?xml version="1.0" encoding="utf-8"?>
 <p:sld xmlns:a="http://schemas.openxmlformats.org/drawingml/2006/main" xmlns:r="http://schemas.openxmlformats.org/officeDocument/2006/relationships" xmlns:p="http://schemas.openxmlformats.org/presentationml/2006/main">
   <p:cSld>
     <p:spTree>
@@ -10433,8 +11364,8 @@
         </p:blipFill>
         <p:spPr bwMode="auto">
           <a:xfrm>
-            <a:off x="8839202" y="1237617"/>
-            <a:ext cx="2905517" cy="5081752"/>
+            <a:off x="8529322" y="1803402"/>
+            <a:ext cx="2880000" cy="5037122"/>
           </a:xfrm>
           <a:prstGeom prst="rect">
             <a:avLst/>
@@ -10461,8 +11392,8 @@
         </p:blipFill>
         <p:spPr bwMode="auto">
           <a:xfrm>
-            <a:off x="4643241" y="1283338"/>
-            <a:ext cx="2905519" cy="5096719"/>
+            <a:off x="4501001" y="1817373"/>
+            <a:ext cx="2880000" cy="5051955"/>
           </a:xfrm>
           <a:prstGeom prst="rect">
             <a:avLst/>
@@ -10488,14 +11419,196 @@
         </p:blipFill>
         <p:spPr>
           <a:xfrm>
-            <a:off x="447282" y="1295400"/>
-            <a:ext cx="2905519" cy="5084657"/>
+            <a:off x="473075" y="1817370"/>
+            <a:ext cx="2880000" cy="5040528"/>
           </a:xfrm>
           <a:prstGeom prst="rect">
             <a:avLst/>
           </a:prstGeom>
         </p:spPr>
       </p:pic>
+      <p:sp>
+        <p:nvSpPr>
+          <p:cNvPr id="6" name="Text Placeholder 33"/>
+          <p:cNvSpPr txBox="1"/>
+          <p:nvPr/>
+        </p:nvSpPr>
+        <p:spPr>
+          <a:xfrm>
+            <a:off x="8529320" y="618490"/>
+            <a:ext cx="3647440" cy="419100"/>
+          </a:xfrm>
+          <a:prstGeom prst="rect">
+            <a:avLst/>
+          </a:prstGeom>
+          <a:noFill/>
+        </p:spPr>
+        <p:txBody>
+          <a:bodyPr wrap="square" rtlCol="0">
+            <a:spAutoFit/>
+          </a:bodyPr>
+          <a:lstStyle>
+            <a:defPPr>
+              <a:defRPr lang="zh-CN"/>
+            </a:defPPr>
+            <a:lvl1pPr defTabSz="1219200">
+              <a:lnSpc>
+                <a:spcPct val="150000"/>
+              </a:lnSpc>
+              <a:spcBef>
+                <a:spcPct val="20000"/>
+              </a:spcBef>
+              <a:defRPr sz="1400" b="1">
+                <a:solidFill>
+                  <a:schemeClr val="tx1">
+                    <a:lumMod val="75000"/>
+                    <a:lumOff val="25000"/>
+                  </a:schemeClr>
+                </a:solidFill>
+                <a:latin typeface="微软雅黑" panose="020B0503020204020204" pitchFamily="34" charset="-122"/>
+                <a:ea typeface="微软雅黑" panose="020B0503020204020204" pitchFamily="34" charset="-122"/>
+              </a:defRPr>
+            </a:lvl1pPr>
+          </a:lstStyle>
+          <a:p>
+            <a:pPr algn="r">
+              <a:lnSpc>
+                <a:spcPct val="100000"/>
+              </a:lnSpc>
+            </a:pPr>
+            <a:r>
+              <a:rPr lang="en-US" altLang="en-AU" sz="2130" dirty="0">
+                <a:solidFill>
+                  <a:schemeClr val="tx2"/>
+                </a:solidFill>
+                <a:latin typeface="Arial" panose="020B0604020202020204" pitchFamily="34" charset="0"/>
+                <a:ea typeface="微软雅黑" panose="020B0503020204020204" pitchFamily="34" charset="-122"/>
+                <a:cs typeface="+mn-ea"/>
+                <a:sym typeface="Arial" panose="020B0604020202020204" pitchFamily="34" charset="0"/>
+              </a:rPr>
+              <a:t>UI</a:t>
+            </a:r>
+            <a:r>
+              <a:rPr lang="zh-CN" altLang="en-US" sz="2130" dirty="0">
+                <a:solidFill>
+                  <a:schemeClr val="tx2"/>
+                </a:solidFill>
+                <a:latin typeface="Arial" panose="020B0604020202020204" pitchFamily="34" charset="0"/>
+                <a:ea typeface="微软雅黑" panose="020B0503020204020204" pitchFamily="34" charset="-122"/>
+                <a:cs typeface="+mn-ea"/>
+                <a:sym typeface="Arial" panose="020B0604020202020204" pitchFamily="34" charset="0"/>
+              </a:rPr>
+              <a:t>设计工具：</a:t>
+            </a:r>
+            <a:r>
+              <a:rPr lang="en-US" altLang="zh-CN" sz="2130" dirty="0">
+                <a:solidFill>
+                  <a:schemeClr val="tx2"/>
+                </a:solidFill>
+                <a:latin typeface="Arial" panose="020B0604020202020204" pitchFamily="34" charset="0"/>
+                <a:ea typeface="微软雅黑" panose="020B0503020204020204" pitchFamily="34" charset="-122"/>
+                <a:cs typeface="+mn-ea"/>
+                <a:sym typeface="Arial" panose="020B0604020202020204" pitchFamily="34" charset="0"/>
+              </a:rPr>
+              <a:t>Axure RP 9</a:t>
+            </a:r>
+            <a:endParaRPr lang="en-US" altLang="zh-CN" sz="2130" dirty="0">
+              <a:solidFill>
+                <a:schemeClr val="tx2"/>
+              </a:solidFill>
+              <a:latin typeface="Arial" panose="020B0604020202020204" pitchFamily="34" charset="0"/>
+              <a:ea typeface="微软雅黑" panose="020B0503020204020204" pitchFamily="34" charset="-122"/>
+              <a:cs typeface="+mn-ea"/>
+              <a:sym typeface="Arial" panose="020B0604020202020204" pitchFamily="34" charset="0"/>
+            </a:endParaRPr>
+          </a:p>
+        </p:txBody>
+      </p:sp>
+      <p:sp>
+        <p:nvSpPr>
+          <p:cNvPr id="7" name="Text Placeholder 33"/>
+          <p:cNvSpPr txBox="1"/>
+          <p:nvPr/>
+        </p:nvSpPr>
+        <p:spPr>
+          <a:xfrm>
+            <a:off x="8544560" y="1151255"/>
+            <a:ext cx="3647440" cy="419100"/>
+          </a:xfrm>
+          <a:prstGeom prst="rect">
+            <a:avLst/>
+          </a:prstGeom>
+          <a:noFill/>
+        </p:spPr>
+        <p:txBody>
+          <a:bodyPr wrap="square" rtlCol="0">
+            <a:spAutoFit/>
+          </a:bodyPr>
+          <a:lstStyle>
+            <a:defPPr>
+              <a:defRPr lang="zh-CN"/>
+            </a:defPPr>
+            <a:lvl1pPr defTabSz="1219200">
+              <a:lnSpc>
+                <a:spcPct val="150000"/>
+              </a:lnSpc>
+              <a:spcBef>
+                <a:spcPct val="20000"/>
+              </a:spcBef>
+              <a:defRPr sz="1400" b="1">
+                <a:solidFill>
+                  <a:schemeClr val="tx1">
+                    <a:lumMod val="75000"/>
+                    <a:lumOff val="25000"/>
+                  </a:schemeClr>
+                </a:solidFill>
+                <a:latin typeface="微软雅黑" panose="020B0503020204020204" pitchFamily="34" charset="-122"/>
+                <a:ea typeface="微软雅黑" panose="020B0503020204020204" pitchFamily="34" charset="-122"/>
+              </a:defRPr>
+            </a:lvl1pPr>
+          </a:lstStyle>
+          <a:p>
+            <a:pPr algn="r">
+              <a:lnSpc>
+                <a:spcPct val="100000"/>
+              </a:lnSpc>
+            </a:pPr>
+            <a:r>
+              <a:rPr lang="zh-CN" sz="2130" dirty="0">
+                <a:solidFill>
+                  <a:schemeClr val="tx2"/>
+                </a:solidFill>
+                <a:latin typeface="Arial" panose="020B0604020202020204" pitchFamily="34" charset="0"/>
+                <a:ea typeface="微软雅黑" panose="020B0503020204020204" pitchFamily="34" charset="-122"/>
+                <a:cs typeface="+mn-ea"/>
+                <a:sym typeface="Arial" panose="020B0604020202020204" pitchFamily="34" charset="0"/>
+              </a:rPr>
+              <a:t>开发</a:t>
+            </a:r>
+            <a:r>
+              <a:rPr lang="zh-CN" altLang="en-US" sz="2130" dirty="0">
+                <a:solidFill>
+                  <a:schemeClr val="tx2"/>
+                </a:solidFill>
+                <a:latin typeface="Arial" panose="020B0604020202020204" pitchFamily="34" charset="0"/>
+                <a:ea typeface="微软雅黑" panose="020B0503020204020204" pitchFamily="34" charset="-122"/>
+                <a:cs typeface="+mn-ea"/>
+                <a:sym typeface="Arial" panose="020B0604020202020204" pitchFamily="34" charset="0"/>
+              </a:rPr>
+              <a:t>工具：微信开发者工具</a:t>
+            </a:r>
+            <a:endParaRPr lang="zh-CN" altLang="en-US" sz="2130" dirty="0">
+              <a:solidFill>
+                <a:schemeClr val="tx2"/>
+              </a:solidFill>
+              <a:latin typeface="Arial" panose="020B0604020202020204" pitchFamily="34" charset="0"/>
+              <a:ea typeface="微软雅黑" panose="020B0503020204020204" pitchFamily="34" charset="-122"/>
+              <a:cs typeface="+mn-ea"/>
+              <a:sym typeface="Arial" panose="020B0604020202020204" pitchFamily="34" charset="0"/>
+            </a:endParaRPr>
+          </a:p>
+        </p:txBody>
+      </p:sp>
     </p:spTree>
   </p:cSld>
   <p:clrMapOvr>
@@ -10694,8 +11807,8 @@
         </p:blipFill>
         <p:spPr bwMode="auto">
           <a:xfrm>
-            <a:off x="508000" y="1295400"/>
-            <a:ext cx="3124955" cy="5458261"/>
+            <a:off x="457200" y="1827530"/>
+            <a:ext cx="2880000" cy="5030406"/>
           </a:xfrm>
           <a:prstGeom prst="rect">
             <a:avLst/>
@@ -10721,8 +11834,8 @@
         </p:blipFill>
         <p:spPr>
           <a:xfrm>
-            <a:off x="4533523" y="1277009"/>
-            <a:ext cx="3124955" cy="5468671"/>
+            <a:off x="4511298" y="1803424"/>
+            <a:ext cx="2880000" cy="5039999"/>
           </a:xfrm>
           <a:prstGeom prst="rect">
             <a:avLst/>
@@ -10745,14 +11858,196 @@
         </p:blipFill>
         <p:spPr>
           <a:xfrm>
-            <a:off x="8737600" y="1277005"/>
-            <a:ext cx="3124955" cy="5468672"/>
+            <a:off x="8565515" y="1803420"/>
+            <a:ext cx="2880000" cy="5040001"/>
           </a:xfrm>
           <a:prstGeom prst="rect">
             <a:avLst/>
           </a:prstGeom>
         </p:spPr>
       </p:pic>
+      <p:sp>
+        <p:nvSpPr>
+          <p:cNvPr id="6" name="Text Placeholder 33"/>
+          <p:cNvSpPr txBox="1"/>
+          <p:nvPr/>
+        </p:nvSpPr>
+        <p:spPr>
+          <a:xfrm>
+            <a:off x="8529320" y="618490"/>
+            <a:ext cx="3647440" cy="419100"/>
+          </a:xfrm>
+          <a:prstGeom prst="rect">
+            <a:avLst/>
+          </a:prstGeom>
+          <a:noFill/>
+        </p:spPr>
+        <p:txBody>
+          <a:bodyPr wrap="square" rtlCol="0">
+            <a:spAutoFit/>
+          </a:bodyPr>
+          <a:lstStyle>
+            <a:defPPr>
+              <a:defRPr lang="zh-CN"/>
+            </a:defPPr>
+            <a:lvl1pPr defTabSz="1219200">
+              <a:lnSpc>
+                <a:spcPct val="150000"/>
+              </a:lnSpc>
+              <a:spcBef>
+                <a:spcPct val="20000"/>
+              </a:spcBef>
+              <a:defRPr sz="1400" b="1">
+                <a:solidFill>
+                  <a:schemeClr val="tx1">
+                    <a:lumMod val="75000"/>
+                    <a:lumOff val="25000"/>
+                  </a:schemeClr>
+                </a:solidFill>
+                <a:latin typeface="微软雅黑" panose="020B0503020204020204" pitchFamily="34" charset="-122"/>
+                <a:ea typeface="微软雅黑" panose="020B0503020204020204" pitchFamily="34" charset="-122"/>
+              </a:defRPr>
+            </a:lvl1pPr>
+          </a:lstStyle>
+          <a:p>
+            <a:pPr algn="r">
+              <a:lnSpc>
+                <a:spcPct val="100000"/>
+              </a:lnSpc>
+            </a:pPr>
+            <a:r>
+              <a:rPr lang="en-US" altLang="en-AU" sz="2130" dirty="0">
+                <a:solidFill>
+                  <a:schemeClr val="tx2"/>
+                </a:solidFill>
+                <a:latin typeface="Arial" panose="020B0604020202020204" pitchFamily="34" charset="0"/>
+                <a:ea typeface="微软雅黑" panose="020B0503020204020204" pitchFamily="34" charset="-122"/>
+                <a:cs typeface="+mn-ea"/>
+                <a:sym typeface="Arial" panose="020B0604020202020204" pitchFamily="34" charset="0"/>
+              </a:rPr>
+              <a:t>UI</a:t>
+            </a:r>
+            <a:r>
+              <a:rPr lang="zh-CN" altLang="en-US" sz="2130" dirty="0">
+                <a:solidFill>
+                  <a:schemeClr val="tx2"/>
+                </a:solidFill>
+                <a:latin typeface="Arial" panose="020B0604020202020204" pitchFamily="34" charset="0"/>
+                <a:ea typeface="微软雅黑" panose="020B0503020204020204" pitchFamily="34" charset="-122"/>
+                <a:cs typeface="+mn-ea"/>
+                <a:sym typeface="Arial" panose="020B0604020202020204" pitchFamily="34" charset="0"/>
+              </a:rPr>
+              <a:t>设计工具：</a:t>
+            </a:r>
+            <a:r>
+              <a:rPr lang="en-US" altLang="zh-CN" sz="2130" dirty="0">
+                <a:solidFill>
+                  <a:schemeClr val="tx2"/>
+                </a:solidFill>
+                <a:latin typeface="Arial" panose="020B0604020202020204" pitchFamily="34" charset="0"/>
+                <a:ea typeface="微软雅黑" panose="020B0503020204020204" pitchFamily="34" charset="-122"/>
+                <a:cs typeface="+mn-ea"/>
+                <a:sym typeface="Arial" panose="020B0604020202020204" pitchFamily="34" charset="0"/>
+              </a:rPr>
+              <a:t>Axure RP 9</a:t>
+            </a:r>
+            <a:endParaRPr lang="en-US" altLang="zh-CN" sz="2130" dirty="0">
+              <a:solidFill>
+                <a:schemeClr val="tx2"/>
+              </a:solidFill>
+              <a:latin typeface="Arial" panose="020B0604020202020204" pitchFamily="34" charset="0"/>
+              <a:ea typeface="微软雅黑" panose="020B0503020204020204" pitchFamily="34" charset="-122"/>
+              <a:cs typeface="+mn-ea"/>
+              <a:sym typeface="Arial" panose="020B0604020202020204" pitchFamily="34" charset="0"/>
+            </a:endParaRPr>
+          </a:p>
+        </p:txBody>
+      </p:sp>
+      <p:sp>
+        <p:nvSpPr>
+          <p:cNvPr id="7" name="Text Placeholder 33"/>
+          <p:cNvSpPr txBox="1"/>
+          <p:nvPr/>
+        </p:nvSpPr>
+        <p:spPr>
+          <a:xfrm>
+            <a:off x="8544560" y="1151255"/>
+            <a:ext cx="3647440" cy="419100"/>
+          </a:xfrm>
+          <a:prstGeom prst="rect">
+            <a:avLst/>
+          </a:prstGeom>
+          <a:noFill/>
+        </p:spPr>
+        <p:txBody>
+          <a:bodyPr wrap="square" rtlCol="0">
+            <a:spAutoFit/>
+          </a:bodyPr>
+          <a:lstStyle>
+            <a:defPPr>
+              <a:defRPr lang="zh-CN"/>
+            </a:defPPr>
+            <a:lvl1pPr defTabSz="1219200">
+              <a:lnSpc>
+                <a:spcPct val="150000"/>
+              </a:lnSpc>
+              <a:spcBef>
+                <a:spcPct val="20000"/>
+              </a:spcBef>
+              <a:defRPr sz="1400" b="1">
+                <a:solidFill>
+                  <a:schemeClr val="tx1">
+                    <a:lumMod val="75000"/>
+                    <a:lumOff val="25000"/>
+                  </a:schemeClr>
+                </a:solidFill>
+                <a:latin typeface="微软雅黑" panose="020B0503020204020204" pitchFamily="34" charset="-122"/>
+                <a:ea typeface="微软雅黑" panose="020B0503020204020204" pitchFamily="34" charset="-122"/>
+              </a:defRPr>
+            </a:lvl1pPr>
+          </a:lstStyle>
+          <a:p>
+            <a:pPr algn="r">
+              <a:lnSpc>
+                <a:spcPct val="100000"/>
+              </a:lnSpc>
+            </a:pPr>
+            <a:r>
+              <a:rPr lang="zh-CN" sz="2130" dirty="0">
+                <a:solidFill>
+                  <a:schemeClr val="tx2"/>
+                </a:solidFill>
+                <a:latin typeface="Arial" panose="020B0604020202020204" pitchFamily="34" charset="0"/>
+                <a:ea typeface="微软雅黑" panose="020B0503020204020204" pitchFamily="34" charset="-122"/>
+                <a:cs typeface="+mn-ea"/>
+                <a:sym typeface="Arial" panose="020B0604020202020204" pitchFamily="34" charset="0"/>
+              </a:rPr>
+              <a:t>开发</a:t>
+            </a:r>
+            <a:r>
+              <a:rPr lang="zh-CN" altLang="en-US" sz="2130" dirty="0">
+                <a:solidFill>
+                  <a:schemeClr val="tx2"/>
+                </a:solidFill>
+                <a:latin typeface="Arial" panose="020B0604020202020204" pitchFamily="34" charset="0"/>
+                <a:ea typeface="微软雅黑" panose="020B0503020204020204" pitchFamily="34" charset="-122"/>
+                <a:cs typeface="+mn-ea"/>
+                <a:sym typeface="Arial" panose="020B0604020202020204" pitchFamily="34" charset="0"/>
+              </a:rPr>
+              <a:t>工具：微信开发者工具</a:t>
+            </a:r>
+            <a:endParaRPr lang="zh-CN" altLang="en-US" sz="2130" dirty="0">
+              <a:solidFill>
+                <a:schemeClr val="tx2"/>
+              </a:solidFill>
+              <a:latin typeface="Arial" panose="020B0604020202020204" pitchFamily="34" charset="0"/>
+              <a:ea typeface="微软雅黑" panose="020B0503020204020204" pitchFamily="34" charset="-122"/>
+              <a:cs typeface="+mn-ea"/>
+              <a:sym typeface="Arial" panose="020B0604020202020204" pitchFamily="34" charset="0"/>
+            </a:endParaRPr>
+          </a:p>
+        </p:txBody>
+      </p:sp>
     </p:spTree>
   </p:cSld>
   <p:clrMapOvr>
@@ -10942,8 +12237,8 @@
         </p:nvSpPr>
         <p:spPr>
           <a:xfrm>
-            <a:off x="2116455" y="1645920"/>
-            <a:ext cx="8317230" cy="645160"/>
+            <a:off x="2116455" y="1531620"/>
+            <a:ext cx="8317230" cy="1198880"/>
           </a:xfrm>
           <a:prstGeom prst="rect">
             <a:avLst/>
@@ -10955,17 +12250,106 @@
             <a:spAutoFit/>
           </a:bodyPr>
           <a:p>
+            <a:pPr indent="457200"/>
             <a:r>
               <a:rPr lang="zh-CN" altLang="en-US"/>
-              <a:t>代码规范化基本上有七大原则，体现在空行、空格、成对书写、缩进、对齐、代码行、注释七方面的书写规范上。</a:t>
-            </a:r>
-            <a:endParaRPr lang="zh-CN" altLang="en-US"/>
+              <a:t>微信小程序中代码规范有利于程序员更有效的开发小程序，对于用户而言，使用起来可能没有太大差别，而对于开发者，有两点好处：</a:t>
+            </a:r>
+            <a:endParaRPr lang="zh-CN" altLang="en-US"/>
+          </a:p>
+          <a:p>
+            <a:pPr indent="457200"/>
+            <a:r>
+              <a:rPr lang="zh-CN" altLang="en-US"/>
+              <a:t>1、便于程序员开发与后期维护；</a:t>
+            </a:r>
+            <a:endParaRPr lang="zh-CN" altLang="en-US"/>
+          </a:p>
+          <a:p>
+            <a:pPr indent="457200"/>
+            <a:r>
+              <a:rPr lang="zh-CN" altLang="en-US"/>
+              <a:t>2、以及便于程序员读取并理解代码含义。</a:t>
+            </a:r>
+            <a:endParaRPr lang="zh-CN" altLang="en-US"/>
+          </a:p>
+        </p:txBody>
+      </p:sp>
+      <p:sp>
+        <p:nvSpPr>
+          <p:cNvPr id="3" name="文本框 2"/>
+          <p:cNvSpPr txBox="1"/>
+          <p:nvPr/>
+        </p:nvSpPr>
+        <p:spPr>
+          <a:xfrm>
+            <a:off x="502285" y="3428365"/>
+            <a:ext cx="2049145" cy="1198880"/>
+          </a:xfrm>
+          <a:prstGeom prst="rect">
+            <a:avLst/>
+          </a:prstGeom>
+          <a:noFill/>
+        </p:spPr>
+        <p:txBody>
+          <a:bodyPr wrap="square" rtlCol="0" anchor="t">
+            <a:spAutoFit/>
+          </a:bodyPr>
+          <a:p>
+            <a:pPr>
+              <a:lnSpc>
+                <a:spcPct val="100000"/>
+              </a:lnSpc>
+              <a:defRPr/>
+            </a:pPr>
+            <a:r>
+              <a:rPr lang="zh-CN" altLang="en-US" sz="3600" b="1" dirty="0">
+                <a:solidFill>
+                  <a:srgbClr val="44546A"/>
+                </a:solidFill>
+                <a:cs typeface="+mn-ea"/>
+                <a:sym typeface="+mn-lt"/>
+              </a:rPr>
+              <a:t>代码规范</a:t>
+            </a:r>
+            <a:endParaRPr lang="zh-CN" altLang="en-US" sz="3600" b="1" dirty="0">
+              <a:solidFill>
+                <a:srgbClr val="44546A"/>
+              </a:solidFill>
+              <a:cs typeface="+mn-ea"/>
+              <a:sym typeface="+mn-lt"/>
+            </a:endParaRPr>
+          </a:p>
+          <a:p>
+            <a:pPr indent="457200">
+              <a:lnSpc>
+                <a:spcPct val="100000"/>
+              </a:lnSpc>
+              <a:defRPr/>
+            </a:pPr>
+            <a:r>
+              <a:rPr lang="zh-CN" altLang="en-US" sz="3600" b="1" dirty="0">
+                <a:solidFill>
+                  <a:srgbClr val="44546A"/>
+                </a:solidFill>
+                <a:cs typeface="+mn-ea"/>
+                <a:sym typeface="+mn-lt"/>
+              </a:rPr>
+              <a:t>目录：</a:t>
+            </a:r>
+            <a:endParaRPr lang="zh-CN" altLang="en-US" sz="3600" b="1" dirty="0">
+              <a:solidFill>
+                <a:srgbClr val="44546A"/>
+              </a:solidFill>
+              <a:cs typeface="+mn-ea"/>
+              <a:sym typeface="+mn-lt"/>
+            </a:endParaRPr>
           </a:p>
         </p:txBody>
       </p:sp>
       <p:pic>
         <p:nvPicPr>
-          <p:cNvPr id="5" name="图片 4"/>
+          <p:cNvPr id="6" name="图片 5"/>
           <p:cNvPicPr>
             <a:picLocks noChangeAspect="1"/>
           </p:cNvPicPr>
@@ -10977,20 +12361,74 @@
         </p:nvPicPr>
         <p:blipFill>
           <a:blip r:embed="rId2"/>
+          <a:srcRect l="1198" r="1072" b="5667"/>
           <a:stretch>
             <a:fillRect/>
           </a:stretch>
         </p:blipFill>
         <p:spPr>
           <a:xfrm>
-            <a:off x="2022475" y="3555365"/>
-            <a:ext cx="5326380" cy="1775460"/>
+            <a:off x="3023870" y="2910840"/>
+            <a:ext cx="7409815" cy="3213100"/>
           </a:xfrm>
           <a:prstGeom prst="rect">
             <a:avLst/>
           </a:prstGeom>
+          <a:ln w="28575" cmpd="dbl">
+            <a:solidFill>
+              <a:schemeClr val="tx1"/>
+            </a:solidFill>
+            <a:prstDash val="sysDash"/>
+          </a:ln>
         </p:spPr>
       </p:pic>
+      <p:sp>
+        <p:nvSpPr>
+          <p:cNvPr id="7" name="文本框 6"/>
+          <p:cNvSpPr txBox="1"/>
+          <p:nvPr/>
+        </p:nvSpPr>
+        <p:spPr>
+          <a:xfrm>
+            <a:off x="5071110" y="6367780"/>
+            <a:ext cx="2049145" cy="368300"/>
+          </a:xfrm>
+          <a:prstGeom prst="rect">
+            <a:avLst/>
+          </a:prstGeom>
+          <a:noFill/>
+        </p:spPr>
+        <p:txBody>
+          <a:bodyPr wrap="square" rtlCol="0" anchor="t">
+            <a:spAutoFit/>
+          </a:bodyPr>
+          <a:p>
+            <a:pPr>
+              <a:lnSpc>
+                <a:spcPct val="100000"/>
+              </a:lnSpc>
+              <a:defRPr/>
+            </a:pPr>
+            <a:r>
+              <a:rPr lang="zh-CN" altLang="en-US" b="1" dirty="0">
+                <a:solidFill>
+                  <a:srgbClr val="44546A"/>
+                </a:solidFill>
+                <a:cs typeface="+mn-ea"/>
+                <a:sym typeface="+mn-lt"/>
+              </a:rPr>
+              <a:t>具体内容见文档</a:t>
+            </a:r>
+            <a:endParaRPr lang="zh-CN" altLang="en-US" b="1" dirty="0">
+              <a:solidFill>
+                <a:srgbClr val="44546A"/>
+              </a:solidFill>
+              <a:cs typeface="+mn-ea"/>
+              <a:sym typeface="+mn-lt"/>
+            </a:endParaRPr>
+          </a:p>
+        </p:txBody>
+      </p:sp>
     </p:spTree>
   </p:cSld>
   <p:clrMapOvr>
@@ -11699,8 +13137,7 @@
 
 <file path=ppt/tags/tag1.xml><?xml version="1.0" encoding="utf-8"?>
 <p:tagLst xmlns:p="http://schemas.openxmlformats.org/presentationml/2006/main">
-  <p:tag name="KSO_WM_BEAUTIFY_FLAG" val=""/>
-  <p:tag name="KSO_WM_UNIT_PLACING_PICTURE_USER_VIEWPORT" val="{&quot;height&quot;:2796,&quot;width&quot;:8388}"/>
+  <p:tag name="KSO_WM_UNIT_PLACING_PICTURE_USER_VIEWPORT" val="{&quot;height&quot;:5364,&quot;width&quot;:11940}"/>
 </p:tagLst>
 </file>
 
@@ -11712,14 +13149,8 @@
 
 <file path=ppt/tags/tag3.xml><?xml version="1.0" encoding="utf-8"?>
 <p:tagLst xmlns:p="http://schemas.openxmlformats.org/presentationml/2006/main">
-  <p:tag name="KSO_WM_BEAUTIFY_FLAG" val=""/>
-</p:tagLst>
-</file>
-
-<file path=ppt/tags/tag4.xml><?xml version="1.0" encoding="utf-8"?>
-<p:tagLst xmlns:p="http://schemas.openxmlformats.org/presentationml/2006/main">
   <p:tag name="KSO_WPP_MARK_KEY" val="eb9ece9b-bfac-42ff-8c95-042b94f89c37"/>
-  <p:tag name="COMMONDATA" val="eyJoZGlkIjoiN2IzNDgwZGEyMmQzMzUwYjA4NjA4NGVjNmY5ZWQwMGEifQ=="/>
+  <p:tag name="COMMONDATA" val="eyJoZGlkIjoiODlkZGY5M2NjNTg0MDFlY2EwNDFhNjZlNmQ4ZGY2MmQifQ=="/>
 </p:tagLst>
 </file>
 

--- a/代码测试/代码实现PPTv0.0.1.pptx
+++ b/代码测试/代码实现PPTv0.0.1.pptx
@@ -17,21 +17,20 @@
     <p:sldId id="620" r:id="rId10"/>
     <p:sldId id="621" r:id="rId11"/>
     <p:sldId id="622" r:id="rId12"/>
-    <p:sldId id="623" r:id="rId13"/>
-    <p:sldId id="624" r:id="rId14"/>
-    <p:sldId id="631" r:id="rId15"/>
-    <p:sldId id="625" r:id="rId16"/>
-    <p:sldId id="632" r:id="rId17"/>
-    <p:sldId id="626" r:id="rId18"/>
-    <p:sldId id="615" r:id="rId19"/>
-    <p:sldId id="627" r:id="rId20"/>
-    <p:sldId id="619" r:id="rId21"/>
-    <p:sldId id="616" r:id="rId22"/>
+    <p:sldId id="624" r:id="rId13"/>
+    <p:sldId id="631" r:id="rId14"/>
+    <p:sldId id="625" r:id="rId15"/>
+    <p:sldId id="632" r:id="rId16"/>
+    <p:sldId id="626" r:id="rId17"/>
+    <p:sldId id="615" r:id="rId18"/>
+    <p:sldId id="627" r:id="rId19"/>
+    <p:sldId id="619" r:id="rId20"/>
+    <p:sldId id="616" r:id="rId21"/>
   </p:sldIdLst>
   <p:sldSz cx="12192000" cy="6858000"/>
   <p:notesSz cx="6858000" cy="9144000"/>
   <p:custDataLst>
-    <p:tags r:id="rId26"/>
+    <p:tags r:id="rId25"/>
   </p:custDataLst>
   <p:defaultTextStyle>
     <a:defPPr>
@@ -128,6 +127,22 @@
       </a:defRPr>
     </a:lvl9pPr>
   </p:defaultTextStyle>
+  <p:extLst>
+    <p:ext uri="{EFAFB233-063F-42B5-8137-9DF3F51BA10A}">
+      <p15:sldGuideLst xmlns:p15="http://schemas.microsoft.com/office/powerpoint/2012/main">
+        <p15:guide id="1" orient="horz" pos="2159" userDrawn="1">
+          <p15:clr>
+            <a:srgbClr val="A4A3A4"/>
+          </p15:clr>
+        </p15:guide>
+        <p15:guide id="2" pos="3840" userDrawn="1">
+          <p15:clr>
+            <a:srgbClr val="A4A3A4"/>
+          </p15:clr>
+        </p15:guide>
+      </p15:sldGuideLst>
+    </p:ext>
+  </p:extLst>
 </p:presentation>
 </file>
 
@@ -947,84 +962,6 @@
 </file>
 
 <file path=ppt/notesSlides/notesSlide15.xml><?xml version="1.0" encoding="utf-8"?>
-<p:notes xmlns:a="http://schemas.openxmlformats.org/drawingml/2006/main" xmlns:r="http://schemas.openxmlformats.org/officeDocument/2006/relationships" xmlns:p="http://schemas.openxmlformats.org/presentationml/2006/main">
-  <p:cSld>
-    <p:spTree>
-      <p:nvGrpSpPr>
-        <p:cNvPr id="1" name=""/>
-        <p:cNvGrpSpPr/>
-        <p:nvPr/>
-      </p:nvGrpSpPr>
-      <p:grpSpPr>
-        <a:xfrm>
-          <a:off x="0" y="0"/>
-          <a:ext cx="0" cy="0"/>
-          <a:chOff x="0" y="0"/>
-          <a:chExt cx="0" cy="0"/>
-        </a:xfrm>
-      </p:grpSpPr>
-      <p:sp>
-        <p:nvSpPr>
-          <p:cNvPr id="2" name="Slide Image Placeholder 1"/>
-          <p:cNvSpPr>
-            <a:spLocks noGrp="1" noRot="1" noChangeAspect="1"/>
-          </p:cNvSpPr>
-          <p:nvPr>
-            <p:ph type="sldImg"/>
-          </p:nvPr>
-        </p:nvSpPr>
-        <p:spPr/>
-      </p:sp>
-      <p:sp>
-        <p:nvSpPr>
-          <p:cNvPr id="3" name="Notes Placeholder 2"/>
-          <p:cNvSpPr>
-            <a:spLocks noGrp="1"/>
-          </p:cNvSpPr>
-          <p:nvPr>
-            <p:ph type="body" idx="1"/>
-          </p:nvPr>
-        </p:nvSpPr>
-        <p:spPr/>
-        <p:txBody>
-          <a:bodyPr/>
-          <a:lstStyle/>
-          <a:p>
-            <a:endParaRPr lang="en-US" dirty="0"/>
-          </a:p>
-        </p:txBody>
-      </p:sp>
-      <p:sp>
-        <p:nvSpPr>
-          <p:cNvPr id="4" name="Slide Number Placeholder 3"/>
-          <p:cNvSpPr>
-            <a:spLocks noGrp="1"/>
-          </p:cNvSpPr>
-          <p:nvPr>
-            <p:ph type="sldNum" sz="quarter" idx="10"/>
-          </p:nvPr>
-        </p:nvSpPr>
-        <p:spPr/>
-        <p:txBody>
-          <a:bodyPr/>
-          <a:lstStyle/>
-          <a:p>
-            <a:fld id="{45C73934-D492-4443-9427-018DE5D6DDA5}" type="slidenum">
-              <a:rPr lang="en-US" smtClean="0"/>
-            </a:fld>
-            <a:endParaRPr lang="en-US" dirty="0"/>
-          </a:p>
-        </p:txBody>
-      </p:sp>
-    </p:spTree>
-  </p:cSld>
-  <p:clrMapOvr>
-    <a:masterClrMapping/>
-  </p:clrMapOvr>
-</p:notes>
-</file>
-
-<file path=ppt/notesSlides/notesSlide16.xml><?xml version="1.0" encoding="utf-8"?>
 <p:notes xmlns:a="http://schemas.openxmlformats.org/drawingml/2006/main" xmlns:r="http://schemas.openxmlformats.org/officeDocument/2006/relationships" xmlns:p="http://schemas.openxmlformats.org/presentationml/2006/main">
   <p:cSld>
     <p:spTree>
@@ -6239,187 +6176,6 @@
                 <a:cs typeface="+mn-ea"/>
                 <a:sym typeface="+mn-lt"/>
               </a:rPr>
-              <a:t>5.</a:t>
-            </a:r>
-            <a:r>
-              <a:rPr lang="zh-CN" altLang="en-US" sz="3600" b="1" dirty="0">
-                <a:solidFill>
-                  <a:schemeClr val="bg2">
-                    <a:lumMod val="50000"/>
-                  </a:schemeClr>
-                </a:solidFill>
-                <a:latin typeface="+mn-lt"/>
-                <a:ea typeface="+mn-ea"/>
-                <a:cs typeface="+mn-ea"/>
-                <a:sym typeface="+mn-lt"/>
-              </a:rPr>
-              <a:t>软件用户测试</a:t>
-            </a:r>
-            <a:endParaRPr lang="en-US" altLang="zh-CN" sz="3600" b="1" dirty="0">
-              <a:solidFill>
-                <a:schemeClr val="bg2">
-                  <a:lumMod val="50000"/>
-                </a:schemeClr>
-              </a:solidFill>
-              <a:latin typeface="+mn-lt"/>
-              <a:ea typeface="+mn-ea"/>
-              <a:cs typeface="+mn-ea"/>
-              <a:sym typeface="+mn-lt"/>
-            </a:endParaRPr>
-          </a:p>
-        </p:txBody>
-      </p:sp>
-    </p:spTree>
-  </p:cSld>
-  <p:clrMapOvr>
-    <a:masterClrMapping/>
-  </p:clrMapOvr>
-  <mc:AlternateContent xmlns:mc="http://schemas.openxmlformats.org/markup-compatibility/2006">
-    <mc:Choice xmlns:p14="http://schemas.microsoft.com/office/powerpoint/2010/main" Requires="p14">
-      <p:transition spd="slow" p14:dur="1600">
-        <p14:gallery dir="l"/>
-      </p:transition>
-    </mc:Choice>
-    <mc:Fallback>
-      <p:transition spd="slow">
-        <p:fade/>
-      </p:transition>
-    </mc:Fallback>
-  </mc:AlternateContent>
-</p:sld>
-</file>
-
-<file path=ppt/slides/slide11.xml><?xml version="1.0" encoding="utf-8"?>
-<p:sld xmlns:a="http://schemas.openxmlformats.org/drawingml/2006/main" xmlns:r="http://schemas.openxmlformats.org/officeDocument/2006/relationships" xmlns:p="http://schemas.openxmlformats.org/presentationml/2006/main">
-  <p:cSld>
-    <p:spTree>
-      <p:nvGrpSpPr>
-        <p:cNvPr id="1" name=""/>
-        <p:cNvGrpSpPr/>
-        <p:nvPr/>
-      </p:nvGrpSpPr>
-      <p:grpSpPr>
-        <a:xfrm>
-          <a:off x="0" y="0"/>
-          <a:ext cx="0" cy="0"/>
-          <a:chOff x="0" y="0"/>
-          <a:chExt cx="0" cy="0"/>
-        </a:xfrm>
-      </p:grpSpPr>
-      <p:sp>
-        <p:nvSpPr>
-          <p:cNvPr id="2" name="等腰三角形 1"/>
-          <p:cNvSpPr/>
-          <p:nvPr/>
-        </p:nvSpPr>
-        <p:spPr>
-          <a:xfrm rot="5400000">
-            <a:off x="5190237" y="-5198360"/>
-            <a:ext cx="1811529" cy="12192003"/>
-          </a:xfrm>
-          <a:prstGeom prst="triangle">
-            <a:avLst>
-              <a:gd name="adj" fmla="val 0"/>
-            </a:avLst>
-          </a:prstGeom>
-          <a:solidFill>
-            <a:srgbClr val="44546A"/>
-          </a:solidFill>
-          <a:ln>
-            <a:solidFill>
-              <a:srgbClr val="44546A"/>
-            </a:solidFill>
-          </a:ln>
-        </p:spPr>
-        <p:style>
-          <a:lnRef idx="2">
-            <a:schemeClr val="accent1">
-              <a:shade val="50000"/>
-            </a:schemeClr>
-          </a:lnRef>
-          <a:fillRef idx="1">
-            <a:schemeClr val="accent1"/>
-          </a:fillRef>
-          <a:effectRef idx="0">
-            <a:schemeClr val="accent1"/>
-          </a:effectRef>
-          <a:fontRef idx="minor">
-            <a:schemeClr val="lt1"/>
-          </a:fontRef>
-        </p:style>
-        <p:txBody>
-          <a:bodyPr rtlCol="0" anchor="ctr"/>
-          <a:lstStyle/>
-          <a:p>
-            <a:pPr algn="ctr"/>
-            <a:endParaRPr lang="zh-CN" altLang="en-US" sz="2400"/>
-          </a:p>
-        </p:txBody>
-      </p:sp>
-      <p:sp>
-        <p:nvSpPr>
-          <p:cNvPr id="27" name="文本框 26"/>
-          <p:cNvSpPr txBox="1"/>
-          <p:nvPr/>
-        </p:nvSpPr>
-        <p:spPr>
-          <a:xfrm>
-            <a:off x="-621524" y="381001"/>
-            <a:ext cx="4892736" cy="646203"/>
-          </a:xfrm>
-          <a:prstGeom prst="rect">
-            <a:avLst/>
-          </a:prstGeom>
-          <a:noFill/>
-        </p:spPr>
-        <p:txBody>
-          <a:bodyPr wrap="square">
-            <a:spAutoFit/>
-          </a:bodyPr>
-          <a:lstStyle>
-            <a:defPPr>
-              <a:defRPr lang="zh-CN"/>
-            </a:defPPr>
-            <a:lvl1pPr algn="ctr">
-              <a:lnSpc>
-                <a:spcPct val="150000"/>
-              </a:lnSpc>
-              <a:defRPr sz="1400">
-                <a:gradFill>
-                  <a:gsLst>
-                    <a:gs pos="0">
-                      <a:srgbClr val="08AEEA"/>
-                    </a:gs>
-                    <a:gs pos="100000">
-                      <a:srgbClr val="2AF598"/>
-                    </a:gs>
-                  </a:gsLst>
-                  <a:lin ang="2700000" scaled="0"/>
-                </a:gradFill>
-                <a:latin typeface="微软雅黑" panose="020B0503020204020204" pitchFamily="34" charset="-122"/>
-                <a:ea typeface="微软雅黑" panose="020B0503020204020204" pitchFamily="34" charset="-122"/>
-              </a:defRPr>
-            </a:lvl1pPr>
-          </a:lstStyle>
-          <a:p>
-            <a:pPr>
-              <a:lnSpc>
-                <a:spcPct val="100000"/>
-              </a:lnSpc>
-              <a:defRPr/>
-            </a:pPr>
-            <a:r>
-              <a:rPr lang="en-US" altLang="zh-CN" sz="3600" b="1" dirty="0">
-                <a:solidFill>
-                  <a:schemeClr val="bg2">
-                    <a:lumMod val="50000"/>
-                  </a:schemeClr>
-                </a:solidFill>
-                <a:latin typeface="+mn-lt"/>
-                <a:ea typeface="+mn-ea"/>
-                <a:cs typeface="+mn-ea"/>
-                <a:sym typeface="+mn-lt"/>
-              </a:rPr>
               <a:t>6.</a:t>
             </a:r>
             <a:r>
@@ -6494,7 +6250,7 @@
 </p:sld>
 </file>
 
-<file path=ppt/slides/slide12.xml><?xml version="1.0" encoding="utf-8"?>
+<file path=ppt/slides/slide11.xml><?xml version="1.0" encoding="utf-8"?>
 <p:sld xmlns:a="http://schemas.openxmlformats.org/drawingml/2006/main" xmlns:r="http://schemas.openxmlformats.org/officeDocument/2006/relationships" xmlns:p="http://schemas.openxmlformats.org/presentationml/2006/main">
   <p:cSld>
     <p:spTree>
@@ -6819,7 +6575,7 @@
 </p:sld>
 </file>
 
-<file path=ppt/slides/slide13.xml><?xml version="1.0" encoding="utf-8"?>
+<file path=ppt/slides/slide12.xml><?xml version="1.0" encoding="utf-8"?>
 <p:sld xmlns:a="http://schemas.openxmlformats.org/drawingml/2006/main" xmlns:r="http://schemas.openxmlformats.org/officeDocument/2006/relationships" xmlns:p="http://schemas.openxmlformats.org/presentationml/2006/main">
   <p:cSld>
     <p:spTree>
@@ -7024,7 +6780,7 @@
 </p:sld>
 </file>
 
-<file path=ppt/slides/slide14.xml><?xml version="1.0" encoding="utf-8"?>
+<file path=ppt/slides/slide13.xml><?xml version="1.0" encoding="utf-8"?>
 <p:sld xmlns:a="http://schemas.openxmlformats.org/drawingml/2006/main" xmlns:r="http://schemas.openxmlformats.org/officeDocument/2006/relationships" xmlns:p="http://schemas.openxmlformats.org/presentationml/2006/main">
   <p:cSld>
     <p:spTree>
@@ -7435,7 +7191,7 @@
 </p:sld>
 </file>
 
-<file path=ppt/slides/slide15.xml><?xml version="1.0" encoding="utf-8"?>
+<file path=ppt/slides/slide14.xml><?xml version="1.0" encoding="utf-8"?>
 <p:sld xmlns:a="http://schemas.openxmlformats.org/drawingml/2006/main" xmlns:r="http://schemas.openxmlformats.org/officeDocument/2006/relationships" xmlns:p="http://schemas.openxmlformats.org/presentationml/2006/main">
   <p:cSld>
     <p:spTree>
@@ -7665,7 +7421,7 @@
 </p:sld>
 </file>
 
-<file path=ppt/slides/slide16.xml><?xml version="1.0" encoding="utf-8"?>
+<file path=ppt/slides/slide15.xml><?xml version="1.0" encoding="utf-8"?>
 <p:sld xmlns:a="http://schemas.openxmlformats.org/drawingml/2006/main" xmlns:r="http://schemas.openxmlformats.org/officeDocument/2006/relationships" xmlns:p="http://schemas.openxmlformats.org/presentationml/2006/main">
   <p:cSld>
     <p:spTree>
@@ -8200,6 +7956,293 @@
             <a:r>
               <a:rPr lang="zh-CN" altLang="en-US"/>
               <a:t>分。</a:t>
+            </a:r>
+            <a:endParaRPr lang="zh-CN" altLang="en-US"/>
+          </a:p>
+        </p:txBody>
+      </p:sp>
+    </p:spTree>
+  </p:cSld>
+  <p:clrMapOvr>
+    <a:masterClrMapping/>
+  </p:clrMapOvr>
+  <mc:AlternateContent xmlns:mc="http://schemas.openxmlformats.org/markup-compatibility/2006">
+    <mc:Choice xmlns:p14="http://schemas.microsoft.com/office/powerpoint/2010/main" Requires="p14">
+      <p:transition spd="slow" p14:dur="1600">
+        <p14:gallery dir="l"/>
+      </p:transition>
+    </mc:Choice>
+    <mc:Fallback>
+      <p:transition spd="slow">
+        <p:fade/>
+      </p:transition>
+    </mc:Fallback>
+  </mc:AlternateContent>
+</p:sld>
+</file>
+
+<file path=ppt/slides/slide16.xml><?xml version="1.0" encoding="utf-8"?>
+<p:sld xmlns:a="http://schemas.openxmlformats.org/drawingml/2006/main" xmlns:r="http://schemas.openxmlformats.org/officeDocument/2006/relationships" xmlns:p="http://schemas.openxmlformats.org/presentationml/2006/main">
+  <p:cSld>
+    <p:spTree>
+      <p:nvGrpSpPr>
+        <p:cNvPr id="1" name=""/>
+        <p:cNvGrpSpPr/>
+        <p:nvPr/>
+      </p:nvGrpSpPr>
+      <p:grpSpPr>
+        <a:xfrm>
+          <a:off x="0" y="0"/>
+          <a:ext cx="0" cy="0"/>
+          <a:chOff x="0" y="0"/>
+          <a:chExt cx="0" cy="0"/>
+        </a:xfrm>
+      </p:grpSpPr>
+      <p:sp>
+        <p:nvSpPr>
+          <p:cNvPr id="2" name="等腰三角形 1"/>
+          <p:cNvSpPr/>
+          <p:nvPr/>
+        </p:nvSpPr>
+        <p:spPr>
+          <a:xfrm rot="5400000">
+            <a:off x="5190237" y="-5198360"/>
+            <a:ext cx="1811529" cy="12192003"/>
+          </a:xfrm>
+          <a:prstGeom prst="triangle">
+            <a:avLst>
+              <a:gd name="adj" fmla="val 0"/>
+            </a:avLst>
+          </a:prstGeom>
+          <a:solidFill>
+            <a:srgbClr val="44546A"/>
+          </a:solidFill>
+          <a:ln>
+            <a:solidFill>
+              <a:srgbClr val="44546A"/>
+            </a:solidFill>
+          </a:ln>
+        </p:spPr>
+        <p:style>
+          <a:lnRef idx="2">
+            <a:schemeClr val="accent1">
+              <a:shade val="50000"/>
+            </a:schemeClr>
+          </a:lnRef>
+          <a:fillRef idx="1">
+            <a:schemeClr val="accent1"/>
+          </a:fillRef>
+          <a:effectRef idx="0">
+            <a:schemeClr val="accent1"/>
+          </a:effectRef>
+          <a:fontRef idx="minor">
+            <a:schemeClr val="lt1"/>
+          </a:fontRef>
+        </p:style>
+        <p:txBody>
+          <a:bodyPr rtlCol="0" anchor="ctr"/>
+          <a:lstStyle/>
+          <a:p>
+            <a:pPr algn="ctr"/>
+            <a:endParaRPr lang="zh-CN" altLang="en-US" sz="2400"/>
+          </a:p>
+        </p:txBody>
+      </p:sp>
+      <p:sp>
+        <p:nvSpPr>
+          <p:cNvPr id="27" name="文本框 26"/>
+          <p:cNvSpPr txBox="1"/>
+          <p:nvPr/>
+        </p:nvSpPr>
+        <p:spPr>
+          <a:xfrm>
+            <a:off x="353800" y="184666"/>
+            <a:ext cx="6859452" cy="646203"/>
+          </a:xfrm>
+          <a:prstGeom prst="rect">
+            <a:avLst/>
+          </a:prstGeom>
+          <a:noFill/>
+        </p:spPr>
+        <p:txBody>
+          <a:bodyPr wrap="square">
+            <a:spAutoFit/>
+          </a:bodyPr>
+          <a:lstStyle>
+            <a:defPPr>
+              <a:defRPr lang="zh-CN"/>
+            </a:defPPr>
+            <a:lvl1pPr algn="ctr">
+              <a:lnSpc>
+                <a:spcPct val="150000"/>
+              </a:lnSpc>
+              <a:defRPr sz="1400">
+                <a:gradFill>
+                  <a:gsLst>
+                    <a:gs pos="0">
+                      <a:srgbClr val="08AEEA"/>
+                    </a:gs>
+                    <a:gs pos="100000">
+                      <a:srgbClr val="2AF598"/>
+                    </a:gs>
+                  </a:gsLst>
+                  <a:lin ang="2700000" scaled="0"/>
+                </a:gradFill>
+                <a:latin typeface="微软雅黑" panose="020B0503020204020204" pitchFamily="34" charset="-122"/>
+                <a:ea typeface="微软雅黑" panose="020B0503020204020204" pitchFamily="34" charset="-122"/>
+              </a:defRPr>
+            </a:lvl1pPr>
+          </a:lstStyle>
+          <a:p>
+            <a:pPr algn="l">
+              <a:lnSpc>
+                <a:spcPct val="100000"/>
+              </a:lnSpc>
+              <a:defRPr/>
+            </a:pPr>
+            <a:r>
+              <a:rPr lang="zh-CN" altLang="en-US" sz="3600" b="1" dirty="0">
+                <a:solidFill>
+                  <a:schemeClr val="bg2">
+                    <a:lumMod val="50000"/>
+                  </a:schemeClr>
+                </a:solidFill>
+                <a:latin typeface="+mn-lt"/>
+                <a:ea typeface="+mn-ea"/>
+                <a:cs typeface="+mn-ea"/>
+                <a:sym typeface="+mn-lt"/>
+              </a:rPr>
+              <a:t>附录：代码清单（部分）</a:t>
+            </a:r>
+            <a:endParaRPr lang="zh-CN" altLang="en-US" sz="3600" b="1" dirty="0">
+              <a:solidFill>
+                <a:schemeClr val="bg2">
+                  <a:lumMod val="50000"/>
+                </a:schemeClr>
+              </a:solidFill>
+              <a:latin typeface="+mn-lt"/>
+              <a:ea typeface="+mn-ea"/>
+              <a:cs typeface="+mn-ea"/>
+              <a:sym typeface="+mn-lt"/>
+            </a:endParaRPr>
+          </a:p>
+        </p:txBody>
+      </p:sp>
+      <p:pic>
+        <p:nvPicPr>
+          <p:cNvPr id="3" name="图片 1"/>
+          <p:cNvPicPr>
+            <a:picLocks noChangeAspect="1"/>
+          </p:cNvPicPr>
+          <p:nvPr>
+            <p:custDataLst>
+              <p:tags r:id="rId1"/>
+            </p:custDataLst>
+          </p:nvPr>
+        </p:nvPicPr>
+        <p:blipFill>
+          <a:blip r:embed="rId2"/>
+          <a:stretch>
+            <a:fillRect/>
+          </a:stretch>
+        </p:blipFill>
+        <p:spPr>
+          <a:xfrm>
+            <a:off x="2638425" y="1803400"/>
+            <a:ext cx="1965960" cy="4206240"/>
+          </a:xfrm>
+          <a:prstGeom prst="rect">
+            <a:avLst/>
+          </a:prstGeom>
+          <a:noFill/>
+          <a:ln>
+            <a:noFill/>
+          </a:ln>
+        </p:spPr>
+      </p:pic>
+      <p:sp>
+        <p:nvSpPr>
+          <p:cNvPr id="4" name="文本框 3"/>
+          <p:cNvSpPr txBox="1"/>
+          <p:nvPr/>
+        </p:nvSpPr>
+        <p:spPr>
+          <a:xfrm>
+            <a:off x="5942965" y="1706880"/>
+            <a:ext cx="4097020" cy="2861310"/>
+          </a:xfrm>
+          <a:prstGeom prst="rect">
+            <a:avLst/>
+          </a:prstGeom>
+          <a:noFill/>
+        </p:spPr>
+        <p:txBody>
+          <a:bodyPr wrap="square" rtlCol="0">
+            <a:spAutoFit/>
+          </a:bodyPr>
+          <a:p>
+            <a:r>
+              <a:rPr lang="zh-CN" altLang="en-US"/>
+              <a:t>Pages：页面目录文件夹</a:t>
+            </a:r>
+            <a:endParaRPr lang="zh-CN" altLang="en-US"/>
+          </a:p>
+          <a:p>
+            <a:r>
+              <a:rPr lang="zh-CN" altLang="en-US"/>
+              <a:t>changeimg：头像修改页面文件夹</a:t>
+            </a:r>
+            <a:endParaRPr lang="zh-CN" altLang="en-US"/>
+          </a:p>
+          <a:p>
+            <a:r>
+              <a:rPr lang="zh-CN" altLang="en-US"/>
+              <a:t>changename：名称修改页面文件夹</a:t>
+            </a:r>
+            <a:endParaRPr lang="zh-CN" altLang="en-US"/>
+          </a:p>
+          <a:p>
+            <a:r>
+              <a:rPr lang="zh-CN" altLang="en-US"/>
+              <a:t>login：登录页面文件夹</a:t>
+            </a:r>
+            <a:endParaRPr lang="zh-CN" altLang="en-US"/>
+          </a:p>
+          <a:p>
+            <a:r>
+              <a:rPr lang="zh-CN" altLang="en-US"/>
+              <a:t>myinfo：个人信息页面文件夹</a:t>
+            </a:r>
+            <a:endParaRPr lang="zh-CN" altLang="en-US"/>
+          </a:p>
+          <a:p>
+            <a:r>
+              <a:rPr lang="zh-CN" altLang="en-US"/>
+              <a:t>rank：排名页面文件夹</a:t>
+            </a:r>
+            <a:endParaRPr lang="zh-CN" altLang="en-US"/>
+          </a:p>
+          <a:p>
+            <a:r>
+              <a:rPr lang="zh-CN" altLang="en-US"/>
+              <a:t>runtest：测试页面文件夹</a:t>
+            </a:r>
+            <a:endParaRPr lang="zh-CN" altLang="en-US"/>
+          </a:p>
+          <a:p>
+            <a:r>
+              <a:rPr lang="zh-CN" altLang="en-US"/>
+              <a:t>image：图片素材文件夹</a:t>
+            </a:r>
+            <a:endParaRPr lang="zh-CN" altLang="en-US"/>
+          </a:p>
+          <a:p>
+            <a:endParaRPr lang="zh-CN" altLang="en-US"/>
+          </a:p>
+          <a:p>
+            <a:r>
+              <a:rPr lang="zh-CN" altLang="en-US"/>
+              <a:t>其他：各种配置文件</a:t>
             </a:r>
             <a:endParaRPr lang="zh-CN" altLang="en-US"/>
           </a:p>
@@ -8356,7 +8399,7 @@
                 <a:cs typeface="+mn-ea"/>
                 <a:sym typeface="+mn-lt"/>
               </a:rPr>
-              <a:t>附录：代码清单（部分）</a:t>
+              <a:t>附录：参考文献</a:t>
             </a:r>
             <a:endParaRPr lang="zh-CN" altLang="en-US" sz="3600" b="1" dirty="0">
               <a:solidFill>
@@ -8372,48 +8415,16 @@
           </a:p>
         </p:txBody>
       </p:sp>
-      <p:pic>
-        <p:nvPicPr>
-          <p:cNvPr id="3" name="图片 1"/>
-          <p:cNvPicPr>
-            <a:picLocks noChangeAspect="1"/>
-          </p:cNvPicPr>
-          <p:nvPr>
-            <p:custDataLst>
-              <p:tags r:id="rId1"/>
-            </p:custDataLst>
-          </p:nvPr>
-        </p:nvPicPr>
-        <p:blipFill>
-          <a:blip r:embed="rId2"/>
-          <a:stretch>
-            <a:fillRect/>
-          </a:stretch>
-        </p:blipFill>
+      <p:sp>
+        <p:nvSpPr>
+          <p:cNvPr id="5" name="文本框 4"/>
+          <p:cNvSpPr txBox="1"/>
+          <p:nvPr/>
+        </p:nvSpPr>
         <p:spPr>
           <a:xfrm>
-            <a:off x="2638425" y="1803400"/>
-            <a:ext cx="1965960" cy="4206240"/>
-          </a:xfrm>
-          <a:prstGeom prst="rect">
-            <a:avLst/>
-          </a:prstGeom>
-          <a:noFill/>
-          <a:ln>
-            <a:noFill/>
-          </a:ln>
-        </p:spPr>
-      </p:pic>
-      <p:sp>
-        <p:nvSpPr>
-          <p:cNvPr id="4" name="文本框 3"/>
-          <p:cNvSpPr txBox="1"/>
-          <p:nvPr/>
-        </p:nvSpPr>
-        <p:spPr>
-          <a:xfrm>
-            <a:off x="5942965" y="1706880"/>
-            <a:ext cx="4097020" cy="2861310"/>
+            <a:off x="661785" y="2818136"/>
+            <a:ext cx="7114310" cy="1222375"/>
           </a:xfrm>
           <a:prstGeom prst="rect">
             <a:avLst/>
@@ -8421,74 +8432,133 @@
           <a:noFill/>
         </p:spPr>
         <p:txBody>
-          <a:bodyPr wrap="square" rtlCol="0">
+          <a:bodyPr wrap="square">
             <a:spAutoFit/>
           </a:bodyPr>
-          <a:p>
-            <a:r>
-              <a:rPr lang="zh-CN" altLang="en-US"/>
-              <a:t>Pages：页面目录文件夹</a:t>
-            </a:r>
-            <a:endParaRPr lang="zh-CN" altLang="en-US"/>
-          </a:p>
-          <a:p>
-            <a:r>
-              <a:rPr lang="zh-CN" altLang="en-US"/>
-              <a:t>changeimg：头像修改页面文件夹</a:t>
-            </a:r>
-            <a:endParaRPr lang="zh-CN" altLang="en-US"/>
-          </a:p>
-          <a:p>
-            <a:r>
-              <a:rPr lang="zh-CN" altLang="en-US"/>
-              <a:t>changename：名称修改页面文件夹</a:t>
-            </a:r>
-            <a:endParaRPr lang="zh-CN" altLang="en-US"/>
-          </a:p>
-          <a:p>
-            <a:r>
-              <a:rPr lang="zh-CN" altLang="en-US"/>
-              <a:t>login：登录页面文件夹</a:t>
-            </a:r>
-            <a:endParaRPr lang="zh-CN" altLang="en-US"/>
-          </a:p>
-          <a:p>
-            <a:r>
-              <a:rPr lang="zh-CN" altLang="en-US"/>
-              <a:t>myinfo：个人信息页面文件夹</a:t>
-            </a:r>
-            <a:endParaRPr lang="zh-CN" altLang="en-US"/>
-          </a:p>
-          <a:p>
-            <a:r>
-              <a:rPr lang="zh-CN" altLang="en-US"/>
-              <a:t>rank：排名页面文件夹</a:t>
-            </a:r>
-            <a:endParaRPr lang="zh-CN" altLang="en-US"/>
-          </a:p>
-          <a:p>
-            <a:r>
-              <a:rPr lang="zh-CN" altLang="en-US"/>
-              <a:t>runtest：测试页面文件夹</a:t>
-            </a:r>
-            <a:endParaRPr lang="zh-CN" altLang="en-US"/>
-          </a:p>
-          <a:p>
-            <a:r>
-              <a:rPr lang="zh-CN" altLang="en-US"/>
-              <a:t>image：图片素材文件夹</a:t>
-            </a:r>
-            <a:endParaRPr lang="zh-CN" altLang="en-US"/>
-          </a:p>
-          <a:p>
-            <a:endParaRPr lang="zh-CN" altLang="en-US"/>
-          </a:p>
-          <a:p>
-            <a:r>
-              <a:rPr lang="zh-CN" altLang="en-US"/>
-              <a:t>其他：各种配置文件</a:t>
-            </a:r>
-            <a:endParaRPr lang="zh-CN" altLang="en-US"/>
+          <a:lstStyle/>
+          <a:p>
+            <a:pPr>
+              <a:lnSpc>
+                <a:spcPct val="115000"/>
+              </a:lnSpc>
+            </a:pPr>
+            <a:r>
+              <a:rPr lang="zh-CN" altLang="zh-CN" sz="1600" dirty="0">
+                <a:solidFill>
+                  <a:srgbClr val="445469"/>
+                </a:solidFill>
+                <a:latin typeface="Arial" panose="020B0604020202020204"/>
+                <a:ea typeface="宋体" panose="02010600030101010101" pitchFamily="2" charset="-122"/>
+                <a:cs typeface="Times New Roman" panose="02020603050405020304" pitchFamily="18" charset="0"/>
+                <a:sym typeface="+mn-ea"/>
+              </a:rPr>
+              <a:t>[1] 软件项目管理（原书第8版）[M]北京：机械工业出版社</a:t>
+            </a:r>
+            <a:endParaRPr lang="zh-CN" altLang="zh-CN" sz="1600" dirty="0">
+              <a:solidFill>
+                <a:srgbClr val="445469"/>
+              </a:solidFill>
+              <a:latin typeface="Arial" panose="020B0604020202020204"/>
+              <a:ea typeface="宋体" panose="02010600030101010101" pitchFamily="2" charset="-122"/>
+              <a:cs typeface="Times New Roman" panose="02020603050405020304" pitchFamily="18" charset="0"/>
+              <a:sym typeface="+mn-ea"/>
+            </a:endParaRPr>
+          </a:p>
+          <a:p>
+            <a:pPr>
+              <a:lnSpc>
+                <a:spcPct val="115000"/>
+              </a:lnSpc>
+            </a:pPr>
+            <a:r>
+              <a:rPr lang="en-US" altLang="zh-CN" sz="1600" dirty="0">
+                <a:solidFill>
+                  <a:srgbClr val="445469"/>
+                </a:solidFill>
+                <a:latin typeface="Arial" panose="020B0604020202020204"/>
+                <a:ea typeface="宋体" panose="02010600030101010101" pitchFamily="2" charset="-122"/>
+                <a:cs typeface="Times New Roman" panose="02020603050405020304" pitchFamily="18" charset="0"/>
+                <a:sym typeface="+mn-ea"/>
+              </a:rPr>
+              <a:t>[2]</a:t>
+            </a:r>
+            <a:r>
+              <a:rPr lang="zh-CN" altLang="zh-CN" sz="1600" dirty="0">
+                <a:solidFill>
+                  <a:srgbClr val="445469"/>
+                </a:solidFill>
+                <a:latin typeface="Arial" panose="020B0604020202020204"/>
+                <a:ea typeface="宋体" panose="02010600030101010101" pitchFamily="2" charset="-122"/>
+                <a:cs typeface="Times New Roman" panose="02020603050405020304" pitchFamily="18" charset="0"/>
+                <a:sym typeface="+mn-ea"/>
+              </a:rPr>
+              <a:t>https://blog.csdn.net/weixin_45756488/article/details/121772958</a:t>
+            </a:r>
+            <a:endParaRPr lang="zh-CN" altLang="zh-CN" sz="1600" dirty="0">
+              <a:solidFill>
+                <a:srgbClr val="445469"/>
+              </a:solidFill>
+              <a:latin typeface="Arial" panose="020B0604020202020204"/>
+              <a:ea typeface="宋体" panose="02010600030101010101" pitchFamily="2" charset="-122"/>
+              <a:cs typeface="Times New Roman" panose="02020603050405020304" pitchFamily="18" charset="0"/>
+              <a:sym typeface="+mn-ea"/>
+            </a:endParaRPr>
+          </a:p>
+          <a:p>
+            <a:pPr>
+              <a:lnSpc>
+                <a:spcPct val="115000"/>
+              </a:lnSpc>
+            </a:pPr>
+            <a:r>
+              <a:rPr lang="en-US" altLang="zh-CN" sz="1600" dirty="0">
+                <a:solidFill>
+                  <a:srgbClr val="445469"/>
+                </a:solidFill>
+                <a:latin typeface="Arial" panose="020B0604020202020204"/>
+                <a:ea typeface="宋体" panose="02010600030101010101" pitchFamily="2" charset="-122"/>
+                <a:cs typeface="Times New Roman" panose="02020603050405020304" pitchFamily="18" charset="0"/>
+                <a:sym typeface="+mn-ea"/>
+              </a:rPr>
+              <a:t>[3]https://blog.csdn.net/m0_61504888/article/details/123368011</a:t>
+            </a:r>
+            <a:endParaRPr lang="en-US" altLang="zh-CN" sz="1600" dirty="0">
+              <a:solidFill>
+                <a:srgbClr val="445469"/>
+              </a:solidFill>
+              <a:latin typeface="Arial" panose="020B0604020202020204"/>
+              <a:ea typeface="宋体" panose="02010600030101010101" pitchFamily="2" charset="-122"/>
+              <a:cs typeface="Times New Roman" panose="02020603050405020304" pitchFamily="18" charset="0"/>
+              <a:sym typeface="+mn-ea"/>
+            </a:endParaRPr>
+          </a:p>
+          <a:p>
+            <a:pPr>
+              <a:lnSpc>
+                <a:spcPct val="115000"/>
+              </a:lnSpc>
+            </a:pPr>
+            <a:r>
+              <a:rPr lang="en-US" altLang="zh-CN" sz="1600" dirty="0">
+                <a:solidFill>
+                  <a:srgbClr val="445469"/>
+                </a:solidFill>
+                <a:latin typeface="Arial" panose="020B0604020202020204"/>
+                <a:ea typeface="宋体" panose="02010600030101010101" pitchFamily="2" charset="-122"/>
+                <a:cs typeface="Times New Roman" panose="02020603050405020304" pitchFamily="18" charset="0"/>
+                <a:sym typeface="+mn-ea"/>
+              </a:rPr>
+              <a:t>…….</a:t>
+            </a:r>
+            <a:endParaRPr lang="en-US" altLang="zh-CN" sz="1600" dirty="0">
+              <a:solidFill>
+                <a:srgbClr val="445469"/>
+              </a:solidFill>
+              <a:latin typeface="Arial" panose="020B0604020202020204"/>
+              <a:ea typeface="宋体" panose="02010600030101010101" pitchFamily="2" charset="-122"/>
+              <a:cs typeface="Times New Roman" panose="02020603050405020304" pitchFamily="18" charset="0"/>
+              <a:sym typeface="+mn-ea"/>
+            </a:endParaRPr>
           </a:p>
         </p:txBody>
       </p:sp>
@@ -8513,320 +8583,6 @@
 </file>
 
 <file path=ppt/slides/slide18.xml><?xml version="1.0" encoding="utf-8"?>
-<p:sld xmlns:a="http://schemas.openxmlformats.org/drawingml/2006/main" xmlns:r="http://schemas.openxmlformats.org/officeDocument/2006/relationships" xmlns:p="http://schemas.openxmlformats.org/presentationml/2006/main">
-  <p:cSld>
-    <p:spTree>
-      <p:nvGrpSpPr>
-        <p:cNvPr id="1" name=""/>
-        <p:cNvGrpSpPr/>
-        <p:nvPr/>
-      </p:nvGrpSpPr>
-      <p:grpSpPr>
-        <a:xfrm>
-          <a:off x="0" y="0"/>
-          <a:ext cx="0" cy="0"/>
-          <a:chOff x="0" y="0"/>
-          <a:chExt cx="0" cy="0"/>
-        </a:xfrm>
-      </p:grpSpPr>
-      <p:sp>
-        <p:nvSpPr>
-          <p:cNvPr id="2" name="等腰三角形 1"/>
-          <p:cNvSpPr/>
-          <p:nvPr/>
-        </p:nvSpPr>
-        <p:spPr>
-          <a:xfrm rot="5400000">
-            <a:off x="5190237" y="-5198360"/>
-            <a:ext cx="1811529" cy="12192003"/>
-          </a:xfrm>
-          <a:prstGeom prst="triangle">
-            <a:avLst>
-              <a:gd name="adj" fmla="val 0"/>
-            </a:avLst>
-          </a:prstGeom>
-          <a:solidFill>
-            <a:srgbClr val="44546A"/>
-          </a:solidFill>
-          <a:ln>
-            <a:solidFill>
-              <a:srgbClr val="44546A"/>
-            </a:solidFill>
-          </a:ln>
-        </p:spPr>
-        <p:style>
-          <a:lnRef idx="2">
-            <a:schemeClr val="accent1">
-              <a:shade val="50000"/>
-            </a:schemeClr>
-          </a:lnRef>
-          <a:fillRef idx="1">
-            <a:schemeClr val="accent1"/>
-          </a:fillRef>
-          <a:effectRef idx="0">
-            <a:schemeClr val="accent1"/>
-          </a:effectRef>
-          <a:fontRef idx="minor">
-            <a:schemeClr val="lt1"/>
-          </a:fontRef>
-        </p:style>
-        <p:txBody>
-          <a:bodyPr rtlCol="0" anchor="ctr"/>
-          <a:lstStyle/>
-          <a:p>
-            <a:pPr algn="ctr"/>
-            <a:endParaRPr lang="zh-CN" altLang="en-US" sz="2400"/>
-          </a:p>
-        </p:txBody>
-      </p:sp>
-      <p:sp>
-        <p:nvSpPr>
-          <p:cNvPr id="27" name="文本框 26"/>
-          <p:cNvSpPr txBox="1"/>
-          <p:nvPr/>
-        </p:nvSpPr>
-        <p:spPr>
-          <a:xfrm>
-            <a:off x="353800" y="184666"/>
-            <a:ext cx="6859452" cy="646203"/>
-          </a:xfrm>
-          <a:prstGeom prst="rect">
-            <a:avLst/>
-          </a:prstGeom>
-          <a:noFill/>
-        </p:spPr>
-        <p:txBody>
-          <a:bodyPr wrap="square">
-            <a:spAutoFit/>
-          </a:bodyPr>
-          <a:lstStyle>
-            <a:defPPr>
-              <a:defRPr lang="zh-CN"/>
-            </a:defPPr>
-            <a:lvl1pPr algn="ctr">
-              <a:lnSpc>
-                <a:spcPct val="150000"/>
-              </a:lnSpc>
-              <a:defRPr sz="1400">
-                <a:gradFill>
-                  <a:gsLst>
-                    <a:gs pos="0">
-                      <a:srgbClr val="08AEEA"/>
-                    </a:gs>
-                    <a:gs pos="100000">
-                      <a:srgbClr val="2AF598"/>
-                    </a:gs>
-                  </a:gsLst>
-                  <a:lin ang="2700000" scaled="0"/>
-                </a:gradFill>
-                <a:latin typeface="微软雅黑" panose="020B0503020204020204" pitchFamily="34" charset="-122"/>
-                <a:ea typeface="微软雅黑" panose="020B0503020204020204" pitchFamily="34" charset="-122"/>
-              </a:defRPr>
-            </a:lvl1pPr>
-          </a:lstStyle>
-          <a:p>
-            <a:pPr algn="l">
-              <a:lnSpc>
-                <a:spcPct val="100000"/>
-              </a:lnSpc>
-              <a:defRPr/>
-            </a:pPr>
-            <a:r>
-              <a:rPr lang="zh-CN" altLang="en-US" sz="3600" b="1" dirty="0">
-                <a:solidFill>
-                  <a:schemeClr val="bg2">
-                    <a:lumMod val="50000"/>
-                  </a:schemeClr>
-                </a:solidFill>
-                <a:latin typeface="+mn-lt"/>
-                <a:ea typeface="+mn-ea"/>
-                <a:cs typeface="+mn-ea"/>
-                <a:sym typeface="+mn-lt"/>
-              </a:rPr>
-              <a:t>附录：参考文献</a:t>
-            </a:r>
-            <a:endParaRPr lang="zh-CN" altLang="en-US" sz="3600" b="1" dirty="0">
-              <a:solidFill>
-                <a:schemeClr val="bg2">
-                  <a:lumMod val="50000"/>
-                </a:schemeClr>
-              </a:solidFill>
-              <a:latin typeface="+mn-lt"/>
-              <a:ea typeface="+mn-ea"/>
-              <a:cs typeface="+mn-ea"/>
-              <a:sym typeface="+mn-lt"/>
-            </a:endParaRPr>
-          </a:p>
-        </p:txBody>
-      </p:sp>
-      <p:sp>
-        <p:nvSpPr>
-          <p:cNvPr id="5" name="文本框 4"/>
-          <p:cNvSpPr txBox="1"/>
-          <p:nvPr/>
-        </p:nvSpPr>
-        <p:spPr>
-          <a:xfrm>
-            <a:off x="661785" y="2818136"/>
-            <a:ext cx="7114310" cy="1222375"/>
-          </a:xfrm>
-          <a:prstGeom prst="rect">
-            <a:avLst/>
-          </a:prstGeom>
-          <a:noFill/>
-        </p:spPr>
-        <p:txBody>
-          <a:bodyPr wrap="square">
-            <a:spAutoFit/>
-          </a:bodyPr>
-          <a:lstStyle/>
-          <a:p>
-            <a:pPr>
-              <a:lnSpc>
-                <a:spcPct val="115000"/>
-              </a:lnSpc>
-            </a:pPr>
-            <a:r>
-              <a:rPr lang="zh-CN" altLang="zh-CN" sz="1600" dirty="0">
-                <a:solidFill>
-                  <a:srgbClr val="445469"/>
-                </a:solidFill>
-                <a:latin typeface="Arial" panose="020B0604020202020204"/>
-                <a:ea typeface="宋体" panose="02010600030101010101" pitchFamily="2" charset="-122"/>
-                <a:cs typeface="Times New Roman" panose="02020603050405020304" pitchFamily="18" charset="0"/>
-                <a:sym typeface="+mn-ea"/>
-              </a:rPr>
-              <a:t>[1] 软件项目管理（原书第8版）[M]北京：机械工业出版社</a:t>
-            </a:r>
-            <a:endParaRPr lang="zh-CN" altLang="zh-CN" sz="1600" dirty="0">
-              <a:solidFill>
-                <a:srgbClr val="445469"/>
-              </a:solidFill>
-              <a:latin typeface="Arial" panose="020B0604020202020204"/>
-              <a:ea typeface="宋体" panose="02010600030101010101" pitchFamily="2" charset="-122"/>
-              <a:cs typeface="Times New Roman" panose="02020603050405020304" pitchFamily="18" charset="0"/>
-              <a:sym typeface="+mn-ea"/>
-            </a:endParaRPr>
-          </a:p>
-          <a:p>
-            <a:pPr>
-              <a:lnSpc>
-                <a:spcPct val="115000"/>
-              </a:lnSpc>
-            </a:pPr>
-            <a:r>
-              <a:rPr lang="en-US" altLang="zh-CN" sz="1600" dirty="0">
-                <a:solidFill>
-                  <a:srgbClr val="445469"/>
-                </a:solidFill>
-                <a:latin typeface="Arial" panose="020B0604020202020204"/>
-                <a:ea typeface="宋体" panose="02010600030101010101" pitchFamily="2" charset="-122"/>
-                <a:cs typeface="Times New Roman" panose="02020603050405020304" pitchFamily="18" charset="0"/>
-                <a:sym typeface="+mn-ea"/>
-              </a:rPr>
-              <a:t>[2]</a:t>
-            </a:r>
-            <a:r>
-              <a:rPr lang="zh-CN" altLang="zh-CN" sz="1600" dirty="0">
-                <a:solidFill>
-                  <a:srgbClr val="445469"/>
-                </a:solidFill>
-                <a:latin typeface="Arial" panose="020B0604020202020204"/>
-                <a:ea typeface="宋体" panose="02010600030101010101" pitchFamily="2" charset="-122"/>
-                <a:cs typeface="Times New Roman" panose="02020603050405020304" pitchFamily="18" charset="0"/>
-                <a:sym typeface="+mn-ea"/>
-              </a:rPr>
-              <a:t>https://blog.csdn.net/weixin_45756488/article/details/121772958</a:t>
-            </a:r>
-            <a:endParaRPr lang="zh-CN" altLang="zh-CN" sz="1600" dirty="0">
-              <a:solidFill>
-                <a:srgbClr val="445469"/>
-              </a:solidFill>
-              <a:latin typeface="Arial" panose="020B0604020202020204"/>
-              <a:ea typeface="宋体" panose="02010600030101010101" pitchFamily="2" charset="-122"/>
-              <a:cs typeface="Times New Roman" panose="02020603050405020304" pitchFamily="18" charset="0"/>
-              <a:sym typeface="+mn-ea"/>
-            </a:endParaRPr>
-          </a:p>
-          <a:p>
-            <a:pPr>
-              <a:lnSpc>
-                <a:spcPct val="115000"/>
-              </a:lnSpc>
-            </a:pPr>
-            <a:r>
-              <a:rPr lang="en-US" altLang="zh-CN" sz="1600" dirty="0">
-                <a:solidFill>
-                  <a:srgbClr val="445469"/>
-                </a:solidFill>
-                <a:latin typeface="Arial" panose="020B0604020202020204"/>
-                <a:ea typeface="宋体" panose="02010600030101010101" pitchFamily="2" charset="-122"/>
-                <a:cs typeface="Times New Roman" panose="02020603050405020304" pitchFamily="18" charset="0"/>
-                <a:sym typeface="+mn-ea"/>
-              </a:rPr>
-              <a:t>[3]https://blog.csdn.net/m0_61504888/article/details/123368011</a:t>
-            </a:r>
-            <a:endParaRPr lang="en-US" altLang="zh-CN" sz="1600" dirty="0">
-              <a:solidFill>
-                <a:srgbClr val="445469"/>
-              </a:solidFill>
-              <a:latin typeface="Arial" panose="020B0604020202020204"/>
-              <a:ea typeface="宋体" panose="02010600030101010101" pitchFamily="2" charset="-122"/>
-              <a:cs typeface="Times New Roman" panose="02020603050405020304" pitchFamily="18" charset="0"/>
-              <a:sym typeface="+mn-ea"/>
-            </a:endParaRPr>
-          </a:p>
-          <a:p>
-            <a:pPr>
-              <a:lnSpc>
-                <a:spcPct val="115000"/>
-              </a:lnSpc>
-            </a:pPr>
-            <a:r>
-              <a:rPr lang="en-US" altLang="zh-CN" sz="1600" dirty="0">
-                <a:solidFill>
-                  <a:srgbClr val="445469"/>
-                </a:solidFill>
-                <a:latin typeface="Arial" panose="020B0604020202020204"/>
-                <a:ea typeface="宋体" panose="02010600030101010101" pitchFamily="2" charset="-122"/>
-                <a:cs typeface="Times New Roman" panose="02020603050405020304" pitchFamily="18" charset="0"/>
-                <a:sym typeface="+mn-ea"/>
-              </a:rPr>
-              <a:t>…….</a:t>
-            </a:r>
-            <a:endParaRPr lang="en-US" altLang="zh-CN" sz="1600" dirty="0">
-              <a:solidFill>
-                <a:srgbClr val="445469"/>
-              </a:solidFill>
-              <a:latin typeface="Arial" panose="020B0604020202020204"/>
-              <a:ea typeface="宋体" panose="02010600030101010101" pitchFamily="2" charset="-122"/>
-              <a:cs typeface="Times New Roman" panose="02020603050405020304" pitchFamily="18" charset="0"/>
-              <a:sym typeface="+mn-ea"/>
-            </a:endParaRPr>
-          </a:p>
-        </p:txBody>
-      </p:sp>
-    </p:spTree>
-  </p:cSld>
-  <p:clrMapOvr>
-    <a:masterClrMapping/>
-  </p:clrMapOvr>
-  <mc:AlternateContent xmlns:mc="http://schemas.openxmlformats.org/markup-compatibility/2006">
-    <mc:Choice xmlns:p14="http://schemas.microsoft.com/office/powerpoint/2010/main" Requires="p14">
-      <p:transition spd="slow" p14:dur="1600">
-        <p14:gallery dir="l"/>
-      </p:transition>
-    </mc:Choice>
-    <mc:Fallback>
-      <p:transition spd="slow">
-        <p:fade/>
-      </p:transition>
-    </mc:Fallback>
-  </mc:AlternateContent>
-</p:sld>
-</file>
-
-<file path=ppt/slides/slide19.xml><?xml version="1.0" encoding="utf-8"?>
 <p:sld xmlns:a="http://schemas.openxmlformats.org/drawingml/2006/main" xmlns:r="http://schemas.openxmlformats.org/officeDocument/2006/relationships" xmlns:p="http://schemas.openxmlformats.org/presentationml/2006/main">
   <p:cSld>
     <p:spTree>
@@ -12911,7 +12667,7 @@
         <p:spPr>
           <a:xfrm>
             <a:off x="2136140" y="2142490"/>
-            <a:ext cx="6846570" cy="645160"/>
+            <a:ext cx="6846570" cy="1476375"/>
           </a:xfrm>
           <a:prstGeom prst="rect">
             <a:avLst/>
@@ -12930,6 +12686,51 @@
             <a:endParaRPr lang="zh-CN" altLang="en-US"/>
           </a:p>
           <a:p>
+            <a:r>
+              <a:rPr lang="zh-CN" altLang="en-US"/>
+              <a:t>自顶向下</a:t>
+            </a:r>
+            <a:r>
+              <a:rPr lang="zh-CN" altLang="en-US"/>
+              <a:t>测试</a:t>
+            </a:r>
+            <a:endParaRPr lang="zh-CN" altLang="en-US"/>
+          </a:p>
+          <a:p>
+            <a:r>
+              <a:rPr lang="en-US" altLang="zh-CN"/>
+              <a:t>1.</a:t>
+            </a:r>
+            <a:r>
+              <a:rPr lang="zh-CN" altLang="en-US"/>
+              <a:t>登录模块接口跳转到测试界面接口</a:t>
+            </a:r>
+            <a:endParaRPr lang="en-US" altLang="zh-CN"/>
+          </a:p>
+          <a:p>
+            <a:r>
+              <a:rPr lang="en-US" altLang="zh-CN"/>
+              <a:t>2.</a:t>
+            </a:r>
+            <a:r>
+              <a:rPr lang="zh-CN" altLang="en-US"/>
+              <a:t>测试界面，排名界面和我的界面三个接口相互连接</a:t>
+            </a:r>
+            <a:endParaRPr lang="en-US" altLang="zh-CN"/>
+          </a:p>
+          <a:p>
+            <a:r>
+              <a:rPr lang="en-US" altLang="zh-CN"/>
+              <a:t>3.</a:t>
+            </a:r>
+            <a:r>
+              <a:rPr lang="zh-CN" altLang="en-US"/>
+              <a:t>我的界面接口与修改头像和修改昵称接口</a:t>
+            </a:r>
+            <a:r>
+              <a:rPr lang="zh-CN" altLang="en-US"/>
+              <a:t>连接</a:t>
+            </a:r>
             <a:endParaRPr lang="zh-CN" altLang="en-US"/>
           </a:p>
         </p:txBody>
@@ -13115,6 +12916,99 @@
           </a:p>
         </p:txBody>
       </p:sp>
+      <p:sp>
+        <p:nvSpPr>
+          <p:cNvPr id="3" name="文本框 2"/>
+          <p:cNvSpPr txBox="1"/>
+          <p:nvPr/>
+        </p:nvSpPr>
+        <p:spPr>
+          <a:xfrm>
+            <a:off x="1639570" y="2396490"/>
+            <a:ext cx="5092065" cy="1476375"/>
+          </a:xfrm>
+          <a:prstGeom prst="rect">
+            <a:avLst/>
+          </a:prstGeom>
+          <a:noFill/>
+        </p:spPr>
+        <p:txBody>
+          <a:bodyPr wrap="square" rtlCol="0">
+            <a:spAutoFit/>
+          </a:bodyPr>
+          <a:p>
+            <a:r>
+              <a:rPr lang="zh-CN" altLang="en-US"/>
+              <a:t>系统</a:t>
+            </a:r>
+            <a:r>
+              <a:rPr lang="zh-CN" altLang="en-US"/>
+              <a:t>测试：</a:t>
+            </a:r>
+            <a:endParaRPr lang="zh-CN" altLang="en-US"/>
+          </a:p>
+          <a:p>
+            <a:r>
+              <a:rPr lang="zh-CN" altLang="en-US"/>
+              <a:t>黑盒测试方法</a:t>
+            </a:r>
+            <a:r>
+              <a:rPr lang="zh-CN" altLang="en-US"/>
+              <a:t>的等价划分</a:t>
+            </a:r>
+            <a:r>
+              <a:rPr lang="zh-CN" altLang="en-US"/>
+              <a:t>法</a:t>
+            </a:r>
+            <a:endParaRPr lang="zh-CN" altLang="en-US"/>
+          </a:p>
+          <a:p>
+            <a:r>
+              <a:rPr lang="en-US" altLang="zh-CN"/>
+              <a:t>1.</a:t>
+            </a:r>
+            <a:r>
+              <a:rPr lang="zh-CN" altLang="en-US"/>
+              <a:t>划分点击次数为</a:t>
+            </a:r>
+            <a:r>
+              <a:rPr lang="zh-CN" altLang="en-US"/>
+              <a:t>等价类</a:t>
+            </a:r>
+            <a:endParaRPr lang="zh-CN" altLang="en-US"/>
+          </a:p>
+          <a:p>
+            <a:r>
+              <a:rPr lang="en-US" altLang="zh-CN"/>
+              <a:t>2.</a:t>
+            </a:r>
+            <a:r>
+              <a:rPr lang="zh-CN" altLang="en-US"/>
+              <a:t>考虑各个等价类的</a:t>
+            </a:r>
+            <a:r>
+              <a:rPr lang="zh-CN" altLang="en-US"/>
+              <a:t>点击方案</a:t>
+            </a:r>
+            <a:endParaRPr lang="zh-CN" altLang="en-US"/>
+          </a:p>
+          <a:p>
+            <a:r>
+              <a:rPr lang="en-US" altLang="zh-CN"/>
+              <a:t>3.</a:t>
+            </a:r>
+            <a:r>
+              <a:rPr lang="zh-CN" altLang="en-US"/>
+              <a:t>在测试中完成</a:t>
+            </a:r>
+            <a:r>
+              <a:rPr lang="zh-CN" altLang="en-US"/>
+              <a:t>各种情况</a:t>
+            </a:r>
+            <a:endParaRPr lang="zh-CN" altLang="en-US"/>
+          </a:p>
+        </p:txBody>
+      </p:sp>
     </p:spTree>
   </p:cSld>
   <p:clrMapOvr>
@@ -13150,7 +13044,7 @@
 <file path=ppt/tags/tag3.xml><?xml version="1.0" encoding="utf-8"?>
 <p:tagLst xmlns:p="http://schemas.openxmlformats.org/presentationml/2006/main">
   <p:tag name="KSO_WPP_MARK_KEY" val="eb9ece9b-bfac-42ff-8c95-042b94f89c37"/>
-  <p:tag name="COMMONDATA" val="eyJoZGlkIjoiODlkZGY5M2NjNTg0MDFlY2EwNDFhNjZlNmQ4ZGY2MmQifQ=="/>
+  <p:tag name="COMMONDATA" val="eyJoZGlkIjoiN2IzNDgwZGEyMmQzMzUwYjA4NjA4NGVjNmY5ZWQwMGEifQ=="/>
 </p:tagLst>
 </file>
 
